--- a/phase-2-project.pptx
+++ b/phase-2-project.pptx
@@ -11,8 +11,9 @@
     <p:sldId id="259" r:id="rId5"/>
     <p:sldId id="260" r:id="rId6"/>
     <p:sldId id="261" r:id="rId7"/>
-    <p:sldId id="262" r:id="rId8"/>
-    <p:sldId id="263" r:id="rId9"/>
+    <p:sldId id="264" r:id="rId8"/>
+    <p:sldId id="262" r:id="rId9"/>
+    <p:sldId id="263" r:id="rId10"/>
   </p:sldIdLst>
   <p:sldSz cx="12192000" cy="6858000"/>
   <p:notesSz cx="6858000" cy="9144000"/>
@@ -3319,12 +3320,14 @@
         </p:nvSpPr>
         <p:spPr/>
         <p:txBody>
-          <a:bodyPr/>
+          <a:bodyPr>
+            <a:normAutofit/>
+          </a:bodyPr>
           <a:lstStyle/>
           <a:p>
             <a:r>
               <a:rPr lang="en-US" dirty="0"/>
-              <a:t>Advising Emerald City Realtors on Sale Prices</a:t>
+              <a:t>Housing Sale Price Analysis in King County, WA</a:t>
             </a:r>
           </a:p>
         </p:txBody>
@@ -3439,26 +3442,28 @@
         </p:nvSpPr>
         <p:spPr/>
         <p:txBody>
-          <a:bodyPr/>
-          <a:lstStyle/>
-          <a:p>
+          <a:bodyPr>
+            <a:normAutofit/>
+          </a:bodyPr>
+          <a:lstStyle/>
+          <a:p>
+            <a:r>
+              <a:rPr lang="en-US" b="1" dirty="0"/>
+              <a:t>Business Problem</a:t>
+            </a:r>
             <a:r>
               <a:rPr lang="en-US" dirty="0"/>
-              <a:t>Completed on behalf of Emerald City Realtors, a realty firm dedicated to affordable housing</a:t>
-            </a:r>
-          </a:p>
-          <a:p>
+              <a:t>: Emerald City Realtors need to provide prospective home sellers with guidance on how to improve the value of their home prior to listing, including the predicted increase in value expected based on improvements to particular features.</a:t>
+            </a:r>
+          </a:p>
+          <a:p>
+            <a:r>
+              <a:rPr lang="en-US" b="1" dirty="0"/>
+              <a:t>Business Question</a:t>
+            </a:r>
             <a:r>
               <a:rPr lang="en-US" dirty="0"/>
-              <a:t>Providing recommendations for prospective </a:t>
-            </a:r>
-            <a:r>
-              <a:rPr lang="en-US" dirty="0" err="1"/>
-              <a:t>homesellers</a:t>
-            </a:r>
-            <a:r>
-              <a:rPr lang="en-US" dirty="0"/>
-              <a:t> about what they can do to increase the estimated value of their homes, and by what amount</a:t>
+              <a:t>: What features of their home can prospective home sellers change or improve to increase the value of their home, and by amount could this increase be specific to certain features?</a:t>
             </a:r>
           </a:p>
         </p:txBody>
@@ -3544,27 +3549,19 @@
           <a:p>
             <a:r>
               <a:rPr lang="en-US" dirty="0"/>
-              <a:t>Stakeholders: the lead executives of Emerald City Realtors</a:t>
+              <a:t>Stakeholder: Emerald City Realtors</a:t>
             </a:r>
           </a:p>
           <a:p>
             <a:r>
               <a:rPr lang="en-US" dirty="0"/>
-              <a:t>Real-world problem: providing prospective </a:t>
-            </a:r>
-            <a:r>
-              <a:rPr lang="en-US" dirty="0" err="1"/>
-              <a:t>homesellers</a:t>
-            </a:r>
+              <a:t>Data: King County House Sales dataset encompassing housing sales of 2014 and 2015, with 20 features related to the homes’ sold</a:t>
+            </a:r>
+          </a:p>
+          <a:p>
             <a:r>
               <a:rPr lang="en-US" dirty="0"/>
-              <a:t> of affordable homes in King County advice on how to increase the estimated value of their home, and by what amount</a:t>
-            </a:r>
-          </a:p>
-          <a:p>
-            <a:r>
-              <a:rPr lang="en-US" dirty="0"/>
-              <a:t>Data: King County housing sales data from 2014-2015</a:t>
+              <a:t>Business Value: Data-drive recommendations will be valuable to Emerald City Realtors because they will help prospective home sellers confidently ascertain how they can improve the value of their home, and if the investment is worth the cost</a:t>
             </a:r>
           </a:p>
         </p:txBody>
@@ -3648,54 +3645,29 @@
           <a:bodyPr/>
           <a:lstStyle/>
           <a:p>
+            <a:r>
+              <a:rPr lang="en-US" dirty="0"/>
+              <a:t>Linear regression allows us to convey a linear relationship – such that we can observe a one unit increase in X results in a one unit increase in Y</a:t>
+            </a:r>
+          </a:p>
+          <a:p>
+            <a:r>
+              <a:rPr lang="en-US" dirty="0"/>
+              <a:t>In this business case, using regression models allows for us to determine how sale price is impacted by different features and to what degree</a:t>
+            </a:r>
+          </a:p>
+          <a:p>
+            <a:r>
+              <a:rPr lang="en-US" dirty="0"/>
+              <a:t>Building complex models with multiple features allows for us to be able to make more accurate, data-driven predictions</a:t>
+            </a:r>
+          </a:p>
+          <a:p>
             <a:pPr marL="342900" indent="-342900">
               <a:buFont typeface="+mj-lt"/>
               <a:buAutoNum type="arabicPeriod"/>
             </a:pPr>
-            <a:r>
-              <a:rPr lang="en-US" dirty="0"/>
-              <a:t>Square feet of living space alone</a:t>
-            </a:r>
-          </a:p>
-          <a:p>
-            <a:pPr marL="342900" indent="-342900">
-              <a:buFont typeface="+mj-lt"/>
-              <a:buAutoNum type="arabicPeriod"/>
-            </a:pPr>
-            <a:r>
-              <a:rPr lang="en-US" dirty="0"/>
-              <a:t>All quantitative features of a home: square footage, number of bedrooms, bathrooms, and floors</a:t>
-            </a:r>
-          </a:p>
-          <a:p>
-            <a:pPr marL="342900" indent="-342900">
-              <a:buFont typeface="+mj-lt"/>
-              <a:buAutoNum type="arabicPeriod"/>
-            </a:pPr>
-            <a:r>
-              <a:rPr lang="en-US" dirty="0"/>
-              <a:t>All qualitative features of a home: renovation status, grade, and condition</a:t>
-            </a:r>
-          </a:p>
-          <a:p>
-            <a:pPr marL="342900" indent="-342900">
-              <a:buFont typeface="+mj-lt"/>
-              <a:buAutoNum type="arabicPeriod"/>
-            </a:pPr>
-            <a:r>
-              <a:rPr lang="en-US" dirty="0"/>
-              <a:t>All of the most influential features of a home</a:t>
-            </a:r>
-          </a:p>
-          <a:p>
-            <a:pPr marL="342900" indent="-342900">
-              <a:buFont typeface="+mj-lt"/>
-              <a:buAutoNum type="arabicPeriod"/>
-            </a:pPr>
-            <a:r>
-              <a:rPr lang="en-US" dirty="0"/>
-              <a:t>All home features</a:t>
-            </a:r>
+            <a:endParaRPr lang="en-US" dirty="0"/>
           </a:p>
         </p:txBody>
       </p:sp>
@@ -3759,10 +3731,10 @@
       </p:sp>
       <p:sp>
         <p:nvSpPr>
-          <p:cNvPr id="3" name="Content Placeholder 2">
+          <p:cNvPr id="4" name="Content Placeholder 3">
             <a:extLst>
               <a:ext uri="{FF2B5EF4-FFF2-40B4-BE49-F238E27FC236}">
-                <a16:creationId xmlns:a16="http://schemas.microsoft.com/office/drawing/2014/main" id="{61BCD3D9-18D3-D9BC-BAE1-433D1559BFD7}"/>
+                <a16:creationId xmlns:a16="http://schemas.microsoft.com/office/drawing/2014/main" id="{2B7F1C61-C320-C3D1-5D04-3FD9441C9A3C}"/>
               </a:ext>
             </a:extLst>
           </p:cNvPr>
@@ -3776,117 +3748,53 @@
         <p:spPr>
           <a:xfrm>
             <a:off x="2231136" y="2638044"/>
-            <a:ext cx="7729728" cy="3727587"/>
+            <a:ext cx="7729728" cy="3551741"/>
           </a:xfrm>
         </p:spPr>
         <p:txBody>
           <a:bodyPr>
-            <a:normAutofit fontScale="92500" lnSpcReduction="10000"/>
+            <a:normAutofit/>
           </a:bodyPr>
           <a:lstStyle/>
           <a:p>
-            <a:pPr marL="342900" indent="-342900">
-              <a:buFont typeface="+mj-lt"/>
-              <a:buAutoNum type="arabicPeriod"/>
-            </a:pPr>
-            <a:r>
-              <a:rPr lang="en-US" dirty="0"/>
-              <a:t>Square feet of living space alone:</a:t>
-            </a:r>
-          </a:p>
-          <a:p>
-            <a:pPr marL="571500" lvl="1" indent="-342900">
-              <a:buFont typeface="+mj-lt"/>
-              <a:buAutoNum type="arabicPeriod"/>
-            </a:pPr>
-            <a:r>
-              <a:rPr lang="en-US" dirty="0"/>
-              <a:t>Does not perform well, only explaining 39% of variance in the data</a:t>
-            </a:r>
-          </a:p>
-          <a:p>
-            <a:pPr marL="342900" indent="-342900">
-              <a:buFont typeface="+mj-lt"/>
-              <a:buAutoNum type="arabicPeriod"/>
-            </a:pPr>
-            <a:r>
-              <a:rPr lang="en-US" dirty="0"/>
-              <a:t>All quantitative features of a home: square footage, number of bedrooms, bathrooms, and floors</a:t>
-            </a:r>
-          </a:p>
-          <a:p>
-            <a:pPr marL="571500" lvl="1" indent="-342900">
-              <a:buFont typeface="+mj-lt"/>
-              <a:buAutoNum type="arabicPeriod"/>
-            </a:pPr>
-            <a:r>
-              <a:rPr lang="en-US" dirty="0"/>
-              <a:t>Performs minimally better than the baseline, explaining 40% of variance in the data</a:t>
-            </a:r>
-          </a:p>
-          <a:p>
-            <a:pPr marL="342900" indent="-342900">
-              <a:buFont typeface="+mj-lt"/>
-              <a:buAutoNum type="arabicPeriod"/>
-            </a:pPr>
-            <a:r>
-              <a:rPr lang="en-US" dirty="0"/>
-              <a:t>All qualitative features of a home: renovation status, grade, and condition</a:t>
-            </a:r>
-          </a:p>
-          <a:p>
-            <a:pPr marL="571500" lvl="1" indent="-342900">
-              <a:buFont typeface="+mj-lt"/>
-              <a:buAutoNum type="arabicPeriod"/>
-            </a:pPr>
-            <a:r>
-              <a:rPr lang="en-US" dirty="0"/>
-              <a:t>Performs better, explaining 44.3% variance</a:t>
-            </a:r>
-          </a:p>
-          <a:p>
-            <a:pPr marL="342900" indent="-342900">
-              <a:buFont typeface="+mj-lt"/>
-              <a:buAutoNum type="arabicPeriod"/>
-            </a:pPr>
-            <a:r>
-              <a:rPr lang="en-US" dirty="0"/>
-              <a:t>All of the most influential features of a home</a:t>
-            </a:r>
-          </a:p>
-          <a:p>
-            <a:pPr marL="571500" lvl="1" indent="-342900">
-              <a:buFont typeface="+mj-lt"/>
-              <a:buAutoNum type="arabicPeriod"/>
-            </a:pPr>
-            <a:r>
-              <a:rPr lang="en-US" dirty="0"/>
-              <a:t>Performs down a bit from qualitative model, explaining 41.5% variance</a:t>
-            </a:r>
-          </a:p>
-          <a:p>
-            <a:pPr marL="342900" indent="-342900">
-              <a:buFont typeface="+mj-lt"/>
-              <a:buAutoNum type="arabicPeriod"/>
-            </a:pPr>
-            <a:r>
-              <a:rPr lang="en-US" dirty="0"/>
-              <a:t>All home features</a:t>
-            </a:r>
-          </a:p>
-          <a:p>
-            <a:pPr marL="571500" lvl="1" indent="-342900">
-              <a:buFont typeface="+mj-lt"/>
-              <a:buAutoNum type="arabicPeriod"/>
-            </a:pPr>
-            <a:r>
-              <a:rPr lang="en-US" dirty="0"/>
-              <a:t>Best performing model, explaining 50.3% variance</a:t>
+            <a:r>
+              <a:rPr lang="en-US" sz="2000" dirty="0"/>
+              <a:t>In our final model, all features have a statistically significant linear relationship with sale price</a:t>
+            </a:r>
+          </a:p>
+          <a:p>
+            <a:r>
+              <a:rPr lang="en-US" sz="2000" dirty="0"/>
+              <a:t>While holding all other variables constant:</a:t>
             </a:r>
           </a:p>
           <a:p>
             <a:pPr lvl="1"/>
-            <a:endParaRPr lang="en-US" dirty="0"/>
+            <a:r>
+              <a:rPr lang="en-US" sz="1800" dirty="0"/>
+              <a:t>The addition of a bathroom increases sale price by $29,020</a:t>
+            </a:r>
+          </a:p>
+          <a:p>
+            <a:pPr lvl="1"/>
+            <a:r>
+              <a:rPr lang="en-US" sz="1800" dirty="0"/>
+              <a:t>The addition of one floor level increases sale price by $41,040</a:t>
+            </a:r>
+          </a:p>
+          <a:p>
+            <a:pPr lvl="1"/>
+            <a:r>
+              <a:rPr lang="en-US" sz="1800" dirty="0"/>
+              <a:t>Improving a home's condition from Average to Very Good increases sale price by $38,810</a:t>
+            </a:r>
+          </a:p>
+          <a:p>
+            <a:pPr lvl="1"/>
+            <a:r>
+              <a:rPr lang="en-US" sz="1800" dirty="0"/>
+              <a:t>Improving a home's grade from Better to High Quality increases sale price by $82,180</a:t>
+            </a:r>
           </a:p>
         </p:txBody>
       </p:sp>
@@ -3971,21 +3879,20 @@
           <a:p>
             <a:r>
               <a:rPr lang="en-US" dirty="0"/>
-              <a:t>Complete a renovation project to add square footage of living space to the home, which can increase the sale price of the home by $140,880</a:t>
+              <a:t>Improve the grade of your home from Better to High Quality, which is predicted to increase the sale price by $82,180</a:t>
             </a:r>
           </a:p>
           <a:p>
             <a:r>
               <a:rPr lang="en-US" dirty="0"/>
-              <a:t>If increasing the square footage of the home is impossible, complete a renovation project that improves a home's condition from Fair to Good, which would increase the sale price of the home by $39,627</a:t>
-            </a:r>
-          </a:p>
-          <a:p>
-            <a:pPr lvl="1"/>
-            <a:endParaRPr lang="en-US" dirty="0"/>
-          </a:p>
-          <a:p>
-            <a:endParaRPr lang="en-US" dirty="0"/>
+              <a:t>Adding an additional bathroom to your home is predicted to increase its sale price by $29,020</a:t>
+            </a:r>
+          </a:p>
+          <a:p>
+            <a:r>
+              <a:rPr lang="en-US" dirty="0"/>
+              <a:t>Each additional square foot of living space is predicted to add 81.12 dollars to the sale price; a 600-square foot addition would be predicted to increase the sale price by $48,672</a:t>
+            </a:r>
           </a:p>
         </p:txBody>
       </p:sp>
@@ -4024,6 +3931,101 @@
           <p:cNvPr id="2" name="Title 1">
             <a:extLst>
               <a:ext uri="{FF2B5EF4-FFF2-40B4-BE49-F238E27FC236}">
+                <a16:creationId xmlns:a16="http://schemas.microsoft.com/office/drawing/2014/main" id="{2BAA0214-83F9-3E68-C0EE-C6F5ACCDD79A}"/>
+              </a:ext>
+            </a:extLst>
+          </p:cNvPr>
+          <p:cNvSpPr>
+            <a:spLocks noGrp="1"/>
+          </p:cNvSpPr>
+          <p:nvPr>
+            <p:ph type="title"/>
+          </p:nvPr>
+        </p:nvSpPr>
+        <p:spPr/>
+        <p:txBody>
+          <a:bodyPr/>
+          <a:lstStyle/>
+          <a:p>
+            <a:r>
+              <a:rPr lang="en-US" dirty="0"/>
+              <a:t>Limitations</a:t>
+            </a:r>
+          </a:p>
+        </p:txBody>
+      </p:sp>
+      <p:sp>
+        <p:nvSpPr>
+          <p:cNvPr id="3" name="Content Placeholder 2">
+            <a:extLst>
+              <a:ext uri="{FF2B5EF4-FFF2-40B4-BE49-F238E27FC236}">
+                <a16:creationId xmlns:a16="http://schemas.microsoft.com/office/drawing/2014/main" id="{05B3DDC5-75C2-D5FD-8FC6-0CEFAFC85F8D}"/>
+              </a:ext>
+            </a:extLst>
+          </p:cNvPr>
+          <p:cNvSpPr>
+            <a:spLocks noGrp="1"/>
+          </p:cNvSpPr>
+          <p:nvPr>
+            <p:ph idx="1"/>
+          </p:nvPr>
+        </p:nvSpPr>
+        <p:spPr/>
+        <p:txBody>
+          <a:bodyPr/>
+          <a:lstStyle/>
+          <a:p>
+            <a:r>
+              <a:rPr lang="en-US" dirty="0"/>
+              <a:t>In our final model only explains 57.5% of the variance in the data</a:t>
+            </a:r>
+          </a:p>
+          <a:p>
+            <a:r>
+              <a:rPr lang="en-US" dirty="0"/>
+              <a:t>The Mean Absolute Error (a performance metric) is 106248.25, which means our predicted values may vary from actual values by as much as $106,248.25</a:t>
+            </a:r>
+          </a:p>
+          <a:p>
+            <a:endParaRPr lang="en-US" dirty="0"/>
+          </a:p>
+        </p:txBody>
+      </p:sp>
+    </p:spTree>
+    <p:extLst>
+      <p:ext uri="{BB962C8B-B14F-4D97-AF65-F5344CB8AC3E}">
+        <p14:creationId xmlns:p14="http://schemas.microsoft.com/office/powerpoint/2010/main" val="663573348"/>
+      </p:ext>
+    </p:extLst>
+  </p:cSld>
+  <p:clrMapOvr>
+    <a:masterClrMapping/>
+  </p:clrMapOvr>
+</p:sld>
+</file>
+
+<file path=ppt/slides/slide8.xml><?xml version="1.0" encoding="utf-8"?>
+<p:sld xmlns:a="http://schemas.openxmlformats.org/drawingml/2006/main" xmlns:r="http://schemas.openxmlformats.org/officeDocument/2006/relationships" xmlns:p="http://schemas.openxmlformats.org/presentationml/2006/main">
+  <p:cSld>
+    <p:spTree>
+      <p:nvGrpSpPr>
+        <p:cNvPr id="1" name=""/>
+        <p:cNvGrpSpPr/>
+        <p:nvPr/>
+      </p:nvGrpSpPr>
+      <p:grpSpPr>
+        <a:xfrm>
+          <a:off x="0" y="0"/>
+          <a:ext cx="0" cy="0"/>
+          <a:chOff x="0" y="0"/>
+          <a:chExt cx="0" cy="0"/>
+        </a:xfrm>
+      </p:grpSpPr>
+      <p:sp>
+        <p:nvSpPr>
+          <p:cNvPr id="2" name="Title 1">
+            <a:extLst>
+              <a:ext uri="{FF2B5EF4-FFF2-40B4-BE49-F238E27FC236}">
                 <a16:creationId xmlns:a16="http://schemas.microsoft.com/office/drawing/2014/main" id="{9A300E3D-826D-171C-AA23-7FDC289FB902}"/>
               </a:ext>
             </a:extLst>
@@ -4070,24 +4072,21 @@
           <a:p>
             <a:r>
               <a:rPr lang="en-US" dirty="0"/>
-              <a:t>Deliver recommendations to prospective </a:t>
+              <a:t>Collect more recent sales data for more accurate representation of the market</a:t>
+            </a:r>
+          </a:p>
+          <a:p>
+            <a:r>
+              <a:rPr lang="en-US" dirty="0"/>
+              <a:t>Investigate influence of </a:t>
             </a:r>
             <a:r>
               <a:rPr lang="en-US" dirty="0" err="1"/>
-              <a:t>homesellers</a:t>
-            </a:r>
-            <a:endParaRPr lang="en-US" dirty="0"/>
-          </a:p>
-          <a:p>
+              <a:t>zipcode</a:t>
+            </a:r>
             <a:r>
               <a:rPr lang="en-US" dirty="0"/>
-              <a:t>Collect more recent sales data</a:t>
-            </a:r>
-          </a:p>
-          <a:p>
-            <a:r>
-              <a:rPr lang="en-US" dirty="0"/>
-              <a:t>Narrow analysis to specific neighborhoods</a:t>
+              <a:t> on sale price</a:t>
             </a:r>
           </a:p>
         </p:txBody>
@@ -4105,7 +4104,7 @@
 </p:sld>
 </file>
 
-<file path=ppt/slides/slide8.xml><?xml version="1.0" encoding="utf-8"?>
+<file path=ppt/slides/slide9.xml><?xml version="1.0" encoding="utf-8"?>
 <p:sld xmlns:a="http://schemas.openxmlformats.org/drawingml/2006/main" xmlns:r="http://schemas.openxmlformats.org/officeDocument/2006/relationships" xmlns:p="http://schemas.openxmlformats.org/presentationml/2006/main">
   <p:cSld>
     <p:spTree>

--- a/phase-2-project.pptx
+++ b/phase-2-project.pptx
@@ -8,12 +8,15 @@
     <p:sldId id="256" r:id="rId2"/>
     <p:sldId id="257" r:id="rId3"/>
     <p:sldId id="258" r:id="rId4"/>
-    <p:sldId id="259" r:id="rId5"/>
-    <p:sldId id="260" r:id="rId6"/>
-    <p:sldId id="261" r:id="rId7"/>
-    <p:sldId id="264" r:id="rId8"/>
-    <p:sldId id="262" r:id="rId9"/>
-    <p:sldId id="263" r:id="rId10"/>
+    <p:sldId id="265" r:id="rId5"/>
+    <p:sldId id="266" r:id="rId6"/>
+    <p:sldId id="259" r:id="rId7"/>
+    <p:sldId id="267" r:id="rId8"/>
+    <p:sldId id="260" r:id="rId9"/>
+    <p:sldId id="261" r:id="rId10"/>
+    <p:sldId id="264" r:id="rId11"/>
+    <p:sldId id="262" r:id="rId12"/>
+    <p:sldId id="263" r:id="rId13"/>
   </p:sldIdLst>
   <p:sldSz cx="12192000" cy="6858000"/>
   <p:notesSz cx="6858000" cy="9144000"/>
@@ -113,6 +116,5786 @@
     </a:lvl9pPr>
   </p:defaultTextStyle>
 </p:presentation>
+</file>
+
+<file path=ppt/diagrams/colors1.xml><?xml version="1.0" encoding="utf-8"?>
+<dgm:colorsDef xmlns:dgm="http://schemas.openxmlformats.org/drawingml/2006/diagram" xmlns:a="http://schemas.openxmlformats.org/drawingml/2006/main" uniqueId="urn:microsoft.com/office/officeart/2005/8/colors/accent1_2">
+  <dgm:title val=""/>
+  <dgm:desc val=""/>
+  <dgm:catLst>
+    <dgm:cat type="accent1" pri="11200"/>
+  </dgm:catLst>
+  <dgm:styleLbl name="node0">
+    <dgm:fillClrLst meth="repeat">
+      <a:schemeClr val="accent1"/>
+    </dgm:fillClrLst>
+    <dgm:linClrLst meth="repeat">
+      <a:schemeClr val="lt1"/>
+    </dgm:linClrLst>
+    <dgm:effectClrLst/>
+    <dgm:txLinClrLst/>
+    <dgm:txFillClrLst/>
+    <dgm:txEffectClrLst/>
+  </dgm:styleLbl>
+  <dgm:styleLbl name="alignNode1">
+    <dgm:fillClrLst meth="repeat">
+      <a:schemeClr val="accent1"/>
+    </dgm:fillClrLst>
+    <dgm:linClrLst meth="repeat">
+      <a:schemeClr val="accent1"/>
+    </dgm:linClrLst>
+    <dgm:effectClrLst/>
+    <dgm:txLinClrLst/>
+    <dgm:txFillClrLst/>
+    <dgm:txEffectClrLst/>
+  </dgm:styleLbl>
+  <dgm:styleLbl name="node1">
+    <dgm:fillClrLst meth="repeat">
+      <a:schemeClr val="accent1"/>
+    </dgm:fillClrLst>
+    <dgm:linClrLst meth="repeat">
+      <a:schemeClr val="lt1"/>
+    </dgm:linClrLst>
+    <dgm:effectClrLst/>
+    <dgm:txLinClrLst/>
+    <dgm:txFillClrLst/>
+    <dgm:txEffectClrLst/>
+  </dgm:styleLbl>
+  <dgm:styleLbl name="lnNode1">
+    <dgm:fillClrLst meth="repeat">
+      <a:schemeClr val="accent1"/>
+    </dgm:fillClrLst>
+    <dgm:linClrLst meth="repeat">
+      <a:schemeClr val="lt1"/>
+    </dgm:linClrLst>
+    <dgm:effectClrLst/>
+    <dgm:txLinClrLst/>
+    <dgm:txFillClrLst/>
+    <dgm:txEffectClrLst/>
+  </dgm:styleLbl>
+  <dgm:styleLbl name="vennNode1">
+    <dgm:fillClrLst meth="repeat">
+      <a:schemeClr val="accent1">
+        <a:alpha val="50000"/>
+      </a:schemeClr>
+    </dgm:fillClrLst>
+    <dgm:linClrLst meth="repeat">
+      <a:schemeClr val="lt1"/>
+    </dgm:linClrLst>
+    <dgm:effectClrLst/>
+    <dgm:txLinClrLst/>
+    <dgm:txFillClrLst/>
+    <dgm:txEffectClrLst/>
+  </dgm:styleLbl>
+  <dgm:styleLbl name="node2">
+    <dgm:fillClrLst meth="repeat">
+      <a:schemeClr val="accent1"/>
+    </dgm:fillClrLst>
+    <dgm:linClrLst meth="repeat">
+      <a:schemeClr val="lt1"/>
+    </dgm:linClrLst>
+    <dgm:effectClrLst/>
+    <dgm:txLinClrLst/>
+    <dgm:txFillClrLst/>
+    <dgm:txEffectClrLst/>
+  </dgm:styleLbl>
+  <dgm:styleLbl name="node3">
+    <dgm:fillClrLst meth="repeat">
+      <a:schemeClr val="accent1"/>
+    </dgm:fillClrLst>
+    <dgm:linClrLst meth="repeat">
+      <a:schemeClr val="lt1"/>
+    </dgm:linClrLst>
+    <dgm:effectClrLst/>
+    <dgm:txLinClrLst/>
+    <dgm:txFillClrLst/>
+    <dgm:txEffectClrLst/>
+  </dgm:styleLbl>
+  <dgm:styleLbl name="node4">
+    <dgm:fillClrLst meth="repeat">
+      <a:schemeClr val="accent1"/>
+    </dgm:fillClrLst>
+    <dgm:linClrLst meth="repeat">
+      <a:schemeClr val="lt1"/>
+    </dgm:linClrLst>
+    <dgm:effectClrLst/>
+    <dgm:txLinClrLst/>
+    <dgm:txFillClrLst/>
+    <dgm:txEffectClrLst/>
+  </dgm:styleLbl>
+  <dgm:styleLbl name="fgImgPlace1">
+    <dgm:fillClrLst meth="repeat">
+      <a:schemeClr val="accent1">
+        <a:tint val="50000"/>
+      </a:schemeClr>
+    </dgm:fillClrLst>
+    <dgm:linClrLst meth="repeat">
+      <a:schemeClr val="lt1"/>
+    </dgm:linClrLst>
+    <dgm:effectClrLst/>
+    <dgm:txLinClrLst/>
+    <dgm:txFillClrLst meth="repeat">
+      <a:schemeClr val="lt1"/>
+    </dgm:txFillClrLst>
+    <dgm:txEffectClrLst/>
+  </dgm:styleLbl>
+  <dgm:styleLbl name="alignImgPlace1">
+    <dgm:fillClrLst meth="repeat">
+      <a:schemeClr val="accent1">
+        <a:tint val="50000"/>
+      </a:schemeClr>
+    </dgm:fillClrLst>
+    <dgm:linClrLst meth="repeat">
+      <a:schemeClr val="lt1"/>
+    </dgm:linClrLst>
+    <dgm:effectClrLst/>
+    <dgm:txLinClrLst/>
+    <dgm:txFillClrLst meth="repeat">
+      <a:schemeClr val="lt1"/>
+    </dgm:txFillClrLst>
+    <dgm:txEffectClrLst/>
+  </dgm:styleLbl>
+  <dgm:styleLbl name="bgImgPlace1">
+    <dgm:fillClrLst meth="repeat">
+      <a:schemeClr val="accent1">
+        <a:tint val="50000"/>
+      </a:schemeClr>
+    </dgm:fillClrLst>
+    <dgm:linClrLst meth="repeat">
+      <a:schemeClr val="lt1"/>
+    </dgm:linClrLst>
+    <dgm:effectClrLst/>
+    <dgm:txLinClrLst/>
+    <dgm:txFillClrLst meth="repeat">
+      <a:schemeClr val="lt1"/>
+    </dgm:txFillClrLst>
+    <dgm:txEffectClrLst/>
+  </dgm:styleLbl>
+  <dgm:styleLbl name="sibTrans2D1">
+    <dgm:fillClrLst meth="repeat">
+      <a:schemeClr val="accent1">
+        <a:tint val="60000"/>
+      </a:schemeClr>
+    </dgm:fillClrLst>
+    <dgm:linClrLst meth="repeat">
+      <a:schemeClr val="accent1">
+        <a:tint val="60000"/>
+      </a:schemeClr>
+    </dgm:linClrLst>
+    <dgm:effectClrLst/>
+    <dgm:txLinClrLst/>
+    <dgm:txFillClrLst/>
+    <dgm:txEffectClrLst/>
+  </dgm:styleLbl>
+  <dgm:styleLbl name="fgSibTrans2D1">
+    <dgm:fillClrLst meth="repeat">
+      <a:schemeClr val="accent1">
+        <a:tint val="60000"/>
+      </a:schemeClr>
+    </dgm:fillClrLst>
+    <dgm:linClrLst meth="repeat">
+      <a:schemeClr val="accent1">
+        <a:tint val="60000"/>
+      </a:schemeClr>
+    </dgm:linClrLst>
+    <dgm:effectClrLst/>
+    <dgm:txLinClrLst/>
+    <dgm:txFillClrLst/>
+    <dgm:txEffectClrLst/>
+  </dgm:styleLbl>
+  <dgm:styleLbl name="bgSibTrans2D1">
+    <dgm:fillClrLst meth="repeat">
+      <a:schemeClr val="accent1">
+        <a:tint val="60000"/>
+      </a:schemeClr>
+    </dgm:fillClrLst>
+    <dgm:linClrLst meth="repeat">
+      <a:schemeClr val="accent1">
+        <a:tint val="60000"/>
+      </a:schemeClr>
+    </dgm:linClrLst>
+    <dgm:effectClrLst/>
+    <dgm:txLinClrLst/>
+    <dgm:txFillClrLst/>
+    <dgm:txEffectClrLst/>
+  </dgm:styleLbl>
+  <dgm:styleLbl name="sibTrans1D1">
+    <dgm:fillClrLst meth="repeat">
+      <a:schemeClr val="accent1"/>
+    </dgm:fillClrLst>
+    <dgm:linClrLst meth="repeat">
+      <a:schemeClr val="accent1"/>
+    </dgm:linClrLst>
+    <dgm:effectClrLst/>
+    <dgm:txLinClrLst/>
+    <dgm:txFillClrLst meth="repeat">
+      <a:schemeClr val="tx1"/>
+    </dgm:txFillClrLst>
+    <dgm:txEffectClrLst/>
+  </dgm:styleLbl>
+  <dgm:styleLbl name="callout">
+    <dgm:fillClrLst meth="repeat">
+      <a:schemeClr val="accent1"/>
+    </dgm:fillClrLst>
+    <dgm:linClrLst meth="repeat">
+      <a:schemeClr val="accent1">
+        <a:tint val="50000"/>
+      </a:schemeClr>
+    </dgm:linClrLst>
+    <dgm:effectClrLst/>
+    <dgm:txLinClrLst/>
+    <dgm:txFillClrLst meth="repeat">
+      <a:schemeClr val="tx1"/>
+    </dgm:txFillClrLst>
+    <dgm:txEffectClrLst/>
+  </dgm:styleLbl>
+  <dgm:styleLbl name="asst0">
+    <dgm:fillClrLst meth="repeat">
+      <a:schemeClr val="accent1"/>
+    </dgm:fillClrLst>
+    <dgm:linClrLst meth="repeat">
+      <a:schemeClr val="lt1"/>
+    </dgm:linClrLst>
+    <dgm:effectClrLst/>
+    <dgm:txLinClrLst/>
+    <dgm:txFillClrLst/>
+    <dgm:txEffectClrLst/>
+  </dgm:styleLbl>
+  <dgm:styleLbl name="asst1">
+    <dgm:fillClrLst meth="repeat">
+      <a:schemeClr val="accent1"/>
+    </dgm:fillClrLst>
+    <dgm:linClrLst meth="repeat">
+      <a:schemeClr val="lt1"/>
+    </dgm:linClrLst>
+    <dgm:effectClrLst/>
+    <dgm:txLinClrLst/>
+    <dgm:txFillClrLst/>
+    <dgm:txEffectClrLst/>
+  </dgm:styleLbl>
+  <dgm:styleLbl name="asst2">
+    <dgm:fillClrLst meth="repeat">
+      <a:schemeClr val="accent1"/>
+    </dgm:fillClrLst>
+    <dgm:linClrLst meth="repeat">
+      <a:schemeClr val="lt1"/>
+    </dgm:linClrLst>
+    <dgm:effectClrLst/>
+    <dgm:txLinClrLst/>
+    <dgm:txFillClrLst/>
+    <dgm:txEffectClrLst/>
+  </dgm:styleLbl>
+  <dgm:styleLbl name="asst3">
+    <dgm:fillClrLst meth="repeat">
+      <a:schemeClr val="accent1"/>
+    </dgm:fillClrLst>
+    <dgm:linClrLst meth="repeat">
+      <a:schemeClr val="lt1"/>
+    </dgm:linClrLst>
+    <dgm:effectClrLst/>
+    <dgm:txLinClrLst/>
+    <dgm:txFillClrLst/>
+    <dgm:txEffectClrLst/>
+  </dgm:styleLbl>
+  <dgm:styleLbl name="asst4">
+    <dgm:fillClrLst meth="repeat">
+      <a:schemeClr val="accent1"/>
+    </dgm:fillClrLst>
+    <dgm:linClrLst meth="repeat">
+      <a:schemeClr val="lt1"/>
+    </dgm:linClrLst>
+    <dgm:effectClrLst/>
+    <dgm:txLinClrLst/>
+    <dgm:txFillClrLst/>
+    <dgm:txEffectClrLst/>
+  </dgm:styleLbl>
+  <dgm:styleLbl name="parChTrans2D1">
+    <dgm:fillClrLst meth="repeat">
+      <a:schemeClr val="accent1">
+        <a:tint val="60000"/>
+      </a:schemeClr>
+    </dgm:fillClrLst>
+    <dgm:linClrLst meth="repeat">
+      <a:schemeClr val="accent1">
+        <a:tint val="60000"/>
+      </a:schemeClr>
+    </dgm:linClrLst>
+    <dgm:effectClrLst/>
+    <dgm:txLinClrLst/>
+    <dgm:txFillClrLst meth="repeat">
+      <a:schemeClr val="lt1"/>
+    </dgm:txFillClrLst>
+    <dgm:txEffectClrLst/>
+  </dgm:styleLbl>
+  <dgm:styleLbl name="parChTrans2D2">
+    <dgm:fillClrLst meth="repeat">
+      <a:schemeClr val="accent1"/>
+    </dgm:fillClrLst>
+    <dgm:linClrLst meth="repeat">
+      <a:schemeClr val="accent1"/>
+    </dgm:linClrLst>
+    <dgm:effectClrLst/>
+    <dgm:txLinClrLst/>
+    <dgm:txFillClrLst meth="repeat">
+      <a:schemeClr val="lt1"/>
+    </dgm:txFillClrLst>
+    <dgm:txEffectClrLst/>
+  </dgm:styleLbl>
+  <dgm:styleLbl name="parChTrans2D3">
+    <dgm:fillClrLst meth="repeat">
+      <a:schemeClr val="accent1"/>
+    </dgm:fillClrLst>
+    <dgm:linClrLst meth="repeat">
+      <a:schemeClr val="accent1"/>
+    </dgm:linClrLst>
+    <dgm:effectClrLst/>
+    <dgm:txLinClrLst/>
+    <dgm:txFillClrLst meth="repeat">
+      <a:schemeClr val="lt1"/>
+    </dgm:txFillClrLst>
+    <dgm:txEffectClrLst/>
+  </dgm:styleLbl>
+  <dgm:styleLbl name="parChTrans2D4">
+    <dgm:fillClrLst meth="repeat">
+      <a:schemeClr val="accent1"/>
+    </dgm:fillClrLst>
+    <dgm:linClrLst meth="repeat">
+      <a:schemeClr val="accent1"/>
+    </dgm:linClrLst>
+    <dgm:effectClrLst/>
+    <dgm:txLinClrLst/>
+    <dgm:txFillClrLst meth="repeat">
+      <a:schemeClr val="lt1"/>
+    </dgm:txFillClrLst>
+    <dgm:txEffectClrLst/>
+  </dgm:styleLbl>
+  <dgm:styleLbl name="parChTrans1D1">
+    <dgm:fillClrLst meth="repeat">
+      <a:schemeClr val="accent1"/>
+    </dgm:fillClrLst>
+    <dgm:linClrLst meth="repeat">
+      <a:schemeClr val="accent1">
+        <a:shade val="60000"/>
+      </a:schemeClr>
+    </dgm:linClrLst>
+    <dgm:effectClrLst/>
+    <dgm:txLinClrLst/>
+    <dgm:txFillClrLst meth="repeat">
+      <a:schemeClr val="tx1"/>
+    </dgm:txFillClrLst>
+    <dgm:txEffectClrLst/>
+  </dgm:styleLbl>
+  <dgm:styleLbl name="parChTrans1D2">
+    <dgm:fillClrLst meth="repeat">
+      <a:schemeClr val="accent1"/>
+    </dgm:fillClrLst>
+    <dgm:linClrLst meth="repeat">
+      <a:schemeClr val="accent1">
+        <a:shade val="60000"/>
+      </a:schemeClr>
+    </dgm:linClrLst>
+    <dgm:effectClrLst/>
+    <dgm:txLinClrLst/>
+    <dgm:txFillClrLst meth="repeat">
+      <a:schemeClr val="tx1"/>
+    </dgm:txFillClrLst>
+    <dgm:txEffectClrLst/>
+  </dgm:styleLbl>
+  <dgm:styleLbl name="parChTrans1D3">
+    <dgm:fillClrLst meth="repeat">
+      <a:schemeClr val="accent1"/>
+    </dgm:fillClrLst>
+    <dgm:linClrLst meth="repeat">
+      <a:schemeClr val="accent1">
+        <a:shade val="80000"/>
+      </a:schemeClr>
+    </dgm:linClrLst>
+    <dgm:effectClrLst/>
+    <dgm:txLinClrLst/>
+    <dgm:txFillClrLst meth="repeat">
+      <a:schemeClr val="tx1"/>
+    </dgm:txFillClrLst>
+    <dgm:txEffectClrLst/>
+  </dgm:styleLbl>
+  <dgm:styleLbl name="parChTrans1D4">
+    <dgm:fillClrLst meth="repeat">
+      <a:schemeClr val="accent1"/>
+    </dgm:fillClrLst>
+    <dgm:linClrLst meth="repeat">
+      <a:schemeClr val="accent1">
+        <a:shade val="80000"/>
+      </a:schemeClr>
+    </dgm:linClrLst>
+    <dgm:effectClrLst/>
+    <dgm:txLinClrLst/>
+    <dgm:txFillClrLst meth="repeat">
+      <a:schemeClr val="tx1"/>
+    </dgm:txFillClrLst>
+    <dgm:txEffectClrLst/>
+  </dgm:styleLbl>
+  <dgm:styleLbl name="fgAcc1">
+    <dgm:fillClrLst meth="repeat">
+      <a:schemeClr val="lt1">
+        <a:alpha val="90000"/>
+      </a:schemeClr>
+    </dgm:fillClrLst>
+    <dgm:linClrLst meth="repeat">
+      <a:schemeClr val="accent1"/>
+    </dgm:linClrLst>
+    <dgm:effectClrLst/>
+    <dgm:txLinClrLst/>
+    <dgm:txFillClrLst meth="repeat">
+      <a:schemeClr val="dk1"/>
+    </dgm:txFillClrLst>
+    <dgm:txEffectClrLst/>
+  </dgm:styleLbl>
+  <dgm:styleLbl name="conFgAcc1">
+    <dgm:fillClrLst meth="repeat">
+      <a:schemeClr val="lt1">
+        <a:alpha val="90000"/>
+      </a:schemeClr>
+    </dgm:fillClrLst>
+    <dgm:linClrLst meth="repeat">
+      <a:schemeClr val="accent1"/>
+    </dgm:linClrLst>
+    <dgm:effectClrLst/>
+    <dgm:txLinClrLst/>
+    <dgm:txFillClrLst meth="repeat">
+      <a:schemeClr val="dk1"/>
+    </dgm:txFillClrLst>
+    <dgm:txEffectClrLst/>
+  </dgm:styleLbl>
+  <dgm:styleLbl name="alignAcc1">
+    <dgm:fillClrLst meth="repeat">
+      <a:schemeClr val="lt1">
+        <a:alpha val="90000"/>
+      </a:schemeClr>
+    </dgm:fillClrLst>
+    <dgm:linClrLst meth="repeat">
+      <a:schemeClr val="accent1"/>
+    </dgm:linClrLst>
+    <dgm:effectClrLst/>
+    <dgm:txLinClrLst/>
+    <dgm:txFillClrLst meth="repeat">
+      <a:schemeClr val="dk1"/>
+    </dgm:txFillClrLst>
+    <dgm:txEffectClrLst/>
+  </dgm:styleLbl>
+  <dgm:styleLbl name="trAlignAcc1">
+    <dgm:fillClrLst meth="repeat">
+      <a:schemeClr val="lt1">
+        <a:alpha val="40000"/>
+      </a:schemeClr>
+    </dgm:fillClrLst>
+    <dgm:linClrLst meth="repeat">
+      <a:schemeClr val="accent1"/>
+    </dgm:linClrLst>
+    <dgm:effectClrLst/>
+    <dgm:txLinClrLst/>
+    <dgm:txFillClrLst meth="repeat">
+      <a:schemeClr val="dk1"/>
+    </dgm:txFillClrLst>
+    <dgm:txEffectClrLst/>
+  </dgm:styleLbl>
+  <dgm:styleLbl name="bgAcc1">
+    <dgm:fillClrLst meth="repeat">
+      <a:schemeClr val="lt1">
+        <a:alpha val="90000"/>
+      </a:schemeClr>
+    </dgm:fillClrLst>
+    <dgm:linClrLst meth="repeat">
+      <a:schemeClr val="accent1"/>
+    </dgm:linClrLst>
+    <dgm:effectClrLst/>
+    <dgm:txLinClrLst/>
+    <dgm:txFillClrLst meth="repeat">
+      <a:schemeClr val="dk1"/>
+    </dgm:txFillClrLst>
+    <dgm:txEffectClrLst/>
+  </dgm:styleLbl>
+  <dgm:styleLbl name="solidFgAcc1">
+    <dgm:fillClrLst meth="repeat">
+      <a:schemeClr val="lt1"/>
+    </dgm:fillClrLst>
+    <dgm:linClrLst meth="repeat">
+      <a:schemeClr val="accent1"/>
+    </dgm:linClrLst>
+    <dgm:effectClrLst/>
+    <dgm:txLinClrLst/>
+    <dgm:txFillClrLst meth="repeat">
+      <a:schemeClr val="dk1"/>
+    </dgm:txFillClrLst>
+    <dgm:txEffectClrLst/>
+  </dgm:styleLbl>
+  <dgm:styleLbl name="solidAlignAcc1">
+    <dgm:fillClrLst meth="repeat">
+      <a:schemeClr val="lt1"/>
+    </dgm:fillClrLst>
+    <dgm:linClrLst meth="repeat">
+      <a:schemeClr val="accent1"/>
+    </dgm:linClrLst>
+    <dgm:effectClrLst/>
+    <dgm:txLinClrLst/>
+    <dgm:txFillClrLst meth="repeat">
+      <a:schemeClr val="dk1"/>
+    </dgm:txFillClrLst>
+    <dgm:txEffectClrLst/>
+  </dgm:styleLbl>
+  <dgm:styleLbl name="solidBgAcc1">
+    <dgm:fillClrLst meth="repeat">
+      <a:schemeClr val="lt1"/>
+    </dgm:fillClrLst>
+    <dgm:linClrLst meth="repeat">
+      <a:schemeClr val="accent1"/>
+    </dgm:linClrLst>
+    <dgm:effectClrLst/>
+    <dgm:txLinClrLst/>
+    <dgm:txFillClrLst meth="repeat">
+      <a:schemeClr val="dk1"/>
+    </dgm:txFillClrLst>
+    <dgm:txEffectClrLst/>
+  </dgm:styleLbl>
+  <dgm:styleLbl name="fgAccFollowNode1">
+    <dgm:fillClrLst meth="repeat">
+      <a:schemeClr val="accent1">
+        <a:alpha val="90000"/>
+        <a:tint val="40000"/>
+      </a:schemeClr>
+    </dgm:fillClrLst>
+    <dgm:linClrLst meth="repeat">
+      <a:schemeClr val="accent1">
+        <a:alpha val="90000"/>
+        <a:tint val="40000"/>
+      </a:schemeClr>
+    </dgm:linClrLst>
+    <dgm:effectClrLst/>
+    <dgm:txLinClrLst/>
+    <dgm:txFillClrLst meth="repeat">
+      <a:schemeClr val="dk1"/>
+    </dgm:txFillClrLst>
+    <dgm:txEffectClrLst/>
+  </dgm:styleLbl>
+  <dgm:styleLbl name="alignAccFollowNode1">
+    <dgm:fillClrLst meth="repeat">
+      <a:schemeClr val="accent1">
+        <a:alpha val="90000"/>
+        <a:tint val="40000"/>
+      </a:schemeClr>
+    </dgm:fillClrLst>
+    <dgm:linClrLst meth="repeat">
+      <a:schemeClr val="accent1">
+        <a:alpha val="90000"/>
+        <a:tint val="40000"/>
+      </a:schemeClr>
+    </dgm:linClrLst>
+    <dgm:effectClrLst/>
+    <dgm:txLinClrLst/>
+    <dgm:txFillClrLst meth="repeat">
+      <a:schemeClr val="dk1"/>
+    </dgm:txFillClrLst>
+    <dgm:txEffectClrLst/>
+  </dgm:styleLbl>
+  <dgm:styleLbl name="bgAccFollowNode1">
+    <dgm:fillClrLst meth="repeat">
+      <a:schemeClr val="accent1">
+        <a:alpha val="90000"/>
+        <a:tint val="40000"/>
+      </a:schemeClr>
+    </dgm:fillClrLst>
+    <dgm:linClrLst meth="repeat">
+      <a:schemeClr val="accent1">
+        <a:alpha val="90000"/>
+        <a:tint val="40000"/>
+      </a:schemeClr>
+    </dgm:linClrLst>
+    <dgm:effectClrLst/>
+    <dgm:txLinClrLst/>
+    <dgm:txFillClrLst meth="repeat">
+      <a:schemeClr val="dk1"/>
+    </dgm:txFillClrLst>
+    <dgm:txEffectClrLst/>
+  </dgm:styleLbl>
+  <dgm:styleLbl name="fgAcc0">
+    <dgm:fillClrLst meth="repeat">
+      <a:schemeClr val="lt1">
+        <a:alpha val="90000"/>
+      </a:schemeClr>
+    </dgm:fillClrLst>
+    <dgm:linClrLst meth="repeat">
+      <a:schemeClr val="accent1"/>
+    </dgm:linClrLst>
+    <dgm:effectClrLst/>
+    <dgm:txLinClrLst/>
+    <dgm:txFillClrLst meth="repeat">
+      <a:schemeClr val="dk1"/>
+    </dgm:txFillClrLst>
+    <dgm:txEffectClrLst/>
+  </dgm:styleLbl>
+  <dgm:styleLbl name="fgAcc2">
+    <dgm:fillClrLst meth="repeat">
+      <a:schemeClr val="lt1">
+        <a:alpha val="90000"/>
+      </a:schemeClr>
+    </dgm:fillClrLst>
+    <dgm:linClrLst meth="repeat">
+      <a:schemeClr val="accent1"/>
+    </dgm:linClrLst>
+    <dgm:effectClrLst/>
+    <dgm:txLinClrLst/>
+    <dgm:txFillClrLst meth="repeat">
+      <a:schemeClr val="dk1"/>
+    </dgm:txFillClrLst>
+    <dgm:txEffectClrLst/>
+  </dgm:styleLbl>
+  <dgm:styleLbl name="fgAcc3">
+    <dgm:fillClrLst meth="repeat">
+      <a:schemeClr val="lt1">
+        <a:alpha val="90000"/>
+      </a:schemeClr>
+    </dgm:fillClrLst>
+    <dgm:linClrLst meth="repeat">
+      <a:schemeClr val="accent1"/>
+    </dgm:linClrLst>
+    <dgm:effectClrLst/>
+    <dgm:txLinClrLst/>
+    <dgm:txFillClrLst meth="repeat">
+      <a:schemeClr val="dk1"/>
+    </dgm:txFillClrLst>
+    <dgm:txEffectClrLst/>
+  </dgm:styleLbl>
+  <dgm:styleLbl name="fgAcc4">
+    <dgm:fillClrLst meth="repeat">
+      <a:schemeClr val="lt1">
+        <a:alpha val="90000"/>
+      </a:schemeClr>
+    </dgm:fillClrLst>
+    <dgm:linClrLst meth="repeat">
+      <a:schemeClr val="accent1"/>
+    </dgm:linClrLst>
+    <dgm:effectClrLst/>
+    <dgm:txLinClrLst/>
+    <dgm:txFillClrLst meth="repeat">
+      <a:schemeClr val="dk1"/>
+    </dgm:txFillClrLst>
+    <dgm:txEffectClrLst/>
+  </dgm:styleLbl>
+  <dgm:styleLbl name="bgShp">
+    <dgm:fillClrLst meth="repeat">
+      <a:schemeClr val="accent1">
+        <a:tint val="40000"/>
+      </a:schemeClr>
+    </dgm:fillClrLst>
+    <dgm:linClrLst meth="repeat">
+      <a:schemeClr val="accent1"/>
+    </dgm:linClrLst>
+    <dgm:effectClrLst/>
+    <dgm:txLinClrLst/>
+    <dgm:txFillClrLst meth="repeat">
+      <a:schemeClr val="dk1"/>
+    </dgm:txFillClrLst>
+    <dgm:txEffectClrLst/>
+  </dgm:styleLbl>
+  <dgm:styleLbl name="dkBgShp">
+    <dgm:fillClrLst meth="repeat">
+      <a:schemeClr val="accent1">
+        <a:shade val="80000"/>
+      </a:schemeClr>
+    </dgm:fillClrLst>
+    <dgm:linClrLst meth="repeat">
+      <a:schemeClr val="accent1"/>
+    </dgm:linClrLst>
+    <dgm:effectClrLst/>
+    <dgm:txLinClrLst/>
+    <dgm:txFillClrLst meth="repeat">
+      <a:schemeClr val="lt1"/>
+    </dgm:txFillClrLst>
+    <dgm:txEffectClrLst/>
+  </dgm:styleLbl>
+  <dgm:styleLbl name="trBgShp">
+    <dgm:fillClrLst meth="repeat">
+      <a:schemeClr val="accent1">
+        <a:tint val="50000"/>
+        <a:alpha val="40000"/>
+      </a:schemeClr>
+    </dgm:fillClrLst>
+    <dgm:linClrLst meth="repeat">
+      <a:schemeClr val="accent1"/>
+    </dgm:linClrLst>
+    <dgm:effectClrLst/>
+    <dgm:txLinClrLst/>
+    <dgm:txFillClrLst meth="repeat">
+      <a:schemeClr val="lt1"/>
+    </dgm:txFillClrLst>
+    <dgm:txEffectClrLst/>
+  </dgm:styleLbl>
+  <dgm:styleLbl name="fgShp">
+    <dgm:fillClrLst meth="repeat">
+      <a:schemeClr val="accent1">
+        <a:tint val="60000"/>
+      </a:schemeClr>
+    </dgm:fillClrLst>
+    <dgm:linClrLst meth="repeat">
+      <a:schemeClr val="lt1"/>
+    </dgm:linClrLst>
+    <dgm:effectClrLst/>
+    <dgm:txLinClrLst/>
+    <dgm:txFillClrLst meth="repeat">
+      <a:schemeClr val="dk1"/>
+    </dgm:txFillClrLst>
+    <dgm:txEffectClrLst/>
+  </dgm:styleLbl>
+  <dgm:styleLbl name="revTx">
+    <dgm:fillClrLst meth="repeat">
+      <a:schemeClr val="lt1">
+        <a:alpha val="0"/>
+      </a:schemeClr>
+    </dgm:fillClrLst>
+    <dgm:linClrLst meth="repeat">
+      <a:schemeClr val="dk1">
+        <a:alpha val="0"/>
+      </a:schemeClr>
+    </dgm:linClrLst>
+    <dgm:effectClrLst/>
+    <dgm:txLinClrLst/>
+    <dgm:txFillClrLst meth="repeat">
+      <a:schemeClr val="tx1"/>
+    </dgm:txFillClrLst>
+    <dgm:txEffectClrLst/>
+  </dgm:styleLbl>
+</dgm:colorsDef>
+</file>
+
+<file path=ppt/diagrams/colors2.xml><?xml version="1.0" encoding="utf-8"?>
+<dgm:colorsDef xmlns:dgm="http://schemas.openxmlformats.org/drawingml/2006/diagram" xmlns:a="http://schemas.openxmlformats.org/drawingml/2006/main" uniqueId="urn:microsoft.com/office/officeart/2005/8/colors/accent1_2">
+  <dgm:title val=""/>
+  <dgm:desc val=""/>
+  <dgm:catLst>
+    <dgm:cat type="accent1" pri="11200"/>
+  </dgm:catLst>
+  <dgm:styleLbl name="node0">
+    <dgm:fillClrLst meth="repeat">
+      <a:schemeClr val="accent1"/>
+    </dgm:fillClrLst>
+    <dgm:linClrLst meth="repeat">
+      <a:schemeClr val="lt1"/>
+    </dgm:linClrLst>
+    <dgm:effectClrLst/>
+    <dgm:txLinClrLst/>
+    <dgm:txFillClrLst/>
+    <dgm:txEffectClrLst/>
+  </dgm:styleLbl>
+  <dgm:styleLbl name="alignNode1">
+    <dgm:fillClrLst meth="repeat">
+      <a:schemeClr val="accent1"/>
+    </dgm:fillClrLst>
+    <dgm:linClrLst meth="repeat">
+      <a:schemeClr val="accent1"/>
+    </dgm:linClrLst>
+    <dgm:effectClrLst/>
+    <dgm:txLinClrLst/>
+    <dgm:txFillClrLst/>
+    <dgm:txEffectClrLst/>
+  </dgm:styleLbl>
+  <dgm:styleLbl name="node1">
+    <dgm:fillClrLst meth="repeat">
+      <a:schemeClr val="accent1"/>
+    </dgm:fillClrLst>
+    <dgm:linClrLst meth="repeat">
+      <a:schemeClr val="lt1"/>
+    </dgm:linClrLst>
+    <dgm:effectClrLst/>
+    <dgm:txLinClrLst/>
+    <dgm:txFillClrLst/>
+    <dgm:txEffectClrLst/>
+  </dgm:styleLbl>
+  <dgm:styleLbl name="lnNode1">
+    <dgm:fillClrLst meth="repeat">
+      <a:schemeClr val="accent1"/>
+    </dgm:fillClrLst>
+    <dgm:linClrLst meth="repeat">
+      <a:schemeClr val="lt1"/>
+    </dgm:linClrLst>
+    <dgm:effectClrLst/>
+    <dgm:txLinClrLst/>
+    <dgm:txFillClrLst/>
+    <dgm:txEffectClrLst/>
+  </dgm:styleLbl>
+  <dgm:styleLbl name="vennNode1">
+    <dgm:fillClrLst meth="repeat">
+      <a:schemeClr val="accent1">
+        <a:alpha val="50000"/>
+      </a:schemeClr>
+    </dgm:fillClrLst>
+    <dgm:linClrLst meth="repeat">
+      <a:schemeClr val="lt1"/>
+    </dgm:linClrLst>
+    <dgm:effectClrLst/>
+    <dgm:txLinClrLst/>
+    <dgm:txFillClrLst/>
+    <dgm:txEffectClrLst/>
+  </dgm:styleLbl>
+  <dgm:styleLbl name="node2">
+    <dgm:fillClrLst meth="repeat">
+      <a:schemeClr val="accent1"/>
+    </dgm:fillClrLst>
+    <dgm:linClrLst meth="repeat">
+      <a:schemeClr val="lt1"/>
+    </dgm:linClrLst>
+    <dgm:effectClrLst/>
+    <dgm:txLinClrLst/>
+    <dgm:txFillClrLst/>
+    <dgm:txEffectClrLst/>
+  </dgm:styleLbl>
+  <dgm:styleLbl name="node3">
+    <dgm:fillClrLst meth="repeat">
+      <a:schemeClr val="accent1"/>
+    </dgm:fillClrLst>
+    <dgm:linClrLst meth="repeat">
+      <a:schemeClr val="lt1"/>
+    </dgm:linClrLst>
+    <dgm:effectClrLst/>
+    <dgm:txLinClrLst/>
+    <dgm:txFillClrLst/>
+    <dgm:txEffectClrLst/>
+  </dgm:styleLbl>
+  <dgm:styleLbl name="node4">
+    <dgm:fillClrLst meth="repeat">
+      <a:schemeClr val="accent1"/>
+    </dgm:fillClrLst>
+    <dgm:linClrLst meth="repeat">
+      <a:schemeClr val="lt1"/>
+    </dgm:linClrLst>
+    <dgm:effectClrLst/>
+    <dgm:txLinClrLst/>
+    <dgm:txFillClrLst/>
+    <dgm:txEffectClrLst/>
+  </dgm:styleLbl>
+  <dgm:styleLbl name="fgImgPlace1">
+    <dgm:fillClrLst meth="repeat">
+      <a:schemeClr val="accent1">
+        <a:tint val="50000"/>
+      </a:schemeClr>
+    </dgm:fillClrLst>
+    <dgm:linClrLst meth="repeat">
+      <a:schemeClr val="lt1"/>
+    </dgm:linClrLst>
+    <dgm:effectClrLst/>
+    <dgm:txLinClrLst/>
+    <dgm:txFillClrLst meth="repeat">
+      <a:schemeClr val="lt1"/>
+    </dgm:txFillClrLst>
+    <dgm:txEffectClrLst/>
+  </dgm:styleLbl>
+  <dgm:styleLbl name="alignImgPlace1">
+    <dgm:fillClrLst meth="repeat">
+      <a:schemeClr val="accent1">
+        <a:tint val="50000"/>
+      </a:schemeClr>
+    </dgm:fillClrLst>
+    <dgm:linClrLst meth="repeat">
+      <a:schemeClr val="lt1"/>
+    </dgm:linClrLst>
+    <dgm:effectClrLst/>
+    <dgm:txLinClrLst/>
+    <dgm:txFillClrLst meth="repeat">
+      <a:schemeClr val="lt1"/>
+    </dgm:txFillClrLst>
+    <dgm:txEffectClrLst/>
+  </dgm:styleLbl>
+  <dgm:styleLbl name="bgImgPlace1">
+    <dgm:fillClrLst meth="repeat">
+      <a:schemeClr val="accent1">
+        <a:tint val="50000"/>
+      </a:schemeClr>
+    </dgm:fillClrLst>
+    <dgm:linClrLst meth="repeat">
+      <a:schemeClr val="lt1"/>
+    </dgm:linClrLst>
+    <dgm:effectClrLst/>
+    <dgm:txLinClrLst/>
+    <dgm:txFillClrLst meth="repeat">
+      <a:schemeClr val="lt1"/>
+    </dgm:txFillClrLst>
+    <dgm:txEffectClrLst/>
+  </dgm:styleLbl>
+  <dgm:styleLbl name="sibTrans2D1">
+    <dgm:fillClrLst meth="repeat">
+      <a:schemeClr val="accent1">
+        <a:tint val="60000"/>
+      </a:schemeClr>
+    </dgm:fillClrLst>
+    <dgm:linClrLst meth="repeat">
+      <a:schemeClr val="accent1">
+        <a:tint val="60000"/>
+      </a:schemeClr>
+    </dgm:linClrLst>
+    <dgm:effectClrLst/>
+    <dgm:txLinClrLst/>
+    <dgm:txFillClrLst/>
+    <dgm:txEffectClrLst/>
+  </dgm:styleLbl>
+  <dgm:styleLbl name="fgSibTrans2D1">
+    <dgm:fillClrLst meth="repeat">
+      <a:schemeClr val="accent1">
+        <a:tint val="60000"/>
+      </a:schemeClr>
+    </dgm:fillClrLst>
+    <dgm:linClrLst meth="repeat">
+      <a:schemeClr val="accent1">
+        <a:tint val="60000"/>
+      </a:schemeClr>
+    </dgm:linClrLst>
+    <dgm:effectClrLst/>
+    <dgm:txLinClrLst/>
+    <dgm:txFillClrLst/>
+    <dgm:txEffectClrLst/>
+  </dgm:styleLbl>
+  <dgm:styleLbl name="bgSibTrans2D1">
+    <dgm:fillClrLst meth="repeat">
+      <a:schemeClr val="accent1">
+        <a:tint val="60000"/>
+      </a:schemeClr>
+    </dgm:fillClrLst>
+    <dgm:linClrLst meth="repeat">
+      <a:schemeClr val="accent1">
+        <a:tint val="60000"/>
+      </a:schemeClr>
+    </dgm:linClrLst>
+    <dgm:effectClrLst/>
+    <dgm:txLinClrLst/>
+    <dgm:txFillClrLst/>
+    <dgm:txEffectClrLst/>
+  </dgm:styleLbl>
+  <dgm:styleLbl name="sibTrans1D1">
+    <dgm:fillClrLst meth="repeat">
+      <a:schemeClr val="accent1"/>
+    </dgm:fillClrLst>
+    <dgm:linClrLst meth="repeat">
+      <a:schemeClr val="accent1"/>
+    </dgm:linClrLst>
+    <dgm:effectClrLst/>
+    <dgm:txLinClrLst/>
+    <dgm:txFillClrLst meth="repeat">
+      <a:schemeClr val="tx1"/>
+    </dgm:txFillClrLst>
+    <dgm:txEffectClrLst/>
+  </dgm:styleLbl>
+  <dgm:styleLbl name="callout">
+    <dgm:fillClrLst meth="repeat">
+      <a:schemeClr val="accent1"/>
+    </dgm:fillClrLst>
+    <dgm:linClrLst meth="repeat">
+      <a:schemeClr val="accent1">
+        <a:tint val="50000"/>
+      </a:schemeClr>
+    </dgm:linClrLst>
+    <dgm:effectClrLst/>
+    <dgm:txLinClrLst/>
+    <dgm:txFillClrLst meth="repeat">
+      <a:schemeClr val="tx1"/>
+    </dgm:txFillClrLst>
+    <dgm:txEffectClrLst/>
+  </dgm:styleLbl>
+  <dgm:styleLbl name="asst0">
+    <dgm:fillClrLst meth="repeat">
+      <a:schemeClr val="accent1"/>
+    </dgm:fillClrLst>
+    <dgm:linClrLst meth="repeat">
+      <a:schemeClr val="lt1"/>
+    </dgm:linClrLst>
+    <dgm:effectClrLst/>
+    <dgm:txLinClrLst/>
+    <dgm:txFillClrLst/>
+    <dgm:txEffectClrLst/>
+  </dgm:styleLbl>
+  <dgm:styleLbl name="asst1">
+    <dgm:fillClrLst meth="repeat">
+      <a:schemeClr val="accent1"/>
+    </dgm:fillClrLst>
+    <dgm:linClrLst meth="repeat">
+      <a:schemeClr val="lt1"/>
+    </dgm:linClrLst>
+    <dgm:effectClrLst/>
+    <dgm:txLinClrLst/>
+    <dgm:txFillClrLst/>
+    <dgm:txEffectClrLst/>
+  </dgm:styleLbl>
+  <dgm:styleLbl name="asst2">
+    <dgm:fillClrLst meth="repeat">
+      <a:schemeClr val="accent1"/>
+    </dgm:fillClrLst>
+    <dgm:linClrLst meth="repeat">
+      <a:schemeClr val="lt1"/>
+    </dgm:linClrLst>
+    <dgm:effectClrLst/>
+    <dgm:txLinClrLst/>
+    <dgm:txFillClrLst/>
+    <dgm:txEffectClrLst/>
+  </dgm:styleLbl>
+  <dgm:styleLbl name="asst3">
+    <dgm:fillClrLst meth="repeat">
+      <a:schemeClr val="accent1"/>
+    </dgm:fillClrLst>
+    <dgm:linClrLst meth="repeat">
+      <a:schemeClr val="lt1"/>
+    </dgm:linClrLst>
+    <dgm:effectClrLst/>
+    <dgm:txLinClrLst/>
+    <dgm:txFillClrLst/>
+    <dgm:txEffectClrLst/>
+  </dgm:styleLbl>
+  <dgm:styleLbl name="asst4">
+    <dgm:fillClrLst meth="repeat">
+      <a:schemeClr val="accent1"/>
+    </dgm:fillClrLst>
+    <dgm:linClrLst meth="repeat">
+      <a:schemeClr val="lt1"/>
+    </dgm:linClrLst>
+    <dgm:effectClrLst/>
+    <dgm:txLinClrLst/>
+    <dgm:txFillClrLst/>
+    <dgm:txEffectClrLst/>
+  </dgm:styleLbl>
+  <dgm:styleLbl name="parChTrans2D1">
+    <dgm:fillClrLst meth="repeat">
+      <a:schemeClr val="accent1">
+        <a:tint val="60000"/>
+      </a:schemeClr>
+    </dgm:fillClrLst>
+    <dgm:linClrLst meth="repeat">
+      <a:schemeClr val="accent1">
+        <a:tint val="60000"/>
+      </a:schemeClr>
+    </dgm:linClrLst>
+    <dgm:effectClrLst/>
+    <dgm:txLinClrLst/>
+    <dgm:txFillClrLst meth="repeat">
+      <a:schemeClr val="lt1"/>
+    </dgm:txFillClrLst>
+    <dgm:txEffectClrLst/>
+  </dgm:styleLbl>
+  <dgm:styleLbl name="parChTrans2D2">
+    <dgm:fillClrLst meth="repeat">
+      <a:schemeClr val="accent1"/>
+    </dgm:fillClrLst>
+    <dgm:linClrLst meth="repeat">
+      <a:schemeClr val="accent1"/>
+    </dgm:linClrLst>
+    <dgm:effectClrLst/>
+    <dgm:txLinClrLst/>
+    <dgm:txFillClrLst meth="repeat">
+      <a:schemeClr val="lt1"/>
+    </dgm:txFillClrLst>
+    <dgm:txEffectClrLst/>
+  </dgm:styleLbl>
+  <dgm:styleLbl name="parChTrans2D3">
+    <dgm:fillClrLst meth="repeat">
+      <a:schemeClr val="accent1"/>
+    </dgm:fillClrLst>
+    <dgm:linClrLst meth="repeat">
+      <a:schemeClr val="accent1"/>
+    </dgm:linClrLst>
+    <dgm:effectClrLst/>
+    <dgm:txLinClrLst/>
+    <dgm:txFillClrLst meth="repeat">
+      <a:schemeClr val="lt1"/>
+    </dgm:txFillClrLst>
+    <dgm:txEffectClrLst/>
+  </dgm:styleLbl>
+  <dgm:styleLbl name="parChTrans2D4">
+    <dgm:fillClrLst meth="repeat">
+      <a:schemeClr val="accent1"/>
+    </dgm:fillClrLst>
+    <dgm:linClrLst meth="repeat">
+      <a:schemeClr val="accent1"/>
+    </dgm:linClrLst>
+    <dgm:effectClrLst/>
+    <dgm:txLinClrLst/>
+    <dgm:txFillClrLst meth="repeat">
+      <a:schemeClr val="lt1"/>
+    </dgm:txFillClrLst>
+    <dgm:txEffectClrLst/>
+  </dgm:styleLbl>
+  <dgm:styleLbl name="parChTrans1D1">
+    <dgm:fillClrLst meth="repeat">
+      <a:schemeClr val="accent1"/>
+    </dgm:fillClrLst>
+    <dgm:linClrLst meth="repeat">
+      <a:schemeClr val="accent1">
+        <a:shade val="60000"/>
+      </a:schemeClr>
+    </dgm:linClrLst>
+    <dgm:effectClrLst/>
+    <dgm:txLinClrLst/>
+    <dgm:txFillClrLst meth="repeat">
+      <a:schemeClr val="tx1"/>
+    </dgm:txFillClrLst>
+    <dgm:txEffectClrLst/>
+  </dgm:styleLbl>
+  <dgm:styleLbl name="parChTrans1D2">
+    <dgm:fillClrLst meth="repeat">
+      <a:schemeClr val="accent1"/>
+    </dgm:fillClrLst>
+    <dgm:linClrLst meth="repeat">
+      <a:schemeClr val="accent1">
+        <a:shade val="60000"/>
+      </a:schemeClr>
+    </dgm:linClrLst>
+    <dgm:effectClrLst/>
+    <dgm:txLinClrLst/>
+    <dgm:txFillClrLst meth="repeat">
+      <a:schemeClr val="tx1"/>
+    </dgm:txFillClrLst>
+    <dgm:txEffectClrLst/>
+  </dgm:styleLbl>
+  <dgm:styleLbl name="parChTrans1D3">
+    <dgm:fillClrLst meth="repeat">
+      <a:schemeClr val="accent1"/>
+    </dgm:fillClrLst>
+    <dgm:linClrLst meth="repeat">
+      <a:schemeClr val="accent1">
+        <a:shade val="80000"/>
+      </a:schemeClr>
+    </dgm:linClrLst>
+    <dgm:effectClrLst/>
+    <dgm:txLinClrLst/>
+    <dgm:txFillClrLst meth="repeat">
+      <a:schemeClr val="tx1"/>
+    </dgm:txFillClrLst>
+    <dgm:txEffectClrLst/>
+  </dgm:styleLbl>
+  <dgm:styleLbl name="parChTrans1D4">
+    <dgm:fillClrLst meth="repeat">
+      <a:schemeClr val="accent1"/>
+    </dgm:fillClrLst>
+    <dgm:linClrLst meth="repeat">
+      <a:schemeClr val="accent1">
+        <a:shade val="80000"/>
+      </a:schemeClr>
+    </dgm:linClrLst>
+    <dgm:effectClrLst/>
+    <dgm:txLinClrLst/>
+    <dgm:txFillClrLst meth="repeat">
+      <a:schemeClr val="tx1"/>
+    </dgm:txFillClrLst>
+    <dgm:txEffectClrLst/>
+  </dgm:styleLbl>
+  <dgm:styleLbl name="fgAcc1">
+    <dgm:fillClrLst meth="repeat">
+      <a:schemeClr val="lt1">
+        <a:alpha val="90000"/>
+      </a:schemeClr>
+    </dgm:fillClrLst>
+    <dgm:linClrLst meth="repeat">
+      <a:schemeClr val="accent1"/>
+    </dgm:linClrLst>
+    <dgm:effectClrLst/>
+    <dgm:txLinClrLst/>
+    <dgm:txFillClrLst meth="repeat">
+      <a:schemeClr val="dk1"/>
+    </dgm:txFillClrLst>
+    <dgm:txEffectClrLst/>
+  </dgm:styleLbl>
+  <dgm:styleLbl name="conFgAcc1">
+    <dgm:fillClrLst meth="repeat">
+      <a:schemeClr val="lt1">
+        <a:alpha val="90000"/>
+      </a:schemeClr>
+    </dgm:fillClrLst>
+    <dgm:linClrLst meth="repeat">
+      <a:schemeClr val="accent1"/>
+    </dgm:linClrLst>
+    <dgm:effectClrLst/>
+    <dgm:txLinClrLst/>
+    <dgm:txFillClrLst meth="repeat">
+      <a:schemeClr val="dk1"/>
+    </dgm:txFillClrLst>
+    <dgm:txEffectClrLst/>
+  </dgm:styleLbl>
+  <dgm:styleLbl name="alignAcc1">
+    <dgm:fillClrLst meth="repeat">
+      <a:schemeClr val="lt1">
+        <a:alpha val="90000"/>
+      </a:schemeClr>
+    </dgm:fillClrLst>
+    <dgm:linClrLst meth="repeat">
+      <a:schemeClr val="accent1"/>
+    </dgm:linClrLst>
+    <dgm:effectClrLst/>
+    <dgm:txLinClrLst/>
+    <dgm:txFillClrLst meth="repeat">
+      <a:schemeClr val="dk1"/>
+    </dgm:txFillClrLst>
+    <dgm:txEffectClrLst/>
+  </dgm:styleLbl>
+  <dgm:styleLbl name="trAlignAcc1">
+    <dgm:fillClrLst meth="repeat">
+      <a:schemeClr val="lt1">
+        <a:alpha val="40000"/>
+      </a:schemeClr>
+    </dgm:fillClrLst>
+    <dgm:linClrLst meth="repeat">
+      <a:schemeClr val="accent1"/>
+    </dgm:linClrLst>
+    <dgm:effectClrLst/>
+    <dgm:txLinClrLst/>
+    <dgm:txFillClrLst meth="repeat">
+      <a:schemeClr val="dk1"/>
+    </dgm:txFillClrLst>
+    <dgm:txEffectClrLst/>
+  </dgm:styleLbl>
+  <dgm:styleLbl name="bgAcc1">
+    <dgm:fillClrLst meth="repeat">
+      <a:schemeClr val="lt1">
+        <a:alpha val="90000"/>
+      </a:schemeClr>
+    </dgm:fillClrLst>
+    <dgm:linClrLst meth="repeat">
+      <a:schemeClr val="accent1"/>
+    </dgm:linClrLst>
+    <dgm:effectClrLst/>
+    <dgm:txLinClrLst/>
+    <dgm:txFillClrLst meth="repeat">
+      <a:schemeClr val="dk1"/>
+    </dgm:txFillClrLst>
+    <dgm:txEffectClrLst/>
+  </dgm:styleLbl>
+  <dgm:styleLbl name="solidFgAcc1">
+    <dgm:fillClrLst meth="repeat">
+      <a:schemeClr val="lt1"/>
+    </dgm:fillClrLst>
+    <dgm:linClrLst meth="repeat">
+      <a:schemeClr val="accent1"/>
+    </dgm:linClrLst>
+    <dgm:effectClrLst/>
+    <dgm:txLinClrLst/>
+    <dgm:txFillClrLst meth="repeat">
+      <a:schemeClr val="dk1"/>
+    </dgm:txFillClrLst>
+    <dgm:txEffectClrLst/>
+  </dgm:styleLbl>
+  <dgm:styleLbl name="solidAlignAcc1">
+    <dgm:fillClrLst meth="repeat">
+      <a:schemeClr val="lt1"/>
+    </dgm:fillClrLst>
+    <dgm:linClrLst meth="repeat">
+      <a:schemeClr val="accent1"/>
+    </dgm:linClrLst>
+    <dgm:effectClrLst/>
+    <dgm:txLinClrLst/>
+    <dgm:txFillClrLst meth="repeat">
+      <a:schemeClr val="dk1"/>
+    </dgm:txFillClrLst>
+    <dgm:txEffectClrLst/>
+  </dgm:styleLbl>
+  <dgm:styleLbl name="solidBgAcc1">
+    <dgm:fillClrLst meth="repeat">
+      <a:schemeClr val="lt1"/>
+    </dgm:fillClrLst>
+    <dgm:linClrLst meth="repeat">
+      <a:schemeClr val="accent1"/>
+    </dgm:linClrLst>
+    <dgm:effectClrLst/>
+    <dgm:txLinClrLst/>
+    <dgm:txFillClrLst meth="repeat">
+      <a:schemeClr val="dk1"/>
+    </dgm:txFillClrLst>
+    <dgm:txEffectClrLst/>
+  </dgm:styleLbl>
+  <dgm:styleLbl name="fgAccFollowNode1">
+    <dgm:fillClrLst meth="repeat">
+      <a:schemeClr val="accent1">
+        <a:alpha val="90000"/>
+        <a:tint val="40000"/>
+      </a:schemeClr>
+    </dgm:fillClrLst>
+    <dgm:linClrLst meth="repeat">
+      <a:schemeClr val="accent1">
+        <a:alpha val="90000"/>
+        <a:tint val="40000"/>
+      </a:schemeClr>
+    </dgm:linClrLst>
+    <dgm:effectClrLst/>
+    <dgm:txLinClrLst/>
+    <dgm:txFillClrLst meth="repeat">
+      <a:schemeClr val="dk1"/>
+    </dgm:txFillClrLst>
+    <dgm:txEffectClrLst/>
+  </dgm:styleLbl>
+  <dgm:styleLbl name="alignAccFollowNode1">
+    <dgm:fillClrLst meth="repeat">
+      <a:schemeClr val="accent1">
+        <a:alpha val="90000"/>
+        <a:tint val="40000"/>
+      </a:schemeClr>
+    </dgm:fillClrLst>
+    <dgm:linClrLst meth="repeat">
+      <a:schemeClr val="accent1">
+        <a:alpha val="90000"/>
+        <a:tint val="40000"/>
+      </a:schemeClr>
+    </dgm:linClrLst>
+    <dgm:effectClrLst/>
+    <dgm:txLinClrLst/>
+    <dgm:txFillClrLst meth="repeat">
+      <a:schemeClr val="dk1"/>
+    </dgm:txFillClrLst>
+    <dgm:txEffectClrLst/>
+  </dgm:styleLbl>
+  <dgm:styleLbl name="bgAccFollowNode1">
+    <dgm:fillClrLst meth="repeat">
+      <a:schemeClr val="accent1">
+        <a:alpha val="90000"/>
+        <a:tint val="40000"/>
+      </a:schemeClr>
+    </dgm:fillClrLst>
+    <dgm:linClrLst meth="repeat">
+      <a:schemeClr val="accent1">
+        <a:alpha val="90000"/>
+        <a:tint val="40000"/>
+      </a:schemeClr>
+    </dgm:linClrLst>
+    <dgm:effectClrLst/>
+    <dgm:txLinClrLst/>
+    <dgm:txFillClrLst meth="repeat">
+      <a:schemeClr val="dk1"/>
+    </dgm:txFillClrLst>
+    <dgm:txEffectClrLst/>
+  </dgm:styleLbl>
+  <dgm:styleLbl name="fgAcc0">
+    <dgm:fillClrLst meth="repeat">
+      <a:schemeClr val="lt1">
+        <a:alpha val="90000"/>
+      </a:schemeClr>
+    </dgm:fillClrLst>
+    <dgm:linClrLst meth="repeat">
+      <a:schemeClr val="accent1"/>
+    </dgm:linClrLst>
+    <dgm:effectClrLst/>
+    <dgm:txLinClrLst/>
+    <dgm:txFillClrLst meth="repeat">
+      <a:schemeClr val="dk1"/>
+    </dgm:txFillClrLst>
+    <dgm:txEffectClrLst/>
+  </dgm:styleLbl>
+  <dgm:styleLbl name="fgAcc2">
+    <dgm:fillClrLst meth="repeat">
+      <a:schemeClr val="lt1">
+        <a:alpha val="90000"/>
+      </a:schemeClr>
+    </dgm:fillClrLst>
+    <dgm:linClrLst meth="repeat">
+      <a:schemeClr val="accent1"/>
+    </dgm:linClrLst>
+    <dgm:effectClrLst/>
+    <dgm:txLinClrLst/>
+    <dgm:txFillClrLst meth="repeat">
+      <a:schemeClr val="dk1"/>
+    </dgm:txFillClrLst>
+    <dgm:txEffectClrLst/>
+  </dgm:styleLbl>
+  <dgm:styleLbl name="fgAcc3">
+    <dgm:fillClrLst meth="repeat">
+      <a:schemeClr val="lt1">
+        <a:alpha val="90000"/>
+      </a:schemeClr>
+    </dgm:fillClrLst>
+    <dgm:linClrLst meth="repeat">
+      <a:schemeClr val="accent1"/>
+    </dgm:linClrLst>
+    <dgm:effectClrLst/>
+    <dgm:txLinClrLst/>
+    <dgm:txFillClrLst meth="repeat">
+      <a:schemeClr val="dk1"/>
+    </dgm:txFillClrLst>
+    <dgm:txEffectClrLst/>
+  </dgm:styleLbl>
+  <dgm:styleLbl name="fgAcc4">
+    <dgm:fillClrLst meth="repeat">
+      <a:schemeClr val="lt1">
+        <a:alpha val="90000"/>
+      </a:schemeClr>
+    </dgm:fillClrLst>
+    <dgm:linClrLst meth="repeat">
+      <a:schemeClr val="accent1"/>
+    </dgm:linClrLst>
+    <dgm:effectClrLst/>
+    <dgm:txLinClrLst/>
+    <dgm:txFillClrLst meth="repeat">
+      <a:schemeClr val="dk1"/>
+    </dgm:txFillClrLst>
+    <dgm:txEffectClrLst/>
+  </dgm:styleLbl>
+  <dgm:styleLbl name="bgShp">
+    <dgm:fillClrLst meth="repeat">
+      <a:schemeClr val="accent1">
+        <a:tint val="40000"/>
+      </a:schemeClr>
+    </dgm:fillClrLst>
+    <dgm:linClrLst meth="repeat">
+      <a:schemeClr val="accent1"/>
+    </dgm:linClrLst>
+    <dgm:effectClrLst/>
+    <dgm:txLinClrLst/>
+    <dgm:txFillClrLst meth="repeat">
+      <a:schemeClr val="dk1"/>
+    </dgm:txFillClrLst>
+    <dgm:txEffectClrLst/>
+  </dgm:styleLbl>
+  <dgm:styleLbl name="dkBgShp">
+    <dgm:fillClrLst meth="repeat">
+      <a:schemeClr val="accent1">
+        <a:shade val="80000"/>
+      </a:schemeClr>
+    </dgm:fillClrLst>
+    <dgm:linClrLst meth="repeat">
+      <a:schemeClr val="accent1"/>
+    </dgm:linClrLst>
+    <dgm:effectClrLst/>
+    <dgm:txLinClrLst/>
+    <dgm:txFillClrLst meth="repeat">
+      <a:schemeClr val="lt1"/>
+    </dgm:txFillClrLst>
+    <dgm:txEffectClrLst/>
+  </dgm:styleLbl>
+  <dgm:styleLbl name="trBgShp">
+    <dgm:fillClrLst meth="repeat">
+      <a:schemeClr val="accent1">
+        <a:tint val="50000"/>
+        <a:alpha val="40000"/>
+      </a:schemeClr>
+    </dgm:fillClrLst>
+    <dgm:linClrLst meth="repeat">
+      <a:schemeClr val="accent1"/>
+    </dgm:linClrLst>
+    <dgm:effectClrLst/>
+    <dgm:txLinClrLst/>
+    <dgm:txFillClrLst meth="repeat">
+      <a:schemeClr val="lt1"/>
+    </dgm:txFillClrLst>
+    <dgm:txEffectClrLst/>
+  </dgm:styleLbl>
+  <dgm:styleLbl name="fgShp">
+    <dgm:fillClrLst meth="repeat">
+      <a:schemeClr val="accent1">
+        <a:tint val="60000"/>
+      </a:schemeClr>
+    </dgm:fillClrLst>
+    <dgm:linClrLst meth="repeat">
+      <a:schemeClr val="lt1"/>
+    </dgm:linClrLst>
+    <dgm:effectClrLst/>
+    <dgm:txLinClrLst/>
+    <dgm:txFillClrLst meth="repeat">
+      <a:schemeClr val="dk1"/>
+    </dgm:txFillClrLst>
+    <dgm:txEffectClrLst/>
+  </dgm:styleLbl>
+  <dgm:styleLbl name="revTx">
+    <dgm:fillClrLst meth="repeat">
+      <a:schemeClr val="lt1">
+        <a:alpha val="0"/>
+      </a:schemeClr>
+    </dgm:fillClrLst>
+    <dgm:linClrLst meth="repeat">
+      <a:schemeClr val="dk1">
+        <a:alpha val="0"/>
+      </a:schemeClr>
+    </dgm:linClrLst>
+    <dgm:effectClrLst/>
+    <dgm:txLinClrLst/>
+    <dgm:txFillClrLst meth="repeat">
+      <a:schemeClr val="tx1"/>
+    </dgm:txFillClrLst>
+    <dgm:txEffectClrLst/>
+  </dgm:styleLbl>
+</dgm:colorsDef>
+</file>
+
+<file path=ppt/diagrams/data1.xml><?xml version="1.0" encoding="utf-8"?>
+<dgm:dataModel xmlns:dgm="http://schemas.openxmlformats.org/drawingml/2006/diagram" xmlns:a="http://schemas.openxmlformats.org/drawingml/2006/main">
+  <dgm:ptLst>
+    <dgm:pt modelId="{2D62F858-D144-4956-ABE1-BD97D61EF0FF}" type="doc">
+      <dgm:prSet loTypeId="urn:microsoft.com/office/officeart/2018/2/layout/IconVerticalSolidList" loCatId="icon" qsTypeId="urn:microsoft.com/office/officeart/2005/8/quickstyle/simple1" qsCatId="simple" csTypeId="urn:microsoft.com/office/officeart/2005/8/colors/accent1_2" csCatId="accent1" phldr="1"/>
+      <dgm:spPr/>
+      <dgm:t>
+        <a:bodyPr/>
+        <a:lstStyle/>
+        <a:p>
+          <a:endParaRPr lang="en-US"/>
+        </a:p>
+      </dgm:t>
+    </dgm:pt>
+    <dgm:pt modelId="{051663E0-16C2-410C-AED8-2623F8ABF6BA}">
+      <dgm:prSet/>
+      <dgm:spPr/>
+      <dgm:t>
+        <a:bodyPr/>
+        <a:lstStyle/>
+        <a:p>
+          <a:pPr>
+            <a:lnSpc>
+              <a:spcPct val="100000"/>
+            </a:lnSpc>
+          </a:pPr>
+          <a:r>
+            <a:rPr lang="en-US"/>
+            <a:t>Linear regression allows us to convey a linear relationship – such that we can observe a one unit increase in X results in a one unit increase in Y</a:t>
+          </a:r>
+        </a:p>
+      </dgm:t>
+    </dgm:pt>
+    <dgm:pt modelId="{18778B4E-4F0E-40A6-B068-B0102B888A4E}" type="parTrans" cxnId="{3E02DA5F-4DA1-4FEC-B4DF-43F9CDE12B17}">
+      <dgm:prSet/>
+      <dgm:spPr/>
+      <dgm:t>
+        <a:bodyPr/>
+        <a:lstStyle/>
+        <a:p>
+          <a:endParaRPr lang="en-US"/>
+        </a:p>
+      </dgm:t>
+    </dgm:pt>
+    <dgm:pt modelId="{DF6FD089-775A-4D18-BE34-CA20DCABBFCF}" type="sibTrans" cxnId="{3E02DA5F-4DA1-4FEC-B4DF-43F9CDE12B17}">
+      <dgm:prSet/>
+      <dgm:spPr/>
+      <dgm:t>
+        <a:bodyPr/>
+        <a:lstStyle/>
+        <a:p>
+          <a:endParaRPr lang="en-US"/>
+        </a:p>
+      </dgm:t>
+    </dgm:pt>
+    <dgm:pt modelId="{7F164F63-2AE2-47DC-99BC-79531AC0154B}">
+      <dgm:prSet/>
+      <dgm:spPr/>
+      <dgm:t>
+        <a:bodyPr/>
+        <a:lstStyle/>
+        <a:p>
+          <a:pPr>
+            <a:lnSpc>
+              <a:spcPct val="100000"/>
+            </a:lnSpc>
+          </a:pPr>
+          <a:r>
+            <a:rPr lang="en-US"/>
+            <a:t>In this business case, using regression models allows for us to determine how sale price is impacted by different features and to what degree</a:t>
+          </a:r>
+        </a:p>
+      </dgm:t>
+    </dgm:pt>
+    <dgm:pt modelId="{A8D0ACB9-EF7A-43CB-A084-29F5264B2C58}" type="parTrans" cxnId="{8DB43DBD-B73E-424D-A186-7621550A91DB}">
+      <dgm:prSet/>
+      <dgm:spPr/>
+      <dgm:t>
+        <a:bodyPr/>
+        <a:lstStyle/>
+        <a:p>
+          <a:endParaRPr lang="en-US"/>
+        </a:p>
+      </dgm:t>
+    </dgm:pt>
+    <dgm:pt modelId="{CD0FA9CC-AD2B-4938-8848-4F1F24D456E8}" type="sibTrans" cxnId="{8DB43DBD-B73E-424D-A186-7621550A91DB}">
+      <dgm:prSet/>
+      <dgm:spPr/>
+      <dgm:t>
+        <a:bodyPr/>
+        <a:lstStyle/>
+        <a:p>
+          <a:endParaRPr lang="en-US"/>
+        </a:p>
+      </dgm:t>
+    </dgm:pt>
+    <dgm:pt modelId="{0F2901BB-CDE6-41C5-AFD8-86E0F08A036C}">
+      <dgm:prSet/>
+      <dgm:spPr/>
+      <dgm:t>
+        <a:bodyPr/>
+        <a:lstStyle/>
+        <a:p>
+          <a:pPr>
+            <a:lnSpc>
+              <a:spcPct val="100000"/>
+            </a:lnSpc>
+          </a:pPr>
+          <a:r>
+            <a:rPr lang="en-US"/>
+            <a:t>Building complex models with multiple features allows for us to be able to make more accurate, data-driven predictions</a:t>
+          </a:r>
+        </a:p>
+      </dgm:t>
+    </dgm:pt>
+    <dgm:pt modelId="{5B19AB3E-2D30-4CA6-8407-79DB3AA038C9}" type="parTrans" cxnId="{B9A11167-8556-437E-B0C8-D3A228FF8BF1}">
+      <dgm:prSet/>
+      <dgm:spPr/>
+      <dgm:t>
+        <a:bodyPr/>
+        <a:lstStyle/>
+        <a:p>
+          <a:endParaRPr lang="en-US"/>
+        </a:p>
+      </dgm:t>
+    </dgm:pt>
+    <dgm:pt modelId="{23700BCE-5DED-4990-98F8-E6939B0D1E57}" type="sibTrans" cxnId="{B9A11167-8556-437E-B0C8-D3A228FF8BF1}">
+      <dgm:prSet/>
+      <dgm:spPr/>
+      <dgm:t>
+        <a:bodyPr/>
+        <a:lstStyle/>
+        <a:p>
+          <a:endParaRPr lang="en-US"/>
+        </a:p>
+      </dgm:t>
+    </dgm:pt>
+    <dgm:pt modelId="{E9D6AB3A-4840-47FE-8C6E-3C702C79AAB7}" type="pres">
+      <dgm:prSet presAssocID="{2D62F858-D144-4956-ABE1-BD97D61EF0FF}" presName="root" presStyleCnt="0">
+        <dgm:presLayoutVars>
+          <dgm:dir/>
+          <dgm:resizeHandles val="exact"/>
+        </dgm:presLayoutVars>
+      </dgm:prSet>
+      <dgm:spPr/>
+    </dgm:pt>
+    <dgm:pt modelId="{0A30BA12-D1DF-4B0C-B790-41B6FA665C1C}" type="pres">
+      <dgm:prSet presAssocID="{051663E0-16C2-410C-AED8-2623F8ABF6BA}" presName="compNode" presStyleCnt="0"/>
+      <dgm:spPr/>
+    </dgm:pt>
+    <dgm:pt modelId="{08D541D3-8376-49A5-8D53-792001FF234F}" type="pres">
+      <dgm:prSet presAssocID="{051663E0-16C2-410C-AED8-2623F8ABF6BA}" presName="bgRect" presStyleLbl="bgShp" presStyleIdx="0" presStyleCnt="3"/>
+      <dgm:spPr/>
+    </dgm:pt>
+    <dgm:pt modelId="{2062D260-2643-4C51-BC63-0C6D7EE799AF}" type="pres">
+      <dgm:prSet presAssocID="{051663E0-16C2-410C-AED8-2623F8ABF6BA}" presName="iconRect" presStyleLbl="node1" presStyleIdx="0" presStyleCnt="3"/>
+      <dgm:spPr>
+        <a:blipFill>
+          <a:blip xmlns:r="http://schemas.openxmlformats.org/officeDocument/2006/relationships" r:embed="rId1">
+            <a:extLst>
+              <a:ext uri="{28A0092B-C50C-407E-A947-70E740481C1C}">
+                <a14:useLocalDpi xmlns:a14="http://schemas.microsoft.com/office/drawing/2010/main" val="0"/>
+              </a:ext>
+              <a:ext uri="{96DAC541-7B7A-43D3-8B79-37D633B846F1}">
+                <asvg:svgBlip xmlns:asvg="http://schemas.microsoft.com/office/drawing/2016/SVG/main" r:embed="rId2"/>
+              </a:ext>
+            </a:extLst>
+          </a:blip>
+          <a:stretch>
+            <a:fillRect/>
+          </a:stretch>
+        </a:blipFill>
+      </dgm:spPr>
+      <dgm:extLst>
+        <a:ext uri="{E40237B7-FDA0-4F09-8148-C483321AD2D9}">
+          <dgm14:cNvPr xmlns:dgm14="http://schemas.microsoft.com/office/drawing/2010/diagram" id="0" name="" descr="Statistics"/>
+        </a:ext>
+      </dgm:extLst>
+    </dgm:pt>
+    <dgm:pt modelId="{70B47469-264A-4986-9E53-EB59AD614E34}" type="pres">
+      <dgm:prSet presAssocID="{051663E0-16C2-410C-AED8-2623F8ABF6BA}" presName="spaceRect" presStyleCnt="0"/>
+      <dgm:spPr/>
+    </dgm:pt>
+    <dgm:pt modelId="{0E0C598A-5F31-4BF5-8122-8209440F6B8B}" type="pres">
+      <dgm:prSet presAssocID="{051663E0-16C2-410C-AED8-2623F8ABF6BA}" presName="parTx" presStyleLbl="revTx" presStyleIdx="0" presStyleCnt="3">
+        <dgm:presLayoutVars>
+          <dgm:chMax val="0"/>
+          <dgm:chPref val="0"/>
+        </dgm:presLayoutVars>
+      </dgm:prSet>
+      <dgm:spPr/>
+    </dgm:pt>
+    <dgm:pt modelId="{FD788F8B-10EE-401A-B39B-79BD64E38325}" type="pres">
+      <dgm:prSet presAssocID="{DF6FD089-775A-4D18-BE34-CA20DCABBFCF}" presName="sibTrans" presStyleCnt="0"/>
+      <dgm:spPr/>
+    </dgm:pt>
+    <dgm:pt modelId="{88373486-BD87-4FFC-B351-B5D5F0184ACE}" type="pres">
+      <dgm:prSet presAssocID="{7F164F63-2AE2-47DC-99BC-79531AC0154B}" presName="compNode" presStyleCnt="0"/>
+      <dgm:spPr/>
+    </dgm:pt>
+    <dgm:pt modelId="{DC64D6E9-15C3-4B46-862F-B6A39CE14E95}" type="pres">
+      <dgm:prSet presAssocID="{7F164F63-2AE2-47DC-99BC-79531AC0154B}" presName="bgRect" presStyleLbl="bgShp" presStyleIdx="1" presStyleCnt="3"/>
+      <dgm:spPr/>
+    </dgm:pt>
+    <dgm:pt modelId="{82AD723E-0D8B-416C-BA5A-0642E79ABC29}" type="pres">
+      <dgm:prSet presAssocID="{7F164F63-2AE2-47DC-99BC-79531AC0154B}" presName="iconRect" presStyleLbl="node1" presStyleIdx="1" presStyleCnt="3"/>
+      <dgm:spPr>
+        <a:blipFill>
+          <a:blip xmlns:r="http://schemas.openxmlformats.org/officeDocument/2006/relationships" r:embed="rId3">
+            <a:extLst>
+              <a:ext uri="{28A0092B-C50C-407E-A947-70E740481C1C}">
+                <a14:useLocalDpi xmlns:a14="http://schemas.microsoft.com/office/drawing/2010/main" val="0"/>
+              </a:ext>
+              <a:ext uri="{96DAC541-7B7A-43D3-8B79-37D633B846F1}">
+                <asvg:svgBlip xmlns:asvg="http://schemas.microsoft.com/office/drawing/2016/SVG/main" r:embed="rId4"/>
+              </a:ext>
+            </a:extLst>
+          </a:blip>
+          <a:stretch>
+            <a:fillRect/>
+          </a:stretch>
+        </a:blipFill>
+      </dgm:spPr>
+      <dgm:extLst>
+        <a:ext uri="{E40237B7-FDA0-4F09-8148-C483321AD2D9}">
+          <dgm14:cNvPr xmlns:dgm14="http://schemas.microsoft.com/office/drawing/2010/diagram" id="0" name="" descr="Dollar"/>
+        </a:ext>
+      </dgm:extLst>
+    </dgm:pt>
+    <dgm:pt modelId="{CA5FDD2E-5510-4E24-B877-36C0C4DFFE04}" type="pres">
+      <dgm:prSet presAssocID="{7F164F63-2AE2-47DC-99BC-79531AC0154B}" presName="spaceRect" presStyleCnt="0"/>
+      <dgm:spPr/>
+    </dgm:pt>
+    <dgm:pt modelId="{6EC9B224-87E7-4740-A70E-58A36F563EE1}" type="pres">
+      <dgm:prSet presAssocID="{7F164F63-2AE2-47DC-99BC-79531AC0154B}" presName="parTx" presStyleLbl="revTx" presStyleIdx="1" presStyleCnt="3">
+        <dgm:presLayoutVars>
+          <dgm:chMax val="0"/>
+          <dgm:chPref val="0"/>
+        </dgm:presLayoutVars>
+      </dgm:prSet>
+      <dgm:spPr/>
+    </dgm:pt>
+    <dgm:pt modelId="{D4762075-3279-4472-9A6D-DB888A39E3F8}" type="pres">
+      <dgm:prSet presAssocID="{CD0FA9CC-AD2B-4938-8848-4F1F24D456E8}" presName="sibTrans" presStyleCnt="0"/>
+      <dgm:spPr/>
+    </dgm:pt>
+    <dgm:pt modelId="{3874206F-F79D-414D-9020-8901825FA4A4}" type="pres">
+      <dgm:prSet presAssocID="{0F2901BB-CDE6-41C5-AFD8-86E0F08A036C}" presName="compNode" presStyleCnt="0"/>
+      <dgm:spPr/>
+    </dgm:pt>
+    <dgm:pt modelId="{72A39C16-799B-46CC-8008-DF5C944B76C7}" type="pres">
+      <dgm:prSet presAssocID="{0F2901BB-CDE6-41C5-AFD8-86E0F08A036C}" presName="bgRect" presStyleLbl="bgShp" presStyleIdx="2" presStyleCnt="3"/>
+      <dgm:spPr/>
+    </dgm:pt>
+    <dgm:pt modelId="{CDFF62D7-99C5-4BA2-A046-825304F47767}" type="pres">
+      <dgm:prSet presAssocID="{0F2901BB-CDE6-41C5-AFD8-86E0F08A036C}" presName="iconRect" presStyleLbl="node1" presStyleIdx="2" presStyleCnt="3"/>
+      <dgm:spPr>
+        <a:blipFill>
+          <a:blip xmlns:r="http://schemas.openxmlformats.org/officeDocument/2006/relationships" r:embed="rId5">
+            <a:extLst>
+              <a:ext uri="{28A0092B-C50C-407E-A947-70E740481C1C}">
+                <a14:useLocalDpi xmlns:a14="http://schemas.microsoft.com/office/drawing/2010/main" val="0"/>
+              </a:ext>
+              <a:ext uri="{96DAC541-7B7A-43D3-8B79-37D633B846F1}">
+                <asvg:svgBlip xmlns:asvg="http://schemas.microsoft.com/office/drawing/2016/SVG/main" r:embed="rId6"/>
+              </a:ext>
+            </a:extLst>
+          </a:blip>
+          <a:stretch>
+            <a:fillRect/>
+          </a:stretch>
+        </a:blipFill>
+      </dgm:spPr>
+      <dgm:extLst>
+        <a:ext uri="{E40237B7-FDA0-4F09-8148-C483321AD2D9}">
+          <dgm14:cNvPr xmlns:dgm14="http://schemas.microsoft.com/office/drawing/2010/diagram" id="0" name="" descr="Table"/>
+        </a:ext>
+      </dgm:extLst>
+    </dgm:pt>
+    <dgm:pt modelId="{818C4AF7-65CD-42D8-89E5-6C432700DA4F}" type="pres">
+      <dgm:prSet presAssocID="{0F2901BB-CDE6-41C5-AFD8-86E0F08A036C}" presName="spaceRect" presStyleCnt="0"/>
+      <dgm:spPr/>
+    </dgm:pt>
+    <dgm:pt modelId="{00443BD1-FB67-4DD3-9A58-A6ECE0EB07CF}" type="pres">
+      <dgm:prSet presAssocID="{0F2901BB-CDE6-41C5-AFD8-86E0F08A036C}" presName="parTx" presStyleLbl="revTx" presStyleIdx="2" presStyleCnt="3">
+        <dgm:presLayoutVars>
+          <dgm:chMax val="0"/>
+          <dgm:chPref val="0"/>
+        </dgm:presLayoutVars>
+      </dgm:prSet>
+      <dgm:spPr/>
+    </dgm:pt>
+  </dgm:ptLst>
+  <dgm:cxnLst>
+    <dgm:cxn modelId="{BF188921-A9C2-4885-B6D2-1AA7249EFB1A}" type="presOf" srcId="{051663E0-16C2-410C-AED8-2623F8ABF6BA}" destId="{0E0C598A-5F31-4BF5-8122-8209440F6B8B}" srcOrd="0" destOrd="0" presId="urn:microsoft.com/office/officeart/2018/2/layout/IconVerticalSolidList"/>
+    <dgm:cxn modelId="{19B7AC34-2B8E-4E21-BF0B-E5E0C453BC00}" type="presOf" srcId="{7F164F63-2AE2-47DC-99BC-79531AC0154B}" destId="{6EC9B224-87E7-4740-A70E-58A36F563EE1}" srcOrd="0" destOrd="0" presId="urn:microsoft.com/office/officeart/2018/2/layout/IconVerticalSolidList"/>
+    <dgm:cxn modelId="{3E02DA5F-4DA1-4FEC-B4DF-43F9CDE12B17}" srcId="{2D62F858-D144-4956-ABE1-BD97D61EF0FF}" destId="{051663E0-16C2-410C-AED8-2623F8ABF6BA}" srcOrd="0" destOrd="0" parTransId="{18778B4E-4F0E-40A6-B068-B0102B888A4E}" sibTransId="{DF6FD089-775A-4D18-BE34-CA20DCABBFCF}"/>
+    <dgm:cxn modelId="{B9A11167-8556-437E-B0C8-D3A228FF8BF1}" srcId="{2D62F858-D144-4956-ABE1-BD97D61EF0FF}" destId="{0F2901BB-CDE6-41C5-AFD8-86E0F08A036C}" srcOrd="2" destOrd="0" parTransId="{5B19AB3E-2D30-4CA6-8407-79DB3AA038C9}" sibTransId="{23700BCE-5DED-4990-98F8-E6939B0D1E57}"/>
+    <dgm:cxn modelId="{A79E0A84-2492-4490-8D21-C4DFEA9FE18F}" type="presOf" srcId="{0F2901BB-CDE6-41C5-AFD8-86E0F08A036C}" destId="{00443BD1-FB67-4DD3-9A58-A6ECE0EB07CF}" srcOrd="0" destOrd="0" presId="urn:microsoft.com/office/officeart/2018/2/layout/IconVerticalSolidList"/>
+    <dgm:cxn modelId="{8DB43DBD-B73E-424D-A186-7621550A91DB}" srcId="{2D62F858-D144-4956-ABE1-BD97D61EF0FF}" destId="{7F164F63-2AE2-47DC-99BC-79531AC0154B}" srcOrd="1" destOrd="0" parTransId="{A8D0ACB9-EF7A-43CB-A084-29F5264B2C58}" sibTransId="{CD0FA9CC-AD2B-4938-8848-4F1F24D456E8}"/>
+    <dgm:cxn modelId="{AC726FFB-5BF6-49ED-B0ED-279969BC841A}" type="presOf" srcId="{2D62F858-D144-4956-ABE1-BD97D61EF0FF}" destId="{E9D6AB3A-4840-47FE-8C6E-3C702C79AAB7}" srcOrd="0" destOrd="0" presId="urn:microsoft.com/office/officeart/2018/2/layout/IconVerticalSolidList"/>
+    <dgm:cxn modelId="{5EC0B29C-8EC9-481E-8EF6-F7FBAFE3B46D}" type="presParOf" srcId="{E9D6AB3A-4840-47FE-8C6E-3C702C79AAB7}" destId="{0A30BA12-D1DF-4B0C-B790-41B6FA665C1C}" srcOrd="0" destOrd="0" presId="urn:microsoft.com/office/officeart/2018/2/layout/IconVerticalSolidList"/>
+    <dgm:cxn modelId="{33648AA9-E546-4BCC-B79A-AC5E274E898B}" type="presParOf" srcId="{0A30BA12-D1DF-4B0C-B790-41B6FA665C1C}" destId="{08D541D3-8376-49A5-8D53-792001FF234F}" srcOrd="0" destOrd="0" presId="urn:microsoft.com/office/officeart/2018/2/layout/IconVerticalSolidList"/>
+    <dgm:cxn modelId="{E1D38DD7-A251-4D11-B70C-00EF87339689}" type="presParOf" srcId="{0A30BA12-D1DF-4B0C-B790-41B6FA665C1C}" destId="{2062D260-2643-4C51-BC63-0C6D7EE799AF}" srcOrd="1" destOrd="0" presId="urn:microsoft.com/office/officeart/2018/2/layout/IconVerticalSolidList"/>
+    <dgm:cxn modelId="{E7D5D365-A433-430D-A338-7568593A35E1}" type="presParOf" srcId="{0A30BA12-D1DF-4B0C-B790-41B6FA665C1C}" destId="{70B47469-264A-4986-9E53-EB59AD614E34}" srcOrd="2" destOrd="0" presId="urn:microsoft.com/office/officeart/2018/2/layout/IconVerticalSolidList"/>
+    <dgm:cxn modelId="{FB444AEC-6E6D-4FDC-B33A-E35D20AFF881}" type="presParOf" srcId="{0A30BA12-D1DF-4B0C-B790-41B6FA665C1C}" destId="{0E0C598A-5F31-4BF5-8122-8209440F6B8B}" srcOrd="3" destOrd="0" presId="urn:microsoft.com/office/officeart/2018/2/layout/IconVerticalSolidList"/>
+    <dgm:cxn modelId="{F8978ADB-84A4-4E92-B008-5C41BD2FFF4B}" type="presParOf" srcId="{E9D6AB3A-4840-47FE-8C6E-3C702C79AAB7}" destId="{FD788F8B-10EE-401A-B39B-79BD64E38325}" srcOrd="1" destOrd="0" presId="urn:microsoft.com/office/officeart/2018/2/layout/IconVerticalSolidList"/>
+    <dgm:cxn modelId="{966917CE-4296-4F9D-B8C0-BA0CC75451F8}" type="presParOf" srcId="{E9D6AB3A-4840-47FE-8C6E-3C702C79AAB7}" destId="{88373486-BD87-4FFC-B351-B5D5F0184ACE}" srcOrd="2" destOrd="0" presId="urn:microsoft.com/office/officeart/2018/2/layout/IconVerticalSolidList"/>
+    <dgm:cxn modelId="{39786719-D816-4B3D-B1AB-97FD9AB9924A}" type="presParOf" srcId="{88373486-BD87-4FFC-B351-B5D5F0184ACE}" destId="{DC64D6E9-15C3-4B46-862F-B6A39CE14E95}" srcOrd="0" destOrd="0" presId="urn:microsoft.com/office/officeart/2018/2/layout/IconVerticalSolidList"/>
+    <dgm:cxn modelId="{077840FA-237A-45DA-AAF3-ECC2CB9328A3}" type="presParOf" srcId="{88373486-BD87-4FFC-B351-B5D5F0184ACE}" destId="{82AD723E-0D8B-416C-BA5A-0642E79ABC29}" srcOrd="1" destOrd="0" presId="urn:microsoft.com/office/officeart/2018/2/layout/IconVerticalSolidList"/>
+    <dgm:cxn modelId="{682144FD-D418-43A4-89D3-386B978B6BC9}" type="presParOf" srcId="{88373486-BD87-4FFC-B351-B5D5F0184ACE}" destId="{CA5FDD2E-5510-4E24-B877-36C0C4DFFE04}" srcOrd="2" destOrd="0" presId="urn:microsoft.com/office/officeart/2018/2/layout/IconVerticalSolidList"/>
+    <dgm:cxn modelId="{18BBD6D7-1495-47E3-9923-E802780B7788}" type="presParOf" srcId="{88373486-BD87-4FFC-B351-B5D5F0184ACE}" destId="{6EC9B224-87E7-4740-A70E-58A36F563EE1}" srcOrd="3" destOrd="0" presId="urn:microsoft.com/office/officeart/2018/2/layout/IconVerticalSolidList"/>
+    <dgm:cxn modelId="{82DA83A4-CBDB-4283-92EE-78CA8242EAAF}" type="presParOf" srcId="{E9D6AB3A-4840-47FE-8C6E-3C702C79AAB7}" destId="{D4762075-3279-4472-9A6D-DB888A39E3F8}" srcOrd="3" destOrd="0" presId="urn:microsoft.com/office/officeart/2018/2/layout/IconVerticalSolidList"/>
+    <dgm:cxn modelId="{6A88FD7E-7BC0-4EB3-ABB0-2376B23D27C4}" type="presParOf" srcId="{E9D6AB3A-4840-47FE-8C6E-3C702C79AAB7}" destId="{3874206F-F79D-414D-9020-8901825FA4A4}" srcOrd="4" destOrd="0" presId="urn:microsoft.com/office/officeart/2018/2/layout/IconVerticalSolidList"/>
+    <dgm:cxn modelId="{D63DF674-CBA6-45A9-9601-04BABD68A808}" type="presParOf" srcId="{3874206F-F79D-414D-9020-8901825FA4A4}" destId="{72A39C16-799B-46CC-8008-DF5C944B76C7}" srcOrd="0" destOrd="0" presId="urn:microsoft.com/office/officeart/2018/2/layout/IconVerticalSolidList"/>
+    <dgm:cxn modelId="{4C7BE960-A6E4-45C8-A9D5-48482EACE59A}" type="presParOf" srcId="{3874206F-F79D-414D-9020-8901825FA4A4}" destId="{CDFF62D7-99C5-4BA2-A046-825304F47767}" srcOrd="1" destOrd="0" presId="urn:microsoft.com/office/officeart/2018/2/layout/IconVerticalSolidList"/>
+    <dgm:cxn modelId="{2529D15C-C698-4F46-9DB3-20D6D6553970}" type="presParOf" srcId="{3874206F-F79D-414D-9020-8901825FA4A4}" destId="{818C4AF7-65CD-42D8-89E5-6C432700DA4F}" srcOrd="2" destOrd="0" presId="urn:microsoft.com/office/officeart/2018/2/layout/IconVerticalSolidList"/>
+    <dgm:cxn modelId="{3637B82E-6B66-45C0-BBE2-E1DD6558C202}" type="presParOf" srcId="{3874206F-F79D-414D-9020-8901825FA4A4}" destId="{00443BD1-FB67-4DD3-9A58-A6ECE0EB07CF}" srcOrd="3" destOrd="0" presId="urn:microsoft.com/office/officeart/2018/2/layout/IconVerticalSolidList"/>
+  </dgm:cxnLst>
+  <dgm:bg/>
+  <dgm:whole/>
+  <dgm:extLst>
+    <a:ext uri="http://schemas.microsoft.com/office/drawing/2008/diagram">
+      <dsp:dataModelExt xmlns:dsp="http://schemas.microsoft.com/office/drawing/2008/diagram" relId="rId6" minVer="http://schemas.openxmlformats.org/drawingml/2006/diagram"/>
+    </a:ext>
+  </dgm:extLst>
+</dgm:dataModel>
+</file>
+
+<file path=ppt/diagrams/data2.xml><?xml version="1.0" encoding="utf-8"?>
+<dgm:dataModel xmlns:dgm="http://schemas.openxmlformats.org/drawingml/2006/diagram" xmlns:a="http://schemas.openxmlformats.org/drawingml/2006/main">
+  <dgm:ptLst>
+    <dgm:pt modelId="{3CBE6EC9-A8B9-4EEF-B2E8-FBDA2F2DF764}" type="doc">
+      <dgm:prSet loTypeId="urn:microsoft.com/office/officeart/2018/2/layout/IconVerticalSolidList" loCatId="icon" qsTypeId="urn:microsoft.com/office/officeart/2005/8/quickstyle/simple1" qsCatId="simple" csTypeId="urn:microsoft.com/office/officeart/2005/8/colors/accent1_2" csCatId="accent1" phldr="1"/>
+      <dgm:spPr/>
+      <dgm:t>
+        <a:bodyPr/>
+        <a:lstStyle/>
+        <a:p>
+          <a:endParaRPr lang="en-US"/>
+        </a:p>
+      </dgm:t>
+    </dgm:pt>
+    <dgm:pt modelId="{15C91368-7A72-4720-8B8C-500540FB4C93}">
+      <dgm:prSet/>
+      <dgm:spPr/>
+      <dgm:t>
+        <a:bodyPr/>
+        <a:lstStyle/>
+        <a:p>
+          <a:pPr>
+            <a:lnSpc>
+              <a:spcPct val="100000"/>
+            </a:lnSpc>
+          </a:pPr>
+          <a:r>
+            <a:rPr lang="en-US"/>
+            <a:t>Improve the grade of your home from Better to High Quality, which is predicted to increase the sale price by $82,180</a:t>
+          </a:r>
+        </a:p>
+      </dgm:t>
+    </dgm:pt>
+    <dgm:pt modelId="{7155E2D2-D3E6-4681-83DB-9CD182D2F1AD}" type="parTrans" cxnId="{803AB7A9-B527-4F84-B99B-EB302BB2C295}">
+      <dgm:prSet/>
+      <dgm:spPr/>
+      <dgm:t>
+        <a:bodyPr/>
+        <a:lstStyle/>
+        <a:p>
+          <a:endParaRPr lang="en-US"/>
+        </a:p>
+      </dgm:t>
+    </dgm:pt>
+    <dgm:pt modelId="{8A0BBF6C-0930-42E2-B1CD-3BE0E3FDE450}" type="sibTrans" cxnId="{803AB7A9-B527-4F84-B99B-EB302BB2C295}">
+      <dgm:prSet/>
+      <dgm:spPr/>
+      <dgm:t>
+        <a:bodyPr/>
+        <a:lstStyle/>
+        <a:p>
+          <a:endParaRPr lang="en-US"/>
+        </a:p>
+      </dgm:t>
+    </dgm:pt>
+    <dgm:pt modelId="{A88ACDCB-98C0-4906-BD34-FA0EAF969ABC}">
+      <dgm:prSet/>
+      <dgm:spPr/>
+      <dgm:t>
+        <a:bodyPr/>
+        <a:lstStyle/>
+        <a:p>
+          <a:pPr>
+            <a:lnSpc>
+              <a:spcPct val="100000"/>
+            </a:lnSpc>
+          </a:pPr>
+          <a:r>
+            <a:rPr lang="en-US"/>
+            <a:t>Adding an additional bathroom to your home is predicted to increase its sale price by $29,020</a:t>
+          </a:r>
+        </a:p>
+      </dgm:t>
+    </dgm:pt>
+    <dgm:pt modelId="{D8141D75-FCE5-4ECE-BCD7-CB9B36A16BF0}" type="parTrans" cxnId="{F2DD594F-572E-41A1-8151-235413475FC0}">
+      <dgm:prSet/>
+      <dgm:spPr/>
+      <dgm:t>
+        <a:bodyPr/>
+        <a:lstStyle/>
+        <a:p>
+          <a:endParaRPr lang="en-US"/>
+        </a:p>
+      </dgm:t>
+    </dgm:pt>
+    <dgm:pt modelId="{BDC33A53-F540-45ED-973B-A4A367EC790E}" type="sibTrans" cxnId="{F2DD594F-572E-41A1-8151-235413475FC0}">
+      <dgm:prSet/>
+      <dgm:spPr/>
+      <dgm:t>
+        <a:bodyPr/>
+        <a:lstStyle/>
+        <a:p>
+          <a:endParaRPr lang="en-US"/>
+        </a:p>
+      </dgm:t>
+    </dgm:pt>
+    <dgm:pt modelId="{379C115B-1E8A-4ECE-A065-A7E001F62DBC}">
+      <dgm:prSet/>
+      <dgm:spPr/>
+      <dgm:t>
+        <a:bodyPr/>
+        <a:lstStyle/>
+        <a:p>
+          <a:pPr>
+            <a:lnSpc>
+              <a:spcPct val="100000"/>
+            </a:lnSpc>
+          </a:pPr>
+          <a:r>
+            <a:rPr lang="en-US"/>
+            <a:t>Each additional square foot of living space is predicted to add 81.12 dollars to the sale price; a 600-square foot addition would be predicted to increase the sale price by $48,672</a:t>
+          </a:r>
+        </a:p>
+      </dgm:t>
+    </dgm:pt>
+    <dgm:pt modelId="{1759FE60-6885-43E9-910C-58691DAD2FBF}" type="parTrans" cxnId="{6FE83DDB-67EC-4161-B3D2-19FB9EAD6640}">
+      <dgm:prSet/>
+      <dgm:spPr/>
+      <dgm:t>
+        <a:bodyPr/>
+        <a:lstStyle/>
+        <a:p>
+          <a:endParaRPr lang="en-US"/>
+        </a:p>
+      </dgm:t>
+    </dgm:pt>
+    <dgm:pt modelId="{55682557-A583-44AE-BB0F-3025C4316E63}" type="sibTrans" cxnId="{6FE83DDB-67EC-4161-B3D2-19FB9EAD6640}">
+      <dgm:prSet/>
+      <dgm:spPr/>
+      <dgm:t>
+        <a:bodyPr/>
+        <a:lstStyle/>
+        <a:p>
+          <a:endParaRPr lang="en-US"/>
+        </a:p>
+      </dgm:t>
+    </dgm:pt>
+    <dgm:pt modelId="{0E72AFFF-A495-4478-AE5C-0A748A1666B0}" type="pres">
+      <dgm:prSet presAssocID="{3CBE6EC9-A8B9-4EEF-B2E8-FBDA2F2DF764}" presName="root" presStyleCnt="0">
+        <dgm:presLayoutVars>
+          <dgm:dir/>
+          <dgm:resizeHandles val="exact"/>
+        </dgm:presLayoutVars>
+      </dgm:prSet>
+      <dgm:spPr/>
+    </dgm:pt>
+    <dgm:pt modelId="{1DFB7F14-19E8-4C77-9A92-E15D0AA297C6}" type="pres">
+      <dgm:prSet presAssocID="{15C91368-7A72-4720-8B8C-500540FB4C93}" presName="compNode" presStyleCnt="0"/>
+      <dgm:spPr/>
+    </dgm:pt>
+    <dgm:pt modelId="{32119097-588D-4D97-BCB3-62D0941249FF}" type="pres">
+      <dgm:prSet presAssocID="{15C91368-7A72-4720-8B8C-500540FB4C93}" presName="bgRect" presStyleLbl="bgShp" presStyleIdx="0" presStyleCnt="3"/>
+      <dgm:spPr/>
+    </dgm:pt>
+    <dgm:pt modelId="{556B12EB-6F0B-4214-9DD6-1369DD6C45D6}" type="pres">
+      <dgm:prSet presAssocID="{15C91368-7A72-4720-8B8C-500540FB4C93}" presName="iconRect" presStyleLbl="node1" presStyleIdx="0" presStyleCnt="3"/>
+      <dgm:spPr>
+        <a:blipFill>
+          <a:blip xmlns:r="http://schemas.openxmlformats.org/officeDocument/2006/relationships" r:embed="rId1">
+            <a:extLst>
+              <a:ext uri="{28A0092B-C50C-407E-A947-70E740481C1C}">
+                <a14:useLocalDpi xmlns:a14="http://schemas.microsoft.com/office/drawing/2010/main" val="0"/>
+              </a:ext>
+              <a:ext uri="{96DAC541-7B7A-43D3-8B79-37D633B846F1}">
+                <asvg:svgBlip xmlns:asvg="http://schemas.microsoft.com/office/drawing/2016/SVG/main" r:embed="rId2"/>
+              </a:ext>
+            </a:extLst>
+          </a:blip>
+          <a:stretch>
+            <a:fillRect/>
+          </a:stretch>
+        </a:blipFill>
+      </dgm:spPr>
+      <dgm:extLst>
+        <a:ext uri="{E40237B7-FDA0-4F09-8148-C483321AD2D9}">
+          <dgm14:cNvPr xmlns:dgm14="http://schemas.microsoft.com/office/drawing/2010/diagram" id="0" name="" descr="Home"/>
+        </a:ext>
+      </dgm:extLst>
+    </dgm:pt>
+    <dgm:pt modelId="{0BFE510A-9F09-43A0-9CE0-E5CDFE2865AE}" type="pres">
+      <dgm:prSet presAssocID="{15C91368-7A72-4720-8B8C-500540FB4C93}" presName="spaceRect" presStyleCnt="0"/>
+      <dgm:spPr/>
+    </dgm:pt>
+    <dgm:pt modelId="{F6B231AF-C5B6-4DDA-A9E1-B1EF820A3CB2}" type="pres">
+      <dgm:prSet presAssocID="{15C91368-7A72-4720-8B8C-500540FB4C93}" presName="parTx" presStyleLbl="revTx" presStyleIdx="0" presStyleCnt="3">
+        <dgm:presLayoutVars>
+          <dgm:chMax val="0"/>
+          <dgm:chPref val="0"/>
+        </dgm:presLayoutVars>
+      </dgm:prSet>
+      <dgm:spPr/>
+    </dgm:pt>
+    <dgm:pt modelId="{53C8F868-BB75-44D8-96CD-BEC009BA1552}" type="pres">
+      <dgm:prSet presAssocID="{8A0BBF6C-0930-42E2-B1CD-3BE0E3FDE450}" presName="sibTrans" presStyleCnt="0"/>
+      <dgm:spPr/>
+    </dgm:pt>
+    <dgm:pt modelId="{A8476FDA-B707-41F4-B8C9-D65AE9AFA75E}" type="pres">
+      <dgm:prSet presAssocID="{A88ACDCB-98C0-4906-BD34-FA0EAF969ABC}" presName="compNode" presStyleCnt="0"/>
+      <dgm:spPr/>
+    </dgm:pt>
+    <dgm:pt modelId="{03CB8478-176C-42DE-B730-AC376EE041A4}" type="pres">
+      <dgm:prSet presAssocID="{A88ACDCB-98C0-4906-BD34-FA0EAF969ABC}" presName="bgRect" presStyleLbl="bgShp" presStyleIdx="1" presStyleCnt="3"/>
+      <dgm:spPr/>
+    </dgm:pt>
+    <dgm:pt modelId="{32D08C50-E7D7-4659-BE4F-6C7261878386}" type="pres">
+      <dgm:prSet presAssocID="{A88ACDCB-98C0-4906-BD34-FA0EAF969ABC}" presName="iconRect" presStyleLbl="node1" presStyleIdx="1" presStyleCnt="3"/>
+      <dgm:spPr>
+        <a:blipFill>
+          <a:blip xmlns:r="http://schemas.openxmlformats.org/officeDocument/2006/relationships" r:embed="rId3">
+            <a:extLst>
+              <a:ext uri="{28A0092B-C50C-407E-A947-70E740481C1C}">
+                <a14:useLocalDpi xmlns:a14="http://schemas.microsoft.com/office/drawing/2010/main" val="0"/>
+              </a:ext>
+              <a:ext uri="{96DAC541-7B7A-43D3-8B79-37D633B846F1}">
+                <asvg:svgBlip xmlns:asvg="http://schemas.microsoft.com/office/drawing/2016/SVG/main" r:embed="rId4"/>
+              </a:ext>
+            </a:extLst>
+          </a:blip>
+          <a:stretch>
+            <a:fillRect/>
+          </a:stretch>
+        </a:blipFill>
+      </dgm:spPr>
+      <dgm:extLst>
+        <a:ext uri="{E40237B7-FDA0-4F09-8148-C483321AD2D9}">
+          <dgm14:cNvPr xmlns:dgm14="http://schemas.microsoft.com/office/drawing/2010/diagram" id="0" name="" descr="House"/>
+        </a:ext>
+      </dgm:extLst>
+    </dgm:pt>
+    <dgm:pt modelId="{5C238B08-CD19-439B-93A8-3DD9B0E1B5DA}" type="pres">
+      <dgm:prSet presAssocID="{A88ACDCB-98C0-4906-BD34-FA0EAF969ABC}" presName="spaceRect" presStyleCnt="0"/>
+      <dgm:spPr/>
+    </dgm:pt>
+    <dgm:pt modelId="{47FF5911-69F1-4940-8FCA-EDF288725A9F}" type="pres">
+      <dgm:prSet presAssocID="{A88ACDCB-98C0-4906-BD34-FA0EAF969ABC}" presName="parTx" presStyleLbl="revTx" presStyleIdx="1" presStyleCnt="3">
+        <dgm:presLayoutVars>
+          <dgm:chMax val="0"/>
+          <dgm:chPref val="0"/>
+        </dgm:presLayoutVars>
+      </dgm:prSet>
+      <dgm:spPr/>
+    </dgm:pt>
+    <dgm:pt modelId="{EB179A29-350B-434D-82DD-CF64B63F1416}" type="pres">
+      <dgm:prSet presAssocID="{BDC33A53-F540-45ED-973B-A4A367EC790E}" presName="sibTrans" presStyleCnt="0"/>
+      <dgm:spPr/>
+    </dgm:pt>
+    <dgm:pt modelId="{C2E0FE74-7749-4B4F-AF60-0DBC11D673B5}" type="pres">
+      <dgm:prSet presAssocID="{379C115B-1E8A-4ECE-A065-A7E001F62DBC}" presName="compNode" presStyleCnt="0"/>
+      <dgm:spPr/>
+    </dgm:pt>
+    <dgm:pt modelId="{5FB75EE3-E5B5-4DA0-93CD-21FE676388E5}" type="pres">
+      <dgm:prSet presAssocID="{379C115B-1E8A-4ECE-A065-A7E001F62DBC}" presName="bgRect" presStyleLbl="bgShp" presStyleIdx="2" presStyleCnt="3"/>
+      <dgm:spPr/>
+    </dgm:pt>
+    <dgm:pt modelId="{28C5C127-3697-49C4-85C7-DF56B81CC5BF}" type="pres">
+      <dgm:prSet presAssocID="{379C115B-1E8A-4ECE-A065-A7E001F62DBC}" presName="iconRect" presStyleLbl="node1" presStyleIdx="2" presStyleCnt="3"/>
+      <dgm:spPr>
+        <a:blipFill>
+          <a:blip xmlns:r="http://schemas.openxmlformats.org/officeDocument/2006/relationships" r:embed="rId5">
+            <a:extLst>
+              <a:ext uri="{28A0092B-C50C-407E-A947-70E740481C1C}">
+                <a14:useLocalDpi xmlns:a14="http://schemas.microsoft.com/office/drawing/2010/main" val="0"/>
+              </a:ext>
+              <a:ext uri="{96DAC541-7B7A-43D3-8B79-37D633B846F1}">
+                <asvg:svgBlip xmlns:asvg="http://schemas.microsoft.com/office/drawing/2016/SVG/main" r:embed="rId6"/>
+              </a:ext>
+            </a:extLst>
+          </a:blip>
+          <a:stretch>
+            <a:fillRect/>
+          </a:stretch>
+        </a:blipFill>
+      </dgm:spPr>
+      <dgm:extLst>
+        <a:ext uri="{E40237B7-FDA0-4F09-8148-C483321AD2D9}">
+          <dgm14:cNvPr xmlns:dgm14="http://schemas.microsoft.com/office/drawing/2010/diagram" id="0" name="" descr="Store"/>
+        </a:ext>
+      </dgm:extLst>
+    </dgm:pt>
+    <dgm:pt modelId="{DBE88DB3-E8FB-47B5-9F65-D71D9BC18C45}" type="pres">
+      <dgm:prSet presAssocID="{379C115B-1E8A-4ECE-A065-A7E001F62DBC}" presName="spaceRect" presStyleCnt="0"/>
+      <dgm:spPr/>
+    </dgm:pt>
+    <dgm:pt modelId="{FE7D7601-3E59-4634-B1FE-81F23D5409BA}" type="pres">
+      <dgm:prSet presAssocID="{379C115B-1E8A-4ECE-A065-A7E001F62DBC}" presName="parTx" presStyleLbl="revTx" presStyleIdx="2" presStyleCnt="3">
+        <dgm:presLayoutVars>
+          <dgm:chMax val="0"/>
+          <dgm:chPref val="0"/>
+        </dgm:presLayoutVars>
+      </dgm:prSet>
+      <dgm:spPr/>
+    </dgm:pt>
+  </dgm:ptLst>
+  <dgm:cxnLst>
+    <dgm:cxn modelId="{2D911920-F10C-4B82-B154-2002A210495C}" type="presOf" srcId="{379C115B-1E8A-4ECE-A065-A7E001F62DBC}" destId="{FE7D7601-3E59-4634-B1FE-81F23D5409BA}" srcOrd="0" destOrd="0" presId="urn:microsoft.com/office/officeart/2018/2/layout/IconVerticalSolidList"/>
+    <dgm:cxn modelId="{F2DD594F-572E-41A1-8151-235413475FC0}" srcId="{3CBE6EC9-A8B9-4EEF-B2E8-FBDA2F2DF764}" destId="{A88ACDCB-98C0-4906-BD34-FA0EAF969ABC}" srcOrd="1" destOrd="0" parTransId="{D8141D75-FCE5-4ECE-BCD7-CB9B36A16BF0}" sibTransId="{BDC33A53-F540-45ED-973B-A4A367EC790E}"/>
+    <dgm:cxn modelId="{EFB01E55-0C4F-4423-B9D1-97C2E4DB1407}" type="presOf" srcId="{15C91368-7A72-4720-8B8C-500540FB4C93}" destId="{F6B231AF-C5B6-4DDA-A9E1-B1EF820A3CB2}" srcOrd="0" destOrd="0" presId="urn:microsoft.com/office/officeart/2018/2/layout/IconVerticalSolidList"/>
+    <dgm:cxn modelId="{B75EDC77-969E-4335-B849-65BE17F13124}" type="presOf" srcId="{A88ACDCB-98C0-4906-BD34-FA0EAF969ABC}" destId="{47FF5911-69F1-4940-8FCA-EDF288725A9F}" srcOrd="0" destOrd="0" presId="urn:microsoft.com/office/officeart/2018/2/layout/IconVerticalSolidList"/>
+    <dgm:cxn modelId="{803AB7A9-B527-4F84-B99B-EB302BB2C295}" srcId="{3CBE6EC9-A8B9-4EEF-B2E8-FBDA2F2DF764}" destId="{15C91368-7A72-4720-8B8C-500540FB4C93}" srcOrd="0" destOrd="0" parTransId="{7155E2D2-D3E6-4681-83DB-9CD182D2F1AD}" sibTransId="{8A0BBF6C-0930-42E2-B1CD-3BE0E3FDE450}"/>
+    <dgm:cxn modelId="{E124E7A9-C282-417E-8667-7007ADE275EF}" type="presOf" srcId="{3CBE6EC9-A8B9-4EEF-B2E8-FBDA2F2DF764}" destId="{0E72AFFF-A495-4478-AE5C-0A748A1666B0}" srcOrd="0" destOrd="0" presId="urn:microsoft.com/office/officeart/2018/2/layout/IconVerticalSolidList"/>
+    <dgm:cxn modelId="{6FE83DDB-67EC-4161-B3D2-19FB9EAD6640}" srcId="{3CBE6EC9-A8B9-4EEF-B2E8-FBDA2F2DF764}" destId="{379C115B-1E8A-4ECE-A065-A7E001F62DBC}" srcOrd="2" destOrd="0" parTransId="{1759FE60-6885-43E9-910C-58691DAD2FBF}" sibTransId="{55682557-A583-44AE-BB0F-3025C4316E63}"/>
+    <dgm:cxn modelId="{34891EE9-CF42-41EB-9937-55463BB1DE50}" type="presParOf" srcId="{0E72AFFF-A495-4478-AE5C-0A748A1666B0}" destId="{1DFB7F14-19E8-4C77-9A92-E15D0AA297C6}" srcOrd="0" destOrd="0" presId="urn:microsoft.com/office/officeart/2018/2/layout/IconVerticalSolidList"/>
+    <dgm:cxn modelId="{FDBC49CA-D019-4B5B-94E4-A6C7B66D7D71}" type="presParOf" srcId="{1DFB7F14-19E8-4C77-9A92-E15D0AA297C6}" destId="{32119097-588D-4D97-BCB3-62D0941249FF}" srcOrd="0" destOrd="0" presId="urn:microsoft.com/office/officeart/2018/2/layout/IconVerticalSolidList"/>
+    <dgm:cxn modelId="{19078A9D-06DF-4437-92C5-7C7F838589C0}" type="presParOf" srcId="{1DFB7F14-19E8-4C77-9A92-E15D0AA297C6}" destId="{556B12EB-6F0B-4214-9DD6-1369DD6C45D6}" srcOrd="1" destOrd="0" presId="urn:microsoft.com/office/officeart/2018/2/layout/IconVerticalSolidList"/>
+    <dgm:cxn modelId="{E9EF58A8-30E4-404F-B67D-3172C7AFC1EF}" type="presParOf" srcId="{1DFB7F14-19E8-4C77-9A92-E15D0AA297C6}" destId="{0BFE510A-9F09-43A0-9CE0-E5CDFE2865AE}" srcOrd="2" destOrd="0" presId="urn:microsoft.com/office/officeart/2018/2/layout/IconVerticalSolidList"/>
+    <dgm:cxn modelId="{16CB4206-F211-45DE-8041-127FACC67DED}" type="presParOf" srcId="{1DFB7F14-19E8-4C77-9A92-E15D0AA297C6}" destId="{F6B231AF-C5B6-4DDA-A9E1-B1EF820A3CB2}" srcOrd="3" destOrd="0" presId="urn:microsoft.com/office/officeart/2018/2/layout/IconVerticalSolidList"/>
+    <dgm:cxn modelId="{9C74E6D1-1B31-43D5-AEA2-625A06A000A5}" type="presParOf" srcId="{0E72AFFF-A495-4478-AE5C-0A748A1666B0}" destId="{53C8F868-BB75-44D8-96CD-BEC009BA1552}" srcOrd="1" destOrd="0" presId="urn:microsoft.com/office/officeart/2018/2/layout/IconVerticalSolidList"/>
+    <dgm:cxn modelId="{4AB638F5-6B14-4CE0-B9E5-5925BC3B5D47}" type="presParOf" srcId="{0E72AFFF-A495-4478-AE5C-0A748A1666B0}" destId="{A8476FDA-B707-41F4-B8C9-D65AE9AFA75E}" srcOrd="2" destOrd="0" presId="urn:microsoft.com/office/officeart/2018/2/layout/IconVerticalSolidList"/>
+    <dgm:cxn modelId="{A2DC8476-0D18-44A0-9ECA-85358B9C267B}" type="presParOf" srcId="{A8476FDA-B707-41F4-B8C9-D65AE9AFA75E}" destId="{03CB8478-176C-42DE-B730-AC376EE041A4}" srcOrd="0" destOrd="0" presId="urn:microsoft.com/office/officeart/2018/2/layout/IconVerticalSolidList"/>
+    <dgm:cxn modelId="{CCAA597F-1D3D-4BEF-8B1A-5D2852C5A1AE}" type="presParOf" srcId="{A8476FDA-B707-41F4-B8C9-D65AE9AFA75E}" destId="{32D08C50-E7D7-4659-BE4F-6C7261878386}" srcOrd="1" destOrd="0" presId="urn:microsoft.com/office/officeart/2018/2/layout/IconVerticalSolidList"/>
+    <dgm:cxn modelId="{8FD90CE4-E7D7-4A7A-A442-B47BF9017F20}" type="presParOf" srcId="{A8476FDA-B707-41F4-B8C9-D65AE9AFA75E}" destId="{5C238B08-CD19-439B-93A8-3DD9B0E1B5DA}" srcOrd="2" destOrd="0" presId="urn:microsoft.com/office/officeart/2018/2/layout/IconVerticalSolidList"/>
+    <dgm:cxn modelId="{B8178F2D-E18C-4250-A769-4A8E271D139C}" type="presParOf" srcId="{A8476FDA-B707-41F4-B8C9-D65AE9AFA75E}" destId="{47FF5911-69F1-4940-8FCA-EDF288725A9F}" srcOrd="3" destOrd="0" presId="urn:microsoft.com/office/officeart/2018/2/layout/IconVerticalSolidList"/>
+    <dgm:cxn modelId="{80B113DC-5B38-41EA-A12A-86A4A161AB55}" type="presParOf" srcId="{0E72AFFF-A495-4478-AE5C-0A748A1666B0}" destId="{EB179A29-350B-434D-82DD-CF64B63F1416}" srcOrd="3" destOrd="0" presId="urn:microsoft.com/office/officeart/2018/2/layout/IconVerticalSolidList"/>
+    <dgm:cxn modelId="{A69D0CA5-C8C5-466B-8FF1-43939B6C04FF}" type="presParOf" srcId="{0E72AFFF-A495-4478-AE5C-0A748A1666B0}" destId="{C2E0FE74-7749-4B4F-AF60-0DBC11D673B5}" srcOrd="4" destOrd="0" presId="urn:microsoft.com/office/officeart/2018/2/layout/IconVerticalSolidList"/>
+    <dgm:cxn modelId="{9DFA6DC6-62F8-4FAE-9A60-D1BDDEA9E6DB}" type="presParOf" srcId="{C2E0FE74-7749-4B4F-AF60-0DBC11D673B5}" destId="{5FB75EE3-E5B5-4DA0-93CD-21FE676388E5}" srcOrd="0" destOrd="0" presId="urn:microsoft.com/office/officeart/2018/2/layout/IconVerticalSolidList"/>
+    <dgm:cxn modelId="{909E8803-0200-47FD-A4B0-E662B3CB0E44}" type="presParOf" srcId="{C2E0FE74-7749-4B4F-AF60-0DBC11D673B5}" destId="{28C5C127-3697-49C4-85C7-DF56B81CC5BF}" srcOrd="1" destOrd="0" presId="urn:microsoft.com/office/officeart/2018/2/layout/IconVerticalSolidList"/>
+    <dgm:cxn modelId="{450F97BD-BC44-4939-B295-D67B7BA819D4}" type="presParOf" srcId="{C2E0FE74-7749-4B4F-AF60-0DBC11D673B5}" destId="{DBE88DB3-E8FB-47B5-9F65-D71D9BC18C45}" srcOrd="2" destOrd="0" presId="urn:microsoft.com/office/officeart/2018/2/layout/IconVerticalSolidList"/>
+    <dgm:cxn modelId="{096A1DF4-CA4E-499F-9996-0B096CED0D06}" type="presParOf" srcId="{C2E0FE74-7749-4B4F-AF60-0DBC11D673B5}" destId="{FE7D7601-3E59-4634-B1FE-81F23D5409BA}" srcOrd="3" destOrd="0" presId="urn:microsoft.com/office/officeart/2018/2/layout/IconVerticalSolidList"/>
+  </dgm:cxnLst>
+  <dgm:bg/>
+  <dgm:whole/>
+  <dgm:extLst>
+    <a:ext uri="http://schemas.microsoft.com/office/drawing/2008/diagram">
+      <dsp:dataModelExt xmlns:dsp="http://schemas.microsoft.com/office/drawing/2008/diagram" relId="rId6" minVer="http://schemas.openxmlformats.org/drawingml/2006/diagram"/>
+    </a:ext>
+  </dgm:extLst>
+</dgm:dataModel>
+</file>
+
+<file path=ppt/diagrams/drawing1.xml><?xml version="1.0" encoding="utf-8"?>
+<dsp:drawing xmlns:dgm="http://schemas.openxmlformats.org/drawingml/2006/diagram" xmlns:dsp="http://schemas.microsoft.com/office/drawing/2008/diagram" xmlns:a="http://schemas.openxmlformats.org/drawingml/2006/main">
+  <dsp:spTree>
+    <dsp:nvGrpSpPr>
+      <dsp:cNvPr id="0" name=""/>
+      <dsp:cNvGrpSpPr/>
+    </dsp:nvGrpSpPr>
+    <dsp:grpSpPr/>
+    <dsp:sp modelId="{08D541D3-8376-49A5-8D53-792001FF234F}">
+      <dsp:nvSpPr>
+        <dsp:cNvPr id="0" name=""/>
+        <dsp:cNvSpPr/>
+      </dsp:nvSpPr>
+      <dsp:spPr>
+        <a:xfrm>
+          <a:off x="0" y="378"/>
+          <a:ext cx="7729728" cy="886064"/>
+        </a:xfrm>
+        <a:prstGeom prst="roundRect">
+          <a:avLst>
+            <a:gd name="adj" fmla="val 10000"/>
+          </a:avLst>
+        </a:prstGeom>
+        <a:solidFill>
+          <a:schemeClr val="accent1">
+            <a:tint val="40000"/>
+            <a:hueOff val="0"/>
+            <a:satOff val="0"/>
+            <a:lumOff val="0"/>
+            <a:alphaOff val="0"/>
+          </a:schemeClr>
+        </a:solidFill>
+        <a:ln>
+          <a:noFill/>
+        </a:ln>
+        <a:effectLst/>
+      </dsp:spPr>
+      <dsp:style>
+        <a:lnRef idx="0">
+          <a:scrgbClr r="0" g="0" b="0"/>
+        </a:lnRef>
+        <a:fillRef idx="1">
+          <a:scrgbClr r="0" g="0" b="0"/>
+        </a:fillRef>
+        <a:effectRef idx="0">
+          <a:scrgbClr r="0" g="0" b="0"/>
+        </a:effectRef>
+        <a:fontRef idx="minor"/>
+      </dsp:style>
+    </dsp:sp>
+    <dsp:sp modelId="{2062D260-2643-4C51-BC63-0C6D7EE799AF}">
+      <dsp:nvSpPr>
+        <dsp:cNvPr id="0" name=""/>
+        <dsp:cNvSpPr/>
+      </dsp:nvSpPr>
+      <dsp:spPr>
+        <a:xfrm>
+          <a:off x="268034" y="199743"/>
+          <a:ext cx="487335" cy="487335"/>
+        </a:xfrm>
+        <a:prstGeom prst="rect">
+          <a:avLst/>
+        </a:prstGeom>
+        <a:blipFill>
+          <a:blip xmlns:r="http://schemas.openxmlformats.org/officeDocument/2006/relationships" r:embed="rId1">
+            <a:extLst>
+              <a:ext uri="{28A0092B-C50C-407E-A947-70E740481C1C}">
+                <a14:useLocalDpi xmlns:a14="http://schemas.microsoft.com/office/drawing/2010/main" val="0"/>
+              </a:ext>
+              <a:ext uri="{96DAC541-7B7A-43D3-8B79-37D633B846F1}">
+                <asvg:svgBlip xmlns:asvg="http://schemas.microsoft.com/office/drawing/2016/SVG/main" r:embed="rId2"/>
+              </a:ext>
+            </a:extLst>
+          </a:blip>
+          <a:stretch>
+            <a:fillRect/>
+          </a:stretch>
+        </a:blipFill>
+        <a:ln w="12700" cap="flat" cmpd="sng" algn="ctr">
+          <a:solidFill>
+            <a:schemeClr val="lt1">
+              <a:hueOff val="0"/>
+              <a:satOff val="0"/>
+              <a:lumOff val="0"/>
+              <a:alphaOff val="0"/>
+            </a:schemeClr>
+          </a:solidFill>
+          <a:prstDash val="solid"/>
+        </a:ln>
+        <a:effectLst/>
+      </dsp:spPr>
+      <dsp:style>
+        <a:lnRef idx="2">
+          <a:scrgbClr r="0" g="0" b="0"/>
+        </a:lnRef>
+        <a:fillRef idx="1">
+          <a:scrgbClr r="0" g="0" b="0"/>
+        </a:fillRef>
+        <a:effectRef idx="0">
+          <a:scrgbClr r="0" g="0" b="0"/>
+        </a:effectRef>
+        <a:fontRef idx="minor">
+          <a:schemeClr val="lt1"/>
+        </a:fontRef>
+      </dsp:style>
+    </dsp:sp>
+    <dsp:sp modelId="{0E0C598A-5F31-4BF5-8122-8209440F6B8B}">
+      <dsp:nvSpPr>
+        <dsp:cNvPr id="0" name=""/>
+        <dsp:cNvSpPr/>
+      </dsp:nvSpPr>
+      <dsp:spPr>
+        <a:xfrm>
+          <a:off x="1023404" y="378"/>
+          <a:ext cx="6706323" cy="886064"/>
+        </a:xfrm>
+        <a:prstGeom prst="rect">
+          <a:avLst/>
+        </a:prstGeom>
+        <a:noFill/>
+        <a:ln>
+          <a:noFill/>
+        </a:ln>
+        <a:effectLst/>
+      </dsp:spPr>
+      <dsp:style>
+        <a:lnRef idx="0">
+          <a:scrgbClr r="0" g="0" b="0"/>
+        </a:lnRef>
+        <a:fillRef idx="0">
+          <a:scrgbClr r="0" g="0" b="0"/>
+        </a:fillRef>
+        <a:effectRef idx="0">
+          <a:scrgbClr r="0" g="0" b="0"/>
+        </a:effectRef>
+        <a:fontRef idx="minor"/>
+      </dsp:style>
+      <dsp:txBody>
+        <a:bodyPr spcFirstLastPara="0" vert="horz" wrap="square" lIns="93775" tIns="93775" rIns="93775" bIns="93775" numCol="1" spcCol="1270" anchor="ctr" anchorCtr="0">
+          <a:noAutofit/>
+        </a:bodyPr>
+        <a:lstStyle/>
+        <a:p>
+          <a:pPr marL="0" lvl="0" indent="0" algn="l" defTabSz="755650">
+            <a:lnSpc>
+              <a:spcPct val="100000"/>
+            </a:lnSpc>
+            <a:spcBef>
+              <a:spcPct val="0"/>
+            </a:spcBef>
+            <a:spcAft>
+              <a:spcPct val="35000"/>
+            </a:spcAft>
+            <a:buNone/>
+          </a:pPr>
+          <a:r>
+            <a:rPr lang="en-US" sz="1700" kern="1200"/>
+            <a:t>Linear regression allows us to convey a linear relationship – such that we can observe a one unit increase in X results in a one unit increase in Y</a:t>
+          </a:r>
+        </a:p>
+      </dsp:txBody>
+      <dsp:txXfrm>
+        <a:off x="1023404" y="378"/>
+        <a:ext cx="6706323" cy="886064"/>
+      </dsp:txXfrm>
+    </dsp:sp>
+    <dsp:sp modelId="{DC64D6E9-15C3-4B46-862F-B6A39CE14E95}">
+      <dsp:nvSpPr>
+        <dsp:cNvPr id="0" name=""/>
+        <dsp:cNvSpPr/>
+      </dsp:nvSpPr>
+      <dsp:spPr>
+        <a:xfrm>
+          <a:off x="0" y="1107959"/>
+          <a:ext cx="7729728" cy="886064"/>
+        </a:xfrm>
+        <a:prstGeom prst="roundRect">
+          <a:avLst>
+            <a:gd name="adj" fmla="val 10000"/>
+          </a:avLst>
+        </a:prstGeom>
+        <a:solidFill>
+          <a:schemeClr val="accent1">
+            <a:tint val="40000"/>
+            <a:hueOff val="0"/>
+            <a:satOff val="0"/>
+            <a:lumOff val="0"/>
+            <a:alphaOff val="0"/>
+          </a:schemeClr>
+        </a:solidFill>
+        <a:ln>
+          <a:noFill/>
+        </a:ln>
+        <a:effectLst/>
+      </dsp:spPr>
+      <dsp:style>
+        <a:lnRef idx="0">
+          <a:scrgbClr r="0" g="0" b="0"/>
+        </a:lnRef>
+        <a:fillRef idx="1">
+          <a:scrgbClr r="0" g="0" b="0"/>
+        </a:fillRef>
+        <a:effectRef idx="0">
+          <a:scrgbClr r="0" g="0" b="0"/>
+        </a:effectRef>
+        <a:fontRef idx="minor"/>
+      </dsp:style>
+    </dsp:sp>
+    <dsp:sp modelId="{82AD723E-0D8B-416C-BA5A-0642E79ABC29}">
+      <dsp:nvSpPr>
+        <dsp:cNvPr id="0" name=""/>
+        <dsp:cNvSpPr/>
+      </dsp:nvSpPr>
+      <dsp:spPr>
+        <a:xfrm>
+          <a:off x="268034" y="1307323"/>
+          <a:ext cx="487335" cy="487335"/>
+        </a:xfrm>
+        <a:prstGeom prst="rect">
+          <a:avLst/>
+        </a:prstGeom>
+        <a:blipFill>
+          <a:blip xmlns:r="http://schemas.openxmlformats.org/officeDocument/2006/relationships" r:embed="rId3">
+            <a:extLst>
+              <a:ext uri="{28A0092B-C50C-407E-A947-70E740481C1C}">
+                <a14:useLocalDpi xmlns:a14="http://schemas.microsoft.com/office/drawing/2010/main" val="0"/>
+              </a:ext>
+              <a:ext uri="{96DAC541-7B7A-43D3-8B79-37D633B846F1}">
+                <asvg:svgBlip xmlns:asvg="http://schemas.microsoft.com/office/drawing/2016/SVG/main" r:embed="rId4"/>
+              </a:ext>
+            </a:extLst>
+          </a:blip>
+          <a:stretch>
+            <a:fillRect/>
+          </a:stretch>
+        </a:blipFill>
+        <a:ln w="12700" cap="flat" cmpd="sng" algn="ctr">
+          <a:solidFill>
+            <a:schemeClr val="lt1">
+              <a:hueOff val="0"/>
+              <a:satOff val="0"/>
+              <a:lumOff val="0"/>
+              <a:alphaOff val="0"/>
+            </a:schemeClr>
+          </a:solidFill>
+          <a:prstDash val="solid"/>
+        </a:ln>
+        <a:effectLst/>
+      </dsp:spPr>
+      <dsp:style>
+        <a:lnRef idx="2">
+          <a:scrgbClr r="0" g="0" b="0"/>
+        </a:lnRef>
+        <a:fillRef idx="1">
+          <a:scrgbClr r="0" g="0" b="0"/>
+        </a:fillRef>
+        <a:effectRef idx="0">
+          <a:scrgbClr r="0" g="0" b="0"/>
+        </a:effectRef>
+        <a:fontRef idx="minor">
+          <a:schemeClr val="lt1"/>
+        </a:fontRef>
+      </dsp:style>
+    </dsp:sp>
+    <dsp:sp modelId="{6EC9B224-87E7-4740-A70E-58A36F563EE1}">
+      <dsp:nvSpPr>
+        <dsp:cNvPr id="0" name=""/>
+        <dsp:cNvSpPr/>
+      </dsp:nvSpPr>
+      <dsp:spPr>
+        <a:xfrm>
+          <a:off x="1023404" y="1107959"/>
+          <a:ext cx="6706323" cy="886064"/>
+        </a:xfrm>
+        <a:prstGeom prst="rect">
+          <a:avLst/>
+        </a:prstGeom>
+        <a:noFill/>
+        <a:ln>
+          <a:noFill/>
+        </a:ln>
+        <a:effectLst/>
+      </dsp:spPr>
+      <dsp:style>
+        <a:lnRef idx="0">
+          <a:scrgbClr r="0" g="0" b="0"/>
+        </a:lnRef>
+        <a:fillRef idx="0">
+          <a:scrgbClr r="0" g="0" b="0"/>
+        </a:fillRef>
+        <a:effectRef idx="0">
+          <a:scrgbClr r="0" g="0" b="0"/>
+        </a:effectRef>
+        <a:fontRef idx="minor"/>
+      </dsp:style>
+      <dsp:txBody>
+        <a:bodyPr spcFirstLastPara="0" vert="horz" wrap="square" lIns="93775" tIns="93775" rIns="93775" bIns="93775" numCol="1" spcCol="1270" anchor="ctr" anchorCtr="0">
+          <a:noAutofit/>
+        </a:bodyPr>
+        <a:lstStyle/>
+        <a:p>
+          <a:pPr marL="0" lvl="0" indent="0" algn="l" defTabSz="755650">
+            <a:lnSpc>
+              <a:spcPct val="100000"/>
+            </a:lnSpc>
+            <a:spcBef>
+              <a:spcPct val="0"/>
+            </a:spcBef>
+            <a:spcAft>
+              <a:spcPct val="35000"/>
+            </a:spcAft>
+            <a:buNone/>
+          </a:pPr>
+          <a:r>
+            <a:rPr lang="en-US" sz="1700" kern="1200"/>
+            <a:t>In this business case, using regression models allows for us to determine how sale price is impacted by different features and to what degree</a:t>
+          </a:r>
+        </a:p>
+      </dsp:txBody>
+      <dsp:txXfrm>
+        <a:off x="1023404" y="1107959"/>
+        <a:ext cx="6706323" cy="886064"/>
+      </dsp:txXfrm>
+    </dsp:sp>
+    <dsp:sp modelId="{72A39C16-799B-46CC-8008-DF5C944B76C7}">
+      <dsp:nvSpPr>
+        <dsp:cNvPr id="0" name=""/>
+        <dsp:cNvSpPr/>
+      </dsp:nvSpPr>
+      <dsp:spPr>
+        <a:xfrm>
+          <a:off x="0" y="2215539"/>
+          <a:ext cx="7729728" cy="886064"/>
+        </a:xfrm>
+        <a:prstGeom prst="roundRect">
+          <a:avLst>
+            <a:gd name="adj" fmla="val 10000"/>
+          </a:avLst>
+        </a:prstGeom>
+        <a:solidFill>
+          <a:schemeClr val="accent1">
+            <a:tint val="40000"/>
+            <a:hueOff val="0"/>
+            <a:satOff val="0"/>
+            <a:lumOff val="0"/>
+            <a:alphaOff val="0"/>
+          </a:schemeClr>
+        </a:solidFill>
+        <a:ln>
+          <a:noFill/>
+        </a:ln>
+        <a:effectLst/>
+      </dsp:spPr>
+      <dsp:style>
+        <a:lnRef idx="0">
+          <a:scrgbClr r="0" g="0" b="0"/>
+        </a:lnRef>
+        <a:fillRef idx="1">
+          <a:scrgbClr r="0" g="0" b="0"/>
+        </a:fillRef>
+        <a:effectRef idx="0">
+          <a:scrgbClr r="0" g="0" b="0"/>
+        </a:effectRef>
+        <a:fontRef idx="minor"/>
+      </dsp:style>
+    </dsp:sp>
+    <dsp:sp modelId="{CDFF62D7-99C5-4BA2-A046-825304F47767}">
+      <dsp:nvSpPr>
+        <dsp:cNvPr id="0" name=""/>
+        <dsp:cNvSpPr/>
+      </dsp:nvSpPr>
+      <dsp:spPr>
+        <a:xfrm>
+          <a:off x="268034" y="2414904"/>
+          <a:ext cx="487335" cy="487335"/>
+        </a:xfrm>
+        <a:prstGeom prst="rect">
+          <a:avLst/>
+        </a:prstGeom>
+        <a:blipFill>
+          <a:blip xmlns:r="http://schemas.openxmlformats.org/officeDocument/2006/relationships" r:embed="rId5">
+            <a:extLst>
+              <a:ext uri="{28A0092B-C50C-407E-A947-70E740481C1C}">
+                <a14:useLocalDpi xmlns:a14="http://schemas.microsoft.com/office/drawing/2010/main" val="0"/>
+              </a:ext>
+              <a:ext uri="{96DAC541-7B7A-43D3-8B79-37D633B846F1}">
+                <asvg:svgBlip xmlns:asvg="http://schemas.microsoft.com/office/drawing/2016/SVG/main" r:embed="rId6"/>
+              </a:ext>
+            </a:extLst>
+          </a:blip>
+          <a:stretch>
+            <a:fillRect/>
+          </a:stretch>
+        </a:blipFill>
+        <a:ln w="12700" cap="flat" cmpd="sng" algn="ctr">
+          <a:solidFill>
+            <a:schemeClr val="lt1">
+              <a:hueOff val="0"/>
+              <a:satOff val="0"/>
+              <a:lumOff val="0"/>
+              <a:alphaOff val="0"/>
+            </a:schemeClr>
+          </a:solidFill>
+          <a:prstDash val="solid"/>
+        </a:ln>
+        <a:effectLst/>
+      </dsp:spPr>
+      <dsp:style>
+        <a:lnRef idx="2">
+          <a:scrgbClr r="0" g="0" b="0"/>
+        </a:lnRef>
+        <a:fillRef idx="1">
+          <a:scrgbClr r="0" g="0" b="0"/>
+        </a:fillRef>
+        <a:effectRef idx="0">
+          <a:scrgbClr r="0" g="0" b="0"/>
+        </a:effectRef>
+        <a:fontRef idx="minor">
+          <a:schemeClr val="lt1"/>
+        </a:fontRef>
+      </dsp:style>
+    </dsp:sp>
+    <dsp:sp modelId="{00443BD1-FB67-4DD3-9A58-A6ECE0EB07CF}">
+      <dsp:nvSpPr>
+        <dsp:cNvPr id="0" name=""/>
+        <dsp:cNvSpPr/>
+      </dsp:nvSpPr>
+      <dsp:spPr>
+        <a:xfrm>
+          <a:off x="1023404" y="2215539"/>
+          <a:ext cx="6706323" cy="886064"/>
+        </a:xfrm>
+        <a:prstGeom prst="rect">
+          <a:avLst/>
+        </a:prstGeom>
+        <a:noFill/>
+        <a:ln>
+          <a:noFill/>
+        </a:ln>
+        <a:effectLst/>
+      </dsp:spPr>
+      <dsp:style>
+        <a:lnRef idx="0">
+          <a:scrgbClr r="0" g="0" b="0"/>
+        </a:lnRef>
+        <a:fillRef idx="0">
+          <a:scrgbClr r="0" g="0" b="0"/>
+        </a:fillRef>
+        <a:effectRef idx="0">
+          <a:scrgbClr r="0" g="0" b="0"/>
+        </a:effectRef>
+        <a:fontRef idx="minor"/>
+      </dsp:style>
+      <dsp:txBody>
+        <a:bodyPr spcFirstLastPara="0" vert="horz" wrap="square" lIns="93775" tIns="93775" rIns="93775" bIns="93775" numCol="1" spcCol="1270" anchor="ctr" anchorCtr="0">
+          <a:noAutofit/>
+        </a:bodyPr>
+        <a:lstStyle/>
+        <a:p>
+          <a:pPr marL="0" lvl="0" indent="0" algn="l" defTabSz="755650">
+            <a:lnSpc>
+              <a:spcPct val="100000"/>
+            </a:lnSpc>
+            <a:spcBef>
+              <a:spcPct val="0"/>
+            </a:spcBef>
+            <a:spcAft>
+              <a:spcPct val="35000"/>
+            </a:spcAft>
+            <a:buNone/>
+          </a:pPr>
+          <a:r>
+            <a:rPr lang="en-US" sz="1700" kern="1200"/>
+            <a:t>Building complex models with multiple features allows for us to be able to make more accurate, data-driven predictions</a:t>
+          </a:r>
+        </a:p>
+      </dsp:txBody>
+      <dsp:txXfrm>
+        <a:off x="1023404" y="2215539"/>
+        <a:ext cx="6706323" cy="886064"/>
+      </dsp:txXfrm>
+    </dsp:sp>
+  </dsp:spTree>
+</dsp:drawing>
+</file>
+
+<file path=ppt/diagrams/drawing2.xml><?xml version="1.0" encoding="utf-8"?>
+<dsp:drawing xmlns:dgm="http://schemas.openxmlformats.org/drawingml/2006/diagram" xmlns:dsp="http://schemas.microsoft.com/office/drawing/2008/diagram" xmlns:a="http://schemas.openxmlformats.org/drawingml/2006/main">
+  <dsp:spTree>
+    <dsp:nvGrpSpPr>
+      <dsp:cNvPr id="0" name=""/>
+      <dsp:cNvGrpSpPr/>
+    </dsp:nvGrpSpPr>
+    <dsp:grpSpPr/>
+    <dsp:sp modelId="{32119097-588D-4D97-BCB3-62D0941249FF}">
+      <dsp:nvSpPr>
+        <dsp:cNvPr id="0" name=""/>
+        <dsp:cNvSpPr/>
+      </dsp:nvSpPr>
+      <dsp:spPr>
+        <a:xfrm>
+          <a:off x="0" y="378"/>
+          <a:ext cx="7729728" cy="886064"/>
+        </a:xfrm>
+        <a:prstGeom prst="roundRect">
+          <a:avLst>
+            <a:gd name="adj" fmla="val 10000"/>
+          </a:avLst>
+        </a:prstGeom>
+        <a:solidFill>
+          <a:schemeClr val="accent1">
+            <a:tint val="40000"/>
+            <a:hueOff val="0"/>
+            <a:satOff val="0"/>
+            <a:lumOff val="0"/>
+            <a:alphaOff val="0"/>
+          </a:schemeClr>
+        </a:solidFill>
+        <a:ln>
+          <a:noFill/>
+        </a:ln>
+        <a:effectLst/>
+      </dsp:spPr>
+      <dsp:style>
+        <a:lnRef idx="0">
+          <a:scrgbClr r="0" g="0" b="0"/>
+        </a:lnRef>
+        <a:fillRef idx="1">
+          <a:scrgbClr r="0" g="0" b="0"/>
+        </a:fillRef>
+        <a:effectRef idx="0">
+          <a:scrgbClr r="0" g="0" b="0"/>
+        </a:effectRef>
+        <a:fontRef idx="minor"/>
+      </dsp:style>
+    </dsp:sp>
+    <dsp:sp modelId="{556B12EB-6F0B-4214-9DD6-1369DD6C45D6}">
+      <dsp:nvSpPr>
+        <dsp:cNvPr id="0" name=""/>
+        <dsp:cNvSpPr/>
+      </dsp:nvSpPr>
+      <dsp:spPr>
+        <a:xfrm>
+          <a:off x="268034" y="199743"/>
+          <a:ext cx="487335" cy="487335"/>
+        </a:xfrm>
+        <a:prstGeom prst="rect">
+          <a:avLst/>
+        </a:prstGeom>
+        <a:blipFill>
+          <a:blip xmlns:r="http://schemas.openxmlformats.org/officeDocument/2006/relationships" r:embed="rId1">
+            <a:extLst>
+              <a:ext uri="{28A0092B-C50C-407E-A947-70E740481C1C}">
+                <a14:useLocalDpi xmlns:a14="http://schemas.microsoft.com/office/drawing/2010/main" val="0"/>
+              </a:ext>
+              <a:ext uri="{96DAC541-7B7A-43D3-8B79-37D633B846F1}">
+                <asvg:svgBlip xmlns:asvg="http://schemas.microsoft.com/office/drawing/2016/SVG/main" r:embed="rId2"/>
+              </a:ext>
+            </a:extLst>
+          </a:blip>
+          <a:stretch>
+            <a:fillRect/>
+          </a:stretch>
+        </a:blipFill>
+        <a:ln w="12700" cap="flat" cmpd="sng" algn="ctr">
+          <a:solidFill>
+            <a:schemeClr val="lt1">
+              <a:hueOff val="0"/>
+              <a:satOff val="0"/>
+              <a:lumOff val="0"/>
+              <a:alphaOff val="0"/>
+            </a:schemeClr>
+          </a:solidFill>
+          <a:prstDash val="solid"/>
+        </a:ln>
+        <a:effectLst/>
+      </dsp:spPr>
+      <dsp:style>
+        <a:lnRef idx="2">
+          <a:scrgbClr r="0" g="0" b="0"/>
+        </a:lnRef>
+        <a:fillRef idx="1">
+          <a:scrgbClr r="0" g="0" b="0"/>
+        </a:fillRef>
+        <a:effectRef idx="0">
+          <a:scrgbClr r="0" g="0" b="0"/>
+        </a:effectRef>
+        <a:fontRef idx="minor">
+          <a:schemeClr val="lt1"/>
+        </a:fontRef>
+      </dsp:style>
+    </dsp:sp>
+    <dsp:sp modelId="{F6B231AF-C5B6-4DDA-A9E1-B1EF820A3CB2}">
+      <dsp:nvSpPr>
+        <dsp:cNvPr id="0" name=""/>
+        <dsp:cNvSpPr/>
+      </dsp:nvSpPr>
+      <dsp:spPr>
+        <a:xfrm>
+          <a:off x="1023404" y="378"/>
+          <a:ext cx="6706323" cy="886064"/>
+        </a:xfrm>
+        <a:prstGeom prst="rect">
+          <a:avLst/>
+        </a:prstGeom>
+        <a:noFill/>
+        <a:ln>
+          <a:noFill/>
+        </a:ln>
+        <a:effectLst/>
+      </dsp:spPr>
+      <dsp:style>
+        <a:lnRef idx="0">
+          <a:scrgbClr r="0" g="0" b="0"/>
+        </a:lnRef>
+        <a:fillRef idx="0">
+          <a:scrgbClr r="0" g="0" b="0"/>
+        </a:fillRef>
+        <a:effectRef idx="0">
+          <a:scrgbClr r="0" g="0" b="0"/>
+        </a:effectRef>
+        <a:fontRef idx="minor"/>
+      </dsp:style>
+      <dsp:txBody>
+        <a:bodyPr spcFirstLastPara="0" vert="horz" wrap="square" lIns="93775" tIns="93775" rIns="93775" bIns="93775" numCol="1" spcCol="1270" anchor="ctr" anchorCtr="0">
+          <a:noAutofit/>
+        </a:bodyPr>
+        <a:lstStyle/>
+        <a:p>
+          <a:pPr marL="0" lvl="0" indent="0" algn="l" defTabSz="666750">
+            <a:lnSpc>
+              <a:spcPct val="100000"/>
+            </a:lnSpc>
+            <a:spcBef>
+              <a:spcPct val="0"/>
+            </a:spcBef>
+            <a:spcAft>
+              <a:spcPct val="35000"/>
+            </a:spcAft>
+            <a:buNone/>
+          </a:pPr>
+          <a:r>
+            <a:rPr lang="en-US" sz="1500" kern="1200"/>
+            <a:t>Improve the grade of your home from Better to High Quality, which is predicted to increase the sale price by $82,180</a:t>
+          </a:r>
+        </a:p>
+      </dsp:txBody>
+      <dsp:txXfrm>
+        <a:off x="1023404" y="378"/>
+        <a:ext cx="6706323" cy="886064"/>
+      </dsp:txXfrm>
+    </dsp:sp>
+    <dsp:sp modelId="{03CB8478-176C-42DE-B730-AC376EE041A4}">
+      <dsp:nvSpPr>
+        <dsp:cNvPr id="0" name=""/>
+        <dsp:cNvSpPr/>
+      </dsp:nvSpPr>
+      <dsp:spPr>
+        <a:xfrm>
+          <a:off x="0" y="1107959"/>
+          <a:ext cx="7729728" cy="886064"/>
+        </a:xfrm>
+        <a:prstGeom prst="roundRect">
+          <a:avLst>
+            <a:gd name="adj" fmla="val 10000"/>
+          </a:avLst>
+        </a:prstGeom>
+        <a:solidFill>
+          <a:schemeClr val="accent1">
+            <a:tint val="40000"/>
+            <a:hueOff val="0"/>
+            <a:satOff val="0"/>
+            <a:lumOff val="0"/>
+            <a:alphaOff val="0"/>
+          </a:schemeClr>
+        </a:solidFill>
+        <a:ln>
+          <a:noFill/>
+        </a:ln>
+        <a:effectLst/>
+      </dsp:spPr>
+      <dsp:style>
+        <a:lnRef idx="0">
+          <a:scrgbClr r="0" g="0" b="0"/>
+        </a:lnRef>
+        <a:fillRef idx="1">
+          <a:scrgbClr r="0" g="0" b="0"/>
+        </a:fillRef>
+        <a:effectRef idx="0">
+          <a:scrgbClr r="0" g="0" b="0"/>
+        </a:effectRef>
+        <a:fontRef idx="minor"/>
+      </dsp:style>
+    </dsp:sp>
+    <dsp:sp modelId="{32D08C50-E7D7-4659-BE4F-6C7261878386}">
+      <dsp:nvSpPr>
+        <dsp:cNvPr id="0" name=""/>
+        <dsp:cNvSpPr/>
+      </dsp:nvSpPr>
+      <dsp:spPr>
+        <a:xfrm>
+          <a:off x="268034" y="1307323"/>
+          <a:ext cx="487335" cy="487335"/>
+        </a:xfrm>
+        <a:prstGeom prst="rect">
+          <a:avLst/>
+        </a:prstGeom>
+        <a:blipFill>
+          <a:blip xmlns:r="http://schemas.openxmlformats.org/officeDocument/2006/relationships" r:embed="rId3">
+            <a:extLst>
+              <a:ext uri="{28A0092B-C50C-407E-A947-70E740481C1C}">
+                <a14:useLocalDpi xmlns:a14="http://schemas.microsoft.com/office/drawing/2010/main" val="0"/>
+              </a:ext>
+              <a:ext uri="{96DAC541-7B7A-43D3-8B79-37D633B846F1}">
+                <asvg:svgBlip xmlns:asvg="http://schemas.microsoft.com/office/drawing/2016/SVG/main" r:embed="rId4"/>
+              </a:ext>
+            </a:extLst>
+          </a:blip>
+          <a:stretch>
+            <a:fillRect/>
+          </a:stretch>
+        </a:blipFill>
+        <a:ln w="12700" cap="flat" cmpd="sng" algn="ctr">
+          <a:solidFill>
+            <a:schemeClr val="lt1">
+              <a:hueOff val="0"/>
+              <a:satOff val="0"/>
+              <a:lumOff val="0"/>
+              <a:alphaOff val="0"/>
+            </a:schemeClr>
+          </a:solidFill>
+          <a:prstDash val="solid"/>
+        </a:ln>
+        <a:effectLst/>
+      </dsp:spPr>
+      <dsp:style>
+        <a:lnRef idx="2">
+          <a:scrgbClr r="0" g="0" b="0"/>
+        </a:lnRef>
+        <a:fillRef idx="1">
+          <a:scrgbClr r="0" g="0" b="0"/>
+        </a:fillRef>
+        <a:effectRef idx="0">
+          <a:scrgbClr r="0" g="0" b="0"/>
+        </a:effectRef>
+        <a:fontRef idx="minor">
+          <a:schemeClr val="lt1"/>
+        </a:fontRef>
+      </dsp:style>
+    </dsp:sp>
+    <dsp:sp modelId="{47FF5911-69F1-4940-8FCA-EDF288725A9F}">
+      <dsp:nvSpPr>
+        <dsp:cNvPr id="0" name=""/>
+        <dsp:cNvSpPr/>
+      </dsp:nvSpPr>
+      <dsp:spPr>
+        <a:xfrm>
+          <a:off x="1023404" y="1107959"/>
+          <a:ext cx="6706323" cy="886064"/>
+        </a:xfrm>
+        <a:prstGeom prst="rect">
+          <a:avLst/>
+        </a:prstGeom>
+        <a:noFill/>
+        <a:ln>
+          <a:noFill/>
+        </a:ln>
+        <a:effectLst/>
+      </dsp:spPr>
+      <dsp:style>
+        <a:lnRef idx="0">
+          <a:scrgbClr r="0" g="0" b="0"/>
+        </a:lnRef>
+        <a:fillRef idx="0">
+          <a:scrgbClr r="0" g="0" b="0"/>
+        </a:fillRef>
+        <a:effectRef idx="0">
+          <a:scrgbClr r="0" g="0" b="0"/>
+        </a:effectRef>
+        <a:fontRef idx="minor"/>
+      </dsp:style>
+      <dsp:txBody>
+        <a:bodyPr spcFirstLastPara="0" vert="horz" wrap="square" lIns="93775" tIns="93775" rIns="93775" bIns="93775" numCol="1" spcCol="1270" anchor="ctr" anchorCtr="0">
+          <a:noAutofit/>
+        </a:bodyPr>
+        <a:lstStyle/>
+        <a:p>
+          <a:pPr marL="0" lvl="0" indent="0" algn="l" defTabSz="666750">
+            <a:lnSpc>
+              <a:spcPct val="100000"/>
+            </a:lnSpc>
+            <a:spcBef>
+              <a:spcPct val="0"/>
+            </a:spcBef>
+            <a:spcAft>
+              <a:spcPct val="35000"/>
+            </a:spcAft>
+            <a:buNone/>
+          </a:pPr>
+          <a:r>
+            <a:rPr lang="en-US" sz="1500" kern="1200"/>
+            <a:t>Adding an additional bathroom to your home is predicted to increase its sale price by $29,020</a:t>
+          </a:r>
+        </a:p>
+      </dsp:txBody>
+      <dsp:txXfrm>
+        <a:off x="1023404" y="1107959"/>
+        <a:ext cx="6706323" cy="886064"/>
+      </dsp:txXfrm>
+    </dsp:sp>
+    <dsp:sp modelId="{5FB75EE3-E5B5-4DA0-93CD-21FE676388E5}">
+      <dsp:nvSpPr>
+        <dsp:cNvPr id="0" name=""/>
+        <dsp:cNvSpPr/>
+      </dsp:nvSpPr>
+      <dsp:spPr>
+        <a:xfrm>
+          <a:off x="0" y="2215539"/>
+          <a:ext cx="7729728" cy="886064"/>
+        </a:xfrm>
+        <a:prstGeom prst="roundRect">
+          <a:avLst>
+            <a:gd name="adj" fmla="val 10000"/>
+          </a:avLst>
+        </a:prstGeom>
+        <a:solidFill>
+          <a:schemeClr val="accent1">
+            <a:tint val="40000"/>
+            <a:hueOff val="0"/>
+            <a:satOff val="0"/>
+            <a:lumOff val="0"/>
+            <a:alphaOff val="0"/>
+          </a:schemeClr>
+        </a:solidFill>
+        <a:ln>
+          <a:noFill/>
+        </a:ln>
+        <a:effectLst/>
+      </dsp:spPr>
+      <dsp:style>
+        <a:lnRef idx="0">
+          <a:scrgbClr r="0" g="0" b="0"/>
+        </a:lnRef>
+        <a:fillRef idx="1">
+          <a:scrgbClr r="0" g="0" b="0"/>
+        </a:fillRef>
+        <a:effectRef idx="0">
+          <a:scrgbClr r="0" g="0" b="0"/>
+        </a:effectRef>
+        <a:fontRef idx="minor"/>
+      </dsp:style>
+    </dsp:sp>
+    <dsp:sp modelId="{28C5C127-3697-49C4-85C7-DF56B81CC5BF}">
+      <dsp:nvSpPr>
+        <dsp:cNvPr id="0" name=""/>
+        <dsp:cNvSpPr/>
+      </dsp:nvSpPr>
+      <dsp:spPr>
+        <a:xfrm>
+          <a:off x="268034" y="2414904"/>
+          <a:ext cx="487335" cy="487335"/>
+        </a:xfrm>
+        <a:prstGeom prst="rect">
+          <a:avLst/>
+        </a:prstGeom>
+        <a:blipFill>
+          <a:blip xmlns:r="http://schemas.openxmlformats.org/officeDocument/2006/relationships" r:embed="rId5">
+            <a:extLst>
+              <a:ext uri="{28A0092B-C50C-407E-A947-70E740481C1C}">
+                <a14:useLocalDpi xmlns:a14="http://schemas.microsoft.com/office/drawing/2010/main" val="0"/>
+              </a:ext>
+              <a:ext uri="{96DAC541-7B7A-43D3-8B79-37D633B846F1}">
+                <asvg:svgBlip xmlns:asvg="http://schemas.microsoft.com/office/drawing/2016/SVG/main" r:embed="rId6"/>
+              </a:ext>
+            </a:extLst>
+          </a:blip>
+          <a:stretch>
+            <a:fillRect/>
+          </a:stretch>
+        </a:blipFill>
+        <a:ln w="12700" cap="flat" cmpd="sng" algn="ctr">
+          <a:solidFill>
+            <a:schemeClr val="lt1">
+              <a:hueOff val="0"/>
+              <a:satOff val="0"/>
+              <a:lumOff val="0"/>
+              <a:alphaOff val="0"/>
+            </a:schemeClr>
+          </a:solidFill>
+          <a:prstDash val="solid"/>
+        </a:ln>
+        <a:effectLst/>
+      </dsp:spPr>
+      <dsp:style>
+        <a:lnRef idx="2">
+          <a:scrgbClr r="0" g="0" b="0"/>
+        </a:lnRef>
+        <a:fillRef idx="1">
+          <a:scrgbClr r="0" g="0" b="0"/>
+        </a:fillRef>
+        <a:effectRef idx="0">
+          <a:scrgbClr r="0" g="0" b="0"/>
+        </a:effectRef>
+        <a:fontRef idx="minor">
+          <a:schemeClr val="lt1"/>
+        </a:fontRef>
+      </dsp:style>
+    </dsp:sp>
+    <dsp:sp modelId="{FE7D7601-3E59-4634-B1FE-81F23D5409BA}">
+      <dsp:nvSpPr>
+        <dsp:cNvPr id="0" name=""/>
+        <dsp:cNvSpPr/>
+      </dsp:nvSpPr>
+      <dsp:spPr>
+        <a:xfrm>
+          <a:off x="1023404" y="2215539"/>
+          <a:ext cx="6706323" cy="886064"/>
+        </a:xfrm>
+        <a:prstGeom prst="rect">
+          <a:avLst/>
+        </a:prstGeom>
+        <a:noFill/>
+        <a:ln>
+          <a:noFill/>
+        </a:ln>
+        <a:effectLst/>
+      </dsp:spPr>
+      <dsp:style>
+        <a:lnRef idx="0">
+          <a:scrgbClr r="0" g="0" b="0"/>
+        </a:lnRef>
+        <a:fillRef idx="0">
+          <a:scrgbClr r="0" g="0" b="0"/>
+        </a:fillRef>
+        <a:effectRef idx="0">
+          <a:scrgbClr r="0" g="0" b="0"/>
+        </a:effectRef>
+        <a:fontRef idx="minor"/>
+      </dsp:style>
+      <dsp:txBody>
+        <a:bodyPr spcFirstLastPara="0" vert="horz" wrap="square" lIns="93775" tIns="93775" rIns="93775" bIns="93775" numCol="1" spcCol="1270" anchor="ctr" anchorCtr="0">
+          <a:noAutofit/>
+        </a:bodyPr>
+        <a:lstStyle/>
+        <a:p>
+          <a:pPr marL="0" lvl="0" indent="0" algn="l" defTabSz="666750">
+            <a:lnSpc>
+              <a:spcPct val="100000"/>
+            </a:lnSpc>
+            <a:spcBef>
+              <a:spcPct val="0"/>
+            </a:spcBef>
+            <a:spcAft>
+              <a:spcPct val="35000"/>
+            </a:spcAft>
+            <a:buNone/>
+          </a:pPr>
+          <a:r>
+            <a:rPr lang="en-US" sz="1500" kern="1200"/>
+            <a:t>Each additional square foot of living space is predicted to add 81.12 dollars to the sale price; a 600-square foot addition would be predicted to increase the sale price by $48,672</a:t>
+          </a:r>
+        </a:p>
+      </dsp:txBody>
+      <dsp:txXfrm>
+        <a:off x="1023404" y="2215539"/>
+        <a:ext cx="6706323" cy="886064"/>
+      </dsp:txXfrm>
+    </dsp:sp>
+  </dsp:spTree>
+</dsp:drawing>
+</file>
+
+<file path=ppt/diagrams/layout1.xml><?xml version="1.0" encoding="utf-8"?>
+<dgm:layoutDef xmlns:dgm="http://schemas.openxmlformats.org/drawingml/2006/diagram" xmlns:a="http://schemas.openxmlformats.org/drawingml/2006/main" uniqueId="urn:microsoft.com/office/officeart/2018/2/layout/IconVerticalSolidList">
+  <dgm:title val="Icon Vertical Solid List"/>
+  <dgm:desc val="Use to show a series of visuals from top to bottom with Level 1 or Level 1 and Level 2 text grouped in a shape. Works best with icons or small pictures with lengthier descriptions."/>
+  <dgm:catLst>
+    <dgm:cat type="icon" pri="500"/>
+  </dgm:catLst>
+  <dgm:sampData useDef="1">
+    <dgm:dataModel>
+      <dgm:ptLst/>
+      <dgm:bg/>
+      <dgm:whole/>
+    </dgm:dataModel>
+  </dgm:sampData>
+  <dgm:styleData useDef="1">
+    <dgm:dataModel>
+      <dgm:ptLst/>
+      <dgm:bg/>
+      <dgm:whole/>
+    </dgm:dataModel>
+  </dgm:styleData>
+  <dgm:clrData useDef="1">
+    <dgm:dataModel>
+      <dgm:ptLst/>
+      <dgm:bg/>
+      <dgm:whole/>
+    </dgm:dataModel>
+  </dgm:clrData>
+  <dgm:layoutNode name="root">
+    <dgm:varLst>
+      <dgm:dir/>
+      <dgm:resizeHandles val="exact"/>
+    </dgm:varLst>
+    <dgm:choose name="Name0">
+      <dgm:if name="Name1" axis="self" func="var" arg="dir" op="equ" val="norm">
+        <dgm:alg type="lin">
+          <dgm:param type="linDir" val="fromT"/>
+          <dgm:param type="nodeHorzAlign" val="l"/>
+        </dgm:alg>
+      </dgm:if>
+      <dgm:else name="Name2">
+        <dgm:alg type="lin">
+          <dgm:param type="linDir" val="fromT"/>
+          <dgm:param type="nodeHorzAlign" val="r"/>
+        </dgm:alg>
+      </dgm:else>
+    </dgm:choose>
+    <dgm:shape xmlns:r="http://schemas.openxmlformats.org/officeDocument/2006/relationships" r:blip="">
+      <dgm:adjLst/>
+    </dgm:shape>
+    <dgm:presOf/>
+    <dgm:choose name="Name3">
+      <dgm:if name="Name4" axis="ch" ptType="node" func="cnt" op="lte" val="3">
+        <dgm:constrLst>
+          <dgm:constr type="h" for="ch" forName="compNode" refType="h" fact="0.3"/>
+          <dgm:constr type="w" for="ch" forName="compNode" refType="w"/>
+          <dgm:constr type="h" for="ch" forName="sibTrans" refType="h" refFor="ch" refForName="compNode" fact="0.25"/>
+          <dgm:constr type="primFontSz" for="des" forName="parTx" val="25"/>
+          <dgm:constr type="primFontSz" for="des" forName="desTx" refType="primFontSz" refFor="des" refForName="parTx" op="lte" fact="0.75"/>
+          <dgm:constr type="h" for="des" forName="compNode" op="equ"/>
+          <dgm:constr type="h" for="des" forName="bgRect" op="equ"/>
+          <dgm:constr type="h" for="des" forName="iconRect" op="equ"/>
+          <dgm:constr type="w" for="des" forName="iconRect" op="equ"/>
+          <dgm:constr type="h" for="des" forName="spaceRect" op="equ"/>
+          <dgm:constr type="h" for="des" forName="parTx" op="equ"/>
+          <dgm:constr type="h" for="des" forName="desTx" op="equ"/>
+        </dgm:constrLst>
+      </dgm:if>
+      <dgm:if name="Name5" axis="ch" ptType="node" func="cnt" op="lte" val="4">
+        <dgm:constrLst>
+          <dgm:constr type="h" for="ch" forName="compNode" refType="h" fact="0.3"/>
+          <dgm:constr type="w" for="ch" forName="compNode" refType="w"/>
+          <dgm:constr type="h" for="ch" forName="sibTrans" refType="h" refFor="ch" refForName="compNode" fact="0.25"/>
+          <dgm:constr type="primFontSz" for="des" forName="parTx" val="22"/>
+          <dgm:constr type="primFontSz" for="des" forName="desTx" refType="primFontSz" refFor="des" refForName="parTx" op="lte" fact="0.75"/>
+          <dgm:constr type="h" for="des" forName="compNode" op="equ"/>
+          <dgm:constr type="h" for="des" forName="bgRect" op="equ"/>
+          <dgm:constr type="h" for="des" forName="iconRect" op="equ"/>
+          <dgm:constr type="w" for="des" forName="iconRect" op="equ"/>
+          <dgm:constr type="h" for="des" forName="spaceRect" op="equ"/>
+          <dgm:constr type="h" for="des" forName="parTx" op="equ"/>
+          <dgm:constr type="h" for="des" forName="desTx" op="equ"/>
+        </dgm:constrLst>
+      </dgm:if>
+      <dgm:if name="Name6" axis="ch" ptType="node" func="cnt" op="lte" val="6">
+        <dgm:constrLst>
+          <dgm:constr type="h" for="ch" forName="compNode" refType="h" fact="0.3"/>
+          <dgm:constr type="w" for="ch" forName="compNode" refType="w"/>
+          <dgm:constr type="h" for="ch" forName="sibTrans" refType="h" refFor="ch" refForName="compNode" fact="0.25"/>
+          <dgm:constr type="primFontSz" for="des" forName="parTx" val="19"/>
+          <dgm:constr type="primFontSz" for="des" forName="desTx" refType="primFontSz" refFor="des" refForName="parTx" op="lte" fact="0.75"/>
+          <dgm:constr type="h" for="des" forName="compNode" op="equ"/>
+          <dgm:constr type="h" for="des" forName="bgRect" op="equ"/>
+          <dgm:constr type="h" for="des" forName="iconRect" op="equ"/>
+          <dgm:constr type="w" for="des" forName="iconRect" op="equ"/>
+          <dgm:constr type="h" for="des" forName="spaceRect" op="equ"/>
+          <dgm:constr type="h" for="des" forName="parTx" op="equ"/>
+          <dgm:constr type="h" for="des" forName="desTx" op="equ"/>
+        </dgm:constrLst>
+      </dgm:if>
+      <dgm:else name="Name7">
+        <dgm:constrLst>
+          <dgm:constr type="h" for="ch" forName="compNode" refType="h" fact="0.3"/>
+          <dgm:constr type="w" for="ch" forName="compNode" refType="w"/>
+          <dgm:constr type="h" for="ch" forName="sibTrans" refType="h" refFor="ch" refForName="compNode" fact="0.25"/>
+          <dgm:constr type="primFontSz" for="des" forName="parTx" val="16"/>
+          <dgm:constr type="primFontSz" for="des" forName="desTx" refType="primFontSz" refFor="des" refForName="parTx" op="lte" fact="0.75"/>
+          <dgm:constr type="h" for="des" forName="compNode" op="equ"/>
+          <dgm:constr type="h" for="des" forName="bgRect" op="equ"/>
+          <dgm:constr type="h" for="des" forName="iconRect" op="equ"/>
+          <dgm:constr type="w" for="des" forName="iconRect" op="equ"/>
+          <dgm:constr type="h" for="des" forName="spaceRect" op="equ"/>
+          <dgm:constr type="h" for="des" forName="parTx" op="equ"/>
+          <dgm:constr type="h" for="des" forName="desTx" op="equ"/>
+        </dgm:constrLst>
+      </dgm:else>
+    </dgm:choose>
+    <dgm:ruleLst>
+      <dgm:rule type="h" for="ch" forName="compNode" val="0" fact="NaN" max="NaN"/>
+    </dgm:ruleLst>
+    <dgm:forEach name="Name8" axis="ch" ptType="node">
+      <dgm:layoutNode name="compNode">
+        <dgm:alg type="composite"/>
+        <dgm:shape xmlns:r="http://schemas.openxmlformats.org/officeDocument/2006/relationships" r:blip="">
+          <dgm:adjLst/>
+        </dgm:shape>
+        <dgm:presOf axis="self"/>
+        <dgm:choose name="Name9">
+          <dgm:if name="Name10" axis="ch" ptType="node" func="cnt" op="gte" val="1">
+            <dgm:constrLst>
+              <dgm:constr type="w" for="ch" forName="bgRect" refType="w"/>
+              <dgm:constr type="h" for="ch" forName="bgRect" refType="h"/>
+              <dgm:constr type="l" for="ch" forName="bgRect"/>
+              <dgm:constr type="t" for="ch" forName="bgRect"/>
+              <dgm:constr type="h" for="ch" forName="iconRect" refType="h" fact="0.55"/>
+              <dgm:constr type="w" for="ch" forName="iconRect" refType="h" refFor="ch" refForName="iconRect"/>
+              <dgm:constr type="l" for="ch" forName="iconRect" refType="h" refFor="ch" refForName="iconRect" fact="0.55"/>
+              <dgm:constr type="ctrY" for="ch" forName="iconRect" refType="ctrY" refFor="ch" refForName="bgRect"/>
+              <dgm:constr type="w" for="ch" forName="spaceRect" refType="l" refFor="ch" refForName="iconRect"/>
+              <dgm:constr type="h" for="ch" forName="spaceRect" refType="h"/>
+              <dgm:constr type="l" for="ch" forName="spaceRect" refType="r" refFor="ch" refForName="iconRect"/>
+              <dgm:constr type="t" for="ch" forName="spaceRect"/>
+              <dgm:constr type="w" for="ch" forName="parTx" refType="w" fact="0.45"/>
+              <dgm:constr type="h" for="ch" forName="parTx" refType="h"/>
+              <dgm:constr type="l" for="ch" forName="parTx" refType="r" refFor="ch" refForName="spaceRect"/>
+              <dgm:constr type="t" for="ch" forName="parTx"/>
+              <dgm:constr type="h" for="ch" forName="desTx" refType="h"/>
+              <dgm:constr type="l" for="ch" forName="desTx" refType="r" refFor="ch" refForName="parTx"/>
+              <dgm:constr type="t" for="ch" forName="desTx"/>
+            </dgm:constrLst>
+          </dgm:if>
+          <dgm:else name="Name11">
+            <dgm:constrLst>
+              <dgm:constr type="w" for="ch" forName="bgRect" refType="w"/>
+              <dgm:constr type="h" for="ch" forName="bgRect" refType="h"/>
+              <dgm:constr type="l" for="ch" forName="bgRect"/>
+              <dgm:constr type="t" for="ch" forName="bgRect"/>
+              <dgm:constr type="h" for="ch" forName="iconRect" refType="h" fact="0.55"/>
+              <dgm:constr type="w" for="ch" forName="iconRect" refType="h" refFor="ch" refForName="iconRect"/>
+              <dgm:constr type="l" for="ch" forName="iconRect" refType="h" refFor="ch" refForName="iconRect" fact="0.55"/>
+              <dgm:constr type="ctrY" for="ch" forName="iconRect" refType="ctrY" refFor="ch" refForName="bgRect"/>
+              <dgm:constr type="w" for="ch" forName="spaceRect" refType="l" refFor="ch" refForName="iconRect"/>
+              <dgm:constr type="h" for="ch" forName="spaceRect" refType="h"/>
+              <dgm:constr type="l" for="ch" forName="spaceRect" refType="r" refFor="ch" refForName="iconRect"/>
+              <dgm:constr type="t" for="ch" forName="spaceRect"/>
+              <dgm:constr type="h" for="ch" forName="parTx" refType="h"/>
+              <dgm:constr type="l" for="ch" forName="parTx" refType="r" refFor="ch" refForName="spaceRect"/>
+              <dgm:constr type="t" for="ch" forName="parTx"/>
+            </dgm:constrLst>
+          </dgm:else>
+        </dgm:choose>
+        <dgm:ruleLst>
+          <dgm:rule type="h" val="INF" fact="NaN" max="NaN"/>
+        </dgm:ruleLst>
+        <dgm:layoutNode name="bgRect" styleLbl="bgShp">
+          <dgm:alg type="sp"/>
+          <dgm:shape xmlns:r="http://schemas.openxmlformats.org/officeDocument/2006/relationships" type="roundRect" r:blip="">
+            <dgm:adjLst>
+              <dgm:adj idx="1" val="0.1"/>
+            </dgm:adjLst>
+          </dgm:shape>
+          <dgm:presOf/>
+          <dgm:constrLst/>
+          <dgm:ruleLst/>
+        </dgm:layoutNode>
+        <dgm:layoutNode name="iconRect" styleLbl="node1">
+          <dgm:alg type="sp"/>
+          <dgm:shape xmlns:r="http://schemas.openxmlformats.org/officeDocument/2006/relationships" type="rect" r:blip="" blipPhldr="1">
+            <dgm:adjLst/>
+          </dgm:shape>
+          <dgm:presOf/>
+          <dgm:constrLst/>
+          <dgm:ruleLst/>
+        </dgm:layoutNode>
+        <dgm:layoutNode name="spaceRect">
+          <dgm:alg type="sp"/>
+          <dgm:shape xmlns:r="http://schemas.openxmlformats.org/officeDocument/2006/relationships" r:blip="">
+            <dgm:adjLst/>
+          </dgm:shape>
+          <dgm:presOf/>
+          <dgm:constrLst/>
+          <dgm:ruleLst/>
+        </dgm:layoutNode>
+        <dgm:layoutNode name="parTx" styleLbl="revTx">
+          <dgm:varLst>
+            <dgm:chMax val="0"/>
+            <dgm:chPref val="0"/>
+          </dgm:varLst>
+          <dgm:alg type="tx">
+            <dgm:param type="txAnchorVert" val="mid"/>
+            <dgm:param type="parTxLTRAlign" val="l"/>
+            <dgm:param type="shpTxLTRAlignCh" val="l"/>
+            <dgm:param type="parTxRTLAlign" val="r"/>
+            <dgm:param type="shpTxRTLAlignCh" val="r"/>
+          </dgm:alg>
+          <dgm:shape xmlns:r="http://schemas.openxmlformats.org/officeDocument/2006/relationships" type="rect" r:blip="">
+            <dgm:adjLst/>
+          </dgm:shape>
+          <dgm:presOf axis="self" ptType="node"/>
+          <dgm:constrLst>
+            <dgm:constr type="lMarg" refType="h" fact="0.3"/>
+            <dgm:constr type="rMarg" refType="h" fact="0.3"/>
+            <dgm:constr type="tMarg" refType="h" fact="0.3"/>
+            <dgm:constr type="bMarg" refType="h" fact="0.3"/>
+          </dgm:constrLst>
+          <dgm:ruleLst>
+            <dgm:rule type="primFontSz" val="14" fact="NaN" max="NaN"/>
+            <dgm:rule type="h" val="INF" fact="NaN" max="NaN"/>
+          </dgm:ruleLst>
+        </dgm:layoutNode>
+        <dgm:choose name="Name12">
+          <dgm:if name="Name13" axis="ch" ptType="node" func="cnt" op="gte" val="1">
+            <dgm:layoutNode name="desTx" styleLbl="revTx">
+              <dgm:varLst/>
+              <dgm:alg type="tx">
+                <dgm:param type="txAnchorVertCh" val="mid"/>
+                <dgm:param type="parTxLTRAlign" val="l"/>
+                <dgm:param type="shpTxLTRAlignCh" val="l"/>
+                <dgm:param type="parTxRTLAlign" val="r"/>
+                <dgm:param type="shpTxRTLAlignCh" val="r"/>
+                <dgm:param type="stBulletLvl" val="0"/>
+              </dgm:alg>
+              <dgm:shape xmlns:r="http://schemas.openxmlformats.org/officeDocument/2006/relationships" type="rect" r:blip="">
+                <dgm:adjLst/>
+              </dgm:shape>
+              <dgm:presOf axis="des" ptType="node"/>
+              <dgm:constrLst>
+                <dgm:constr type="primFontSz" val="18"/>
+                <dgm:constr type="secFontSz" refType="primFontSz"/>
+                <dgm:constr type="lMarg" refType="h" fact="0.3"/>
+                <dgm:constr type="rMarg" refType="h" fact="0.3"/>
+                <dgm:constr type="tMarg" refType="h" fact="0.3"/>
+                <dgm:constr type="bMarg" refType="h" fact="0.3"/>
+              </dgm:constrLst>
+              <dgm:ruleLst>
+                <dgm:rule type="primFontSz" val="11" fact="NaN" max="NaN"/>
+              </dgm:ruleLst>
+            </dgm:layoutNode>
+          </dgm:if>
+          <dgm:else name="Name14"/>
+        </dgm:choose>
+      </dgm:layoutNode>
+      <dgm:forEach name="Name15" axis="followSib" ptType="sibTrans" cnt="1">
+        <dgm:layoutNode name="sibTrans">
+          <dgm:alg type="sp"/>
+          <dgm:shape xmlns:r="http://schemas.openxmlformats.org/officeDocument/2006/relationships" r:blip="">
+            <dgm:adjLst/>
+          </dgm:shape>
+          <dgm:presOf axis="self"/>
+          <dgm:constrLst/>
+          <dgm:ruleLst/>
+        </dgm:layoutNode>
+      </dgm:forEach>
+    </dgm:forEach>
+  </dgm:layoutNode>
+  <dgm:extLst>
+    <a:ext uri="{68A01E43-0DF5-4B5B-8FA6-DAF915123BFB}">
+      <dgm1612:lstStyle xmlns:dgm1612="http://schemas.microsoft.com/office/drawing/2016/12/diagram">
+        <a:lvl1pPr>
+          <a:lnSpc>
+            <a:spcPct val="100000"/>
+          </a:lnSpc>
+        </a:lvl1pPr>
+        <a:lvl2pPr>
+          <a:lnSpc>
+            <a:spcPct val="100000"/>
+          </a:lnSpc>
+        </a:lvl2pPr>
+      </dgm1612:lstStyle>
+    </a:ext>
+  </dgm:extLst>
+</dgm:layoutDef>
+</file>
+
+<file path=ppt/diagrams/layout2.xml><?xml version="1.0" encoding="utf-8"?>
+<dgm:layoutDef xmlns:dgm="http://schemas.openxmlformats.org/drawingml/2006/diagram" xmlns:a="http://schemas.openxmlformats.org/drawingml/2006/main" uniqueId="urn:microsoft.com/office/officeart/2018/2/layout/IconVerticalSolidList">
+  <dgm:title val="Icon Vertical Solid List"/>
+  <dgm:desc val="Use to show a series of visuals from top to bottom with Level 1 or Level 1 and Level 2 text grouped in a shape. Works best with icons or small pictures with lengthier descriptions."/>
+  <dgm:catLst>
+    <dgm:cat type="icon" pri="500"/>
+  </dgm:catLst>
+  <dgm:sampData useDef="1">
+    <dgm:dataModel>
+      <dgm:ptLst/>
+      <dgm:bg/>
+      <dgm:whole/>
+    </dgm:dataModel>
+  </dgm:sampData>
+  <dgm:styleData useDef="1">
+    <dgm:dataModel>
+      <dgm:ptLst/>
+      <dgm:bg/>
+      <dgm:whole/>
+    </dgm:dataModel>
+  </dgm:styleData>
+  <dgm:clrData useDef="1">
+    <dgm:dataModel>
+      <dgm:ptLst/>
+      <dgm:bg/>
+      <dgm:whole/>
+    </dgm:dataModel>
+  </dgm:clrData>
+  <dgm:layoutNode name="root">
+    <dgm:varLst>
+      <dgm:dir/>
+      <dgm:resizeHandles val="exact"/>
+    </dgm:varLst>
+    <dgm:choose name="Name0">
+      <dgm:if name="Name1" axis="self" func="var" arg="dir" op="equ" val="norm">
+        <dgm:alg type="lin">
+          <dgm:param type="linDir" val="fromT"/>
+          <dgm:param type="nodeHorzAlign" val="l"/>
+        </dgm:alg>
+      </dgm:if>
+      <dgm:else name="Name2">
+        <dgm:alg type="lin">
+          <dgm:param type="linDir" val="fromT"/>
+          <dgm:param type="nodeHorzAlign" val="r"/>
+        </dgm:alg>
+      </dgm:else>
+    </dgm:choose>
+    <dgm:shape xmlns:r="http://schemas.openxmlformats.org/officeDocument/2006/relationships" r:blip="">
+      <dgm:adjLst/>
+    </dgm:shape>
+    <dgm:presOf/>
+    <dgm:choose name="Name3">
+      <dgm:if name="Name4" axis="ch" ptType="node" func="cnt" op="lte" val="3">
+        <dgm:constrLst>
+          <dgm:constr type="h" for="ch" forName="compNode" refType="h" fact="0.3"/>
+          <dgm:constr type="w" for="ch" forName="compNode" refType="w"/>
+          <dgm:constr type="h" for="ch" forName="sibTrans" refType="h" refFor="ch" refForName="compNode" fact="0.25"/>
+          <dgm:constr type="primFontSz" for="des" forName="parTx" val="25"/>
+          <dgm:constr type="primFontSz" for="des" forName="desTx" refType="primFontSz" refFor="des" refForName="parTx" op="lte" fact="0.75"/>
+          <dgm:constr type="h" for="des" forName="compNode" op="equ"/>
+          <dgm:constr type="h" for="des" forName="bgRect" op="equ"/>
+          <dgm:constr type="h" for="des" forName="iconRect" op="equ"/>
+          <dgm:constr type="w" for="des" forName="iconRect" op="equ"/>
+          <dgm:constr type="h" for="des" forName="spaceRect" op="equ"/>
+          <dgm:constr type="h" for="des" forName="parTx" op="equ"/>
+          <dgm:constr type="h" for="des" forName="desTx" op="equ"/>
+        </dgm:constrLst>
+      </dgm:if>
+      <dgm:if name="Name5" axis="ch" ptType="node" func="cnt" op="lte" val="4">
+        <dgm:constrLst>
+          <dgm:constr type="h" for="ch" forName="compNode" refType="h" fact="0.3"/>
+          <dgm:constr type="w" for="ch" forName="compNode" refType="w"/>
+          <dgm:constr type="h" for="ch" forName="sibTrans" refType="h" refFor="ch" refForName="compNode" fact="0.25"/>
+          <dgm:constr type="primFontSz" for="des" forName="parTx" val="22"/>
+          <dgm:constr type="primFontSz" for="des" forName="desTx" refType="primFontSz" refFor="des" refForName="parTx" op="lte" fact="0.75"/>
+          <dgm:constr type="h" for="des" forName="compNode" op="equ"/>
+          <dgm:constr type="h" for="des" forName="bgRect" op="equ"/>
+          <dgm:constr type="h" for="des" forName="iconRect" op="equ"/>
+          <dgm:constr type="w" for="des" forName="iconRect" op="equ"/>
+          <dgm:constr type="h" for="des" forName="spaceRect" op="equ"/>
+          <dgm:constr type="h" for="des" forName="parTx" op="equ"/>
+          <dgm:constr type="h" for="des" forName="desTx" op="equ"/>
+        </dgm:constrLst>
+      </dgm:if>
+      <dgm:if name="Name6" axis="ch" ptType="node" func="cnt" op="lte" val="6">
+        <dgm:constrLst>
+          <dgm:constr type="h" for="ch" forName="compNode" refType="h" fact="0.3"/>
+          <dgm:constr type="w" for="ch" forName="compNode" refType="w"/>
+          <dgm:constr type="h" for="ch" forName="sibTrans" refType="h" refFor="ch" refForName="compNode" fact="0.25"/>
+          <dgm:constr type="primFontSz" for="des" forName="parTx" val="19"/>
+          <dgm:constr type="primFontSz" for="des" forName="desTx" refType="primFontSz" refFor="des" refForName="parTx" op="lte" fact="0.75"/>
+          <dgm:constr type="h" for="des" forName="compNode" op="equ"/>
+          <dgm:constr type="h" for="des" forName="bgRect" op="equ"/>
+          <dgm:constr type="h" for="des" forName="iconRect" op="equ"/>
+          <dgm:constr type="w" for="des" forName="iconRect" op="equ"/>
+          <dgm:constr type="h" for="des" forName="spaceRect" op="equ"/>
+          <dgm:constr type="h" for="des" forName="parTx" op="equ"/>
+          <dgm:constr type="h" for="des" forName="desTx" op="equ"/>
+        </dgm:constrLst>
+      </dgm:if>
+      <dgm:else name="Name7">
+        <dgm:constrLst>
+          <dgm:constr type="h" for="ch" forName="compNode" refType="h" fact="0.3"/>
+          <dgm:constr type="w" for="ch" forName="compNode" refType="w"/>
+          <dgm:constr type="h" for="ch" forName="sibTrans" refType="h" refFor="ch" refForName="compNode" fact="0.25"/>
+          <dgm:constr type="primFontSz" for="des" forName="parTx" val="16"/>
+          <dgm:constr type="primFontSz" for="des" forName="desTx" refType="primFontSz" refFor="des" refForName="parTx" op="lte" fact="0.75"/>
+          <dgm:constr type="h" for="des" forName="compNode" op="equ"/>
+          <dgm:constr type="h" for="des" forName="bgRect" op="equ"/>
+          <dgm:constr type="h" for="des" forName="iconRect" op="equ"/>
+          <dgm:constr type="w" for="des" forName="iconRect" op="equ"/>
+          <dgm:constr type="h" for="des" forName="spaceRect" op="equ"/>
+          <dgm:constr type="h" for="des" forName="parTx" op="equ"/>
+          <dgm:constr type="h" for="des" forName="desTx" op="equ"/>
+        </dgm:constrLst>
+      </dgm:else>
+    </dgm:choose>
+    <dgm:ruleLst>
+      <dgm:rule type="h" for="ch" forName="compNode" val="0" fact="NaN" max="NaN"/>
+    </dgm:ruleLst>
+    <dgm:forEach name="Name8" axis="ch" ptType="node">
+      <dgm:layoutNode name="compNode">
+        <dgm:alg type="composite"/>
+        <dgm:shape xmlns:r="http://schemas.openxmlformats.org/officeDocument/2006/relationships" r:blip="">
+          <dgm:adjLst/>
+        </dgm:shape>
+        <dgm:presOf axis="self"/>
+        <dgm:choose name="Name9">
+          <dgm:if name="Name10" axis="ch" ptType="node" func="cnt" op="gte" val="1">
+            <dgm:constrLst>
+              <dgm:constr type="w" for="ch" forName="bgRect" refType="w"/>
+              <dgm:constr type="h" for="ch" forName="bgRect" refType="h"/>
+              <dgm:constr type="l" for="ch" forName="bgRect"/>
+              <dgm:constr type="t" for="ch" forName="bgRect"/>
+              <dgm:constr type="h" for="ch" forName="iconRect" refType="h" fact="0.55"/>
+              <dgm:constr type="w" for="ch" forName="iconRect" refType="h" refFor="ch" refForName="iconRect"/>
+              <dgm:constr type="l" for="ch" forName="iconRect" refType="h" refFor="ch" refForName="iconRect" fact="0.55"/>
+              <dgm:constr type="ctrY" for="ch" forName="iconRect" refType="ctrY" refFor="ch" refForName="bgRect"/>
+              <dgm:constr type="w" for="ch" forName="spaceRect" refType="l" refFor="ch" refForName="iconRect"/>
+              <dgm:constr type="h" for="ch" forName="spaceRect" refType="h"/>
+              <dgm:constr type="l" for="ch" forName="spaceRect" refType="r" refFor="ch" refForName="iconRect"/>
+              <dgm:constr type="t" for="ch" forName="spaceRect"/>
+              <dgm:constr type="w" for="ch" forName="parTx" refType="w" fact="0.45"/>
+              <dgm:constr type="h" for="ch" forName="parTx" refType="h"/>
+              <dgm:constr type="l" for="ch" forName="parTx" refType="r" refFor="ch" refForName="spaceRect"/>
+              <dgm:constr type="t" for="ch" forName="parTx"/>
+              <dgm:constr type="h" for="ch" forName="desTx" refType="h"/>
+              <dgm:constr type="l" for="ch" forName="desTx" refType="r" refFor="ch" refForName="parTx"/>
+              <dgm:constr type="t" for="ch" forName="desTx"/>
+            </dgm:constrLst>
+          </dgm:if>
+          <dgm:else name="Name11">
+            <dgm:constrLst>
+              <dgm:constr type="w" for="ch" forName="bgRect" refType="w"/>
+              <dgm:constr type="h" for="ch" forName="bgRect" refType="h"/>
+              <dgm:constr type="l" for="ch" forName="bgRect"/>
+              <dgm:constr type="t" for="ch" forName="bgRect"/>
+              <dgm:constr type="h" for="ch" forName="iconRect" refType="h" fact="0.55"/>
+              <dgm:constr type="w" for="ch" forName="iconRect" refType="h" refFor="ch" refForName="iconRect"/>
+              <dgm:constr type="l" for="ch" forName="iconRect" refType="h" refFor="ch" refForName="iconRect" fact="0.55"/>
+              <dgm:constr type="ctrY" for="ch" forName="iconRect" refType="ctrY" refFor="ch" refForName="bgRect"/>
+              <dgm:constr type="w" for="ch" forName="spaceRect" refType="l" refFor="ch" refForName="iconRect"/>
+              <dgm:constr type="h" for="ch" forName="spaceRect" refType="h"/>
+              <dgm:constr type="l" for="ch" forName="spaceRect" refType="r" refFor="ch" refForName="iconRect"/>
+              <dgm:constr type="t" for="ch" forName="spaceRect"/>
+              <dgm:constr type="h" for="ch" forName="parTx" refType="h"/>
+              <dgm:constr type="l" for="ch" forName="parTx" refType="r" refFor="ch" refForName="spaceRect"/>
+              <dgm:constr type="t" for="ch" forName="parTx"/>
+            </dgm:constrLst>
+          </dgm:else>
+        </dgm:choose>
+        <dgm:ruleLst>
+          <dgm:rule type="h" val="INF" fact="NaN" max="NaN"/>
+        </dgm:ruleLst>
+        <dgm:layoutNode name="bgRect" styleLbl="bgShp">
+          <dgm:alg type="sp"/>
+          <dgm:shape xmlns:r="http://schemas.openxmlformats.org/officeDocument/2006/relationships" type="roundRect" r:blip="">
+            <dgm:adjLst>
+              <dgm:adj idx="1" val="0.1"/>
+            </dgm:adjLst>
+          </dgm:shape>
+          <dgm:presOf/>
+          <dgm:constrLst/>
+          <dgm:ruleLst/>
+        </dgm:layoutNode>
+        <dgm:layoutNode name="iconRect" styleLbl="node1">
+          <dgm:alg type="sp"/>
+          <dgm:shape xmlns:r="http://schemas.openxmlformats.org/officeDocument/2006/relationships" type="rect" r:blip="" blipPhldr="1">
+            <dgm:adjLst/>
+          </dgm:shape>
+          <dgm:presOf/>
+          <dgm:constrLst/>
+          <dgm:ruleLst/>
+        </dgm:layoutNode>
+        <dgm:layoutNode name="spaceRect">
+          <dgm:alg type="sp"/>
+          <dgm:shape xmlns:r="http://schemas.openxmlformats.org/officeDocument/2006/relationships" r:blip="">
+            <dgm:adjLst/>
+          </dgm:shape>
+          <dgm:presOf/>
+          <dgm:constrLst/>
+          <dgm:ruleLst/>
+        </dgm:layoutNode>
+        <dgm:layoutNode name="parTx" styleLbl="revTx">
+          <dgm:varLst>
+            <dgm:chMax val="0"/>
+            <dgm:chPref val="0"/>
+          </dgm:varLst>
+          <dgm:alg type="tx">
+            <dgm:param type="txAnchorVert" val="mid"/>
+            <dgm:param type="parTxLTRAlign" val="l"/>
+            <dgm:param type="shpTxLTRAlignCh" val="l"/>
+            <dgm:param type="parTxRTLAlign" val="r"/>
+            <dgm:param type="shpTxRTLAlignCh" val="r"/>
+          </dgm:alg>
+          <dgm:shape xmlns:r="http://schemas.openxmlformats.org/officeDocument/2006/relationships" type="rect" r:blip="">
+            <dgm:adjLst/>
+          </dgm:shape>
+          <dgm:presOf axis="self" ptType="node"/>
+          <dgm:constrLst>
+            <dgm:constr type="lMarg" refType="h" fact="0.3"/>
+            <dgm:constr type="rMarg" refType="h" fact="0.3"/>
+            <dgm:constr type="tMarg" refType="h" fact="0.3"/>
+            <dgm:constr type="bMarg" refType="h" fact="0.3"/>
+          </dgm:constrLst>
+          <dgm:ruleLst>
+            <dgm:rule type="primFontSz" val="14" fact="NaN" max="NaN"/>
+            <dgm:rule type="h" val="INF" fact="NaN" max="NaN"/>
+          </dgm:ruleLst>
+        </dgm:layoutNode>
+        <dgm:choose name="Name12">
+          <dgm:if name="Name13" axis="ch" ptType="node" func="cnt" op="gte" val="1">
+            <dgm:layoutNode name="desTx" styleLbl="revTx">
+              <dgm:varLst/>
+              <dgm:alg type="tx">
+                <dgm:param type="txAnchorVertCh" val="mid"/>
+                <dgm:param type="parTxLTRAlign" val="l"/>
+                <dgm:param type="shpTxLTRAlignCh" val="l"/>
+                <dgm:param type="parTxRTLAlign" val="r"/>
+                <dgm:param type="shpTxRTLAlignCh" val="r"/>
+                <dgm:param type="stBulletLvl" val="0"/>
+              </dgm:alg>
+              <dgm:shape xmlns:r="http://schemas.openxmlformats.org/officeDocument/2006/relationships" type="rect" r:blip="">
+                <dgm:adjLst/>
+              </dgm:shape>
+              <dgm:presOf axis="des" ptType="node"/>
+              <dgm:constrLst>
+                <dgm:constr type="primFontSz" val="18"/>
+                <dgm:constr type="secFontSz" refType="primFontSz"/>
+                <dgm:constr type="lMarg" refType="h" fact="0.3"/>
+                <dgm:constr type="rMarg" refType="h" fact="0.3"/>
+                <dgm:constr type="tMarg" refType="h" fact="0.3"/>
+                <dgm:constr type="bMarg" refType="h" fact="0.3"/>
+              </dgm:constrLst>
+              <dgm:ruleLst>
+                <dgm:rule type="primFontSz" val="11" fact="NaN" max="NaN"/>
+              </dgm:ruleLst>
+            </dgm:layoutNode>
+          </dgm:if>
+          <dgm:else name="Name14"/>
+        </dgm:choose>
+      </dgm:layoutNode>
+      <dgm:forEach name="Name15" axis="followSib" ptType="sibTrans" cnt="1">
+        <dgm:layoutNode name="sibTrans">
+          <dgm:alg type="sp"/>
+          <dgm:shape xmlns:r="http://schemas.openxmlformats.org/officeDocument/2006/relationships" r:blip="">
+            <dgm:adjLst/>
+          </dgm:shape>
+          <dgm:presOf axis="self"/>
+          <dgm:constrLst/>
+          <dgm:ruleLst/>
+        </dgm:layoutNode>
+      </dgm:forEach>
+    </dgm:forEach>
+  </dgm:layoutNode>
+  <dgm:extLst>
+    <a:ext uri="{68A01E43-0DF5-4B5B-8FA6-DAF915123BFB}">
+      <dgm1612:lstStyle xmlns:dgm1612="http://schemas.microsoft.com/office/drawing/2016/12/diagram">
+        <a:lvl1pPr>
+          <a:lnSpc>
+            <a:spcPct val="100000"/>
+          </a:lnSpc>
+        </a:lvl1pPr>
+        <a:lvl2pPr>
+          <a:lnSpc>
+            <a:spcPct val="100000"/>
+          </a:lnSpc>
+        </a:lvl2pPr>
+      </dgm1612:lstStyle>
+    </a:ext>
+  </dgm:extLst>
+</dgm:layoutDef>
+</file>
+
+<file path=ppt/diagrams/quickStyle1.xml><?xml version="1.0" encoding="utf-8"?>
+<dgm:styleDef xmlns:dgm="http://schemas.openxmlformats.org/drawingml/2006/diagram" xmlns:a="http://schemas.openxmlformats.org/drawingml/2006/main" uniqueId="urn:microsoft.com/office/officeart/2005/8/quickstyle/simple1">
+  <dgm:title val=""/>
+  <dgm:desc val=""/>
+  <dgm:catLst>
+    <dgm:cat type="simple" pri="10100"/>
+  </dgm:catLst>
+  <dgm:scene3d>
+    <a:camera prst="orthographicFront"/>
+    <a:lightRig rig="threePt" dir="t"/>
+  </dgm:scene3d>
+  <dgm:styleLbl name="node0">
+    <dgm:scene3d>
+      <a:camera prst="orthographicFront"/>
+      <a:lightRig rig="threePt" dir="t"/>
+    </dgm:scene3d>
+    <dgm:sp3d/>
+    <dgm:txPr/>
+    <dgm:style>
+      <a:lnRef idx="2">
+        <a:scrgbClr r="0" g="0" b="0"/>
+      </a:lnRef>
+      <a:fillRef idx="1">
+        <a:scrgbClr r="0" g="0" b="0"/>
+      </a:fillRef>
+      <a:effectRef idx="0">
+        <a:scrgbClr r="0" g="0" b="0"/>
+      </a:effectRef>
+      <a:fontRef idx="minor">
+        <a:schemeClr val="lt1"/>
+      </a:fontRef>
+    </dgm:style>
+  </dgm:styleLbl>
+  <dgm:styleLbl name="lnNode1">
+    <dgm:scene3d>
+      <a:camera prst="orthographicFront"/>
+      <a:lightRig rig="threePt" dir="t"/>
+    </dgm:scene3d>
+    <dgm:sp3d/>
+    <dgm:txPr/>
+    <dgm:style>
+      <a:lnRef idx="2">
+        <a:scrgbClr r="0" g="0" b="0"/>
+      </a:lnRef>
+      <a:fillRef idx="1">
+        <a:scrgbClr r="0" g="0" b="0"/>
+      </a:fillRef>
+      <a:effectRef idx="0">
+        <a:scrgbClr r="0" g="0" b="0"/>
+      </a:effectRef>
+      <a:fontRef idx="minor">
+        <a:schemeClr val="lt1"/>
+      </a:fontRef>
+    </dgm:style>
+  </dgm:styleLbl>
+  <dgm:styleLbl name="vennNode1">
+    <dgm:scene3d>
+      <a:camera prst="orthographicFront"/>
+      <a:lightRig rig="threePt" dir="t"/>
+    </dgm:scene3d>
+    <dgm:sp3d/>
+    <dgm:txPr/>
+    <dgm:style>
+      <a:lnRef idx="2">
+        <a:scrgbClr r="0" g="0" b="0"/>
+      </a:lnRef>
+      <a:fillRef idx="1">
+        <a:scrgbClr r="0" g="0" b="0"/>
+      </a:fillRef>
+      <a:effectRef idx="0">
+        <a:scrgbClr r="0" g="0" b="0"/>
+      </a:effectRef>
+      <a:fontRef idx="minor">
+        <a:schemeClr val="tx1"/>
+      </a:fontRef>
+    </dgm:style>
+  </dgm:styleLbl>
+  <dgm:styleLbl name="alignNode1">
+    <dgm:scene3d>
+      <a:camera prst="orthographicFront"/>
+      <a:lightRig rig="threePt" dir="t"/>
+    </dgm:scene3d>
+    <dgm:sp3d/>
+    <dgm:txPr/>
+    <dgm:style>
+      <a:lnRef idx="2">
+        <a:scrgbClr r="0" g="0" b="0"/>
+      </a:lnRef>
+      <a:fillRef idx="1">
+        <a:scrgbClr r="0" g="0" b="0"/>
+      </a:fillRef>
+      <a:effectRef idx="0">
+        <a:scrgbClr r="0" g="0" b="0"/>
+      </a:effectRef>
+      <a:fontRef idx="minor">
+        <a:schemeClr val="lt1"/>
+      </a:fontRef>
+    </dgm:style>
+  </dgm:styleLbl>
+  <dgm:styleLbl name="node1">
+    <dgm:scene3d>
+      <a:camera prst="orthographicFront"/>
+      <a:lightRig rig="threePt" dir="t"/>
+    </dgm:scene3d>
+    <dgm:sp3d/>
+    <dgm:txPr/>
+    <dgm:style>
+      <a:lnRef idx="2">
+        <a:scrgbClr r="0" g="0" b="0"/>
+      </a:lnRef>
+      <a:fillRef idx="1">
+        <a:scrgbClr r="0" g="0" b="0"/>
+      </a:fillRef>
+      <a:effectRef idx="0">
+        <a:scrgbClr r="0" g="0" b="0"/>
+      </a:effectRef>
+      <a:fontRef idx="minor">
+        <a:schemeClr val="lt1"/>
+      </a:fontRef>
+    </dgm:style>
+  </dgm:styleLbl>
+  <dgm:styleLbl name="node2">
+    <dgm:scene3d>
+      <a:camera prst="orthographicFront"/>
+      <a:lightRig rig="threePt" dir="t"/>
+    </dgm:scene3d>
+    <dgm:sp3d/>
+    <dgm:txPr/>
+    <dgm:style>
+      <a:lnRef idx="2">
+        <a:scrgbClr r="0" g="0" b="0"/>
+      </a:lnRef>
+      <a:fillRef idx="1">
+        <a:scrgbClr r="0" g="0" b="0"/>
+      </a:fillRef>
+      <a:effectRef idx="0">
+        <a:scrgbClr r="0" g="0" b="0"/>
+      </a:effectRef>
+      <a:fontRef idx="minor">
+        <a:schemeClr val="lt1"/>
+      </a:fontRef>
+    </dgm:style>
+  </dgm:styleLbl>
+  <dgm:styleLbl name="node3">
+    <dgm:scene3d>
+      <a:camera prst="orthographicFront"/>
+      <a:lightRig rig="threePt" dir="t"/>
+    </dgm:scene3d>
+    <dgm:sp3d/>
+    <dgm:txPr/>
+    <dgm:style>
+      <a:lnRef idx="2">
+        <a:scrgbClr r="0" g="0" b="0"/>
+      </a:lnRef>
+      <a:fillRef idx="1">
+        <a:scrgbClr r="0" g="0" b="0"/>
+      </a:fillRef>
+      <a:effectRef idx="0">
+        <a:scrgbClr r="0" g="0" b="0"/>
+      </a:effectRef>
+      <a:fontRef idx="minor">
+        <a:schemeClr val="lt1"/>
+      </a:fontRef>
+    </dgm:style>
+  </dgm:styleLbl>
+  <dgm:styleLbl name="node4">
+    <dgm:scene3d>
+      <a:camera prst="orthographicFront"/>
+      <a:lightRig rig="threePt" dir="t"/>
+    </dgm:scene3d>
+    <dgm:sp3d/>
+    <dgm:txPr/>
+    <dgm:style>
+      <a:lnRef idx="2">
+        <a:scrgbClr r="0" g="0" b="0"/>
+      </a:lnRef>
+      <a:fillRef idx="1">
+        <a:scrgbClr r="0" g="0" b="0"/>
+      </a:fillRef>
+      <a:effectRef idx="0">
+        <a:scrgbClr r="0" g="0" b="0"/>
+      </a:effectRef>
+      <a:fontRef idx="minor">
+        <a:schemeClr val="lt1"/>
+      </a:fontRef>
+    </dgm:style>
+  </dgm:styleLbl>
+  <dgm:styleLbl name="fgImgPlace1">
+    <dgm:scene3d>
+      <a:camera prst="orthographicFront"/>
+      <a:lightRig rig="threePt" dir="t"/>
+    </dgm:scene3d>
+    <dgm:sp3d/>
+    <dgm:txPr/>
+    <dgm:style>
+      <a:lnRef idx="2">
+        <a:scrgbClr r="0" g="0" b="0"/>
+      </a:lnRef>
+      <a:fillRef idx="1">
+        <a:scrgbClr r="0" g="0" b="0"/>
+      </a:fillRef>
+      <a:effectRef idx="0">
+        <a:scrgbClr r="0" g="0" b="0"/>
+      </a:effectRef>
+      <a:fontRef idx="minor"/>
+    </dgm:style>
+  </dgm:styleLbl>
+  <dgm:styleLbl name="alignImgPlace1">
+    <dgm:scene3d>
+      <a:camera prst="orthographicFront"/>
+      <a:lightRig rig="threePt" dir="t"/>
+    </dgm:scene3d>
+    <dgm:sp3d/>
+    <dgm:txPr/>
+    <dgm:style>
+      <a:lnRef idx="2">
+        <a:scrgbClr r="0" g="0" b="0"/>
+      </a:lnRef>
+      <a:fillRef idx="1">
+        <a:scrgbClr r="0" g="0" b="0"/>
+      </a:fillRef>
+      <a:effectRef idx="0">
+        <a:scrgbClr r="0" g="0" b="0"/>
+      </a:effectRef>
+      <a:fontRef idx="minor"/>
+    </dgm:style>
+  </dgm:styleLbl>
+  <dgm:styleLbl name="bgImgPlace1">
+    <dgm:scene3d>
+      <a:camera prst="orthographicFront"/>
+      <a:lightRig rig="threePt" dir="t"/>
+    </dgm:scene3d>
+    <dgm:sp3d/>
+    <dgm:txPr/>
+    <dgm:style>
+      <a:lnRef idx="2">
+        <a:scrgbClr r="0" g="0" b="0"/>
+      </a:lnRef>
+      <a:fillRef idx="1">
+        <a:scrgbClr r="0" g="0" b="0"/>
+      </a:fillRef>
+      <a:effectRef idx="0">
+        <a:scrgbClr r="0" g="0" b="0"/>
+      </a:effectRef>
+      <a:fontRef idx="minor"/>
+    </dgm:style>
+  </dgm:styleLbl>
+  <dgm:styleLbl name="sibTrans2D1">
+    <dgm:scene3d>
+      <a:camera prst="orthographicFront"/>
+      <a:lightRig rig="threePt" dir="t"/>
+    </dgm:scene3d>
+    <dgm:sp3d/>
+    <dgm:txPr/>
+    <dgm:style>
+      <a:lnRef idx="0">
+        <a:scrgbClr r="0" g="0" b="0"/>
+      </a:lnRef>
+      <a:fillRef idx="1">
+        <a:scrgbClr r="0" g="0" b="0"/>
+      </a:fillRef>
+      <a:effectRef idx="0">
+        <a:scrgbClr r="0" g="0" b="0"/>
+      </a:effectRef>
+      <a:fontRef idx="minor">
+        <a:schemeClr val="lt1"/>
+      </a:fontRef>
+    </dgm:style>
+  </dgm:styleLbl>
+  <dgm:styleLbl name="fgSibTrans2D1">
+    <dgm:scene3d>
+      <a:camera prst="orthographicFront"/>
+      <a:lightRig rig="threePt" dir="t"/>
+    </dgm:scene3d>
+    <dgm:sp3d/>
+    <dgm:txPr/>
+    <dgm:style>
+      <a:lnRef idx="0">
+        <a:scrgbClr r="0" g="0" b="0"/>
+      </a:lnRef>
+      <a:fillRef idx="1">
+        <a:scrgbClr r="0" g="0" b="0"/>
+      </a:fillRef>
+      <a:effectRef idx="0">
+        <a:scrgbClr r="0" g="0" b="0"/>
+      </a:effectRef>
+      <a:fontRef idx="minor">
+        <a:schemeClr val="lt1"/>
+      </a:fontRef>
+    </dgm:style>
+  </dgm:styleLbl>
+  <dgm:styleLbl name="bgSibTrans2D1">
+    <dgm:scene3d>
+      <a:camera prst="orthographicFront"/>
+      <a:lightRig rig="threePt" dir="t"/>
+    </dgm:scene3d>
+    <dgm:sp3d/>
+    <dgm:txPr/>
+    <dgm:style>
+      <a:lnRef idx="0">
+        <a:scrgbClr r="0" g="0" b="0"/>
+      </a:lnRef>
+      <a:fillRef idx="1">
+        <a:scrgbClr r="0" g="0" b="0"/>
+      </a:fillRef>
+      <a:effectRef idx="0">
+        <a:scrgbClr r="0" g="0" b="0"/>
+      </a:effectRef>
+      <a:fontRef idx="minor">
+        <a:schemeClr val="lt1"/>
+      </a:fontRef>
+    </dgm:style>
+  </dgm:styleLbl>
+  <dgm:styleLbl name="sibTrans1D1">
+    <dgm:scene3d>
+      <a:camera prst="orthographicFront"/>
+      <a:lightRig rig="threePt" dir="t"/>
+    </dgm:scene3d>
+    <dgm:sp3d/>
+    <dgm:txPr/>
+    <dgm:style>
+      <a:lnRef idx="1">
+        <a:scrgbClr r="0" g="0" b="0"/>
+      </a:lnRef>
+      <a:fillRef idx="0">
+        <a:scrgbClr r="0" g="0" b="0"/>
+      </a:fillRef>
+      <a:effectRef idx="0">
+        <a:scrgbClr r="0" g="0" b="0"/>
+      </a:effectRef>
+      <a:fontRef idx="minor"/>
+    </dgm:style>
+  </dgm:styleLbl>
+  <dgm:styleLbl name="callout">
+    <dgm:scene3d>
+      <a:camera prst="orthographicFront"/>
+      <a:lightRig rig="threePt" dir="t"/>
+    </dgm:scene3d>
+    <dgm:sp3d/>
+    <dgm:txPr/>
+    <dgm:style>
+      <a:lnRef idx="2">
+        <a:scrgbClr r="0" g="0" b="0"/>
+      </a:lnRef>
+      <a:fillRef idx="1">
+        <a:scrgbClr r="0" g="0" b="0"/>
+      </a:fillRef>
+      <a:effectRef idx="0">
+        <a:scrgbClr r="0" g="0" b="0"/>
+      </a:effectRef>
+      <a:fontRef idx="minor"/>
+    </dgm:style>
+  </dgm:styleLbl>
+  <dgm:styleLbl name="asst0">
+    <dgm:scene3d>
+      <a:camera prst="orthographicFront"/>
+      <a:lightRig rig="threePt" dir="t"/>
+    </dgm:scene3d>
+    <dgm:sp3d/>
+    <dgm:txPr/>
+    <dgm:style>
+      <a:lnRef idx="2">
+        <a:scrgbClr r="0" g="0" b="0"/>
+      </a:lnRef>
+      <a:fillRef idx="1">
+        <a:scrgbClr r="0" g="0" b="0"/>
+      </a:fillRef>
+      <a:effectRef idx="0">
+        <a:scrgbClr r="0" g="0" b="0"/>
+      </a:effectRef>
+      <a:fontRef idx="minor">
+        <a:schemeClr val="lt1"/>
+      </a:fontRef>
+    </dgm:style>
+  </dgm:styleLbl>
+  <dgm:styleLbl name="asst1">
+    <dgm:scene3d>
+      <a:camera prst="orthographicFront"/>
+      <a:lightRig rig="threePt" dir="t"/>
+    </dgm:scene3d>
+    <dgm:sp3d/>
+    <dgm:txPr/>
+    <dgm:style>
+      <a:lnRef idx="2">
+        <a:scrgbClr r="0" g="0" b="0"/>
+      </a:lnRef>
+      <a:fillRef idx="1">
+        <a:scrgbClr r="0" g="0" b="0"/>
+      </a:fillRef>
+      <a:effectRef idx="0">
+        <a:scrgbClr r="0" g="0" b="0"/>
+      </a:effectRef>
+      <a:fontRef idx="minor">
+        <a:schemeClr val="lt1"/>
+      </a:fontRef>
+    </dgm:style>
+  </dgm:styleLbl>
+  <dgm:styleLbl name="asst2">
+    <dgm:scene3d>
+      <a:camera prst="orthographicFront"/>
+      <a:lightRig rig="threePt" dir="t"/>
+    </dgm:scene3d>
+    <dgm:sp3d/>
+    <dgm:txPr/>
+    <dgm:style>
+      <a:lnRef idx="2">
+        <a:scrgbClr r="0" g="0" b="0"/>
+      </a:lnRef>
+      <a:fillRef idx="1">
+        <a:scrgbClr r="0" g="0" b="0"/>
+      </a:fillRef>
+      <a:effectRef idx="0">
+        <a:scrgbClr r="0" g="0" b="0"/>
+      </a:effectRef>
+      <a:fontRef idx="minor">
+        <a:schemeClr val="lt1"/>
+      </a:fontRef>
+    </dgm:style>
+  </dgm:styleLbl>
+  <dgm:styleLbl name="asst3">
+    <dgm:scene3d>
+      <a:camera prst="orthographicFront"/>
+      <a:lightRig rig="threePt" dir="t"/>
+    </dgm:scene3d>
+    <dgm:sp3d/>
+    <dgm:txPr/>
+    <dgm:style>
+      <a:lnRef idx="2">
+        <a:scrgbClr r="0" g="0" b="0"/>
+      </a:lnRef>
+      <a:fillRef idx="1">
+        <a:scrgbClr r="0" g="0" b="0"/>
+      </a:fillRef>
+      <a:effectRef idx="0">
+        <a:scrgbClr r="0" g="0" b="0"/>
+      </a:effectRef>
+      <a:fontRef idx="minor">
+        <a:schemeClr val="lt1"/>
+      </a:fontRef>
+    </dgm:style>
+  </dgm:styleLbl>
+  <dgm:styleLbl name="asst4">
+    <dgm:scene3d>
+      <a:camera prst="orthographicFront"/>
+      <a:lightRig rig="threePt" dir="t"/>
+    </dgm:scene3d>
+    <dgm:sp3d/>
+    <dgm:txPr/>
+    <dgm:style>
+      <a:lnRef idx="2">
+        <a:scrgbClr r="0" g="0" b="0"/>
+      </a:lnRef>
+      <a:fillRef idx="1">
+        <a:scrgbClr r="0" g="0" b="0"/>
+      </a:fillRef>
+      <a:effectRef idx="0">
+        <a:scrgbClr r="0" g="0" b="0"/>
+      </a:effectRef>
+      <a:fontRef idx="minor">
+        <a:schemeClr val="lt1"/>
+      </a:fontRef>
+    </dgm:style>
+  </dgm:styleLbl>
+  <dgm:styleLbl name="parChTrans2D1">
+    <dgm:scene3d>
+      <a:camera prst="orthographicFront"/>
+      <a:lightRig rig="threePt" dir="t"/>
+    </dgm:scene3d>
+    <dgm:sp3d/>
+    <dgm:txPr/>
+    <dgm:style>
+      <a:lnRef idx="2">
+        <a:scrgbClr r="0" g="0" b="0"/>
+      </a:lnRef>
+      <a:fillRef idx="1">
+        <a:scrgbClr r="0" g="0" b="0"/>
+      </a:fillRef>
+      <a:effectRef idx="0">
+        <a:scrgbClr r="0" g="0" b="0"/>
+      </a:effectRef>
+      <a:fontRef idx="minor">
+        <a:schemeClr val="lt1"/>
+      </a:fontRef>
+    </dgm:style>
+  </dgm:styleLbl>
+  <dgm:styleLbl name="parChTrans2D2">
+    <dgm:scene3d>
+      <a:camera prst="orthographicFront"/>
+      <a:lightRig rig="threePt" dir="t"/>
+    </dgm:scene3d>
+    <dgm:sp3d/>
+    <dgm:txPr/>
+    <dgm:style>
+      <a:lnRef idx="2">
+        <a:scrgbClr r="0" g="0" b="0"/>
+      </a:lnRef>
+      <a:fillRef idx="1">
+        <a:scrgbClr r="0" g="0" b="0"/>
+      </a:fillRef>
+      <a:effectRef idx="0">
+        <a:scrgbClr r="0" g="0" b="0"/>
+      </a:effectRef>
+      <a:fontRef idx="minor">
+        <a:schemeClr val="lt1"/>
+      </a:fontRef>
+    </dgm:style>
+  </dgm:styleLbl>
+  <dgm:styleLbl name="parChTrans2D3">
+    <dgm:scene3d>
+      <a:camera prst="orthographicFront"/>
+      <a:lightRig rig="threePt" dir="t"/>
+    </dgm:scene3d>
+    <dgm:sp3d/>
+    <dgm:txPr/>
+    <dgm:style>
+      <a:lnRef idx="2">
+        <a:scrgbClr r="0" g="0" b="0"/>
+      </a:lnRef>
+      <a:fillRef idx="1">
+        <a:scrgbClr r="0" g="0" b="0"/>
+      </a:fillRef>
+      <a:effectRef idx="0">
+        <a:scrgbClr r="0" g="0" b="0"/>
+      </a:effectRef>
+      <a:fontRef idx="minor">
+        <a:schemeClr val="lt1"/>
+      </a:fontRef>
+    </dgm:style>
+  </dgm:styleLbl>
+  <dgm:styleLbl name="parChTrans2D4">
+    <dgm:scene3d>
+      <a:camera prst="orthographicFront"/>
+      <a:lightRig rig="threePt" dir="t"/>
+    </dgm:scene3d>
+    <dgm:sp3d/>
+    <dgm:txPr/>
+    <dgm:style>
+      <a:lnRef idx="2">
+        <a:scrgbClr r="0" g="0" b="0"/>
+      </a:lnRef>
+      <a:fillRef idx="1">
+        <a:scrgbClr r="0" g="0" b="0"/>
+      </a:fillRef>
+      <a:effectRef idx="0">
+        <a:scrgbClr r="0" g="0" b="0"/>
+      </a:effectRef>
+      <a:fontRef idx="minor">
+        <a:schemeClr val="lt1"/>
+      </a:fontRef>
+    </dgm:style>
+  </dgm:styleLbl>
+  <dgm:styleLbl name="parChTrans1D1">
+    <dgm:scene3d>
+      <a:camera prst="orthographicFront"/>
+      <a:lightRig rig="threePt" dir="t"/>
+    </dgm:scene3d>
+    <dgm:sp3d/>
+    <dgm:txPr/>
+    <dgm:style>
+      <a:lnRef idx="2">
+        <a:scrgbClr r="0" g="0" b="0"/>
+      </a:lnRef>
+      <a:fillRef idx="0">
+        <a:scrgbClr r="0" g="0" b="0"/>
+      </a:fillRef>
+      <a:effectRef idx="0">
+        <a:scrgbClr r="0" g="0" b="0"/>
+      </a:effectRef>
+      <a:fontRef idx="minor"/>
+    </dgm:style>
+  </dgm:styleLbl>
+  <dgm:styleLbl name="parChTrans1D2">
+    <dgm:scene3d>
+      <a:camera prst="orthographicFront"/>
+      <a:lightRig rig="threePt" dir="t"/>
+    </dgm:scene3d>
+    <dgm:sp3d/>
+    <dgm:txPr/>
+    <dgm:style>
+      <a:lnRef idx="2">
+        <a:scrgbClr r="0" g="0" b="0"/>
+      </a:lnRef>
+      <a:fillRef idx="0">
+        <a:scrgbClr r="0" g="0" b="0"/>
+      </a:fillRef>
+      <a:effectRef idx="0">
+        <a:scrgbClr r="0" g="0" b="0"/>
+      </a:effectRef>
+      <a:fontRef idx="minor"/>
+    </dgm:style>
+  </dgm:styleLbl>
+  <dgm:styleLbl name="parChTrans1D3">
+    <dgm:scene3d>
+      <a:camera prst="orthographicFront"/>
+      <a:lightRig rig="threePt" dir="t"/>
+    </dgm:scene3d>
+    <dgm:sp3d/>
+    <dgm:txPr/>
+    <dgm:style>
+      <a:lnRef idx="2">
+        <a:scrgbClr r="0" g="0" b="0"/>
+      </a:lnRef>
+      <a:fillRef idx="0">
+        <a:scrgbClr r="0" g="0" b="0"/>
+      </a:fillRef>
+      <a:effectRef idx="0">
+        <a:scrgbClr r="0" g="0" b="0"/>
+      </a:effectRef>
+      <a:fontRef idx="minor"/>
+    </dgm:style>
+  </dgm:styleLbl>
+  <dgm:styleLbl name="parChTrans1D4">
+    <dgm:scene3d>
+      <a:camera prst="orthographicFront"/>
+      <a:lightRig rig="threePt" dir="t"/>
+    </dgm:scene3d>
+    <dgm:sp3d/>
+    <dgm:txPr/>
+    <dgm:style>
+      <a:lnRef idx="2">
+        <a:scrgbClr r="0" g="0" b="0"/>
+      </a:lnRef>
+      <a:fillRef idx="0">
+        <a:scrgbClr r="0" g="0" b="0"/>
+      </a:fillRef>
+      <a:effectRef idx="0">
+        <a:scrgbClr r="0" g="0" b="0"/>
+      </a:effectRef>
+      <a:fontRef idx="minor"/>
+    </dgm:style>
+  </dgm:styleLbl>
+  <dgm:styleLbl name="fgAcc1">
+    <dgm:scene3d>
+      <a:camera prst="orthographicFront"/>
+      <a:lightRig rig="threePt" dir="t"/>
+    </dgm:scene3d>
+    <dgm:sp3d/>
+    <dgm:txPr/>
+    <dgm:style>
+      <a:lnRef idx="2">
+        <a:scrgbClr r="0" g="0" b="0"/>
+      </a:lnRef>
+      <a:fillRef idx="1">
+        <a:scrgbClr r="0" g="0" b="0"/>
+      </a:fillRef>
+      <a:effectRef idx="0">
+        <a:scrgbClr r="0" g="0" b="0"/>
+      </a:effectRef>
+      <a:fontRef idx="minor"/>
+    </dgm:style>
+  </dgm:styleLbl>
+  <dgm:styleLbl name="conFgAcc1">
+    <dgm:scene3d>
+      <a:camera prst="orthographicFront"/>
+      <a:lightRig rig="threePt" dir="t"/>
+    </dgm:scene3d>
+    <dgm:sp3d/>
+    <dgm:txPr/>
+    <dgm:style>
+      <a:lnRef idx="2">
+        <a:scrgbClr r="0" g="0" b="0"/>
+      </a:lnRef>
+      <a:fillRef idx="1">
+        <a:scrgbClr r="0" g="0" b="0"/>
+      </a:fillRef>
+      <a:effectRef idx="0">
+        <a:scrgbClr r="0" g="0" b="0"/>
+      </a:effectRef>
+      <a:fontRef idx="minor"/>
+    </dgm:style>
+  </dgm:styleLbl>
+  <dgm:styleLbl name="alignAcc1">
+    <dgm:scene3d>
+      <a:camera prst="orthographicFront"/>
+      <a:lightRig rig="threePt" dir="t"/>
+    </dgm:scene3d>
+    <dgm:sp3d/>
+    <dgm:txPr/>
+    <dgm:style>
+      <a:lnRef idx="2">
+        <a:scrgbClr r="0" g="0" b="0"/>
+      </a:lnRef>
+      <a:fillRef idx="1">
+        <a:scrgbClr r="0" g="0" b="0"/>
+      </a:fillRef>
+      <a:effectRef idx="0">
+        <a:scrgbClr r="0" g="0" b="0"/>
+      </a:effectRef>
+      <a:fontRef idx="minor"/>
+    </dgm:style>
+  </dgm:styleLbl>
+  <dgm:styleLbl name="trAlignAcc1">
+    <dgm:scene3d>
+      <a:camera prst="orthographicFront"/>
+      <a:lightRig rig="threePt" dir="t"/>
+    </dgm:scene3d>
+    <dgm:sp3d/>
+    <dgm:txPr/>
+    <dgm:style>
+      <a:lnRef idx="1">
+        <a:scrgbClr r="0" g="0" b="0"/>
+      </a:lnRef>
+      <a:fillRef idx="1">
+        <a:scrgbClr r="0" g="0" b="0"/>
+      </a:fillRef>
+      <a:effectRef idx="0">
+        <a:scrgbClr r="0" g="0" b="0"/>
+      </a:effectRef>
+      <a:fontRef idx="minor"/>
+    </dgm:style>
+  </dgm:styleLbl>
+  <dgm:styleLbl name="bgAcc1">
+    <dgm:scene3d>
+      <a:camera prst="orthographicFront"/>
+      <a:lightRig rig="threePt" dir="t"/>
+    </dgm:scene3d>
+    <dgm:sp3d/>
+    <dgm:txPr/>
+    <dgm:style>
+      <a:lnRef idx="2">
+        <a:scrgbClr r="0" g="0" b="0"/>
+      </a:lnRef>
+      <a:fillRef idx="1">
+        <a:scrgbClr r="0" g="0" b="0"/>
+      </a:fillRef>
+      <a:effectRef idx="0">
+        <a:scrgbClr r="0" g="0" b="0"/>
+      </a:effectRef>
+      <a:fontRef idx="minor"/>
+    </dgm:style>
+  </dgm:styleLbl>
+  <dgm:styleLbl name="solidFgAcc1">
+    <dgm:scene3d>
+      <a:camera prst="orthographicFront"/>
+      <a:lightRig rig="threePt" dir="t"/>
+    </dgm:scene3d>
+    <dgm:sp3d/>
+    <dgm:txPr/>
+    <dgm:style>
+      <a:lnRef idx="2">
+        <a:scrgbClr r="0" g="0" b="0"/>
+      </a:lnRef>
+      <a:fillRef idx="1">
+        <a:scrgbClr r="0" g="0" b="0"/>
+      </a:fillRef>
+      <a:effectRef idx="0">
+        <a:scrgbClr r="0" g="0" b="0"/>
+      </a:effectRef>
+      <a:fontRef idx="minor"/>
+    </dgm:style>
+  </dgm:styleLbl>
+  <dgm:styleLbl name="solidAlignAcc1">
+    <dgm:scene3d>
+      <a:camera prst="orthographicFront"/>
+      <a:lightRig rig="threePt" dir="t"/>
+    </dgm:scene3d>
+    <dgm:sp3d/>
+    <dgm:txPr/>
+    <dgm:style>
+      <a:lnRef idx="2">
+        <a:scrgbClr r="0" g="0" b="0"/>
+      </a:lnRef>
+      <a:fillRef idx="1">
+        <a:scrgbClr r="0" g="0" b="0"/>
+      </a:fillRef>
+      <a:effectRef idx="0">
+        <a:scrgbClr r="0" g="0" b="0"/>
+      </a:effectRef>
+      <a:fontRef idx="minor"/>
+    </dgm:style>
+  </dgm:styleLbl>
+  <dgm:styleLbl name="solidBgAcc1">
+    <dgm:scene3d>
+      <a:camera prst="orthographicFront"/>
+      <a:lightRig rig="threePt" dir="t"/>
+    </dgm:scene3d>
+    <dgm:sp3d/>
+    <dgm:txPr/>
+    <dgm:style>
+      <a:lnRef idx="2">
+        <a:scrgbClr r="0" g="0" b="0"/>
+      </a:lnRef>
+      <a:fillRef idx="1">
+        <a:scrgbClr r="0" g="0" b="0"/>
+      </a:fillRef>
+      <a:effectRef idx="0">
+        <a:scrgbClr r="0" g="0" b="0"/>
+      </a:effectRef>
+      <a:fontRef idx="minor"/>
+    </dgm:style>
+  </dgm:styleLbl>
+  <dgm:styleLbl name="fgAccFollowNode1">
+    <dgm:scene3d>
+      <a:camera prst="orthographicFront"/>
+      <a:lightRig rig="threePt" dir="t"/>
+    </dgm:scene3d>
+    <dgm:sp3d/>
+    <dgm:txPr/>
+    <dgm:style>
+      <a:lnRef idx="2">
+        <a:scrgbClr r="0" g="0" b="0"/>
+      </a:lnRef>
+      <a:fillRef idx="1">
+        <a:scrgbClr r="0" g="0" b="0"/>
+      </a:fillRef>
+      <a:effectRef idx="0">
+        <a:scrgbClr r="0" g="0" b="0"/>
+      </a:effectRef>
+      <a:fontRef idx="minor"/>
+    </dgm:style>
+  </dgm:styleLbl>
+  <dgm:styleLbl name="alignAccFollowNode1">
+    <dgm:scene3d>
+      <a:camera prst="orthographicFront"/>
+      <a:lightRig rig="threePt" dir="t"/>
+    </dgm:scene3d>
+    <dgm:sp3d/>
+    <dgm:txPr/>
+    <dgm:style>
+      <a:lnRef idx="2">
+        <a:scrgbClr r="0" g="0" b="0"/>
+      </a:lnRef>
+      <a:fillRef idx="1">
+        <a:scrgbClr r="0" g="0" b="0"/>
+      </a:fillRef>
+      <a:effectRef idx="0">
+        <a:scrgbClr r="0" g="0" b="0"/>
+      </a:effectRef>
+      <a:fontRef idx="minor"/>
+    </dgm:style>
+  </dgm:styleLbl>
+  <dgm:styleLbl name="bgAccFollowNode1">
+    <dgm:scene3d>
+      <a:camera prst="orthographicFront"/>
+      <a:lightRig rig="threePt" dir="t"/>
+    </dgm:scene3d>
+    <dgm:sp3d/>
+    <dgm:txPr/>
+    <dgm:style>
+      <a:lnRef idx="2">
+        <a:scrgbClr r="0" g="0" b="0"/>
+      </a:lnRef>
+      <a:fillRef idx="1">
+        <a:scrgbClr r="0" g="0" b="0"/>
+      </a:fillRef>
+      <a:effectRef idx="0">
+        <a:scrgbClr r="0" g="0" b="0"/>
+      </a:effectRef>
+      <a:fontRef idx="minor"/>
+    </dgm:style>
+  </dgm:styleLbl>
+  <dgm:styleLbl name="fgAcc0">
+    <dgm:scene3d>
+      <a:camera prst="orthographicFront"/>
+      <a:lightRig rig="threePt" dir="t"/>
+    </dgm:scene3d>
+    <dgm:sp3d/>
+    <dgm:txPr/>
+    <dgm:style>
+      <a:lnRef idx="2">
+        <a:scrgbClr r="0" g="0" b="0"/>
+      </a:lnRef>
+      <a:fillRef idx="1">
+        <a:scrgbClr r="0" g="0" b="0"/>
+      </a:fillRef>
+      <a:effectRef idx="0">
+        <a:scrgbClr r="0" g="0" b="0"/>
+      </a:effectRef>
+      <a:fontRef idx="minor"/>
+    </dgm:style>
+  </dgm:styleLbl>
+  <dgm:styleLbl name="fgAcc2">
+    <dgm:scene3d>
+      <a:camera prst="orthographicFront"/>
+      <a:lightRig rig="threePt" dir="t"/>
+    </dgm:scene3d>
+    <dgm:sp3d/>
+    <dgm:txPr/>
+    <dgm:style>
+      <a:lnRef idx="2">
+        <a:scrgbClr r="0" g="0" b="0"/>
+      </a:lnRef>
+      <a:fillRef idx="1">
+        <a:scrgbClr r="0" g="0" b="0"/>
+      </a:fillRef>
+      <a:effectRef idx="0">
+        <a:scrgbClr r="0" g="0" b="0"/>
+      </a:effectRef>
+      <a:fontRef idx="minor"/>
+    </dgm:style>
+  </dgm:styleLbl>
+  <dgm:styleLbl name="fgAcc3">
+    <dgm:scene3d>
+      <a:camera prst="orthographicFront"/>
+      <a:lightRig rig="threePt" dir="t"/>
+    </dgm:scene3d>
+    <dgm:sp3d/>
+    <dgm:txPr/>
+    <dgm:style>
+      <a:lnRef idx="2">
+        <a:scrgbClr r="0" g="0" b="0"/>
+      </a:lnRef>
+      <a:fillRef idx="1">
+        <a:scrgbClr r="0" g="0" b="0"/>
+      </a:fillRef>
+      <a:effectRef idx="0">
+        <a:scrgbClr r="0" g="0" b="0"/>
+      </a:effectRef>
+      <a:fontRef idx="minor"/>
+    </dgm:style>
+  </dgm:styleLbl>
+  <dgm:styleLbl name="fgAcc4">
+    <dgm:scene3d>
+      <a:camera prst="orthographicFront"/>
+      <a:lightRig rig="threePt" dir="t"/>
+    </dgm:scene3d>
+    <dgm:sp3d/>
+    <dgm:txPr/>
+    <dgm:style>
+      <a:lnRef idx="2">
+        <a:scrgbClr r="0" g="0" b="0"/>
+      </a:lnRef>
+      <a:fillRef idx="1">
+        <a:scrgbClr r="0" g="0" b="0"/>
+      </a:fillRef>
+      <a:effectRef idx="0">
+        <a:scrgbClr r="0" g="0" b="0"/>
+      </a:effectRef>
+      <a:fontRef idx="minor"/>
+    </dgm:style>
+  </dgm:styleLbl>
+  <dgm:styleLbl name="bgShp">
+    <dgm:scene3d>
+      <a:camera prst="orthographicFront"/>
+      <a:lightRig rig="threePt" dir="t"/>
+    </dgm:scene3d>
+    <dgm:sp3d/>
+    <dgm:txPr/>
+    <dgm:style>
+      <a:lnRef idx="0">
+        <a:scrgbClr r="0" g="0" b="0"/>
+      </a:lnRef>
+      <a:fillRef idx="1">
+        <a:scrgbClr r="0" g="0" b="0"/>
+      </a:fillRef>
+      <a:effectRef idx="0">
+        <a:scrgbClr r="0" g="0" b="0"/>
+      </a:effectRef>
+      <a:fontRef idx="minor"/>
+    </dgm:style>
+  </dgm:styleLbl>
+  <dgm:styleLbl name="dkBgShp">
+    <dgm:scene3d>
+      <a:camera prst="orthographicFront"/>
+      <a:lightRig rig="threePt" dir="t"/>
+    </dgm:scene3d>
+    <dgm:sp3d/>
+    <dgm:txPr/>
+    <dgm:style>
+      <a:lnRef idx="0">
+        <a:scrgbClr r="0" g="0" b="0"/>
+      </a:lnRef>
+      <a:fillRef idx="1">
+        <a:scrgbClr r="0" g="0" b="0"/>
+      </a:fillRef>
+      <a:effectRef idx="0">
+        <a:scrgbClr r="0" g="0" b="0"/>
+      </a:effectRef>
+      <a:fontRef idx="minor"/>
+    </dgm:style>
+  </dgm:styleLbl>
+  <dgm:styleLbl name="trBgShp">
+    <dgm:scene3d>
+      <a:camera prst="orthographicFront"/>
+      <a:lightRig rig="threePt" dir="t"/>
+    </dgm:scene3d>
+    <dgm:sp3d/>
+    <dgm:txPr/>
+    <dgm:style>
+      <a:lnRef idx="0">
+        <a:scrgbClr r="0" g="0" b="0"/>
+      </a:lnRef>
+      <a:fillRef idx="1">
+        <a:scrgbClr r="0" g="0" b="0"/>
+      </a:fillRef>
+      <a:effectRef idx="0">
+        <a:scrgbClr r="0" g="0" b="0"/>
+      </a:effectRef>
+      <a:fontRef idx="minor"/>
+    </dgm:style>
+  </dgm:styleLbl>
+  <dgm:styleLbl name="fgShp">
+    <dgm:scene3d>
+      <a:camera prst="orthographicFront"/>
+      <a:lightRig rig="threePt" dir="t"/>
+    </dgm:scene3d>
+    <dgm:sp3d/>
+    <dgm:txPr/>
+    <dgm:style>
+      <a:lnRef idx="2">
+        <a:scrgbClr r="0" g="0" b="0"/>
+      </a:lnRef>
+      <a:fillRef idx="1">
+        <a:scrgbClr r="0" g="0" b="0"/>
+      </a:fillRef>
+      <a:effectRef idx="0">
+        <a:scrgbClr r="0" g="0" b="0"/>
+      </a:effectRef>
+      <a:fontRef idx="minor"/>
+    </dgm:style>
+  </dgm:styleLbl>
+  <dgm:styleLbl name="revTx">
+    <dgm:scene3d>
+      <a:camera prst="orthographicFront"/>
+      <a:lightRig rig="threePt" dir="t"/>
+    </dgm:scene3d>
+    <dgm:sp3d/>
+    <dgm:txPr/>
+    <dgm:style>
+      <a:lnRef idx="0">
+        <a:scrgbClr r="0" g="0" b="0"/>
+      </a:lnRef>
+      <a:fillRef idx="0">
+        <a:scrgbClr r="0" g="0" b="0"/>
+      </a:fillRef>
+      <a:effectRef idx="0">
+        <a:scrgbClr r="0" g="0" b="0"/>
+      </a:effectRef>
+      <a:fontRef idx="minor"/>
+    </dgm:style>
+  </dgm:styleLbl>
+</dgm:styleDef>
+</file>
+
+<file path=ppt/diagrams/quickStyle2.xml><?xml version="1.0" encoding="utf-8"?>
+<dgm:styleDef xmlns:dgm="http://schemas.openxmlformats.org/drawingml/2006/diagram" xmlns:a="http://schemas.openxmlformats.org/drawingml/2006/main" uniqueId="urn:microsoft.com/office/officeart/2005/8/quickstyle/simple1">
+  <dgm:title val=""/>
+  <dgm:desc val=""/>
+  <dgm:catLst>
+    <dgm:cat type="simple" pri="10100"/>
+  </dgm:catLst>
+  <dgm:scene3d>
+    <a:camera prst="orthographicFront"/>
+    <a:lightRig rig="threePt" dir="t"/>
+  </dgm:scene3d>
+  <dgm:styleLbl name="node0">
+    <dgm:scene3d>
+      <a:camera prst="orthographicFront"/>
+      <a:lightRig rig="threePt" dir="t"/>
+    </dgm:scene3d>
+    <dgm:sp3d/>
+    <dgm:txPr/>
+    <dgm:style>
+      <a:lnRef idx="2">
+        <a:scrgbClr r="0" g="0" b="0"/>
+      </a:lnRef>
+      <a:fillRef idx="1">
+        <a:scrgbClr r="0" g="0" b="0"/>
+      </a:fillRef>
+      <a:effectRef idx="0">
+        <a:scrgbClr r="0" g="0" b="0"/>
+      </a:effectRef>
+      <a:fontRef idx="minor">
+        <a:schemeClr val="lt1"/>
+      </a:fontRef>
+    </dgm:style>
+  </dgm:styleLbl>
+  <dgm:styleLbl name="lnNode1">
+    <dgm:scene3d>
+      <a:camera prst="orthographicFront"/>
+      <a:lightRig rig="threePt" dir="t"/>
+    </dgm:scene3d>
+    <dgm:sp3d/>
+    <dgm:txPr/>
+    <dgm:style>
+      <a:lnRef idx="2">
+        <a:scrgbClr r="0" g="0" b="0"/>
+      </a:lnRef>
+      <a:fillRef idx="1">
+        <a:scrgbClr r="0" g="0" b="0"/>
+      </a:fillRef>
+      <a:effectRef idx="0">
+        <a:scrgbClr r="0" g="0" b="0"/>
+      </a:effectRef>
+      <a:fontRef idx="minor">
+        <a:schemeClr val="lt1"/>
+      </a:fontRef>
+    </dgm:style>
+  </dgm:styleLbl>
+  <dgm:styleLbl name="vennNode1">
+    <dgm:scene3d>
+      <a:camera prst="orthographicFront"/>
+      <a:lightRig rig="threePt" dir="t"/>
+    </dgm:scene3d>
+    <dgm:sp3d/>
+    <dgm:txPr/>
+    <dgm:style>
+      <a:lnRef idx="2">
+        <a:scrgbClr r="0" g="0" b="0"/>
+      </a:lnRef>
+      <a:fillRef idx="1">
+        <a:scrgbClr r="0" g="0" b="0"/>
+      </a:fillRef>
+      <a:effectRef idx="0">
+        <a:scrgbClr r="0" g="0" b="0"/>
+      </a:effectRef>
+      <a:fontRef idx="minor">
+        <a:schemeClr val="tx1"/>
+      </a:fontRef>
+    </dgm:style>
+  </dgm:styleLbl>
+  <dgm:styleLbl name="alignNode1">
+    <dgm:scene3d>
+      <a:camera prst="orthographicFront"/>
+      <a:lightRig rig="threePt" dir="t"/>
+    </dgm:scene3d>
+    <dgm:sp3d/>
+    <dgm:txPr/>
+    <dgm:style>
+      <a:lnRef idx="2">
+        <a:scrgbClr r="0" g="0" b="0"/>
+      </a:lnRef>
+      <a:fillRef idx="1">
+        <a:scrgbClr r="0" g="0" b="0"/>
+      </a:fillRef>
+      <a:effectRef idx="0">
+        <a:scrgbClr r="0" g="0" b="0"/>
+      </a:effectRef>
+      <a:fontRef idx="minor">
+        <a:schemeClr val="lt1"/>
+      </a:fontRef>
+    </dgm:style>
+  </dgm:styleLbl>
+  <dgm:styleLbl name="node1">
+    <dgm:scene3d>
+      <a:camera prst="orthographicFront"/>
+      <a:lightRig rig="threePt" dir="t"/>
+    </dgm:scene3d>
+    <dgm:sp3d/>
+    <dgm:txPr/>
+    <dgm:style>
+      <a:lnRef idx="2">
+        <a:scrgbClr r="0" g="0" b="0"/>
+      </a:lnRef>
+      <a:fillRef idx="1">
+        <a:scrgbClr r="0" g="0" b="0"/>
+      </a:fillRef>
+      <a:effectRef idx="0">
+        <a:scrgbClr r="0" g="0" b="0"/>
+      </a:effectRef>
+      <a:fontRef idx="minor">
+        <a:schemeClr val="lt1"/>
+      </a:fontRef>
+    </dgm:style>
+  </dgm:styleLbl>
+  <dgm:styleLbl name="node2">
+    <dgm:scene3d>
+      <a:camera prst="orthographicFront"/>
+      <a:lightRig rig="threePt" dir="t"/>
+    </dgm:scene3d>
+    <dgm:sp3d/>
+    <dgm:txPr/>
+    <dgm:style>
+      <a:lnRef idx="2">
+        <a:scrgbClr r="0" g="0" b="0"/>
+      </a:lnRef>
+      <a:fillRef idx="1">
+        <a:scrgbClr r="0" g="0" b="0"/>
+      </a:fillRef>
+      <a:effectRef idx="0">
+        <a:scrgbClr r="0" g="0" b="0"/>
+      </a:effectRef>
+      <a:fontRef idx="minor">
+        <a:schemeClr val="lt1"/>
+      </a:fontRef>
+    </dgm:style>
+  </dgm:styleLbl>
+  <dgm:styleLbl name="node3">
+    <dgm:scene3d>
+      <a:camera prst="orthographicFront"/>
+      <a:lightRig rig="threePt" dir="t"/>
+    </dgm:scene3d>
+    <dgm:sp3d/>
+    <dgm:txPr/>
+    <dgm:style>
+      <a:lnRef idx="2">
+        <a:scrgbClr r="0" g="0" b="0"/>
+      </a:lnRef>
+      <a:fillRef idx="1">
+        <a:scrgbClr r="0" g="0" b="0"/>
+      </a:fillRef>
+      <a:effectRef idx="0">
+        <a:scrgbClr r="0" g="0" b="0"/>
+      </a:effectRef>
+      <a:fontRef idx="minor">
+        <a:schemeClr val="lt1"/>
+      </a:fontRef>
+    </dgm:style>
+  </dgm:styleLbl>
+  <dgm:styleLbl name="node4">
+    <dgm:scene3d>
+      <a:camera prst="orthographicFront"/>
+      <a:lightRig rig="threePt" dir="t"/>
+    </dgm:scene3d>
+    <dgm:sp3d/>
+    <dgm:txPr/>
+    <dgm:style>
+      <a:lnRef idx="2">
+        <a:scrgbClr r="0" g="0" b="0"/>
+      </a:lnRef>
+      <a:fillRef idx="1">
+        <a:scrgbClr r="0" g="0" b="0"/>
+      </a:fillRef>
+      <a:effectRef idx="0">
+        <a:scrgbClr r="0" g="0" b="0"/>
+      </a:effectRef>
+      <a:fontRef idx="minor">
+        <a:schemeClr val="lt1"/>
+      </a:fontRef>
+    </dgm:style>
+  </dgm:styleLbl>
+  <dgm:styleLbl name="fgImgPlace1">
+    <dgm:scene3d>
+      <a:camera prst="orthographicFront"/>
+      <a:lightRig rig="threePt" dir="t"/>
+    </dgm:scene3d>
+    <dgm:sp3d/>
+    <dgm:txPr/>
+    <dgm:style>
+      <a:lnRef idx="2">
+        <a:scrgbClr r="0" g="0" b="0"/>
+      </a:lnRef>
+      <a:fillRef idx="1">
+        <a:scrgbClr r="0" g="0" b="0"/>
+      </a:fillRef>
+      <a:effectRef idx="0">
+        <a:scrgbClr r="0" g="0" b="0"/>
+      </a:effectRef>
+      <a:fontRef idx="minor"/>
+    </dgm:style>
+  </dgm:styleLbl>
+  <dgm:styleLbl name="alignImgPlace1">
+    <dgm:scene3d>
+      <a:camera prst="orthographicFront"/>
+      <a:lightRig rig="threePt" dir="t"/>
+    </dgm:scene3d>
+    <dgm:sp3d/>
+    <dgm:txPr/>
+    <dgm:style>
+      <a:lnRef idx="2">
+        <a:scrgbClr r="0" g="0" b="0"/>
+      </a:lnRef>
+      <a:fillRef idx="1">
+        <a:scrgbClr r="0" g="0" b="0"/>
+      </a:fillRef>
+      <a:effectRef idx="0">
+        <a:scrgbClr r="0" g="0" b="0"/>
+      </a:effectRef>
+      <a:fontRef idx="minor"/>
+    </dgm:style>
+  </dgm:styleLbl>
+  <dgm:styleLbl name="bgImgPlace1">
+    <dgm:scene3d>
+      <a:camera prst="orthographicFront"/>
+      <a:lightRig rig="threePt" dir="t"/>
+    </dgm:scene3d>
+    <dgm:sp3d/>
+    <dgm:txPr/>
+    <dgm:style>
+      <a:lnRef idx="2">
+        <a:scrgbClr r="0" g="0" b="0"/>
+      </a:lnRef>
+      <a:fillRef idx="1">
+        <a:scrgbClr r="0" g="0" b="0"/>
+      </a:fillRef>
+      <a:effectRef idx="0">
+        <a:scrgbClr r="0" g="0" b="0"/>
+      </a:effectRef>
+      <a:fontRef idx="minor"/>
+    </dgm:style>
+  </dgm:styleLbl>
+  <dgm:styleLbl name="sibTrans2D1">
+    <dgm:scene3d>
+      <a:camera prst="orthographicFront"/>
+      <a:lightRig rig="threePt" dir="t"/>
+    </dgm:scene3d>
+    <dgm:sp3d/>
+    <dgm:txPr/>
+    <dgm:style>
+      <a:lnRef idx="0">
+        <a:scrgbClr r="0" g="0" b="0"/>
+      </a:lnRef>
+      <a:fillRef idx="1">
+        <a:scrgbClr r="0" g="0" b="0"/>
+      </a:fillRef>
+      <a:effectRef idx="0">
+        <a:scrgbClr r="0" g="0" b="0"/>
+      </a:effectRef>
+      <a:fontRef idx="minor">
+        <a:schemeClr val="lt1"/>
+      </a:fontRef>
+    </dgm:style>
+  </dgm:styleLbl>
+  <dgm:styleLbl name="fgSibTrans2D1">
+    <dgm:scene3d>
+      <a:camera prst="orthographicFront"/>
+      <a:lightRig rig="threePt" dir="t"/>
+    </dgm:scene3d>
+    <dgm:sp3d/>
+    <dgm:txPr/>
+    <dgm:style>
+      <a:lnRef idx="0">
+        <a:scrgbClr r="0" g="0" b="0"/>
+      </a:lnRef>
+      <a:fillRef idx="1">
+        <a:scrgbClr r="0" g="0" b="0"/>
+      </a:fillRef>
+      <a:effectRef idx="0">
+        <a:scrgbClr r="0" g="0" b="0"/>
+      </a:effectRef>
+      <a:fontRef idx="minor">
+        <a:schemeClr val="lt1"/>
+      </a:fontRef>
+    </dgm:style>
+  </dgm:styleLbl>
+  <dgm:styleLbl name="bgSibTrans2D1">
+    <dgm:scene3d>
+      <a:camera prst="orthographicFront"/>
+      <a:lightRig rig="threePt" dir="t"/>
+    </dgm:scene3d>
+    <dgm:sp3d/>
+    <dgm:txPr/>
+    <dgm:style>
+      <a:lnRef idx="0">
+        <a:scrgbClr r="0" g="0" b="0"/>
+      </a:lnRef>
+      <a:fillRef idx="1">
+        <a:scrgbClr r="0" g="0" b="0"/>
+      </a:fillRef>
+      <a:effectRef idx="0">
+        <a:scrgbClr r="0" g="0" b="0"/>
+      </a:effectRef>
+      <a:fontRef idx="minor">
+        <a:schemeClr val="lt1"/>
+      </a:fontRef>
+    </dgm:style>
+  </dgm:styleLbl>
+  <dgm:styleLbl name="sibTrans1D1">
+    <dgm:scene3d>
+      <a:camera prst="orthographicFront"/>
+      <a:lightRig rig="threePt" dir="t"/>
+    </dgm:scene3d>
+    <dgm:sp3d/>
+    <dgm:txPr/>
+    <dgm:style>
+      <a:lnRef idx="1">
+        <a:scrgbClr r="0" g="0" b="0"/>
+      </a:lnRef>
+      <a:fillRef idx="0">
+        <a:scrgbClr r="0" g="0" b="0"/>
+      </a:fillRef>
+      <a:effectRef idx="0">
+        <a:scrgbClr r="0" g="0" b="0"/>
+      </a:effectRef>
+      <a:fontRef idx="minor"/>
+    </dgm:style>
+  </dgm:styleLbl>
+  <dgm:styleLbl name="callout">
+    <dgm:scene3d>
+      <a:camera prst="orthographicFront"/>
+      <a:lightRig rig="threePt" dir="t"/>
+    </dgm:scene3d>
+    <dgm:sp3d/>
+    <dgm:txPr/>
+    <dgm:style>
+      <a:lnRef idx="2">
+        <a:scrgbClr r="0" g="0" b="0"/>
+      </a:lnRef>
+      <a:fillRef idx="1">
+        <a:scrgbClr r="0" g="0" b="0"/>
+      </a:fillRef>
+      <a:effectRef idx="0">
+        <a:scrgbClr r="0" g="0" b="0"/>
+      </a:effectRef>
+      <a:fontRef idx="minor"/>
+    </dgm:style>
+  </dgm:styleLbl>
+  <dgm:styleLbl name="asst0">
+    <dgm:scene3d>
+      <a:camera prst="orthographicFront"/>
+      <a:lightRig rig="threePt" dir="t"/>
+    </dgm:scene3d>
+    <dgm:sp3d/>
+    <dgm:txPr/>
+    <dgm:style>
+      <a:lnRef idx="2">
+        <a:scrgbClr r="0" g="0" b="0"/>
+      </a:lnRef>
+      <a:fillRef idx="1">
+        <a:scrgbClr r="0" g="0" b="0"/>
+      </a:fillRef>
+      <a:effectRef idx="0">
+        <a:scrgbClr r="0" g="0" b="0"/>
+      </a:effectRef>
+      <a:fontRef idx="minor">
+        <a:schemeClr val="lt1"/>
+      </a:fontRef>
+    </dgm:style>
+  </dgm:styleLbl>
+  <dgm:styleLbl name="asst1">
+    <dgm:scene3d>
+      <a:camera prst="orthographicFront"/>
+      <a:lightRig rig="threePt" dir="t"/>
+    </dgm:scene3d>
+    <dgm:sp3d/>
+    <dgm:txPr/>
+    <dgm:style>
+      <a:lnRef idx="2">
+        <a:scrgbClr r="0" g="0" b="0"/>
+      </a:lnRef>
+      <a:fillRef idx="1">
+        <a:scrgbClr r="0" g="0" b="0"/>
+      </a:fillRef>
+      <a:effectRef idx="0">
+        <a:scrgbClr r="0" g="0" b="0"/>
+      </a:effectRef>
+      <a:fontRef idx="minor">
+        <a:schemeClr val="lt1"/>
+      </a:fontRef>
+    </dgm:style>
+  </dgm:styleLbl>
+  <dgm:styleLbl name="asst2">
+    <dgm:scene3d>
+      <a:camera prst="orthographicFront"/>
+      <a:lightRig rig="threePt" dir="t"/>
+    </dgm:scene3d>
+    <dgm:sp3d/>
+    <dgm:txPr/>
+    <dgm:style>
+      <a:lnRef idx="2">
+        <a:scrgbClr r="0" g="0" b="0"/>
+      </a:lnRef>
+      <a:fillRef idx="1">
+        <a:scrgbClr r="0" g="0" b="0"/>
+      </a:fillRef>
+      <a:effectRef idx="0">
+        <a:scrgbClr r="0" g="0" b="0"/>
+      </a:effectRef>
+      <a:fontRef idx="minor">
+        <a:schemeClr val="lt1"/>
+      </a:fontRef>
+    </dgm:style>
+  </dgm:styleLbl>
+  <dgm:styleLbl name="asst3">
+    <dgm:scene3d>
+      <a:camera prst="orthographicFront"/>
+      <a:lightRig rig="threePt" dir="t"/>
+    </dgm:scene3d>
+    <dgm:sp3d/>
+    <dgm:txPr/>
+    <dgm:style>
+      <a:lnRef idx="2">
+        <a:scrgbClr r="0" g="0" b="0"/>
+      </a:lnRef>
+      <a:fillRef idx="1">
+        <a:scrgbClr r="0" g="0" b="0"/>
+      </a:fillRef>
+      <a:effectRef idx="0">
+        <a:scrgbClr r="0" g="0" b="0"/>
+      </a:effectRef>
+      <a:fontRef idx="minor">
+        <a:schemeClr val="lt1"/>
+      </a:fontRef>
+    </dgm:style>
+  </dgm:styleLbl>
+  <dgm:styleLbl name="asst4">
+    <dgm:scene3d>
+      <a:camera prst="orthographicFront"/>
+      <a:lightRig rig="threePt" dir="t"/>
+    </dgm:scene3d>
+    <dgm:sp3d/>
+    <dgm:txPr/>
+    <dgm:style>
+      <a:lnRef idx="2">
+        <a:scrgbClr r="0" g="0" b="0"/>
+      </a:lnRef>
+      <a:fillRef idx="1">
+        <a:scrgbClr r="0" g="0" b="0"/>
+      </a:fillRef>
+      <a:effectRef idx="0">
+        <a:scrgbClr r="0" g="0" b="0"/>
+      </a:effectRef>
+      <a:fontRef idx="minor">
+        <a:schemeClr val="lt1"/>
+      </a:fontRef>
+    </dgm:style>
+  </dgm:styleLbl>
+  <dgm:styleLbl name="parChTrans2D1">
+    <dgm:scene3d>
+      <a:camera prst="orthographicFront"/>
+      <a:lightRig rig="threePt" dir="t"/>
+    </dgm:scene3d>
+    <dgm:sp3d/>
+    <dgm:txPr/>
+    <dgm:style>
+      <a:lnRef idx="2">
+        <a:scrgbClr r="0" g="0" b="0"/>
+      </a:lnRef>
+      <a:fillRef idx="1">
+        <a:scrgbClr r="0" g="0" b="0"/>
+      </a:fillRef>
+      <a:effectRef idx="0">
+        <a:scrgbClr r="0" g="0" b="0"/>
+      </a:effectRef>
+      <a:fontRef idx="minor">
+        <a:schemeClr val="lt1"/>
+      </a:fontRef>
+    </dgm:style>
+  </dgm:styleLbl>
+  <dgm:styleLbl name="parChTrans2D2">
+    <dgm:scene3d>
+      <a:camera prst="orthographicFront"/>
+      <a:lightRig rig="threePt" dir="t"/>
+    </dgm:scene3d>
+    <dgm:sp3d/>
+    <dgm:txPr/>
+    <dgm:style>
+      <a:lnRef idx="2">
+        <a:scrgbClr r="0" g="0" b="0"/>
+      </a:lnRef>
+      <a:fillRef idx="1">
+        <a:scrgbClr r="0" g="0" b="0"/>
+      </a:fillRef>
+      <a:effectRef idx="0">
+        <a:scrgbClr r="0" g="0" b="0"/>
+      </a:effectRef>
+      <a:fontRef idx="minor">
+        <a:schemeClr val="lt1"/>
+      </a:fontRef>
+    </dgm:style>
+  </dgm:styleLbl>
+  <dgm:styleLbl name="parChTrans2D3">
+    <dgm:scene3d>
+      <a:camera prst="orthographicFront"/>
+      <a:lightRig rig="threePt" dir="t"/>
+    </dgm:scene3d>
+    <dgm:sp3d/>
+    <dgm:txPr/>
+    <dgm:style>
+      <a:lnRef idx="2">
+        <a:scrgbClr r="0" g="0" b="0"/>
+      </a:lnRef>
+      <a:fillRef idx="1">
+        <a:scrgbClr r="0" g="0" b="0"/>
+      </a:fillRef>
+      <a:effectRef idx="0">
+        <a:scrgbClr r="0" g="0" b="0"/>
+      </a:effectRef>
+      <a:fontRef idx="minor">
+        <a:schemeClr val="lt1"/>
+      </a:fontRef>
+    </dgm:style>
+  </dgm:styleLbl>
+  <dgm:styleLbl name="parChTrans2D4">
+    <dgm:scene3d>
+      <a:camera prst="orthographicFront"/>
+      <a:lightRig rig="threePt" dir="t"/>
+    </dgm:scene3d>
+    <dgm:sp3d/>
+    <dgm:txPr/>
+    <dgm:style>
+      <a:lnRef idx="2">
+        <a:scrgbClr r="0" g="0" b="0"/>
+      </a:lnRef>
+      <a:fillRef idx="1">
+        <a:scrgbClr r="0" g="0" b="0"/>
+      </a:fillRef>
+      <a:effectRef idx="0">
+        <a:scrgbClr r="0" g="0" b="0"/>
+      </a:effectRef>
+      <a:fontRef idx="minor">
+        <a:schemeClr val="lt1"/>
+      </a:fontRef>
+    </dgm:style>
+  </dgm:styleLbl>
+  <dgm:styleLbl name="parChTrans1D1">
+    <dgm:scene3d>
+      <a:camera prst="orthographicFront"/>
+      <a:lightRig rig="threePt" dir="t"/>
+    </dgm:scene3d>
+    <dgm:sp3d/>
+    <dgm:txPr/>
+    <dgm:style>
+      <a:lnRef idx="2">
+        <a:scrgbClr r="0" g="0" b="0"/>
+      </a:lnRef>
+      <a:fillRef idx="0">
+        <a:scrgbClr r="0" g="0" b="0"/>
+      </a:fillRef>
+      <a:effectRef idx="0">
+        <a:scrgbClr r="0" g="0" b="0"/>
+      </a:effectRef>
+      <a:fontRef idx="minor"/>
+    </dgm:style>
+  </dgm:styleLbl>
+  <dgm:styleLbl name="parChTrans1D2">
+    <dgm:scene3d>
+      <a:camera prst="orthographicFront"/>
+      <a:lightRig rig="threePt" dir="t"/>
+    </dgm:scene3d>
+    <dgm:sp3d/>
+    <dgm:txPr/>
+    <dgm:style>
+      <a:lnRef idx="2">
+        <a:scrgbClr r="0" g="0" b="0"/>
+      </a:lnRef>
+      <a:fillRef idx="0">
+        <a:scrgbClr r="0" g="0" b="0"/>
+      </a:fillRef>
+      <a:effectRef idx="0">
+        <a:scrgbClr r="0" g="0" b="0"/>
+      </a:effectRef>
+      <a:fontRef idx="minor"/>
+    </dgm:style>
+  </dgm:styleLbl>
+  <dgm:styleLbl name="parChTrans1D3">
+    <dgm:scene3d>
+      <a:camera prst="orthographicFront"/>
+      <a:lightRig rig="threePt" dir="t"/>
+    </dgm:scene3d>
+    <dgm:sp3d/>
+    <dgm:txPr/>
+    <dgm:style>
+      <a:lnRef idx="2">
+        <a:scrgbClr r="0" g="0" b="0"/>
+      </a:lnRef>
+      <a:fillRef idx="0">
+        <a:scrgbClr r="0" g="0" b="0"/>
+      </a:fillRef>
+      <a:effectRef idx="0">
+        <a:scrgbClr r="0" g="0" b="0"/>
+      </a:effectRef>
+      <a:fontRef idx="minor"/>
+    </dgm:style>
+  </dgm:styleLbl>
+  <dgm:styleLbl name="parChTrans1D4">
+    <dgm:scene3d>
+      <a:camera prst="orthographicFront"/>
+      <a:lightRig rig="threePt" dir="t"/>
+    </dgm:scene3d>
+    <dgm:sp3d/>
+    <dgm:txPr/>
+    <dgm:style>
+      <a:lnRef idx="2">
+        <a:scrgbClr r="0" g="0" b="0"/>
+      </a:lnRef>
+      <a:fillRef idx="0">
+        <a:scrgbClr r="0" g="0" b="0"/>
+      </a:fillRef>
+      <a:effectRef idx="0">
+        <a:scrgbClr r="0" g="0" b="0"/>
+      </a:effectRef>
+      <a:fontRef idx="minor"/>
+    </dgm:style>
+  </dgm:styleLbl>
+  <dgm:styleLbl name="fgAcc1">
+    <dgm:scene3d>
+      <a:camera prst="orthographicFront"/>
+      <a:lightRig rig="threePt" dir="t"/>
+    </dgm:scene3d>
+    <dgm:sp3d/>
+    <dgm:txPr/>
+    <dgm:style>
+      <a:lnRef idx="2">
+        <a:scrgbClr r="0" g="0" b="0"/>
+      </a:lnRef>
+      <a:fillRef idx="1">
+        <a:scrgbClr r="0" g="0" b="0"/>
+      </a:fillRef>
+      <a:effectRef idx="0">
+        <a:scrgbClr r="0" g="0" b="0"/>
+      </a:effectRef>
+      <a:fontRef idx="minor"/>
+    </dgm:style>
+  </dgm:styleLbl>
+  <dgm:styleLbl name="conFgAcc1">
+    <dgm:scene3d>
+      <a:camera prst="orthographicFront"/>
+      <a:lightRig rig="threePt" dir="t"/>
+    </dgm:scene3d>
+    <dgm:sp3d/>
+    <dgm:txPr/>
+    <dgm:style>
+      <a:lnRef idx="2">
+        <a:scrgbClr r="0" g="0" b="0"/>
+      </a:lnRef>
+      <a:fillRef idx="1">
+        <a:scrgbClr r="0" g="0" b="0"/>
+      </a:fillRef>
+      <a:effectRef idx="0">
+        <a:scrgbClr r="0" g="0" b="0"/>
+      </a:effectRef>
+      <a:fontRef idx="minor"/>
+    </dgm:style>
+  </dgm:styleLbl>
+  <dgm:styleLbl name="alignAcc1">
+    <dgm:scene3d>
+      <a:camera prst="orthographicFront"/>
+      <a:lightRig rig="threePt" dir="t"/>
+    </dgm:scene3d>
+    <dgm:sp3d/>
+    <dgm:txPr/>
+    <dgm:style>
+      <a:lnRef idx="2">
+        <a:scrgbClr r="0" g="0" b="0"/>
+      </a:lnRef>
+      <a:fillRef idx="1">
+        <a:scrgbClr r="0" g="0" b="0"/>
+      </a:fillRef>
+      <a:effectRef idx="0">
+        <a:scrgbClr r="0" g="0" b="0"/>
+      </a:effectRef>
+      <a:fontRef idx="minor"/>
+    </dgm:style>
+  </dgm:styleLbl>
+  <dgm:styleLbl name="trAlignAcc1">
+    <dgm:scene3d>
+      <a:camera prst="orthographicFront"/>
+      <a:lightRig rig="threePt" dir="t"/>
+    </dgm:scene3d>
+    <dgm:sp3d/>
+    <dgm:txPr/>
+    <dgm:style>
+      <a:lnRef idx="1">
+        <a:scrgbClr r="0" g="0" b="0"/>
+      </a:lnRef>
+      <a:fillRef idx="1">
+        <a:scrgbClr r="0" g="0" b="0"/>
+      </a:fillRef>
+      <a:effectRef idx="0">
+        <a:scrgbClr r="0" g="0" b="0"/>
+      </a:effectRef>
+      <a:fontRef idx="minor"/>
+    </dgm:style>
+  </dgm:styleLbl>
+  <dgm:styleLbl name="bgAcc1">
+    <dgm:scene3d>
+      <a:camera prst="orthographicFront"/>
+      <a:lightRig rig="threePt" dir="t"/>
+    </dgm:scene3d>
+    <dgm:sp3d/>
+    <dgm:txPr/>
+    <dgm:style>
+      <a:lnRef idx="2">
+        <a:scrgbClr r="0" g="0" b="0"/>
+      </a:lnRef>
+      <a:fillRef idx="1">
+        <a:scrgbClr r="0" g="0" b="0"/>
+      </a:fillRef>
+      <a:effectRef idx="0">
+        <a:scrgbClr r="0" g="0" b="0"/>
+      </a:effectRef>
+      <a:fontRef idx="minor"/>
+    </dgm:style>
+  </dgm:styleLbl>
+  <dgm:styleLbl name="solidFgAcc1">
+    <dgm:scene3d>
+      <a:camera prst="orthographicFront"/>
+      <a:lightRig rig="threePt" dir="t"/>
+    </dgm:scene3d>
+    <dgm:sp3d/>
+    <dgm:txPr/>
+    <dgm:style>
+      <a:lnRef idx="2">
+        <a:scrgbClr r="0" g="0" b="0"/>
+      </a:lnRef>
+      <a:fillRef idx="1">
+        <a:scrgbClr r="0" g="0" b="0"/>
+      </a:fillRef>
+      <a:effectRef idx="0">
+        <a:scrgbClr r="0" g="0" b="0"/>
+      </a:effectRef>
+      <a:fontRef idx="minor"/>
+    </dgm:style>
+  </dgm:styleLbl>
+  <dgm:styleLbl name="solidAlignAcc1">
+    <dgm:scene3d>
+      <a:camera prst="orthographicFront"/>
+      <a:lightRig rig="threePt" dir="t"/>
+    </dgm:scene3d>
+    <dgm:sp3d/>
+    <dgm:txPr/>
+    <dgm:style>
+      <a:lnRef idx="2">
+        <a:scrgbClr r="0" g="0" b="0"/>
+      </a:lnRef>
+      <a:fillRef idx="1">
+        <a:scrgbClr r="0" g="0" b="0"/>
+      </a:fillRef>
+      <a:effectRef idx="0">
+        <a:scrgbClr r="0" g="0" b="0"/>
+      </a:effectRef>
+      <a:fontRef idx="minor"/>
+    </dgm:style>
+  </dgm:styleLbl>
+  <dgm:styleLbl name="solidBgAcc1">
+    <dgm:scene3d>
+      <a:camera prst="orthographicFront"/>
+      <a:lightRig rig="threePt" dir="t"/>
+    </dgm:scene3d>
+    <dgm:sp3d/>
+    <dgm:txPr/>
+    <dgm:style>
+      <a:lnRef idx="2">
+        <a:scrgbClr r="0" g="0" b="0"/>
+      </a:lnRef>
+      <a:fillRef idx="1">
+        <a:scrgbClr r="0" g="0" b="0"/>
+      </a:fillRef>
+      <a:effectRef idx="0">
+        <a:scrgbClr r="0" g="0" b="0"/>
+      </a:effectRef>
+      <a:fontRef idx="minor"/>
+    </dgm:style>
+  </dgm:styleLbl>
+  <dgm:styleLbl name="fgAccFollowNode1">
+    <dgm:scene3d>
+      <a:camera prst="orthographicFront"/>
+      <a:lightRig rig="threePt" dir="t"/>
+    </dgm:scene3d>
+    <dgm:sp3d/>
+    <dgm:txPr/>
+    <dgm:style>
+      <a:lnRef idx="2">
+        <a:scrgbClr r="0" g="0" b="0"/>
+      </a:lnRef>
+      <a:fillRef idx="1">
+        <a:scrgbClr r="0" g="0" b="0"/>
+      </a:fillRef>
+      <a:effectRef idx="0">
+        <a:scrgbClr r="0" g="0" b="0"/>
+      </a:effectRef>
+      <a:fontRef idx="minor"/>
+    </dgm:style>
+  </dgm:styleLbl>
+  <dgm:styleLbl name="alignAccFollowNode1">
+    <dgm:scene3d>
+      <a:camera prst="orthographicFront"/>
+      <a:lightRig rig="threePt" dir="t"/>
+    </dgm:scene3d>
+    <dgm:sp3d/>
+    <dgm:txPr/>
+    <dgm:style>
+      <a:lnRef idx="2">
+        <a:scrgbClr r="0" g="0" b="0"/>
+      </a:lnRef>
+      <a:fillRef idx="1">
+        <a:scrgbClr r="0" g="0" b="0"/>
+      </a:fillRef>
+      <a:effectRef idx="0">
+        <a:scrgbClr r="0" g="0" b="0"/>
+      </a:effectRef>
+      <a:fontRef idx="minor"/>
+    </dgm:style>
+  </dgm:styleLbl>
+  <dgm:styleLbl name="bgAccFollowNode1">
+    <dgm:scene3d>
+      <a:camera prst="orthographicFront"/>
+      <a:lightRig rig="threePt" dir="t"/>
+    </dgm:scene3d>
+    <dgm:sp3d/>
+    <dgm:txPr/>
+    <dgm:style>
+      <a:lnRef idx="2">
+        <a:scrgbClr r="0" g="0" b="0"/>
+      </a:lnRef>
+      <a:fillRef idx="1">
+        <a:scrgbClr r="0" g="0" b="0"/>
+      </a:fillRef>
+      <a:effectRef idx="0">
+        <a:scrgbClr r="0" g="0" b="0"/>
+      </a:effectRef>
+      <a:fontRef idx="minor"/>
+    </dgm:style>
+  </dgm:styleLbl>
+  <dgm:styleLbl name="fgAcc0">
+    <dgm:scene3d>
+      <a:camera prst="orthographicFront"/>
+      <a:lightRig rig="threePt" dir="t"/>
+    </dgm:scene3d>
+    <dgm:sp3d/>
+    <dgm:txPr/>
+    <dgm:style>
+      <a:lnRef idx="2">
+        <a:scrgbClr r="0" g="0" b="0"/>
+      </a:lnRef>
+      <a:fillRef idx="1">
+        <a:scrgbClr r="0" g="0" b="0"/>
+      </a:fillRef>
+      <a:effectRef idx="0">
+        <a:scrgbClr r="0" g="0" b="0"/>
+      </a:effectRef>
+      <a:fontRef idx="minor"/>
+    </dgm:style>
+  </dgm:styleLbl>
+  <dgm:styleLbl name="fgAcc2">
+    <dgm:scene3d>
+      <a:camera prst="orthographicFront"/>
+      <a:lightRig rig="threePt" dir="t"/>
+    </dgm:scene3d>
+    <dgm:sp3d/>
+    <dgm:txPr/>
+    <dgm:style>
+      <a:lnRef idx="2">
+        <a:scrgbClr r="0" g="0" b="0"/>
+      </a:lnRef>
+      <a:fillRef idx="1">
+        <a:scrgbClr r="0" g="0" b="0"/>
+      </a:fillRef>
+      <a:effectRef idx="0">
+        <a:scrgbClr r="0" g="0" b="0"/>
+      </a:effectRef>
+      <a:fontRef idx="minor"/>
+    </dgm:style>
+  </dgm:styleLbl>
+  <dgm:styleLbl name="fgAcc3">
+    <dgm:scene3d>
+      <a:camera prst="orthographicFront"/>
+      <a:lightRig rig="threePt" dir="t"/>
+    </dgm:scene3d>
+    <dgm:sp3d/>
+    <dgm:txPr/>
+    <dgm:style>
+      <a:lnRef idx="2">
+        <a:scrgbClr r="0" g="0" b="0"/>
+      </a:lnRef>
+      <a:fillRef idx="1">
+        <a:scrgbClr r="0" g="0" b="0"/>
+      </a:fillRef>
+      <a:effectRef idx="0">
+        <a:scrgbClr r="0" g="0" b="0"/>
+      </a:effectRef>
+      <a:fontRef idx="minor"/>
+    </dgm:style>
+  </dgm:styleLbl>
+  <dgm:styleLbl name="fgAcc4">
+    <dgm:scene3d>
+      <a:camera prst="orthographicFront"/>
+      <a:lightRig rig="threePt" dir="t"/>
+    </dgm:scene3d>
+    <dgm:sp3d/>
+    <dgm:txPr/>
+    <dgm:style>
+      <a:lnRef idx="2">
+        <a:scrgbClr r="0" g="0" b="0"/>
+      </a:lnRef>
+      <a:fillRef idx="1">
+        <a:scrgbClr r="0" g="0" b="0"/>
+      </a:fillRef>
+      <a:effectRef idx="0">
+        <a:scrgbClr r="0" g="0" b="0"/>
+      </a:effectRef>
+      <a:fontRef idx="minor"/>
+    </dgm:style>
+  </dgm:styleLbl>
+  <dgm:styleLbl name="bgShp">
+    <dgm:scene3d>
+      <a:camera prst="orthographicFront"/>
+      <a:lightRig rig="threePt" dir="t"/>
+    </dgm:scene3d>
+    <dgm:sp3d/>
+    <dgm:txPr/>
+    <dgm:style>
+      <a:lnRef idx="0">
+        <a:scrgbClr r="0" g="0" b="0"/>
+      </a:lnRef>
+      <a:fillRef idx="1">
+        <a:scrgbClr r="0" g="0" b="0"/>
+      </a:fillRef>
+      <a:effectRef idx="0">
+        <a:scrgbClr r="0" g="0" b="0"/>
+      </a:effectRef>
+      <a:fontRef idx="minor"/>
+    </dgm:style>
+  </dgm:styleLbl>
+  <dgm:styleLbl name="dkBgShp">
+    <dgm:scene3d>
+      <a:camera prst="orthographicFront"/>
+      <a:lightRig rig="threePt" dir="t"/>
+    </dgm:scene3d>
+    <dgm:sp3d/>
+    <dgm:txPr/>
+    <dgm:style>
+      <a:lnRef idx="0">
+        <a:scrgbClr r="0" g="0" b="0"/>
+      </a:lnRef>
+      <a:fillRef idx="1">
+        <a:scrgbClr r="0" g="0" b="0"/>
+      </a:fillRef>
+      <a:effectRef idx="0">
+        <a:scrgbClr r="0" g="0" b="0"/>
+      </a:effectRef>
+      <a:fontRef idx="minor"/>
+    </dgm:style>
+  </dgm:styleLbl>
+  <dgm:styleLbl name="trBgShp">
+    <dgm:scene3d>
+      <a:camera prst="orthographicFront"/>
+      <a:lightRig rig="threePt" dir="t"/>
+    </dgm:scene3d>
+    <dgm:sp3d/>
+    <dgm:txPr/>
+    <dgm:style>
+      <a:lnRef idx="0">
+        <a:scrgbClr r="0" g="0" b="0"/>
+      </a:lnRef>
+      <a:fillRef idx="1">
+        <a:scrgbClr r="0" g="0" b="0"/>
+      </a:fillRef>
+      <a:effectRef idx="0">
+        <a:scrgbClr r="0" g="0" b="0"/>
+      </a:effectRef>
+      <a:fontRef idx="minor"/>
+    </dgm:style>
+  </dgm:styleLbl>
+  <dgm:styleLbl name="fgShp">
+    <dgm:scene3d>
+      <a:camera prst="orthographicFront"/>
+      <a:lightRig rig="threePt" dir="t"/>
+    </dgm:scene3d>
+    <dgm:sp3d/>
+    <dgm:txPr/>
+    <dgm:style>
+      <a:lnRef idx="2">
+        <a:scrgbClr r="0" g="0" b="0"/>
+      </a:lnRef>
+      <a:fillRef idx="1">
+        <a:scrgbClr r="0" g="0" b="0"/>
+      </a:fillRef>
+      <a:effectRef idx="0">
+        <a:scrgbClr r="0" g="0" b="0"/>
+      </a:effectRef>
+      <a:fontRef idx="minor"/>
+    </dgm:style>
+  </dgm:styleLbl>
+  <dgm:styleLbl name="revTx">
+    <dgm:scene3d>
+      <a:camera prst="orthographicFront"/>
+      <a:lightRig rig="threePt" dir="t"/>
+    </dgm:scene3d>
+    <dgm:sp3d/>
+    <dgm:txPr/>
+    <dgm:style>
+      <a:lnRef idx="0">
+        <a:scrgbClr r="0" g="0" b="0"/>
+      </a:lnRef>
+      <a:fillRef idx="0">
+        <a:scrgbClr r="0" g="0" b="0"/>
+      </a:fillRef>
+      <a:effectRef idx="0">
+        <a:scrgbClr r="0" g="0" b="0"/>
+      </a:effectRef>
+      <a:fontRef idx="minor"/>
+    </dgm:style>
+  </dgm:styleLbl>
+</dgm:styleDef>
 </file>
 
 <file path=ppt/slideLayouts/slideLayout1.xml><?xml version="1.0" encoding="utf-8"?>
@@ -3288,6 +9071,14 @@
 <file path=ppt/slides/slide1.xml><?xml version="1.0" encoding="utf-8"?>
 <p:sld xmlns:a="http://schemas.openxmlformats.org/drawingml/2006/main" xmlns:r="http://schemas.openxmlformats.org/officeDocument/2006/relationships" xmlns:p="http://schemas.openxmlformats.org/presentationml/2006/main">
   <p:cSld>
+    <p:bg>
+      <p:bgPr>
+        <a:solidFill>
+          <a:schemeClr val="accent2"/>
+        </a:solidFill>
+        <a:effectLst/>
+      </p:bgPr>
+    </p:bg>
     <p:spTree>
       <p:nvGrpSpPr>
         <p:cNvPr id="1" name=""/>
@@ -3304,6 +9095,71 @@
       </p:grpSpPr>
       <p:sp>
         <p:nvSpPr>
+          <p:cNvPr id="8" name="Rectangle 7">
+            <a:extLst>
+              <a:ext uri="{FF2B5EF4-FFF2-40B4-BE49-F238E27FC236}">
+                <a16:creationId xmlns:a16="http://schemas.microsoft.com/office/drawing/2014/main" id="{87D3A4E0-C908-4EA9-ABDF-E82AD6BDEF9D}"/>
+              </a:ext>
+              <a:ext uri="{C183D7F6-B498-43B3-948B-1728B52AA6E4}">
+                <adec:decorative xmlns:adec="http://schemas.microsoft.com/office/drawing/2017/decorative" val="1"/>
+              </a:ext>
+            </a:extLst>
+          </p:cNvPr>
+          <p:cNvSpPr>
+            <a:spLocks noGrp="1" noRot="1" noChangeAspect="1" noMove="1" noResize="1" noEditPoints="1" noAdjustHandles="1" noChangeArrowheads="1" noChangeShapeType="1" noTextEdit="1"/>
+          </p:cNvSpPr>
+          <p:nvPr>
+            <p:extLst>
+              <p:ext uri="{386F3935-93C4-4BCD-93E2-E3B085C9AB24}">
+                <p16:designElem xmlns:p16="http://schemas.microsoft.com/office/powerpoint/2015/main" val="1"/>
+              </p:ext>
+            </p:extLst>
+          </p:nvPr>
+        </p:nvSpPr>
+        <p:spPr>
+          <a:xfrm>
+            <a:off x="6096000" y="0"/>
+            <a:ext cx="6096000" cy="6858000"/>
+          </a:xfrm>
+          <a:prstGeom prst="rect">
+            <a:avLst/>
+          </a:prstGeom>
+          <a:solidFill>
+            <a:schemeClr val="tx1">
+              <a:lumMod val="95000"/>
+            </a:schemeClr>
+          </a:solidFill>
+          <a:ln>
+            <a:noFill/>
+          </a:ln>
+        </p:spPr>
+        <p:style>
+          <a:lnRef idx="2">
+            <a:schemeClr val="accent1">
+              <a:shade val="50000"/>
+            </a:schemeClr>
+          </a:lnRef>
+          <a:fillRef idx="1">
+            <a:schemeClr val="accent1"/>
+          </a:fillRef>
+          <a:effectRef idx="0">
+            <a:schemeClr val="accent1"/>
+          </a:effectRef>
+          <a:fontRef idx="minor">
+            <a:schemeClr val="lt1"/>
+          </a:fontRef>
+        </p:style>
+        <p:txBody>
+          <a:bodyPr rtlCol="0" anchor="ctr"/>
+          <a:lstStyle/>
+          <a:p>
+            <a:pPr algn="ctr"/>
+            <a:endParaRPr lang="en-US"/>
+          </a:p>
+        </p:txBody>
+      </p:sp>
+      <p:sp>
+        <p:nvSpPr>
           <p:cNvPr id="2" name="Title 1">
             <a:extLst>
               <a:ext uri="{FF2B5EF4-FFF2-40B4-BE49-F238E27FC236}">
@@ -3318,7 +9174,12 @@
             <p:ph type="ctrTitle"/>
           </p:nvPr>
         </p:nvSpPr>
-        <p:spPr/>
+        <p:spPr>
+          <a:xfrm>
+            <a:off x="1600200" y="2363323"/>
+            <a:ext cx="8991600" cy="1692771"/>
+          </a:xfrm>
+        </p:spPr>
         <p:txBody>
           <a:bodyPr>
             <a:normAutofit/>
@@ -3348,20 +9209,45 @@
             <p:ph type="subTitle" idx="1"/>
           </p:nvPr>
         </p:nvSpPr>
-        <p:spPr/>
+        <p:spPr>
+          <a:xfrm>
+            <a:off x="6579220" y="5374888"/>
+            <a:ext cx="3995955" cy="758282"/>
+          </a:xfrm>
+        </p:spPr>
         <p:txBody>
-          <a:bodyPr/>
+          <a:bodyPr>
+            <a:normAutofit/>
+          </a:bodyPr>
           <a:lstStyle/>
           <a:p>
+            <a:pPr algn="r">
+              <a:lnSpc>
+                <a:spcPct val="90000"/>
+              </a:lnSpc>
+            </a:pPr>
             <a:r>
-              <a:rPr lang="en-US" dirty="0"/>
+              <a:rPr lang="en-US" sz="1900">
+                <a:solidFill>
+                  <a:schemeClr val="bg1"/>
+                </a:solidFill>
+              </a:rPr>
               <a:t>Rebecca Frost-Brewer</a:t>
             </a:r>
           </a:p>
           <a:p>
+            <a:pPr algn="r">
+              <a:lnSpc>
+                <a:spcPct val="90000"/>
+              </a:lnSpc>
+            </a:pPr>
             <a:r>
-              <a:rPr lang="en-US" dirty="0"/>
-              <a:t>April 20, 2022</a:t>
+              <a:rPr lang="en-US" sz="1900">
+                <a:solidFill>
+                  <a:schemeClr val="bg1"/>
+                </a:solidFill>
+              </a:rPr>
+              <a:t>April 22, 2022</a:t>
             </a:r>
           </a:p>
         </p:txBody>
@@ -3379,7 +9265,7 @@
 </p:sld>
 </file>
 
-<file path=ppt/slides/slide2.xml><?xml version="1.0" encoding="utf-8"?>
+<file path=ppt/slides/slide10.xml><?xml version="1.0" encoding="utf-8"?>
 <p:sld xmlns:a="http://schemas.openxmlformats.org/drawingml/2006/main" xmlns:r="http://schemas.openxmlformats.org/officeDocument/2006/relationships" xmlns:p="http://schemas.openxmlformats.org/presentationml/2006/main">
   <p:cSld>
     <p:spTree>
@@ -3401,7 +9287,7 @@
           <p:cNvPr id="2" name="Title 1">
             <a:extLst>
               <a:ext uri="{FF2B5EF4-FFF2-40B4-BE49-F238E27FC236}">
-                <a16:creationId xmlns:a16="http://schemas.microsoft.com/office/drawing/2014/main" id="{EF4868DF-75E8-4339-A63E-1DA8A6689E64}"/>
+                <a16:creationId xmlns:a16="http://schemas.microsoft.com/office/drawing/2014/main" id="{2BAA0214-83F9-3E68-C0EE-C6F5ACCDD79A}"/>
               </a:ext>
             </a:extLst>
           </p:cNvPr>
@@ -3419,7 +9305,7 @@
           <a:p>
             <a:r>
               <a:rPr lang="en-US" dirty="0"/>
-              <a:t>Overview</a:t>
+              <a:t>Limitations</a:t>
             </a:r>
           </a:p>
         </p:txBody>
@@ -3429,7 +9315,7 @@
           <p:cNvPr id="3" name="Content Placeholder 2">
             <a:extLst>
               <a:ext uri="{FF2B5EF4-FFF2-40B4-BE49-F238E27FC236}">
-                <a16:creationId xmlns:a16="http://schemas.microsoft.com/office/drawing/2014/main" id="{EF20E721-52C9-4F09-4C05-38CD44413BBE}"/>
+                <a16:creationId xmlns:a16="http://schemas.microsoft.com/office/drawing/2014/main" id="{05B3DDC5-75C2-D5FD-8FC6-0CEFAFC85F8D}"/>
               </a:ext>
             </a:extLst>
           </p:cNvPr>
@@ -3442,36 +9328,29 @@
         </p:nvSpPr>
         <p:spPr/>
         <p:txBody>
-          <a:bodyPr>
-            <a:normAutofit/>
-          </a:bodyPr>
+          <a:bodyPr/>
           <a:lstStyle/>
           <a:p>
-            <a:r>
-              <a:rPr lang="en-US" b="1" dirty="0"/>
-              <a:t>Business Problem</a:t>
-            </a:r>
             <a:r>
               <a:rPr lang="en-US" dirty="0"/>
-              <a:t>: Emerald City Realtors need to provide prospective home sellers with guidance on how to improve the value of their home prior to listing, including the predicted increase in value expected based on improvements to particular features.</a:t>
+              <a:t>In our final model only explains 57.5% of the variance in the data</a:t>
             </a:r>
           </a:p>
           <a:p>
-            <a:r>
-              <a:rPr lang="en-US" b="1" dirty="0"/>
-              <a:t>Business Question</a:t>
-            </a:r>
             <a:r>
               <a:rPr lang="en-US" dirty="0"/>
-              <a:t>: What features of their home can prospective home sellers change or improve to increase the value of their home, and by amount could this increase be specific to certain features?</a:t>
+              <a:t>The Mean Absolute Error (a performance metric) is 106248.25, which means our predicted values may vary from actual values by as much as $106,248.25</a:t>
             </a:r>
+          </a:p>
+          <a:p>
+            <a:endParaRPr lang="en-US" dirty="0"/>
           </a:p>
         </p:txBody>
       </p:sp>
     </p:spTree>
     <p:extLst>
       <p:ext uri="{BB962C8B-B14F-4D97-AF65-F5344CB8AC3E}">
-        <p14:creationId xmlns:p14="http://schemas.microsoft.com/office/powerpoint/2010/main" val="1143071222"/>
+        <p14:creationId xmlns:p14="http://schemas.microsoft.com/office/powerpoint/2010/main" val="663573348"/>
       </p:ext>
     </p:extLst>
   </p:cSld>
@@ -3481,7 +9360,7 @@
 </p:sld>
 </file>
 
-<file path=ppt/slides/slide3.xml><?xml version="1.0" encoding="utf-8"?>
+<file path=ppt/slides/slide11.xml><?xml version="1.0" encoding="utf-8"?>
 <p:sld xmlns:a="http://schemas.openxmlformats.org/drawingml/2006/main" xmlns:r="http://schemas.openxmlformats.org/officeDocument/2006/relationships" xmlns:p="http://schemas.openxmlformats.org/presentationml/2006/main">
   <p:cSld>
     <p:spTree>
@@ -3503,7 +9382,7 @@
           <p:cNvPr id="2" name="Title 1">
             <a:extLst>
               <a:ext uri="{FF2B5EF4-FFF2-40B4-BE49-F238E27FC236}">
-                <a16:creationId xmlns:a16="http://schemas.microsoft.com/office/drawing/2014/main" id="{98236436-D0A4-8384-F6CF-9C8C58F91379}"/>
+                <a16:creationId xmlns:a16="http://schemas.microsoft.com/office/drawing/2014/main" id="{9A300E3D-826D-171C-AA23-7FDC289FB902}"/>
               </a:ext>
             </a:extLst>
           </p:cNvPr>
@@ -3521,6 +9400,675 @@
           <a:p>
             <a:r>
               <a:rPr lang="en-US" dirty="0"/>
+              <a:t>Next Steps</a:t>
+            </a:r>
+          </a:p>
+        </p:txBody>
+      </p:sp>
+      <p:sp>
+        <p:nvSpPr>
+          <p:cNvPr id="3" name="Content Placeholder 2">
+            <a:extLst>
+              <a:ext uri="{FF2B5EF4-FFF2-40B4-BE49-F238E27FC236}">
+                <a16:creationId xmlns:a16="http://schemas.microsoft.com/office/drawing/2014/main" id="{DA28B9C3-EB5D-F433-5F0B-61D400808490}"/>
+              </a:ext>
+            </a:extLst>
+          </p:cNvPr>
+          <p:cNvSpPr>
+            <a:spLocks noGrp="1"/>
+          </p:cNvSpPr>
+          <p:nvPr>
+            <p:ph idx="1"/>
+          </p:nvPr>
+        </p:nvSpPr>
+        <p:spPr/>
+        <p:txBody>
+          <a:bodyPr/>
+          <a:lstStyle/>
+          <a:p>
+            <a:r>
+              <a:rPr lang="en-US" dirty="0"/>
+              <a:t>Collect more recent sales data for more accurate representation of the market</a:t>
+            </a:r>
+          </a:p>
+          <a:p>
+            <a:r>
+              <a:rPr lang="en-US" dirty="0"/>
+              <a:t>Investigate influence of </a:t>
+            </a:r>
+            <a:r>
+              <a:rPr lang="en-US" dirty="0" err="1"/>
+              <a:t>zipcode</a:t>
+            </a:r>
+            <a:r>
+              <a:rPr lang="en-US" dirty="0"/>
+              <a:t> on sale price</a:t>
+            </a:r>
+          </a:p>
+        </p:txBody>
+      </p:sp>
+    </p:spTree>
+    <p:extLst>
+      <p:ext uri="{BB962C8B-B14F-4D97-AF65-F5344CB8AC3E}">
+        <p14:creationId xmlns:p14="http://schemas.microsoft.com/office/powerpoint/2010/main" val="932920777"/>
+      </p:ext>
+    </p:extLst>
+  </p:cSld>
+  <p:clrMapOvr>
+    <a:masterClrMapping/>
+  </p:clrMapOvr>
+</p:sld>
+</file>
+
+<file path=ppt/slides/slide12.xml><?xml version="1.0" encoding="utf-8"?>
+<p:sld xmlns:a="http://schemas.openxmlformats.org/drawingml/2006/main" xmlns:r="http://schemas.openxmlformats.org/officeDocument/2006/relationships" xmlns:p="http://schemas.openxmlformats.org/presentationml/2006/main">
+  <p:cSld>
+    <p:bg>
+      <p:bgPr>
+        <a:solidFill>
+          <a:schemeClr val="accent2"/>
+        </a:solidFill>
+        <a:effectLst/>
+      </p:bgPr>
+    </p:bg>
+    <p:spTree>
+      <p:nvGrpSpPr>
+        <p:cNvPr id="1" name=""/>
+        <p:cNvGrpSpPr/>
+        <p:nvPr/>
+      </p:nvGrpSpPr>
+      <p:grpSpPr>
+        <a:xfrm>
+          <a:off x="0" y="0"/>
+          <a:ext cx="0" cy="0"/>
+          <a:chOff x="0" y="0"/>
+          <a:chExt cx="0" cy="0"/>
+        </a:xfrm>
+      </p:grpSpPr>
+      <p:sp>
+        <p:nvSpPr>
+          <p:cNvPr id="2" name="Title 1">
+            <a:extLst>
+              <a:ext uri="{FF2B5EF4-FFF2-40B4-BE49-F238E27FC236}">
+                <a16:creationId xmlns:a16="http://schemas.microsoft.com/office/drawing/2014/main" id="{21314402-96E4-810B-73F9-4252F4FF1C3C}"/>
+              </a:ext>
+            </a:extLst>
+          </p:cNvPr>
+          <p:cNvSpPr>
+            <a:spLocks noGrp="1"/>
+          </p:cNvSpPr>
+          <p:nvPr>
+            <p:ph type="title"/>
+          </p:nvPr>
+        </p:nvSpPr>
+        <p:spPr>
+          <a:xfrm>
+            <a:off x="829781" y="2708804"/>
+            <a:ext cx="3698803" cy="1440394"/>
+          </a:xfrm>
+          <a:noFill/>
+          <a:ln>
+            <a:solidFill>
+              <a:schemeClr val="tx1"/>
+            </a:solidFill>
+          </a:ln>
+        </p:spPr>
+        <p:txBody>
+          <a:bodyPr>
+            <a:normAutofit/>
+          </a:bodyPr>
+          <a:lstStyle/>
+          <a:p>
+            <a:r>
+              <a:rPr lang="en-US" sz="2400">
+                <a:solidFill>
+                  <a:schemeClr val="tx1"/>
+                </a:solidFill>
+              </a:rPr>
+              <a:t>Thank You</a:t>
+            </a:r>
+          </a:p>
+        </p:txBody>
+      </p:sp>
+      <p:sp>
+        <p:nvSpPr>
+          <p:cNvPr id="8" name="Rectangle 7">
+            <a:extLst>
+              <a:ext uri="{FF2B5EF4-FFF2-40B4-BE49-F238E27FC236}">
+                <a16:creationId xmlns:a16="http://schemas.microsoft.com/office/drawing/2014/main" id="{FB403EBD-907E-4D59-98D4-A72CD1063C62}"/>
+              </a:ext>
+              <a:ext uri="{C183D7F6-B498-43B3-948B-1728B52AA6E4}">
+                <adec:decorative xmlns:adec="http://schemas.microsoft.com/office/drawing/2017/decorative" val="1"/>
+              </a:ext>
+            </a:extLst>
+          </p:cNvPr>
+          <p:cNvSpPr>
+            <a:spLocks noGrp="1" noRot="1" noChangeAspect="1" noMove="1" noResize="1" noEditPoints="1" noAdjustHandles="1" noChangeArrowheads="1" noChangeShapeType="1" noTextEdit="1"/>
+          </p:cNvSpPr>
+          <p:nvPr>
+            <p:extLst>
+              <p:ext uri="{386F3935-93C4-4BCD-93E2-E3B085C9AB24}">
+                <p16:designElem xmlns:p16="http://schemas.microsoft.com/office/powerpoint/2015/main" val="1"/>
+              </p:ext>
+            </p:extLst>
+          </p:nvPr>
+        </p:nvSpPr>
+        <p:spPr>
+          <a:xfrm>
+            <a:off x="5315061" y="-2"/>
+            <a:ext cx="6876939" cy="6858002"/>
+          </a:xfrm>
+          <a:prstGeom prst="rect">
+            <a:avLst/>
+          </a:prstGeom>
+          <a:solidFill>
+            <a:schemeClr val="tx1">
+              <a:lumMod val="95000"/>
+            </a:schemeClr>
+          </a:solidFill>
+          <a:ln>
+            <a:noFill/>
+          </a:ln>
+        </p:spPr>
+        <p:style>
+          <a:lnRef idx="2">
+            <a:schemeClr val="accent1">
+              <a:shade val="50000"/>
+            </a:schemeClr>
+          </a:lnRef>
+          <a:fillRef idx="1">
+            <a:schemeClr val="accent1"/>
+          </a:fillRef>
+          <a:effectRef idx="0">
+            <a:schemeClr val="accent1"/>
+          </a:effectRef>
+          <a:fontRef idx="minor">
+            <a:schemeClr val="lt1"/>
+          </a:fontRef>
+        </p:style>
+        <p:txBody>
+          <a:bodyPr rtlCol="0" anchor="ctr"/>
+          <a:lstStyle/>
+          <a:p>
+            <a:pPr algn="ctr"/>
+            <a:endParaRPr lang="en-US"/>
+          </a:p>
+        </p:txBody>
+      </p:sp>
+      <p:sp>
+        <p:nvSpPr>
+          <p:cNvPr id="3" name="Content Placeholder 2">
+            <a:extLst>
+              <a:ext uri="{FF2B5EF4-FFF2-40B4-BE49-F238E27FC236}">
+                <a16:creationId xmlns:a16="http://schemas.microsoft.com/office/drawing/2014/main" id="{1E2D0281-82AC-130D-1D87-66B7C18434BA}"/>
+              </a:ext>
+            </a:extLst>
+          </p:cNvPr>
+          <p:cNvSpPr>
+            <a:spLocks noGrp="1"/>
+          </p:cNvSpPr>
+          <p:nvPr>
+            <p:ph idx="1"/>
+          </p:nvPr>
+        </p:nvSpPr>
+        <p:spPr>
+          <a:xfrm>
+            <a:off x="6049182" y="802638"/>
+            <a:ext cx="5408696" cy="5252722"/>
+          </a:xfrm>
+        </p:spPr>
+        <p:txBody>
+          <a:bodyPr anchor="ctr">
+            <a:normAutofit/>
+          </a:bodyPr>
+          <a:lstStyle/>
+          <a:p>
+            <a:endParaRPr lang="en-US">
+              <a:solidFill>
+                <a:schemeClr val="bg1"/>
+              </a:solidFill>
+            </a:endParaRPr>
+          </a:p>
+        </p:txBody>
+      </p:sp>
+    </p:spTree>
+    <p:extLst>
+      <p:ext uri="{BB962C8B-B14F-4D97-AF65-F5344CB8AC3E}">
+        <p14:creationId xmlns:p14="http://schemas.microsoft.com/office/powerpoint/2010/main" val="651691808"/>
+      </p:ext>
+    </p:extLst>
+  </p:cSld>
+  <p:clrMapOvr>
+    <a:overrideClrMapping bg1="dk1" tx1="lt1" bg2="dk2" tx2="lt2" accent1="accent1" accent2="accent2" accent3="accent3" accent4="accent4" accent5="accent5" accent6="accent6" hlink="hlink" folHlink="folHlink"/>
+  </p:clrMapOvr>
+</p:sld>
+</file>
+
+<file path=ppt/slides/slide2.xml><?xml version="1.0" encoding="utf-8"?>
+<p:sld xmlns:a="http://schemas.openxmlformats.org/drawingml/2006/main" xmlns:r="http://schemas.openxmlformats.org/officeDocument/2006/relationships" xmlns:p="http://schemas.openxmlformats.org/presentationml/2006/main">
+  <p:cSld>
+    <p:bg>
+      <p:bgPr>
+        <a:solidFill>
+          <a:schemeClr val="bg1"/>
+        </a:solidFill>
+        <a:effectLst/>
+      </p:bgPr>
+    </p:bg>
+    <p:spTree>
+      <p:nvGrpSpPr>
+        <p:cNvPr id="1" name=""/>
+        <p:cNvGrpSpPr/>
+        <p:nvPr/>
+      </p:nvGrpSpPr>
+      <p:grpSpPr>
+        <a:xfrm>
+          <a:off x="0" y="0"/>
+          <a:ext cx="0" cy="0"/>
+          <a:chOff x="0" y="0"/>
+          <a:chExt cx="0" cy="0"/>
+        </a:xfrm>
+      </p:grpSpPr>
+      <p:sp>
+        <p:nvSpPr>
+          <p:cNvPr id="8" name="Rectangle 7">
+            <a:extLst>
+              <a:ext uri="{FF2B5EF4-FFF2-40B4-BE49-F238E27FC236}">
+                <a16:creationId xmlns:a16="http://schemas.microsoft.com/office/drawing/2014/main" id="{2AEFFFF2-9EB4-4B6C-B9F8-2BA3EF89A21C}"/>
+              </a:ext>
+              <a:ext uri="{C183D7F6-B498-43B3-948B-1728B52AA6E4}">
+                <adec:decorative xmlns:adec="http://schemas.microsoft.com/office/drawing/2017/decorative" val="1"/>
+              </a:ext>
+            </a:extLst>
+          </p:cNvPr>
+          <p:cNvSpPr>
+            <a:spLocks noGrp="1" noRot="1" noChangeAspect="1" noMove="1" noResize="1" noEditPoints="1" noAdjustHandles="1" noChangeArrowheads="1" noChangeShapeType="1" noTextEdit="1"/>
+          </p:cNvSpPr>
+          <p:nvPr>
+            <p:extLst>
+              <p:ext uri="{386F3935-93C4-4BCD-93E2-E3B085C9AB24}">
+                <p16:designElem xmlns:p16="http://schemas.microsoft.com/office/powerpoint/2015/main" val="1"/>
+              </p:ext>
+            </p:extLst>
+          </p:nvPr>
+        </p:nvSpPr>
+        <p:spPr>
+          <a:xfrm>
+            <a:off x="1" y="0"/>
+            <a:ext cx="3070172" cy="6858000"/>
+          </a:xfrm>
+          <a:prstGeom prst="rect">
+            <a:avLst/>
+          </a:prstGeom>
+          <a:solidFill>
+            <a:schemeClr val="tx2"/>
+          </a:solidFill>
+          <a:ln>
+            <a:noFill/>
+          </a:ln>
+        </p:spPr>
+        <p:style>
+          <a:lnRef idx="2">
+            <a:schemeClr val="accent1">
+              <a:shade val="50000"/>
+            </a:schemeClr>
+          </a:lnRef>
+          <a:fillRef idx="1">
+            <a:schemeClr val="accent1"/>
+          </a:fillRef>
+          <a:effectRef idx="0">
+            <a:schemeClr val="accent1"/>
+          </a:effectRef>
+          <a:fontRef idx="minor">
+            <a:schemeClr val="lt1"/>
+          </a:fontRef>
+        </p:style>
+        <p:txBody>
+          <a:bodyPr rtlCol="0" anchor="ctr"/>
+          <a:lstStyle/>
+          <a:p>
+            <a:pPr algn="ctr"/>
+            <a:endParaRPr lang="en-US"/>
+          </a:p>
+        </p:txBody>
+      </p:sp>
+      <p:sp useBgFill="1">
+        <p:nvSpPr>
+          <p:cNvPr id="10" name="Rectangle 9">
+            <a:extLst>
+              <a:ext uri="{FF2B5EF4-FFF2-40B4-BE49-F238E27FC236}">
+                <a16:creationId xmlns:a16="http://schemas.microsoft.com/office/drawing/2014/main" id="{0D65299F-028F-4AFC-B46A-8DB33E20FE4A}"/>
+              </a:ext>
+              <a:ext uri="{C183D7F6-B498-43B3-948B-1728B52AA6E4}">
+                <adec:decorative xmlns:adec="http://schemas.microsoft.com/office/drawing/2017/decorative" val="1"/>
+              </a:ext>
+            </a:extLst>
+          </p:cNvPr>
+          <p:cNvSpPr>
+            <a:spLocks noGrp="1" noRot="1" noChangeAspect="1" noMove="1" noResize="1" noEditPoints="1" noAdjustHandles="1" noChangeArrowheads="1" noChangeShapeType="1" noTextEdit="1"/>
+          </p:cNvSpPr>
+          <p:nvPr>
+            <p:extLst>
+              <p:ext uri="{386F3935-93C4-4BCD-93E2-E3B085C9AB24}">
+                <p16:designElem xmlns:p16="http://schemas.microsoft.com/office/powerpoint/2015/main" val="1"/>
+              </p:ext>
+            </p:extLst>
+          </p:nvPr>
+        </p:nvSpPr>
+        <p:spPr>
+          <a:xfrm>
+            <a:off x="3070172" y="0"/>
+            <a:ext cx="9121828" cy="6858000"/>
+          </a:xfrm>
+          <a:prstGeom prst="rect">
+            <a:avLst/>
+          </a:prstGeom>
+          <a:ln>
+            <a:noFill/>
+          </a:ln>
+        </p:spPr>
+        <p:style>
+          <a:lnRef idx="2">
+            <a:schemeClr val="accent1">
+              <a:shade val="50000"/>
+            </a:schemeClr>
+          </a:lnRef>
+          <a:fillRef idx="1">
+            <a:schemeClr val="accent1"/>
+          </a:fillRef>
+          <a:effectRef idx="0">
+            <a:schemeClr val="accent1"/>
+          </a:effectRef>
+          <a:fontRef idx="minor">
+            <a:schemeClr val="lt1"/>
+          </a:fontRef>
+        </p:style>
+        <p:txBody>
+          <a:bodyPr rtlCol="0" anchor="ctr"/>
+          <a:lstStyle/>
+          <a:p>
+            <a:pPr algn="ctr"/>
+            <a:endParaRPr lang="en-US"/>
+          </a:p>
+        </p:txBody>
+      </p:sp>
+      <p:sp>
+        <p:nvSpPr>
+          <p:cNvPr id="12" name="Oval 11">
+            <a:extLst>
+              <a:ext uri="{FF2B5EF4-FFF2-40B4-BE49-F238E27FC236}">
+                <a16:creationId xmlns:a16="http://schemas.microsoft.com/office/drawing/2014/main" id="{BAC87F6E-526A-49B5-995D-42DB656594C9}"/>
+              </a:ext>
+              <a:ext uri="{C183D7F6-B498-43B3-948B-1728B52AA6E4}">
+                <adec:decorative xmlns:adec="http://schemas.microsoft.com/office/drawing/2017/decorative" val="1"/>
+              </a:ext>
+            </a:extLst>
+          </p:cNvPr>
+          <p:cNvSpPr>
+            <a:spLocks noGrp="1" noRot="1" noChangeAspect="1" noMove="1" noResize="1" noEditPoints="1" noAdjustHandles="1" noChangeArrowheads="1" noChangeShapeType="1" noTextEdit="1"/>
+          </p:cNvSpPr>
+          <p:nvPr>
+            <p:extLst>
+              <p:ext uri="{386F3935-93C4-4BCD-93E2-E3B085C9AB24}">
+                <p16:designElem xmlns:p16="http://schemas.microsoft.com/office/powerpoint/2015/main" val="1"/>
+              </p:ext>
+            </p:extLst>
+          </p:nvPr>
+        </p:nvSpPr>
+        <p:spPr>
+          <a:xfrm>
+            <a:off x="1117423" y="1443035"/>
+            <a:ext cx="3971932" cy="3971930"/>
+          </a:xfrm>
+          <a:prstGeom prst="ellipse">
+            <a:avLst/>
+          </a:prstGeom>
+          <a:solidFill>
+            <a:srgbClr val="FFFFFF"/>
+          </a:solidFill>
+          <a:ln w="31750">
+            <a:solidFill>
+              <a:schemeClr val="accent2">
+                <a:lumMod val="75000"/>
+              </a:schemeClr>
+            </a:solidFill>
+          </a:ln>
+        </p:spPr>
+        <p:style>
+          <a:lnRef idx="2">
+            <a:schemeClr val="accent1">
+              <a:shade val="50000"/>
+            </a:schemeClr>
+          </a:lnRef>
+          <a:fillRef idx="1">
+            <a:schemeClr val="accent1"/>
+          </a:fillRef>
+          <a:effectRef idx="0">
+            <a:schemeClr val="accent1"/>
+          </a:effectRef>
+          <a:fontRef idx="minor">
+            <a:schemeClr val="lt1"/>
+          </a:fontRef>
+        </p:style>
+        <p:txBody>
+          <a:bodyPr rtlCol="0" anchor="ctr"/>
+          <a:lstStyle/>
+          <a:p>
+            <a:pPr algn="ctr"/>
+            <a:endParaRPr lang="en-US"/>
+          </a:p>
+        </p:txBody>
+      </p:sp>
+      <p:sp>
+        <p:nvSpPr>
+          <p:cNvPr id="2" name="Title 1">
+            <a:extLst>
+              <a:ext uri="{FF2B5EF4-FFF2-40B4-BE49-F238E27FC236}">
+                <a16:creationId xmlns:a16="http://schemas.microsoft.com/office/drawing/2014/main" id="{EF4868DF-75E8-4339-A63E-1DA8A6689E64}"/>
+              </a:ext>
+            </a:extLst>
+          </p:cNvPr>
+          <p:cNvSpPr>
+            <a:spLocks noGrp="1"/>
+          </p:cNvSpPr>
+          <p:nvPr>
+            <p:ph type="title"/>
+          </p:nvPr>
+        </p:nvSpPr>
+        <p:spPr>
+          <a:xfrm>
+            <a:off x="1260873" y="1586484"/>
+            <a:ext cx="3685032" cy="3685032"/>
+          </a:xfrm>
+          <a:prstGeom prst="ellipse">
+            <a:avLst/>
+          </a:prstGeom>
+          <a:solidFill>
+            <a:schemeClr val="accent2">
+              <a:lumMod val="75000"/>
+            </a:schemeClr>
+          </a:solidFill>
+          <a:ln>
+            <a:noFill/>
+          </a:ln>
+        </p:spPr>
+        <p:txBody>
+          <a:bodyPr>
+            <a:normAutofit/>
+          </a:bodyPr>
+          <a:lstStyle/>
+          <a:p>
+            <a:r>
+              <a:rPr lang="en-US" sz="3000">
+                <a:solidFill>
+                  <a:srgbClr val="FFFFFF"/>
+                </a:solidFill>
+              </a:rPr>
+              <a:t>Overview</a:t>
+            </a:r>
+          </a:p>
+        </p:txBody>
+      </p:sp>
+      <p:sp>
+        <p:nvSpPr>
+          <p:cNvPr id="3" name="Content Placeholder 2">
+            <a:extLst>
+              <a:ext uri="{FF2B5EF4-FFF2-40B4-BE49-F238E27FC236}">
+                <a16:creationId xmlns:a16="http://schemas.microsoft.com/office/drawing/2014/main" id="{EF20E721-52C9-4F09-4C05-38CD44413BBE}"/>
+              </a:ext>
+            </a:extLst>
+          </p:cNvPr>
+          <p:cNvSpPr>
+            <a:spLocks noGrp="1"/>
+          </p:cNvSpPr>
+          <p:nvPr>
+            <p:ph idx="1"/>
+          </p:nvPr>
+        </p:nvSpPr>
+        <p:spPr>
+          <a:xfrm>
+            <a:off x="5591695" y="1402080"/>
+            <a:ext cx="5320696" cy="4053840"/>
+          </a:xfrm>
+        </p:spPr>
+        <p:txBody>
+          <a:bodyPr anchor="ctr">
+            <a:normAutofit/>
+          </a:bodyPr>
+          <a:lstStyle/>
+          <a:p>
+            <a:r>
+              <a:rPr lang="en-US" b="1" dirty="0"/>
+              <a:t>Business Problem</a:t>
+            </a:r>
+            <a:r>
+              <a:rPr lang="en-US" dirty="0"/>
+              <a:t>: Emerald City Realtors need to provide prospective home sellers with guidance on how to improve the value of their home prior to listing, including the predicted increase in value expected based on improvements to features</a:t>
+            </a:r>
+          </a:p>
+          <a:p>
+            <a:r>
+              <a:rPr lang="en-US" b="1" dirty="0"/>
+              <a:t>Business Question</a:t>
+            </a:r>
+            <a:r>
+              <a:rPr lang="en-US" dirty="0"/>
+              <a:t>: What features of their home can prospective home sellers change or improve to increase the value of their home, and by amount could this increase be specific to certain features?</a:t>
+            </a:r>
+          </a:p>
+        </p:txBody>
+      </p:sp>
+    </p:spTree>
+    <p:extLst>
+      <p:ext uri="{BB962C8B-B14F-4D97-AF65-F5344CB8AC3E}">
+        <p14:creationId xmlns:p14="http://schemas.microsoft.com/office/powerpoint/2010/main" val="1143071222"/>
+      </p:ext>
+    </p:extLst>
+  </p:cSld>
+  <p:clrMapOvr>
+    <a:masterClrMapping/>
+  </p:clrMapOvr>
+</p:sld>
+</file>
+
+<file path=ppt/slides/slide3.xml><?xml version="1.0" encoding="utf-8"?>
+<p:sld xmlns:a="http://schemas.openxmlformats.org/drawingml/2006/main" xmlns:r="http://schemas.openxmlformats.org/officeDocument/2006/relationships" xmlns:p="http://schemas.openxmlformats.org/presentationml/2006/main">
+  <p:cSld>
+    <p:bg>
+      <p:bgPr>
+        <a:solidFill>
+          <a:schemeClr val="bg2"/>
+        </a:solidFill>
+        <a:effectLst/>
+      </p:bgPr>
+    </p:bg>
+    <p:spTree>
+      <p:nvGrpSpPr>
+        <p:cNvPr id="1" name=""/>
+        <p:cNvGrpSpPr/>
+        <p:nvPr/>
+      </p:nvGrpSpPr>
+      <p:grpSpPr>
+        <a:xfrm>
+          <a:off x="0" y="0"/>
+          <a:ext cx="0" cy="0"/>
+          <a:chOff x="0" y="0"/>
+          <a:chExt cx="0" cy="0"/>
+        </a:xfrm>
+      </p:grpSpPr>
+      <p:pic>
+        <p:nvPicPr>
+          <p:cNvPr id="9" name="Picture 8" descr="A picture containing city, outdoor, overlooking&#10;&#10;Description automatically generated">
+            <a:extLst>
+              <a:ext uri="{FF2B5EF4-FFF2-40B4-BE49-F238E27FC236}">
+                <a16:creationId xmlns:a16="http://schemas.microsoft.com/office/drawing/2014/main" id="{06BCC7B1-FA22-87C8-D83F-BDCB5E0D8992}"/>
+              </a:ext>
+            </a:extLst>
+          </p:cNvPr>
+          <p:cNvPicPr>
+            <a:picLocks noChangeAspect="1"/>
+          </p:cNvPicPr>
+          <p:nvPr/>
+        </p:nvPicPr>
+        <p:blipFill rotWithShape="1">
+          <a:blip r:embed="rId2"/>
+          <a:srcRect l="28184" r="21594"/>
+          <a:stretch/>
+        </p:blipFill>
+        <p:spPr>
+          <a:xfrm>
+            <a:off x="642" y="10"/>
+            <a:ext cx="6096000" cy="6857990"/>
+          </a:xfrm>
+          <a:prstGeom prst="rect">
+            <a:avLst/>
+          </a:prstGeom>
+        </p:spPr>
+      </p:pic>
+      <p:sp>
+        <p:nvSpPr>
+          <p:cNvPr id="2" name="Title 1">
+            <a:extLst>
+              <a:ext uri="{FF2B5EF4-FFF2-40B4-BE49-F238E27FC236}">
+                <a16:creationId xmlns:a16="http://schemas.microsoft.com/office/drawing/2014/main" id="{98236436-D0A4-8384-F6CF-9C8C58F91379}"/>
+              </a:ext>
+            </a:extLst>
+          </p:cNvPr>
+          <p:cNvSpPr>
+            <a:spLocks noGrp="1"/>
+          </p:cNvSpPr>
+          <p:nvPr>
+            <p:ph type="title"/>
+          </p:nvPr>
+        </p:nvSpPr>
+        <p:spPr>
+          <a:xfrm>
+            <a:off x="804672" y="2841505"/>
+            <a:ext cx="4487298" cy="1174991"/>
+          </a:xfrm>
+          <a:solidFill>
+            <a:schemeClr val="tx1">
+              <a:alpha val="60000"/>
+            </a:schemeClr>
+          </a:solidFill>
+          <a:ln>
+            <a:solidFill>
+              <a:schemeClr val="bg1"/>
+            </a:solidFill>
+          </a:ln>
+        </p:spPr>
+        <p:txBody>
+          <a:bodyPr>
+            <a:normAutofit/>
+          </a:bodyPr>
+          <a:lstStyle/>
+          <a:p>
+            <a:r>
+              <a:rPr lang="en-US" sz="2400">
+                <a:solidFill>
+                  <a:schemeClr val="bg1"/>
+                </a:solidFill>
+              </a:rPr>
               <a:t>Business and Data Understanding</a:t>
             </a:r>
           </a:p>
@@ -3542,9 +10090,16 @@
             <p:ph idx="1"/>
           </p:nvPr>
         </p:nvSpPr>
-        <p:spPr/>
+        <p:spPr>
+          <a:xfrm>
+            <a:off x="6743941" y="976129"/>
+            <a:ext cx="4804931" cy="4919815"/>
+          </a:xfrm>
+        </p:spPr>
         <p:txBody>
-          <a:bodyPr/>
+          <a:bodyPr anchor="ctr">
+            <a:normAutofit/>
+          </a:bodyPr>
           <a:lstStyle/>
           <a:p>
             <a:r>
@@ -3580,6 +10135,622 @@
 </file>
 
 <file path=ppt/slides/slide4.xml><?xml version="1.0" encoding="utf-8"?>
+<p:sld xmlns:a="http://schemas.openxmlformats.org/drawingml/2006/main" xmlns:r="http://schemas.openxmlformats.org/officeDocument/2006/relationships" xmlns:p="http://schemas.openxmlformats.org/presentationml/2006/main">
+  <p:cSld>
+    <p:bg>
+      <p:bgPr>
+        <a:solidFill>
+          <a:schemeClr val="bg2"/>
+        </a:solidFill>
+        <a:effectLst/>
+      </p:bgPr>
+    </p:bg>
+    <p:spTree>
+      <p:nvGrpSpPr>
+        <p:cNvPr id="1" name=""/>
+        <p:cNvGrpSpPr/>
+        <p:nvPr/>
+      </p:nvGrpSpPr>
+      <p:grpSpPr>
+        <a:xfrm>
+          <a:off x="0" y="0"/>
+          <a:ext cx="0" cy="0"/>
+          <a:chOff x="0" y="0"/>
+          <a:chExt cx="0" cy="0"/>
+        </a:xfrm>
+      </p:grpSpPr>
+      <p:sp>
+        <p:nvSpPr>
+          <p:cNvPr id="2" name="Title 1">
+            <a:extLst>
+              <a:ext uri="{FF2B5EF4-FFF2-40B4-BE49-F238E27FC236}">
+                <a16:creationId xmlns:a16="http://schemas.microsoft.com/office/drawing/2014/main" id="{039ADDD7-AED6-76BD-109E-DCD6692D4432}"/>
+              </a:ext>
+            </a:extLst>
+          </p:cNvPr>
+          <p:cNvSpPr>
+            <a:spLocks noGrp="1"/>
+          </p:cNvSpPr>
+          <p:nvPr>
+            <p:ph type="title"/>
+          </p:nvPr>
+        </p:nvSpPr>
+        <p:spPr>
+          <a:xfrm>
+            <a:off x="796009" y="2286000"/>
+            <a:ext cx="2286000" cy="2286000"/>
+          </a:xfrm>
+          <a:prstGeom prst="ellipse">
+            <a:avLst/>
+          </a:prstGeom>
+          <a:solidFill>
+            <a:schemeClr val="accent2"/>
+          </a:solidFill>
+          <a:ln>
+            <a:noFill/>
+          </a:ln>
+        </p:spPr>
+        <p:txBody>
+          <a:bodyPr vert="horz" lIns="182880" tIns="182880" rIns="182880" bIns="182880" rtlCol="0" anchor="ctr">
+            <a:normAutofit/>
+          </a:bodyPr>
+          <a:lstStyle/>
+          <a:p>
+            <a:r>
+              <a:rPr lang="en-US" sz="1400">
+                <a:solidFill>
+                  <a:srgbClr val="FFFFFF"/>
+                </a:solidFill>
+              </a:rPr>
+              <a:t>Exploring the Data</a:t>
+            </a:r>
+          </a:p>
+        </p:txBody>
+      </p:sp>
+      <p:sp>
+        <p:nvSpPr>
+          <p:cNvPr id="19" name="Oval 18">
+            <a:extLst>
+              <a:ext uri="{FF2B5EF4-FFF2-40B4-BE49-F238E27FC236}">
+                <a16:creationId xmlns:a16="http://schemas.microsoft.com/office/drawing/2014/main" id="{E570CDC1-379E-49B1-AA8C-9282EF766881}"/>
+              </a:ext>
+              <a:ext uri="{C183D7F6-B498-43B3-948B-1728B52AA6E4}">
+                <adec:decorative xmlns:adec="http://schemas.microsoft.com/office/drawing/2017/decorative" val="1"/>
+              </a:ext>
+            </a:extLst>
+          </p:cNvPr>
+          <p:cNvSpPr>
+            <a:spLocks noGrp="1" noRot="1" noChangeAspect="1" noMove="1" noResize="1" noEditPoints="1" noAdjustHandles="1" noChangeArrowheads="1" noChangeShapeType="1" noTextEdit="1"/>
+          </p:cNvSpPr>
+          <p:nvPr>
+            <p:extLst>
+              <p:ext uri="{386F3935-93C4-4BCD-93E2-E3B085C9AB24}">
+                <p16:designElem xmlns:p16="http://schemas.microsoft.com/office/powerpoint/2015/main" val="1"/>
+              </p:ext>
+            </p:extLst>
+          </p:nvPr>
+        </p:nvSpPr>
+        <p:spPr>
+          <a:xfrm>
+            <a:off x="631417" y="2121408"/>
+            <a:ext cx="2615184" cy="2615184"/>
+          </a:xfrm>
+          <a:prstGeom prst="ellipse">
+            <a:avLst/>
+          </a:prstGeom>
+          <a:noFill/>
+          <a:ln w="31750">
+            <a:solidFill>
+              <a:schemeClr val="accent2"/>
+            </a:solidFill>
+          </a:ln>
+        </p:spPr>
+        <p:style>
+          <a:lnRef idx="2">
+            <a:schemeClr val="accent1">
+              <a:shade val="50000"/>
+            </a:schemeClr>
+          </a:lnRef>
+          <a:fillRef idx="1">
+            <a:schemeClr val="accent1"/>
+          </a:fillRef>
+          <a:effectRef idx="0">
+            <a:schemeClr val="accent1"/>
+          </a:effectRef>
+          <a:fontRef idx="minor">
+            <a:schemeClr val="lt1"/>
+          </a:fontRef>
+        </p:style>
+        <p:txBody>
+          <a:bodyPr rtlCol="0" anchor="ctr"/>
+          <a:lstStyle/>
+          <a:p>
+            <a:pPr algn="ctr"/>
+            <a:endParaRPr lang="en-US"/>
+          </a:p>
+        </p:txBody>
+      </p:sp>
+      <p:sp>
+        <p:nvSpPr>
+          <p:cNvPr id="21" name="Rectangle 20">
+            <a:extLst>
+              <a:ext uri="{FF2B5EF4-FFF2-40B4-BE49-F238E27FC236}">
+                <a16:creationId xmlns:a16="http://schemas.microsoft.com/office/drawing/2014/main" id="{665B9172-9D8D-4DB0-A4D0-B488C2B787EF}"/>
+              </a:ext>
+              <a:ext uri="{C183D7F6-B498-43B3-948B-1728B52AA6E4}">
+                <adec:decorative xmlns:adec="http://schemas.microsoft.com/office/drawing/2017/decorative" val="1"/>
+              </a:ext>
+            </a:extLst>
+          </p:cNvPr>
+          <p:cNvSpPr>
+            <a:spLocks noGrp="1" noRot="1" noChangeAspect="1" noMove="1" noResize="1" noEditPoints="1" noAdjustHandles="1" noChangeArrowheads="1" noChangeShapeType="1" noTextEdit="1"/>
+          </p:cNvSpPr>
+          <p:nvPr>
+            <p:extLst>
+              <p:ext uri="{386F3935-93C4-4BCD-93E2-E3B085C9AB24}">
+                <p16:designElem xmlns:p16="http://schemas.microsoft.com/office/powerpoint/2015/main" val="1"/>
+              </p:ext>
+            </p:extLst>
+          </p:nvPr>
+        </p:nvSpPr>
+        <p:spPr>
+          <a:xfrm>
+            <a:off x="3878017" y="640080"/>
+            <a:ext cx="7662672" cy="5263134"/>
+          </a:xfrm>
+          <a:prstGeom prst="rect">
+            <a:avLst/>
+          </a:prstGeom>
+          <a:noFill/>
+          <a:ln w="31750" cap="sq">
+            <a:solidFill>
+              <a:srgbClr val="FFFFFF"/>
+            </a:solidFill>
+            <a:miter lim="800000"/>
+          </a:ln>
+        </p:spPr>
+        <p:style>
+          <a:lnRef idx="2">
+            <a:schemeClr val="accent1">
+              <a:shade val="50000"/>
+            </a:schemeClr>
+          </a:lnRef>
+          <a:fillRef idx="1">
+            <a:schemeClr val="accent1"/>
+          </a:fillRef>
+          <a:effectRef idx="0">
+            <a:schemeClr val="accent1"/>
+          </a:effectRef>
+          <a:fontRef idx="minor">
+            <a:schemeClr val="lt1"/>
+          </a:fontRef>
+        </p:style>
+        <p:txBody>
+          <a:bodyPr rtlCol="0" anchor="ctr"/>
+          <a:lstStyle/>
+          <a:p>
+            <a:pPr algn="ctr"/>
+            <a:endParaRPr lang="en-US" dirty="0"/>
+          </a:p>
+        </p:txBody>
+      </p:sp>
+      <p:sp>
+        <p:nvSpPr>
+          <p:cNvPr id="23" name="Rectangle 22">
+            <a:extLst>
+              <a:ext uri="{FF2B5EF4-FFF2-40B4-BE49-F238E27FC236}">
+                <a16:creationId xmlns:a16="http://schemas.microsoft.com/office/drawing/2014/main" id="{DA6F3C10-D0A4-4DF6-8E1B-420A3910FD82}"/>
+              </a:ext>
+              <a:ext uri="{C183D7F6-B498-43B3-948B-1728B52AA6E4}">
+                <adec:decorative xmlns:adec="http://schemas.microsoft.com/office/drawing/2017/decorative" val="1"/>
+              </a:ext>
+            </a:extLst>
+          </p:cNvPr>
+          <p:cNvSpPr>
+            <a:spLocks noGrp="1" noRot="1" noChangeAspect="1" noMove="1" noResize="1" noEditPoints="1" noAdjustHandles="1" noChangeArrowheads="1" noChangeShapeType="1" noTextEdit="1"/>
+          </p:cNvSpPr>
+          <p:nvPr>
+            <p:extLst>
+              <p:ext uri="{386F3935-93C4-4BCD-93E2-E3B085C9AB24}">
+                <p16:designElem xmlns:p16="http://schemas.microsoft.com/office/powerpoint/2015/main" val="1"/>
+              </p:ext>
+            </p:extLst>
+          </p:nvPr>
+        </p:nvSpPr>
+        <p:spPr>
+          <a:xfrm>
+            <a:off x="4047181" y="802767"/>
+            <a:ext cx="7324344" cy="4937760"/>
+          </a:xfrm>
+          <a:prstGeom prst="rect">
+            <a:avLst/>
+          </a:prstGeom>
+          <a:solidFill>
+            <a:srgbClr val="FFFFFF"/>
+          </a:solidFill>
+          <a:ln>
+            <a:noFill/>
+          </a:ln>
+        </p:spPr>
+        <p:style>
+          <a:lnRef idx="2">
+            <a:schemeClr val="accent1">
+              <a:shade val="50000"/>
+            </a:schemeClr>
+          </a:lnRef>
+          <a:fillRef idx="1">
+            <a:schemeClr val="accent1"/>
+          </a:fillRef>
+          <a:effectRef idx="0">
+            <a:schemeClr val="accent1"/>
+          </a:effectRef>
+          <a:fontRef idx="minor">
+            <a:schemeClr val="lt1"/>
+          </a:fontRef>
+        </p:style>
+        <p:txBody>
+          <a:bodyPr rtlCol="0" anchor="ctr"/>
+          <a:lstStyle/>
+          <a:p>
+            <a:pPr algn="ctr"/>
+            <a:endParaRPr lang="en-US"/>
+          </a:p>
+        </p:txBody>
+      </p:sp>
+      <p:pic>
+        <p:nvPicPr>
+          <p:cNvPr id="7" name="Content Placeholder 6" descr="Chart, bar chart&#10;&#10;Description automatically generated">
+            <a:extLst>
+              <a:ext uri="{FF2B5EF4-FFF2-40B4-BE49-F238E27FC236}">
+                <a16:creationId xmlns:a16="http://schemas.microsoft.com/office/drawing/2014/main" id="{41F5DD4A-A750-A8BD-55C5-BC64D678711C}"/>
+              </a:ext>
+            </a:extLst>
+          </p:cNvPr>
+          <p:cNvPicPr>
+            <a:picLocks noGrp="1" noChangeAspect="1"/>
+          </p:cNvPicPr>
+          <p:nvPr>
+            <p:ph idx="1"/>
+          </p:nvPr>
+        </p:nvPicPr>
+        <p:blipFill>
+          <a:blip r:embed="rId2"/>
+          <a:stretch>
+            <a:fillRect/>
+          </a:stretch>
+        </p:blipFill>
+        <p:spPr>
+          <a:xfrm>
+            <a:off x="4639581" y="1122807"/>
+            <a:ext cx="6139545" cy="4297680"/>
+          </a:xfrm>
+          <a:prstGeom prst="rect">
+            <a:avLst/>
+          </a:prstGeom>
+        </p:spPr>
+      </p:pic>
+    </p:spTree>
+    <p:extLst>
+      <p:ext uri="{BB962C8B-B14F-4D97-AF65-F5344CB8AC3E}">
+        <p14:creationId xmlns:p14="http://schemas.microsoft.com/office/powerpoint/2010/main" val="748168021"/>
+      </p:ext>
+    </p:extLst>
+  </p:cSld>
+  <p:clrMapOvr>
+    <a:masterClrMapping/>
+  </p:clrMapOvr>
+</p:sld>
+</file>
+
+<file path=ppt/slides/slide5.xml><?xml version="1.0" encoding="utf-8"?>
+<p:sld xmlns:a="http://schemas.openxmlformats.org/drawingml/2006/main" xmlns:r="http://schemas.openxmlformats.org/officeDocument/2006/relationships" xmlns:p="http://schemas.openxmlformats.org/presentationml/2006/main">
+  <p:cSld>
+    <p:bg>
+      <p:bgPr>
+        <a:solidFill>
+          <a:schemeClr val="bg2"/>
+        </a:solidFill>
+        <a:effectLst/>
+      </p:bgPr>
+    </p:bg>
+    <p:spTree>
+      <p:nvGrpSpPr>
+        <p:cNvPr id="1" name=""/>
+        <p:cNvGrpSpPr/>
+        <p:nvPr/>
+      </p:nvGrpSpPr>
+      <p:grpSpPr>
+        <a:xfrm>
+          <a:off x="0" y="0"/>
+          <a:ext cx="0" cy="0"/>
+          <a:chOff x="0" y="0"/>
+          <a:chExt cx="0" cy="0"/>
+        </a:xfrm>
+      </p:grpSpPr>
+      <p:sp>
+        <p:nvSpPr>
+          <p:cNvPr id="2" name="Title 1">
+            <a:extLst>
+              <a:ext uri="{FF2B5EF4-FFF2-40B4-BE49-F238E27FC236}">
+                <a16:creationId xmlns:a16="http://schemas.microsoft.com/office/drawing/2014/main" id="{5E2513C6-5BB3-3453-6509-81B55A169875}"/>
+              </a:ext>
+            </a:extLst>
+          </p:cNvPr>
+          <p:cNvSpPr>
+            <a:spLocks noGrp="1"/>
+          </p:cNvSpPr>
+          <p:nvPr>
+            <p:ph type="title"/>
+          </p:nvPr>
+        </p:nvSpPr>
+        <p:spPr>
+          <a:xfrm>
+            <a:off x="796009" y="2286000"/>
+            <a:ext cx="2286000" cy="2286000"/>
+          </a:xfrm>
+          <a:prstGeom prst="ellipse">
+            <a:avLst/>
+          </a:prstGeom>
+          <a:solidFill>
+            <a:schemeClr val="accent2"/>
+          </a:solidFill>
+          <a:ln>
+            <a:noFill/>
+          </a:ln>
+        </p:spPr>
+        <p:txBody>
+          <a:bodyPr vert="horz" lIns="182880" tIns="182880" rIns="182880" bIns="182880" rtlCol="0" anchor="ctr">
+            <a:normAutofit/>
+          </a:bodyPr>
+          <a:lstStyle/>
+          <a:p>
+            <a:r>
+              <a:rPr lang="en-US" sz="1400">
+                <a:solidFill>
+                  <a:srgbClr val="FFFFFF"/>
+                </a:solidFill>
+              </a:rPr>
+              <a:t>Exploring the Data</a:t>
+            </a:r>
+          </a:p>
+        </p:txBody>
+      </p:sp>
+      <p:sp>
+        <p:nvSpPr>
+          <p:cNvPr id="18" name="Oval 17">
+            <a:extLst>
+              <a:ext uri="{FF2B5EF4-FFF2-40B4-BE49-F238E27FC236}">
+                <a16:creationId xmlns:a16="http://schemas.microsoft.com/office/drawing/2014/main" id="{E570CDC1-379E-49B1-AA8C-9282EF766881}"/>
+              </a:ext>
+              <a:ext uri="{C183D7F6-B498-43B3-948B-1728B52AA6E4}">
+                <adec:decorative xmlns:adec="http://schemas.microsoft.com/office/drawing/2017/decorative" val="1"/>
+              </a:ext>
+            </a:extLst>
+          </p:cNvPr>
+          <p:cNvSpPr>
+            <a:spLocks noGrp="1" noRot="1" noChangeAspect="1" noMove="1" noResize="1" noEditPoints="1" noAdjustHandles="1" noChangeArrowheads="1" noChangeShapeType="1" noTextEdit="1"/>
+          </p:cNvSpPr>
+          <p:nvPr>
+            <p:extLst>
+              <p:ext uri="{386F3935-93C4-4BCD-93E2-E3B085C9AB24}">
+                <p16:designElem xmlns:p16="http://schemas.microsoft.com/office/powerpoint/2015/main" val="1"/>
+              </p:ext>
+            </p:extLst>
+          </p:nvPr>
+        </p:nvSpPr>
+        <p:spPr>
+          <a:xfrm>
+            <a:off x="631417" y="2121408"/>
+            <a:ext cx="2615184" cy="2615184"/>
+          </a:xfrm>
+          <a:prstGeom prst="ellipse">
+            <a:avLst/>
+          </a:prstGeom>
+          <a:noFill/>
+          <a:ln w="31750">
+            <a:solidFill>
+              <a:schemeClr val="accent2"/>
+            </a:solidFill>
+          </a:ln>
+        </p:spPr>
+        <p:style>
+          <a:lnRef idx="2">
+            <a:schemeClr val="accent1">
+              <a:shade val="50000"/>
+            </a:schemeClr>
+          </a:lnRef>
+          <a:fillRef idx="1">
+            <a:schemeClr val="accent1"/>
+          </a:fillRef>
+          <a:effectRef idx="0">
+            <a:schemeClr val="accent1"/>
+          </a:effectRef>
+          <a:fontRef idx="minor">
+            <a:schemeClr val="lt1"/>
+          </a:fontRef>
+        </p:style>
+        <p:txBody>
+          <a:bodyPr rtlCol="0" anchor="ctr"/>
+          <a:lstStyle/>
+          <a:p>
+            <a:pPr algn="ctr"/>
+            <a:endParaRPr lang="en-US"/>
+          </a:p>
+        </p:txBody>
+      </p:sp>
+      <p:sp>
+        <p:nvSpPr>
+          <p:cNvPr id="20" name="Rectangle 19">
+            <a:extLst>
+              <a:ext uri="{FF2B5EF4-FFF2-40B4-BE49-F238E27FC236}">
+                <a16:creationId xmlns:a16="http://schemas.microsoft.com/office/drawing/2014/main" id="{665B9172-9D8D-4DB0-A4D0-B488C2B787EF}"/>
+              </a:ext>
+              <a:ext uri="{C183D7F6-B498-43B3-948B-1728B52AA6E4}">
+                <adec:decorative xmlns:adec="http://schemas.microsoft.com/office/drawing/2017/decorative" val="1"/>
+              </a:ext>
+            </a:extLst>
+          </p:cNvPr>
+          <p:cNvSpPr>
+            <a:spLocks noGrp="1" noRot="1" noChangeAspect="1" noMove="1" noResize="1" noEditPoints="1" noAdjustHandles="1" noChangeArrowheads="1" noChangeShapeType="1" noTextEdit="1"/>
+          </p:cNvSpPr>
+          <p:nvPr>
+            <p:extLst>
+              <p:ext uri="{386F3935-93C4-4BCD-93E2-E3B085C9AB24}">
+                <p16:designElem xmlns:p16="http://schemas.microsoft.com/office/powerpoint/2015/main" val="1"/>
+              </p:ext>
+            </p:extLst>
+          </p:nvPr>
+        </p:nvSpPr>
+        <p:spPr>
+          <a:xfrm>
+            <a:off x="3878017" y="640080"/>
+            <a:ext cx="7662672" cy="5263134"/>
+          </a:xfrm>
+          <a:prstGeom prst="rect">
+            <a:avLst/>
+          </a:prstGeom>
+          <a:noFill/>
+          <a:ln w="31750" cap="sq">
+            <a:solidFill>
+              <a:srgbClr val="FFFFFF"/>
+            </a:solidFill>
+            <a:miter lim="800000"/>
+          </a:ln>
+        </p:spPr>
+        <p:style>
+          <a:lnRef idx="2">
+            <a:schemeClr val="accent1">
+              <a:shade val="50000"/>
+            </a:schemeClr>
+          </a:lnRef>
+          <a:fillRef idx="1">
+            <a:schemeClr val="accent1"/>
+          </a:fillRef>
+          <a:effectRef idx="0">
+            <a:schemeClr val="accent1"/>
+          </a:effectRef>
+          <a:fontRef idx="minor">
+            <a:schemeClr val="lt1"/>
+          </a:fontRef>
+        </p:style>
+        <p:txBody>
+          <a:bodyPr rtlCol="0" anchor="ctr"/>
+          <a:lstStyle/>
+          <a:p>
+            <a:pPr algn="ctr"/>
+            <a:endParaRPr lang="en-US" dirty="0"/>
+          </a:p>
+        </p:txBody>
+      </p:sp>
+      <p:sp>
+        <p:nvSpPr>
+          <p:cNvPr id="22" name="Rectangle 21">
+            <a:extLst>
+              <a:ext uri="{FF2B5EF4-FFF2-40B4-BE49-F238E27FC236}">
+                <a16:creationId xmlns:a16="http://schemas.microsoft.com/office/drawing/2014/main" id="{DA6F3C10-D0A4-4DF6-8E1B-420A3910FD82}"/>
+              </a:ext>
+              <a:ext uri="{C183D7F6-B498-43B3-948B-1728B52AA6E4}">
+                <adec:decorative xmlns:adec="http://schemas.microsoft.com/office/drawing/2017/decorative" val="1"/>
+              </a:ext>
+            </a:extLst>
+          </p:cNvPr>
+          <p:cNvSpPr>
+            <a:spLocks noGrp="1" noRot="1" noChangeAspect="1" noMove="1" noResize="1" noEditPoints="1" noAdjustHandles="1" noChangeArrowheads="1" noChangeShapeType="1" noTextEdit="1"/>
+          </p:cNvSpPr>
+          <p:nvPr>
+            <p:extLst>
+              <p:ext uri="{386F3935-93C4-4BCD-93E2-E3B085C9AB24}">
+                <p16:designElem xmlns:p16="http://schemas.microsoft.com/office/powerpoint/2015/main" val="1"/>
+              </p:ext>
+            </p:extLst>
+          </p:nvPr>
+        </p:nvSpPr>
+        <p:spPr>
+          <a:xfrm>
+            <a:off x="4047181" y="802767"/>
+            <a:ext cx="7324344" cy="4937760"/>
+          </a:xfrm>
+          <a:prstGeom prst="rect">
+            <a:avLst/>
+          </a:prstGeom>
+          <a:solidFill>
+            <a:srgbClr val="FFFFFF"/>
+          </a:solidFill>
+          <a:ln>
+            <a:noFill/>
+          </a:ln>
+        </p:spPr>
+        <p:style>
+          <a:lnRef idx="2">
+            <a:schemeClr val="accent1">
+              <a:shade val="50000"/>
+            </a:schemeClr>
+          </a:lnRef>
+          <a:fillRef idx="1">
+            <a:schemeClr val="accent1"/>
+          </a:fillRef>
+          <a:effectRef idx="0">
+            <a:schemeClr val="accent1"/>
+          </a:effectRef>
+          <a:fontRef idx="minor">
+            <a:schemeClr val="lt1"/>
+          </a:fontRef>
+        </p:style>
+        <p:txBody>
+          <a:bodyPr rtlCol="0" anchor="ctr"/>
+          <a:lstStyle/>
+          <a:p>
+            <a:pPr algn="ctr"/>
+            <a:endParaRPr lang="en-US"/>
+          </a:p>
+        </p:txBody>
+      </p:sp>
+      <p:pic>
+        <p:nvPicPr>
+          <p:cNvPr id="8" name="Content Placeholder 7" descr="Chart, bar chart&#10;&#10;Description automatically generated">
+            <a:extLst>
+              <a:ext uri="{FF2B5EF4-FFF2-40B4-BE49-F238E27FC236}">
+                <a16:creationId xmlns:a16="http://schemas.microsoft.com/office/drawing/2014/main" id="{A813550D-E991-44F8-A55B-1B40921B5276}"/>
+              </a:ext>
+            </a:extLst>
+          </p:cNvPr>
+          <p:cNvPicPr>
+            <a:picLocks noGrp="1" noChangeAspect="1"/>
+          </p:cNvPicPr>
+          <p:nvPr>
+            <p:ph idx="1"/>
+          </p:nvPr>
+        </p:nvPicPr>
+        <p:blipFill>
+          <a:blip r:embed="rId2"/>
+          <a:stretch>
+            <a:fillRect/>
+          </a:stretch>
+        </p:blipFill>
+        <p:spPr>
+          <a:xfrm>
+            <a:off x="4583768" y="1122807"/>
+            <a:ext cx="6251171" cy="4297680"/>
+          </a:xfrm>
+          <a:prstGeom prst="rect">
+            <a:avLst/>
+          </a:prstGeom>
+        </p:spPr>
+      </p:pic>
+    </p:spTree>
+    <p:extLst>
+      <p:ext uri="{BB962C8B-B14F-4D97-AF65-F5344CB8AC3E}">
+        <p14:creationId xmlns:p14="http://schemas.microsoft.com/office/powerpoint/2010/main" val="4261667443"/>
+      </p:ext>
+    </p:extLst>
+  </p:cSld>
+  <p:clrMapOvr>
+    <a:masterClrMapping/>
+  </p:clrMapOvr>
+</p:sld>
+</file>
+
+<file path=ppt/slides/slide6.xml><?xml version="1.0" encoding="utf-8"?>
 <p:sld xmlns:a="http://schemas.openxmlformats.org/drawingml/2006/main" xmlns:r="http://schemas.openxmlformats.org/officeDocument/2006/relationships" xmlns:p="http://schemas.openxmlformats.org/presentationml/2006/main">
   <p:cSld>
     <p:spTree>
@@ -3624,53 +10795,32 @@
           </a:p>
         </p:txBody>
       </p:sp>
-      <p:sp>
-        <p:nvSpPr>
-          <p:cNvPr id="3" name="Content Placeholder 2">
+      <p:graphicFrame>
+        <p:nvGraphicFramePr>
+          <p:cNvPr id="7" name="Content Placeholder 2">
             <a:extLst>
               <a:ext uri="{FF2B5EF4-FFF2-40B4-BE49-F238E27FC236}">
-                <a16:creationId xmlns:a16="http://schemas.microsoft.com/office/drawing/2014/main" id="{EEB8DDC8-1C30-0AB5-6675-0AD9C14D2869}"/>
+                <a16:creationId xmlns:a16="http://schemas.microsoft.com/office/drawing/2014/main" id="{7D98F198-680C-CD9C-7440-103A741B76D5}"/>
               </a:ext>
             </a:extLst>
           </p:cNvPr>
-          <p:cNvSpPr>
-            <a:spLocks noGrp="1"/>
-          </p:cNvSpPr>
+          <p:cNvGraphicFramePr>
+            <a:graphicFrameLocks noGrp="1"/>
+          </p:cNvGraphicFramePr>
           <p:nvPr>
             <p:ph idx="1"/>
           </p:nvPr>
-        </p:nvSpPr>
-        <p:spPr/>
-        <p:txBody>
-          <a:bodyPr/>
-          <a:lstStyle/>
-          <a:p>
-            <a:r>
-              <a:rPr lang="en-US" dirty="0"/>
-              <a:t>Linear regression allows us to convey a linear relationship – such that we can observe a one unit increase in X results in a one unit increase in Y</a:t>
-            </a:r>
-          </a:p>
-          <a:p>
-            <a:r>
-              <a:rPr lang="en-US" dirty="0"/>
-              <a:t>In this business case, using regression models allows for us to determine how sale price is impacted by different features and to what degree</a:t>
-            </a:r>
-          </a:p>
-          <a:p>
-            <a:r>
-              <a:rPr lang="en-US" dirty="0"/>
-              <a:t>Building complex models with multiple features allows for us to be able to make more accurate, data-driven predictions</a:t>
-            </a:r>
-          </a:p>
-          <a:p>
-            <a:pPr marL="342900" indent="-342900">
-              <a:buFont typeface="+mj-lt"/>
-              <a:buAutoNum type="arabicPeriod"/>
-            </a:pPr>
-            <a:endParaRPr lang="en-US" dirty="0"/>
-          </a:p>
-        </p:txBody>
-      </p:sp>
+        </p:nvGraphicFramePr>
+        <p:xfrm>
+          <a:off x="2231136" y="2638044"/>
+          <a:ext cx="7729728" cy="3101983"/>
+        </p:xfrm>
+        <a:graphic>
+          <a:graphicData uri="http://schemas.openxmlformats.org/drawingml/2006/diagram">
+            <dgm:relIds xmlns:dgm="http://schemas.openxmlformats.org/drawingml/2006/diagram" xmlns:r="http://schemas.openxmlformats.org/officeDocument/2006/relationships" r:dm="rId2" r:lo="rId3" r:qs="rId4" r:cs="rId5"/>
+          </a:graphicData>
+        </a:graphic>
+      </p:graphicFrame>
     </p:spTree>
     <p:extLst>
       <p:ext uri="{BB962C8B-B14F-4D97-AF65-F5344CB8AC3E}">
@@ -3684,9 +10834,17 @@
 </p:sld>
 </file>
 
-<file path=ppt/slides/slide5.xml><?xml version="1.0" encoding="utf-8"?>
+<file path=ppt/slides/slide7.xml><?xml version="1.0" encoding="utf-8"?>
 <p:sld xmlns:a="http://schemas.openxmlformats.org/drawingml/2006/main" xmlns:r="http://schemas.openxmlformats.org/officeDocument/2006/relationships" xmlns:p="http://schemas.openxmlformats.org/presentationml/2006/main">
   <p:cSld>
+    <p:bg>
+      <p:bgPr>
+        <a:solidFill>
+          <a:schemeClr val="bg2"/>
+        </a:solidFill>
+        <a:effectLst/>
+      </p:bgPr>
+    </p:bg>
     <p:spTree>
       <p:nvGrpSpPr>
         <p:cNvPr id="1" name=""/>
@@ -3706,6 +10864,506 @@
           <p:cNvPr id="2" name="Title 1">
             <a:extLst>
               <a:ext uri="{FF2B5EF4-FFF2-40B4-BE49-F238E27FC236}">
+                <a16:creationId xmlns:a16="http://schemas.microsoft.com/office/drawing/2014/main" id="{F5F17026-D899-D69B-55D6-EADC93D103EC}"/>
+              </a:ext>
+            </a:extLst>
+          </p:cNvPr>
+          <p:cNvSpPr>
+            <a:spLocks noGrp="1"/>
+          </p:cNvSpPr>
+          <p:nvPr>
+            <p:ph type="title"/>
+          </p:nvPr>
+        </p:nvSpPr>
+        <p:spPr>
+          <a:xfrm>
+            <a:off x="796009" y="2286000"/>
+            <a:ext cx="2286000" cy="2286000"/>
+          </a:xfrm>
+          <a:prstGeom prst="ellipse">
+            <a:avLst/>
+          </a:prstGeom>
+          <a:solidFill>
+            <a:schemeClr val="accent2"/>
+          </a:solidFill>
+          <a:ln>
+            <a:noFill/>
+          </a:ln>
+        </p:spPr>
+        <p:txBody>
+          <a:bodyPr vert="horz" lIns="182880" tIns="182880" rIns="182880" bIns="182880" rtlCol="0" anchor="ctr">
+            <a:normAutofit/>
+          </a:bodyPr>
+          <a:lstStyle/>
+          <a:p>
+            <a:r>
+              <a:rPr lang="en-US" sz="2000">
+                <a:solidFill>
+                  <a:srgbClr val="FFFFFF"/>
+                </a:solidFill>
+              </a:rPr>
+              <a:t>For Example</a:t>
+            </a:r>
+          </a:p>
+        </p:txBody>
+      </p:sp>
+      <p:sp>
+        <p:nvSpPr>
+          <p:cNvPr id="10" name="Oval 9">
+            <a:extLst>
+              <a:ext uri="{FF2B5EF4-FFF2-40B4-BE49-F238E27FC236}">
+                <a16:creationId xmlns:a16="http://schemas.microsoft.com/office/drawing/2014/main" id="{E570CDC1-379E-49B1-AA8C-9282EF766881}"/>
+              </a:ext>
+              <a:ext uri="{C183D7F6-B498-43B3-948B-1728B52AA6E4}">
+                <adec:decorative xmlns:adec="http://schemas.microsoft.com/office/drawing/2017/decorative" val="1"/>
+              </a:ext>
+            </a:extLst>
+          </p:cNvPr>
+          <p:cNvSpPr>
+            <a:spLocks noGrp="1" noRot="1" noChangeAspect="1" noMove="1" noResize="1" noEditPoints="1" noAdjustHandles="1" noChangeArrowheads="1" noChangeShapeType="1" noTextEdit="1"/>
+          </p:cNvSpPr>
+          <p:nvPr>
+            <p:extLst>
+              <p:ext uri="{386F3935-93C4-4BCD-93E2-E3B085C9AB24}">
+                <p16:designElem xmlns:p16="http://schemas.microsoft.com/office/powerpoint/2015/main" val="1"/>
+              </p:ext>
+            </p:extLst>
+          </p:nvPr>
+        </p:nvSpPr>
+        <p:spPr>
+          <a:xfrm>
+            <a:off x="631417" y="2121408"/>
+            <a:ext cx="2615184" cy="2615184"/>
+          </a:xfrm>
+          <a:prstGeom prst="ellipse">
+            <a:avLst/>
+          </a:prstGeom>
+          <a:noFill/>
+          <a:ln w="31750">
+            <a:solidFill>
+              <a:schemeClr val="accent2"/>
+            </a:solidFill>
+          </a:ln>
+        </p:spPr>
+        <p:style>
+          <a:lnRef idx="2">
+            <a:schemeClr val="accent1">
+              <a:shade val="50000"/>
+            </a:schemeClr>
+          </a:lnRef>
+          <a:fillRef idx="1">
+            <a:schemeClr val="accent1"/>
+          </a:fillRef>
+          <a:effectRef idx="0">
+            <a:schemeClr val="accent1"/>
+          </a:effectRef>
+          <a:fontRef idx="minor">
+            <a:schemeClr val="lt1"/>
+          </a:fontRef>
+        </p:style>
+        <p:txBody>
+          <a:bodyPr rtlCol="0" anchor="ctr"/>
+          <a:lstStyle/>
+          <a:p>
+            <a:pPr algn="ctr"/>
+            <a:endParaRPr lang="en-US"/>
+          </a:p>
+        </p:txBody>
+      </p:sp>
+      <p:sp>
+        <p:nvSpPr>
+          <p:cNvPr id="12" name="Rectangle 11">
+            <a:extLst>
+              <a:ext uri="{FF2B5EF4-FFF2-40B4-BE49-F238E27FC236}">
+                <a16:creationId xmlns:a16="http://schemas.microsoft.com/office/drawing/2014/main" id="{665B9172-9D8D-4DB0-A4D0-B488C2B787EF}"/>
+              </a:ext>
+              <a:ext uri="{C183D7F6-B498-43B3-948B-1728B52AA6E4}">
+                <adec:decorative xmlns:adec="http://schemas.microsoft.com/office/drawing/2017/decorative" val="1"/>
+              </a:ext>
+            </a:extLst>
+          </p:cNvPr>
+          <p:cNvSpPr>
+            <a:spLocks noGrp="1" noRot="1" noChangeAspect="1" noMove="1" noResize="1" noEditPoints="1" noAdjustHandles="1" noChangeArrowheads="1" noChangeShapeType="1" noTextEdit="1"/>
+          </p:cNvSpPr>
+          <p:nvPr>
+            <p:extLst>
+              <p:ext uri="{386F3935-93C4-4BCD-93E2-E3B085C9AB24}">
+                <p16:designElem xmlns:p16="http://schemas.microsoft.com/office/powerpoint/2015/main" val="1"/>
+              </p:ext>
+            </p:extLst>
+          </p:nvPr>
+        </p:nvSpPr>
+        <p:spPr>
+          <a:xfrm>
+            <a:off x="3878017" y="640080"/>
+            <a:ext cx="7662672" cy="5263134"/>
+          </a:xfrm>
+          <a:prstGeom prst="rect">
+            <a:avLst/>
+          </a:prstGeom>
+          <a:noFill/>
+          <a:ln w="31750" cap="sq">
+            <a:solidFill>
+              <a:srgbClr val="FFFFFF"/>
+            </a:solidFill>
+            <a:miter lim="800000"/>
+          </a:ln>
+        </p:spPr>
+        <p:style>
+          <a:lnRef idx="2">
+            <a:schemeClr val="accent1">
+              <a:shade val="50000"/>
+            </a:schemeClr>
+          </a:lnRef>
+          <a:fillRef idx="1">
+            <a:schemeClr val="accent1"/>
+          </a:fillRef>
+          <a:effectRef idx="0">
+            <a:schemeClr val="accent1"/>
+          </a:effectRef>
+          <a:fontRef idx="minor">
+            <a:schemeClr val="lt1"/>
+          </a:fontRef>
+        </p:style>
+        <p:txBody>
+          <a:bodyPr rtlCol="0" anchor="ctr"/>
+          <a:lstStyle/>
+          <a:p>
+            <a:pPr algn="ctr"/>
+            <a:endParaRPr lang="en-US" dirty="0"/>
+          </a:p>
+        </p:txBody>
+      </p:sp>
+      <p:sp>
+        <p:nvSpPr>
+          <p:cNvPr id="14" name="Rectangle 13">
+            <a:extLst>
+              <a:ext uri="{FF2B5EF4-FFF2-40B4-BE49-F238E27FC236}">
+                <a16:creationId xmlns:a16="http://schemas.microsoft.com/office/drawing/2014/main" id="{DA6F3C10-D0A4-4DF6-8E1B-420A3910FD82}"/>
+              </a:ext>
+              <a:ext uri="{C183D7F6-B498-43B3-948B-1728B52AA6E4}">
+                <adec:decorative xmlns:adec="http://schemas.microsoft.com/office/drawing/2017/decorative" val="1"/>
+              </a:ext>
+            </a:extLst>
+          </p:cNvPr>
+          <p:cNvSpPr>
+            <a:spLocks noGrp="1" noRot="1" noChangeAspect="1" noMove="1" noResize="1" noEditPoints="1" noAdjustHandles="1" noChangeArrowheads="1" noChangeShapeType="1" noTextEdit="1"/>
+          </p:cNvSpPr>
+          <p:nvPr>
+            <p:extLst>
+              <p:ext uri="{386F3935-93C4-4BCD-93E2-E3B085C9AB24}">
+                <p16:designElem xmlns:p16="http://schemas.microsoft.com/office/powerpoint/2015/main" val="1"/>
+              </p:ext>
+            </p:extLst>
+          </p:nvPr>
+        </p:nvSpPr>
+        <p:spPr>
+          <a:xfrm>
+            <a:off x="4047181" y="802767"/>
+            <a:ext cx="7324344" cy="4937760"/>
+          </a:xfrm>
+          <a:prstGeom prst="rect">
+            <a:avLst/>
+          </a:prstGeom>
+          <a:solidFill>
+            <a:srgbClr val="FFFFFF"/>
+          </a:solidFill>
+          <a:ln>
+            <a:noFill/>
+          </a:ln>
+        </p:spPr>
+        <p:style>
+          <a:lnRef idx="2">
+            <a:schemeClr val="accent1">
+              <a:shade val="50000"/>
+            </a:schemeClr>
+          </a:lnRef>
+          <a:fillRef idx="1">
+            <a:schemeClr val="accent1"/>
+          </a:fillRef>
+          <a:effectRef idx="0">
+            <a:schemeClr val="accent1"/>
+          </a:effectRef>
+          <a:fontRef idx="minor">
+            <a:schemeClr val="lt1"/>
+          </a:fontRef>
+        </p:style>
+        <p:txBody>
+          <a:bodyPr rtlCol="0" anchor="ctr"/>
+          <a:lstStyle/>
+          <a:p>
+            <a:pPr algn="ctr"/>
+            <a:endParaRPr lang="en-US"/>
+          </a:p>
+        </p:txBody>
+      </p:sp>
+      <p:pic>
+        <p:nvPicPr>
+          <p:cNvPr id="5" name="Content Placeholder 4" descr="Chart, scatter chart&#10;&#10;Description automatically generated">
+            <a:extLst>
+              <a:ext uri="{FF2B5EF4-FFF2-40B4-BE49-F238E27FC236}">
+                <a16:creationId xmlns:a16="http://schemas.microsoft.com/office/drawing/2014/main" id="{7962A788-B4F4-E625-8F30-19407CEFEF06}"/>
+              </a:ext>
+            </a:extLst>
+          </p:cNvPr>
+          <p:cNvPicPr>
+            <a:picLocks noGrp="1" noChangeAspect="1"/>
+          </p:cNvPicPr>
+          <p:nvPr>
+            <p:ph idx="1"/>
+          </p:nvPr>
+        </p:nvPicPr>
+        <p:blipFill>
+          <a:blip r:embed="rId2"/>
+          <a:stretch>
+            <a:fillRect/>
+          </a:stretch>
+        </p:blipFill>
+        <p:spPr>
+          <a:xfrm>
+            <a:off x="4765736" y="1122807"/>
+            <a:ext cx="5887234" cy="4297680"/>
+          </a:xfrm>
+          <a:prstGeom prst="rect">
+            <a:avLst/>
+          </a:prstGeom>
+        </p:spPr>
+      </p:pic>
+    </p:spTree>
+    <p:extLst>
+      <p:ext uri="{BB962C8B-B14F-4D97-AF65-F5344CB8AC3E}">
+        <p14:creationId xmlns:p14="http://schemas.microsoft.com/office/powerpoint/2010/main" val="1571513350"/>
+      </p:ext>
+    </p:extLst>
+  </p:cSld>
+  <p:clrMapOvr>
+    <a:masterClrMapping/>
+  </p:clrMapOvr>
+</p:sld>
+</file>
+
+<file path=ppt/slides/slide8.xml><?xml version="1.0" encoding="utf-8"?>
+<p:sld xmlns:a="http://schemas.openxmlformats.org/drawingml/2006/main" xmlns:r="http://schemas.openxmlformats.org/officeDocument/2006/relationships" xmlns:p="http://schemas.openxmlformats.org/presentationml/2006/main">
+  <p:cSld>
+    <p:bg>
+      <p:bgPr>
+        <a:solidFill>
+          <a:schemeClr val="bg2"/>
+        </a:solidFill>
+        <a:effectLst/>
+      </p:bgPr>
+    </p:bg>
+    <p:spTree>
+      <p:nvGrpSpPr>
+        <p:cNvPr id="1" name=""/>
+        <p:cNvGrpSpPr/>
+        <p:nvPr/>
+      </p:nvGrpSpPr>
+      <p:grpSpPr>
+        <a:xfrm>
+          <a:off x="0" y="0"/>
+          <a:ext cx="0" cy="0"/>
+          <a:chOff x="0" y="0"/>
+          <a:chExt cx="0" cy="0"/>
+        </a:xfrm>
+      </p:grpSpPr>
+      <p:sp>
+        <p:nvSpPr>
+          <p:cNvPr id="18" name="Rectangle 17">
+            <a:extLst>
+              <a:ext uri="{FF2B5EF4-FFF2-40B4-BE49-F238E27FC236}">
+                <a16:creationId xmlns:a16="http://schemas.microsoft.com/office/drawing/2014/main" id="{23530FE0-C542-45A1-BCD8-935787009C64}"/>
+              </a:ext>
+              <a:ext uri="{C183D7F6-B498-43B3-948B-1728B52AA6E4}">
+                <adec:decorative xmlns:adec="http://schemas.microsoft.com/office/drawing/2017/decorative" val="1"/>
+              </a:ext>
+            </a:extLst>
+          </p:cNvPr>
+          <p:cNvSpPr>
+            <a:spLocks noGrp="1" noRot="1" noChangeAspect="1" noMove="1" noResize="1" noEditPoints="1" noAdjustHandles="1" noChangeArrowheads="1" noChangeShapeType="1" noTextEdit="1"/>
+          </p:cNvSpPr>
+          <p:nvPr>
+            <p:extLst>
+              <p:ext uri="{386F3935-93C4-4BCD-93E2-E3B085C9AB24}">
+                <p16:designElem xmlns:p16="http://schemas.microsoft.com/office/powerpoint/2015/main" val="1"/>
+              </p:ext>
+            </p:extLst>
+          </p:nvPr>
+        </p:nvSpPr>
+        <p:spPr>
+          <a:xfrm>
+            <a:off x="643351" y="640080"/>
+            <a:ext cx="8924024" cy="5200996"/>
+          </a:xfrm>
+          <a:prstGeom prst="rect">
+            <a:avLst/>
+          </a:prstGeom>
+          <a:noFill/>
+          <a:ln w="31750" cap="sq">
+            <a:solidFill>
+              <a:srgbClr val="FFFFFF"/>
+            </a:solidFill>
+            <a:miter lim="800000"/>
+          </a:ln>
+        </p:spPr>
+        <p:style>
+          <a:lnRef idx="2">
+            <a:schemeClr val="accent1">
+              <a:shade val="50000"/>
+            </a:schemeClr>
+          </a:lnRef>
+          <a:fillRef idx="1">
+            <a:schemeClr val="accent1"/>
+          </a:fillRef>
+          <a:effectRef idx="0">
+            <a:schemeClr val="accent1"/>
+          </a:effectRef>
+          <a:fontRef idx="minor">
+            <a:schemeClr val="lt1"/>
+          </a:fontRef>
+        </p:style>
+        <p:txBody>
+          <a:bodyPr rtlCol="0" anchor="ctr"/>
+          <a:lstStyle/>
+          <a:p>
+            <a:pPr algn="ctr"/>
+            <a:endParaRPr lang="en-US" dirty="0"/>
+          </a:p>
+        </p:txBody>
+      </p:sp>
+      <p:sp>
+        <p:nvSpPr>
+          <p:cNvPr id="20" name="Rectangle 19">
+            <a:extLst>
+              <a:ext uri="{FF2B5EF4-FFF2-40B4-BE49-F238E27FC236}">
+                <a16:creationId xmlns:a16="http://schemas.microsoft.com/office/drawing/2014/main" id="{F2A658D9-F185-44F1-BA33-D50320D1D078}"/>
+              </a:ext>
+              <a:ext uri="{C183D7F6-B498-43B3-948B-1728B52AA6E4}">
+                <adec:decorative xmlns:adec="http://schemas.microsoft.com/office/drawing/2017/decorative" val="1"/>
+              </a:ext>
+            </a:extLst>
+          </p:cNvPr>
+          <p:cNvSpPr>
+            <a:spLocks noGrp="1" noRot="1" noChangeAspect="1" noMove="1" noResize="1" noEditPoints="1" noAdjustHandles="1" noChangeArrowheads="1" noChangeShapeType="1" noTextEdit="1"/>
+          </p:cNvSpPr>
+          <p:nvPr>
+            <p:extLst>
+              <p:ext uri="{386F3935-93C4-4BCD-93E2-E3B085C9AB24}">
+                <p16:designElem xmlns:p16="http://schemas.microsoft.com/office/powerpoint/2015/main" val="1"/>
+              </p:ext>
+            </p:extLst>
+          </p:nvPr>
+        </p:nvSpPr>
+        <p:spPr>
+          <a:xfrm>
+            <a:off x="830543" y="825096"/>
+            <a:ext cx="8549640" cy="4830965"/>
+          </a:xfrm>
+          <a:prstGeom prst="rect">
+            <a:avLst/>
+          </a:prstGeom>
+          <a:solidFill>
+            <a:srgbClr val="FFFFFF"/>
+          </a:solidFill>
+          <a:ln>
+            <a:noFill/>
+          </a:ln>
+        </p:spPr>
+        <p:style>
+          <a:lnRef idx="2">
+            <a:schemeClr val="accent1">
+              <a:shade val="50000"/>
+            </a:schemeClr>
+          </a:lnRef>
+          <a:fillRef idx="1">
+            <a:schemeClr val="accent1"/>
+          </a:fillRef>
+          <a:effectRef idx="0">
+            <a:schemeClr val="accent1"/>
+          </a:effectRef>
+          <a:fontRef idx="minor">
+            <a:schemeClr val="lt1"/>
+          </a:fontRef>
+        </p:style>
+        <p:txBody>
+          <a:bodyPr rtlCol="0" anchor="ctr"/>
+          <a:lstStyle/>
+          <a:p>
+            <a:pPr algn="ctr"/>
+            <a:endParaRPr lang="en-US"/>
+          </a:p>
+        </p:txBody>
+      </p:sp>
+      <p:sp>
+        <p:nvSpPr>
+          <p:cNvPr id="22" name="Oval 21">
+            <a:extLst>
+              <a:ext uri="{FF2B5EF4-FFF2-40B4-BE49-F238E27FC236}">
+                <a16:creationId xmlns:a16="http://schemas.microsoft.com/office/drawing/2014/main" id="{BAC87F6E-526A-49B5-995D-42DB656594C9}"/>
+              </a:ext>
+              <a:ext uri="{C183D7F6-B498-43B3-948B-1728B52AA6E4}">
+                <adec:decorative xmlns:adec="http://schemas.microsoft.com/office/drawing/2017/decorative" val="1"/>
+              </a:ext>
+            </a:extLst>
+          </p:cNvPr>
+          <p:cNvSpPr>
+            <a:spLocks noGrp="1" noRot="1" noChangeAspect="1" noMove="1" noResize="1" noEditPoints="1" noAdjustHandles="1" noChangeArrowheads="1" noChangeShapeType="1" noTextEdit="1"/>
+          </p:cNvSpPr>
+          <p:nvPr>
+            <p:extLst>
+              <p:ext uri="{386F3935-93C4-4BCD-93E2-E3B085C9AB24}">
+                <p16:designElem xmlns:p16="http://schemas.microsoft.com/office/powerpoint/2015/main" val="1"/>
+              </p:ext>
+            </p:extLst>
+          </p:nvPr>
+        </p:nvSpPr>
+        <p:spPr>
+          <a:xfrm>
+            <a:off x="7576718" y="1443035"/>
+            <a:ext cx="3971932" cy="3971930"/>
+          </a:xfrm>
+          <a:prstGeom prst="ellipse">
+            <a:avLst/>
+          </a:prstGeom>
+          <a:solidFill>
+            <a:srgbClr val="FFFFFF"/>
+          </a:solidFill>
+          <a:ln w="31750">
+            <a:solidFill>
+              <a:schemeClr val="accent2"/>
+            </a:solidFill>
+          </a:ln>
+        </p:spPr>
+        <p:style>
+          <a:lnRef idx="2">
+            <a:schemeClr val="accent1">
+              <a:shade val="50000"/>
+            </a:schemeClr>
+          </a:lnRef>
+          <a:fillRef idx="1">
+            <a:schemeClr val="accent1"/>
+          </a:fillRef>
+          <a:effectRef idx="0">
+            <a:schemeClr val="accent1"/>
+          </a:effectRef>
+          <a:fontRef idx="minor">
+            <a:schemeClr val="lt1"/>
+          </a:fontRef>
+        </p:style>
+        <p:txBody>
+          <a:bodyPr rtlCol="0" anchor="ctr"/>
+          <a:lstStyle/>
+          <a:p>
+            <a:pPr algn="ctr"/>
+            <a:endParaRPr lang="en-US"/>
+          </a:p>
+        </p:txBody>
+      </p:sp>
+      <p:sp>
+        <p:nvSpPr>
+          <p:cNvPr id="2" name="Title 1">
+            <a:extLst>
+              <a:ext uri="{FF2B5EF4-FFF2-40B4-BE49-F238E27FC236}">
                 <a16:creationId xmlns:a16="http://schemas.microsoft.com/office/drawing/2014/main" id="{790A0D92-B04B-8567-C772-69CA2E73C375}"/>
               </a:ext>
             </a:extLst>
@@ -3717,13 +11375,33 @@
             <p:ph type="title"/>
           </p:nvPr>
         </p:nvSpPr>
-        <p:spPr/>
+        <p:spPr>
+          <a:xfrm>
+            <a:off x="7720168" y="1586484"/>
+            <a:ext cx="3685032" cy="3685032"/>
+          </a:xfrm>
+          <a:prstGeom prst="ellipse">
+            <a:avLst/>
+          </a:prstGeom>
+          <a:solidFill>
+            <a:schemeClr val="accent2"/>
+          </a:solidFill>
+          <a:ln>
+            <a:noFill/>
+          </a:ln>
+        </p:spPr>
         <p:txBody>
-          <a:bodyPr/>
+          <a:bodyPr>
+            <a:normAutofit/>
+          </a:bodyPr>
           <a:lstStyle/>
           <a:p>
             <a:r>
-              <a:rPr lang="en-US" dirty="0"/>
+              <a:rPr lang="en-US" sz="2600">
+                <a:solidFill>
+                  <a:srgbClr val="FFFFFF"/>
+                </a:solidFill>
+              </a:rPr>
               <a:t>Regression Results</a:t>
             </a:r>
           </a:p>
@@ -3747,52 +11425,76 @@
         </p:nvSpPr>
         <p:spPr>
           <a:xfrm>
-            <a:off x="2231136" y="2638044"/>
-            <a:ext cx="7729728" cy="3551741"/>
+            <a:off x="1316984" y="1283546"/>
+            <a:ext cx="5715917" cy="3914063"/>
           </a:xfrm>
         </p:spPr>
         <p:txBody>
-          <a:bodyPr>
+          <a:bodyPr anchor="ctr">
             <a:normAutofit/>
           </a:bodyPr>
           <a:lstStyle/>
           <a:p>
             <a:r>
-              <a:rPr lang="en-US" sz="2000" dirty="0"/>
+              <a:rPr lang="en-US">
+                <a:solidFill>
+                  <a:srgbClr val="404040"/>
+                </a:solidFill>
+              </a:rPr>
               <a:t>In our final model, all features have a statistically significant linear relationship with sale price</a:t>
             </a:r>
           </a:p>
           <a:p>
             <a:r>
-              <a:rPr lang="en-US" sz="2000" dirty="0"/>
+              <a:rPr lang="en-US">
+                <a:solidFill>
+                  <a:srgbClr val="404040"/>
+                </a:solidFill>
+              </a:rPr>
               <a:t>While holding all other variables constant:</a:t>
             </a:r>
           </a:p>
           <a:p>
             <a:pPr lvl="1"/>
             <a:r>
-              <a:rPr lang="en-US" sz="1800" dirty="0"/>
+              <a:rPr lang="en-US">
+                <a:solidFill>
+                  <a:srgbClr val="404040"/>
+                </a:solidFill>
+              </a:rPr>
               <a:t>The addition of a bathroom increases sale price by $29,020</a:t>
             </a:r>
           </a:p>
           <a:p>
             <a:pPr lvl="1"/>
             <a:r>
-              <a:rPr lang="en-US" sz="1800" dirty="0"/>
+              <a:rPr lang="en-US">
+                <a:solidFill>
+                  <a:srgbClr val="404040"/>
+                </a:solidFill>
+              </a:rPr>
               <a:t>The addition of one floor level increases sale price by $41,040</a:t>
             </a:r>
           </a:p>
           <a:p>
             <a:pPr lvl="1"/>
             <a:r>
-              <a:rPr lang="en-US" sz="1800" dirty="0"/>
+              <a:rPr lang="en-US">
+                <a:solidFill>
+                  <a:srgbClr val="404040"/>
+                </a:solidFill>
+              </a:rPr>
               <a:t>Improving a home's condition from Average to Very Good increases sale price by $38,810</a:t>
             </a:r>
           </a:p>
           <a:p>
             <a:pPr lvl="1"/>
             <a:r>
-              <a:rPr lang="en-US" sz="1800" dirty="0"/>
+              <a:rPr lang="en-US">
+                <a:solidFill>
+                  <a:srgbClr val="404040"/>
+                </a:solidFill>
+              </a:rPr>
               <a:t>Improving a home's grade from Better to High Quality increases sale price by $82,180</a:t>
             </a:r>
           </a:p>
@@ -3811,7 +11513,7 @@
 </p:sld>
 </file>
 
-<file path=ppt/slides/slide6.xml><?xml version="1.0" encoding="utf-8"?>
+<file path=ppt/slides/slide9.xml><?xml version="1.0" encoding="utf-8"?>
 <p:sld xmlns:a="http://schemas.openxmlformats.org/drawingml/2006/main" xmlns:r="http://schemas.openxmlformats.org/officeDocument/2006/relationships" xmlns:p="http://schemas.openxmlformats.org/presentationml/2006/main">
   <p:cSld>
     <p:spTree>
@@ -3856,328 +11558,36 @@
           </a:p>
         </p:txBody>
       </p:sp>
-      <p:sp>
-        <p:nvSpPr>
-          <p:cNvPr id="3" name="Content Placeholder 2">
+      <p:graphicFrame>
+        <p:nvGraphicFramePr>
+          <p:cNvPr id="5" name="Content Placeholder 2">
             <a:extLst>
               <a:ext uri="{FF2B5EF4-FFF2-40B4-BE49-F238E27FC236}">
-                <a16:creationId xmlns:a16="http://schemas.microsoft.com/office/drawing/2014/main" id="{A1AA9566-CFCB-ABEF-08A3-A4673AD22FD8}"/>
+                <a16:creationId xmlns:a16="http://schemas.microsoft.com/office/drawing/2014/main" id="{C2423BC0-F598-E570-24B0-C03511F00ABD}"/>
               </a:ext>
             </a:extLst>
           </p:cNvPr>
-          <p:cNvSpPr>
-            <a:spLocks noGrp="1"/>
-          </p:cNvSpPr>
+          <p:cNvGraphicFramePr>
+            <a:graphicFrameLocks noGrp="1"/>
+          </p:cNvGraphicFramePr>
           <p:nvPr>
             <p:ph idx="1"/>
           </p:nvPr>
-        </p:nvSpPr>
-        <p:spPr/>
-        <p:txBody>
-          <a:bodyPr/>
-          <a:lstStyle/>
-          <a:p>
-            <a:r>
-              <a:rPr lang="en-US" dirty="0"/>
-              <a:t>Improve the grade of your home from Better to High Quality, which is predicted to increase the sale price by $82,180</a:t>
-            </a:r>
-          </a:p>
-          <a:p>
-            <a:r>
-              <a:rPr lang="en-US" dirty="0"/>
-              <a:t>Adding an additional bathroom to your home is predicted to increase its sale price by $29,020</a:t>
-            </a:r>
-          </a:p>
-          <a:p>
-            <a:r>
-              <a:rPr lang="en-US" dirty="0"/>
-              <a:t>Each additional square foot of living space is predicted to add 81.12 dollars to the sale price; a 600-square foot addition would be predicted to increase the sale price by $48,672</a:t>
-            </a:r>
-          </a:p>
-        </p:txBody>
-      </p:sp>
+        </p:nvGraphicFramePr>
+        <p:xfrm>
+          <a:off x="2231136" y="2638044"/>
+          <a:ext cx="7729728" cy="3101983"/>
+        </p:xfrm>
+        <a:graphic>
+          <a:graphicData uri="http://schemas.openxmlformats.org/drawingml/2006/diagram">
+            <dgm:relIds xmlns:dgm="http://schemas.openxmlformats.org/drawingml/2006/diagram" xmlns:r="http://schemas.openxmlformats.org/officeDocument/2006/relationships" r:dm="rId2" r:lo="rId3" r:qs="rId4" r:cs="rId5"/>
+          </a:graphicData>
+        </a:graphic>
+      </p:graphicFrame>
     </p:spTree>
     <p:extLst>
       <p:ext uri="{BB962C8B-B14F-4D97-AF65-F5344CB8AC3E}">
         <p14:creationId xmlns:p14="http://schemas.microsoft.com/office/powerpoint/2010/main" val="1540742155"/>
-      </p:ext>
-    </p:extLst>
-  </p:cSld>
-  <p:clrMapOvr>
-    <a:masterClrMapping/>
-  </p:clrMapOvr>
-</p:sld>
-</file>
-
-<file path=ppt/slides/slide7.xml><?xml version="1.0" encoding="utf-8"?>
-<p:sld xmlns:a="http://schemas.openxmlformats.org/drawingml/2006/main" xmlns:r="http://schemas.openxmlformats.org/officeDocument/2006/relationships" xmlns:p="http://schemas.openxmlformats.org/presentationml/2006/main">
-  <p:cSld>
-    <p:spTree>
-      <p:nvGrpSpPr>
-        <p:cNvPr id="1" name=""/>
-        <p:cNvGrpSpPr/>
-        <p:nvPr/>
-      </p:nvGrpSpPr>
-      <p:grpSpPr>
-        <a:xfrm>
-          <a:off x="0" y="0"/>
-          <a:ext cx="0" cy="0"/>
-          <a:chOff x="0" y="0"/>
-          <a:chExt cx="0" cy="0"/>
-        </a:xfrm>
-      </p:grpSpPr>
-      <p:sp>
-        <p:nvSpPr>
-          <p:cNvPr id="2" name="Title 1">
-            <a:extLst>
-              <a:ext uri="{FF2B5EF4-FFF2-40B4-BE49-F238E27FC236}">
-                <a16:creationId xmlns:a16="http://schemas.microsoft.com/office/drawing/2014/main" id="{2BAA0214-83F9-3E68-C0EE-C6F5ACCDD79A}"/>
-              </a:ext>
-            </a:extLst>
-          </p:cNvPr>
-          <p:cNvSpPr>
-            <a:spLocks noGrp="1"/>
-          </p:cNvSpPr>
-          <p:nvPr>
-            <p:ph type="title"/>
-          </p:nvPr>
-        </p:nvSpPr>
-        <p:spPr/>
-        <p:txBody>
-          <a:bodyPr/>
-          <a:lstStyle/>
-          <a:p>
-            <a:r>
-              <a:rPr lang="en-US" dirty="0"/>
-              <a:t>Limitations</a:t>
-            </a:r>
-          </a:p>
-        </p:txBody>
-      </p:sp>
-      <p:sp>
-        <p:nvSpPr>
-          <p:cNvPr id="3" name="Content Placeholder 2">
-            <a:extLst>
-              <a:ext uri="{FF2B5EF4-FFF2-40B4-BE49-F238E27FC236}">
-                <a16:creationId xmlns:a16="http://schemas.microsoft.com/office/drawing/2014/main" id="{05B3DDC5-75C2-D5FD-8FC6-0CEFAFC85F8D}"/>
-              </a:ext>
-            </a:extLst>
-          </p:cNvPr>
-          <p:cNvSpPr>
-            <a:spLocks noGrp="1"/>
-          </p:cNvSpPr>
-          <p:nvPr>
-            <p:ph idx="1"/>
-          </p:nvPr>
-        </p:nvSpPr>
-        <p:spPr/>
-        <p:txBody>
-          <a:bodyPr/>
-          <a:lstStyle/>
-          <a:p>
-            <a:r>
-              <a:rPr lang="en-US" dirty="0"/>
-              <a:t>In our final model only explains 57.5% of the variance in the data</a:t>
-            </a:r>
-          </a:p>
-          <a:p>
-            <a:r>
-              <a:rPr lang="en-US" dirty="0"/>
-              <a:t>The Mean Absolute Error (a performance metric) is 106248.25, which means our predicted values may vary from actual values by as much as $106,248.25</a:t>
-            </a:r>
-          </a:p>
-          <a:p>
-            <a:endParaRPr lang="en-US" dirty="0"/>
-          </a:p>
-        </p:txBody>
-      </p:sp>
-    </p:spTree>
-    <p:extLst>
-      <p:ext uri="{BB962C8B-B14F-4D97-AF65-F5344CB8AC3E}">
-        <p14:creationId xmlns:p14="http://schemas.microsoft.com/office/powerpoint/2010/main" val="663573348"/>
-      </p:ext>
-    </p:extLst>
-  </p:cSld>
-  <p:clrMapOvr>
-    <a:masterClrMapping/>
-  </p:clrMapOvr>
-</p:sld>
-</file>
-
-<file path=ppt/slides/slide8.xml><?xml version="1.0" encoding="utf-8"?>
-<p:sld xmlns:a="http://schemas.openxmlformats.org/drawingml/2006/main" xmlns:r="http://schemas.openxmlformats.org/officeDocument/2006/relationships" xmlns:p="http://schemas.openxmlformats.org/presentationml/2006/main">
-  <p:cSld>
-    <p:spTree>
-      <p:nvGrpSpPr>
-        <p:cNvPr id="1" name=""/>
-        <p:cNvGrpSpPr/>
-        <p:nvPr/>
-      </p:nvGrpSpPr>
-      <p:grpSpPr>
-        <a:xfrm>
-          <a:off x="0" y="0"/>
-          <a:ext cx="0" cy="0"/>
-          <a:chOff x="0" y="0"/>
-          <a:chExt cx="0" cy="0"/>
-        </a:xfrm>
-      </p:grpSpPr>
-      <p:sp>
-        <p:nvSpPr>
-          <p:cNvPr id="2" name="Title 1">
-            <a:extLst>
-              <a:ext uri="{FF2B5EF4-FFF2-40B4-BE49-F238E27FC236}">
-                <a16:creationId xmlns:a16="http://schemas.microsoft.com/office/drawing/2014/main" id="{9A300E3D-826D-171C-AA23-7FDC289FB902}"/>
-              </a:ext>
-            </a:extLst>
-          </p:cNvPr>
-          <p:cNvSpPr>
-            <a:spLocks noGrp="1"/>
-          </p:cNvSpPr>
-          <p:nvPr>
-            <p:ph type="title"/>
-          </p:nvPr>
-        </p:nvSpPr>
-        <p:spPr/>
-        <p:txBody>
-          <a:bodyPr/>
-          <a:lstStyle/>
-          <a:p>
-            <a:r>
-              <a:rPr lang="en-US" dirty="0"/>
-              <a:t>Next Steps</a:t>
-            </a:r>
-          </a:p>
-        </p:txBody>
-      </p:sp>
-      <p:sp>
-        <p:nvSpPr>
-          <p:cNvPr id="3" name="Content Placeholder 2">
-            <a:extLst>
-              <a:ext uri="{FF2B5EF4-FFF2-40B4-BE49-F238E27FC236}">
-                <a16:creationId xmlns:a16="http://schemas.microsoft.com/office/drawing/2014/main" id="{DA28B9C3-EB5D-F433-5F0B-61D400808490}"/>
-              </a:ext>
-            </a:extLst>
-          </p:cNvPr>
-          <p:cNvSpPr>
-            <a:spLocks noGrp="1"/>
-          </p:cNvSpPr>
-          <p:nvPr>
-            <p:ph idx="1"/>
-          </p:nvPr>
-        </p:nvSpPr>
-        <p:spPr/>
-        <p:txBody>
-          <a:bodyPr/>
-          <a:lstStyle/>
-          <a:p>
-            <a:r>
-              <a:rPr lang="en-US" dirty="0"/>
-              <a:t>Collect more recent sales data for more accurate representation of the market</a:t>
-            </a:r>
-          </a:p>
-          <a:p>
-            <a:r>
-              <a:rPr lang="en-US" dirty="0"/>
-              <a:t>Investigate influence of </a:t>
-            </a:r>
-            <a:r>
-              <a:rPr lang="en-US" dirty="0" err="1"/>
-              <a:t>zipcode</a:t>
-            </a:r>
-            <a:r>
-              <a:rPr lang="en-US" dirty="0"/>
-              <a:t> on sale price</a:t>
-            </a:r>
-          </a:p>
-        </p:txBody>
-      </p:sp>
-    </p:spTree>
-    <p:extLst>
-      <p:ext uri="{BB962C8B-B14F-4D97-AF65-F5344CB8AC3E}">
-        <p14:creationId xmlns:p14="http://schemas.microsoft.com/office/powerpoint/2010/main" val="932920777"/>
-      </p:ext>
-    </p:extLst>
-  </p:cSld>
-  <p:clrMapOvr>
-    <a:masterClrMapping/>
-  </p:clrMapOvr>
-</p:sld>
-</file>
-
-<file path=ppt/slides/slide9.xml><?xml version="1.0" encoding="utf-8"?>
-<p:sld xmlns:a="http://schemas.openxmlformats.org/drawingml/2006/main" xmlns:r="http://schemas.openxmlformats.org/officeDocument/2006/relationships" xmlns:p="http://schemas.openxmlformats.org/presentationml/2006/main">
-  <p:cSld>
-    <p:spTree>
-      <p:nvGrpSpPr>
-        <p:cNvPr id="1" name=""/>
-        <p:cNvGrpSpPr/>
-        <p:nvPr/>
-      </p:nvGrpSpPr>
-      <p:grpSpPr>
-        <a:xfrm>
-          <a:off x="0" y="0"/>
-          <a:ext cx="0" cy="0"/>
-          <a:chOff x="0" y="0"/>
-          <a:chExt cx="0" cy="0"/>
-        </a:xfrm>
-      </p:grpSpPr>
-      <p:sp>
-        <p:nvSpPr>
-          <p:cNvPr id="2" name="Title 1">
-            <a:extLst>
-              <a:ext uri="{FF2B5EF4-FFF2-40B4-BE49-F238E27FC236}">
-                <a16:creationId xmlns:a16="http://schemas.microsoft.com/office/drawing/2014/main" id="{21314402-96E4-810B-73F9-4252F4FF1C3C}"/>
-              </a:ext>
-            </a:extLst>
-          </p:cNvPr>
-          <p:cNvSpPr>
-            <a:spLocks noGrp="1"/>
-          </p:cNvSpPr>
-          <p:nvPr>
-            <p:ph type="title"/>
-          </p:nvPr>
-        </p:nvSpPr>
-        <p:spPr/>
-        <p:txBody>
-          <a:bodyPr/>
-          <a:lstStyle/>
-          <a:p>
-            <a:r>
-              <a:rPr lang="en-US" dirty="0"/>
-              <a:t>Thank You</a:t>
-            </a:r>
-          </a:p>
-        </p:txBody>
-      </p:sp>
-      <p:sp>
-        <p:nvSpPr>
-          <p:cNvPr id="3" name="Content Placeholder 2">
-            <a:extLst>
-              <a:ext uri="{FF2B5EF4-FFF2-40B4-BE49-F238E27FC236}">
-                <a16:creationId xmlns:a16="http://schemas.microsoft.com/office/drawing/2014/main" id="{1E2D0281-82AC-130D-1D87-66B7C18434BA}"/>
-              </a:ext>
-            </a:extLst>
-          </p:cNvPr>
-          <p:cNvSpPr>
-            <a:spLocks noGrp="1"/>
-          </p:cNvSpPr>
-          <p:nvPr>
-            <p:ph idx="1"/>
-          </p:nvPr>
-        </p:nvSpPr>
-        <p:spPr/>
-        <p:txBody>
-          <a:bodyPr/>
-          <a:lstStyle/>
-          <a:p>
-            <a:endParaRPr lang="en-US"/>
-          </a:p>
-        </p:txBody>
-      </p:sp>
-    </p:spTree>
-    <p:extLst>
-      <p:ext uri="{BB962C8B-B14F-4D97-AF65-F5344CB8AC3E}">
-        <p14:creationId xmlns:p14="http://schemas.microsoft.com/office/powerpoint/2010/main" val="651691808"/>
       </p:ext>
     </p:extLst>
   </p:cSld>

--- a/phase-2-project.pptx
+++ b/phase-2-project.pptx
@@ -4,6 +4,9 @@
   <p:sldMasterIdLst>
     <p:sldMasterId id="2147483708" r:id="rId1"/>
   </p:sldMasterIdLst>
+  <p:notesMasterIdLst>
+    <p:notesMasterId r:id="rId14"/>
+  </p:notesMasterIdLst>
   <p:sldIdLst>
     <p:sldId id="256" r:id="rId2"/>
     <p:sldId id="257" r:id="rId3"/>
@@ -5898,6 +5901,473 @@
 </dgm:styleDef>
 </file>
 
+<file path=ppt/notesMasters/notesMaster1.xml><?xml version="1.0" encoding="utf-8"?>
+<p:notesMaster xmlns:a="http://schemas.openxmlformats.org/drawingml/2006/main" xmlns:r="http://schemas.openxmlformats.org/officeDocument/2006/relationships" xmlns:p="http://schemas.openxmlformats.org/presentationml/2006/main">
+  <p:cSld>
+    <p:bg>
+      <p:bgRef idx="1001">
+        <a:schemeClr val="bg1"/>
+      </p:bgRef>
+    </p:bg>
+    <p:spTree>
+      <p:nvGrpSpPr>
+        <p:cNvPr id="1" name=""/>
+        <p:cNvGrpSpPr/>
+        <p:nvPr/>
+      </p:nvGrpSpPr>
+      <p:grpSpPr>
+        <a:xfrm>
+          <a:off x="0" y="0"/>
+          <a:ext cx="0" cy="0"/>
+          <a:chOff x="0" y="0"/>
+          <a:chExt cx="0" cy="0"/>
+        </a:xfrm>
+      </p:grpSpPr>
+      <p:sp>
+        <p:nvSpPr>
+          <p:cNvPr id="2" name="Header Placeholder 1"/>
+          <p:cNvSpPr>
+            <a:spLocks noGrp="1"/>
+          </p:cNvSpPr>
+          <p:nvPr>
+            <p:ph type="hdr" sz="quarter"/>
+          </p:nvPr>
+        </p:nvSpPr>
+        <p:spPr>
+          <a:xfrm>
+            <a:off x="0" y="0"/>
+            <a:ext cx="2971800" cy="458788"/>
+          </a:xfrm>
+          <a:prstGeom prst="rect">
+            <a:avLst/>
+          </a:prstGeom>
+        </p:spPr>
+        <p:txBody>
+          <a:bodyPr vert="horz" lIns="91440" tIns="45720" rIns="91440" bIns="45720" rtlCol="0"/>
+          <a:lstStyle>
+            <a:lvl1pPr algn="l">
+              <a:defRPr sz="1200"/>
+            </a:lvl1pPr>
+          </a:lstStyle>
+          <a:p>
+            <a:endParaRPr lang="en-US"/>
+          </a:p>
+        </p:txBody>
+      </p:sp>
+      <p:sp>
+        <p:nvSpPr>
+          <p:cNvPr id="3" name="Date Placeholder 2"/>
+          <p:cNvSpPr>
+            <a:spLocks noGrp="1"/>
+          </p:cNvSpPr>
+          <p:nvPr>
+            <p:ph type="dt" idx="1"/>
+          </p:nvPr>
+        </p:nvSpPr>
+        <p:spPr>
+          <a:xfrm>
+            <a:off x="3884613" y="0"/>
+            <a:ext cx="2971800" cy="458788"/>
+          </a:xfrm>
+          <a:prstGeom prst="rect">
+            <a:avLst/>
+          </a:prstGeom>
+        </p:spPr>
+        <p:txBody>
+          <a:bodyPr vert="horz" lIns="91440" tIns="45720" rIns="91440" bIns="45720" rtlCol="0"/>
+          <a:lstStyle>
+            <a:lvl1pPr algn="r">
+              <a:defRPr sz="1200"/>
+            </a:lvl1pPr>
+          </a:lstStyle>
+          <a:p>
+            <a:fld id="{CE88F5CC-190F-2E4D-BA87-24F501312286}" type="datetimeFigureOut">
+              <a:rPr lang="en-US" smtClean="0"/>
+              <a:t>4/22/22</a:t>
+            </a:fld>
+            <a:endParaRPr lang="en-US"/>
+          </a:p>
+        </p:txBody>
+      </p:sp>
+      <p:sp>
+        <p:nvSpPr>
+          <p:cNvPr id="4" name="Slide Image Placeholder 3"/>
+          <p:cNvSpPr>
+            <a:spLocks noGrp="1" noRot="1" noChangeAspect="1"/>
+          </p:cNvSpPr>
+          <p:nvPr>
+            <p:ph type="sldImg" idx="2"/>
+          </p:nvPr>
+        </p:nvSpPr>
+        <p:spPr>
+          <a:xfrm>
+            <a:off x="685800" y="1143000"/>
+            <a:ext cx="5486400" cy="3086100"/>
+          </a:xfrm>
+          <a:prstGeom prst="rect">
+            <a:avLst/>
+          </a:prstGeom>
+          <a:noFill/>
+          <a:ln w="12700">
+            <a:solidFill>
+              <a:prstClr val="black"/>
+            </a:solidFill>
+          </a:ln>
+        </p:spPr>
+        <p:txBody>
+          <a:bodyPr vert="horz" lIns="91440" tIns="45720" rIns="91440" bIns="45720" rtlCol="0" anchor="ctr"/>
+          <a:lstStyle/>
+          <a:p>
+            <a:endParaRPr lang="en-US"/>
+          </a:p>
+        </p:txBody>
+      </p:sp>
+      <p:sp>
+        <p:nvSpPr>
+          <p:cNvPr id="5" name="Notes Placeholder 4"/>
+          <p:cNvSpPr>
+            <a:spLocks noGrp="1"/>
+          </p:cNvSpPr>
+          <p:nvPr>
+            <p:ph type="body" sz="quarter" idx="3"/>
+          </p:nvPr>
+        </p:nvSpPr>
+        <p:spPr>
+          <a:xfrm>
+            <a:off x="685800" y="4400550"/>
+            <a:ext cx="5486400" cy="3600450"/>
+          </a:xfrm>
+          <a:prstGeom prst="rect">
+            <a:avLst/>
+          </a:prstGeom>
+        </p:spPr>
+        <p:txBody>
+          <a:bodyPr vert="horz" lIns="91440" tIns="45720" rIns="91440" bIns="45720" rtlCol="0"/>
+          <a:lstStyle/>
+          <a:p>
+            <a:pPr lvl="0"/>
+            <a:r>
+              <a:rPr lang="en-US"/>
+              <a:t>Click to edit Master text styles</a:t>
+            </a:r>
+          </a:p>
+          <a:p>
+            <a:pPr lvl="1"/>
+            <a:r>
+              <a:rPr lang="en-US"/>
+              <a:t>Second level</a:t>
+            </a:r>
+          </a:p>
+          <a:p>
+            <a:pPr lvl="2"/>
+            <a:r>
+              <a:rPr lang="en-US"/>
+              <a:t>Third level</a:t>
+            </a:r>
+          </a:p>
+          <a:p>
+            <a:pPr lvl="3"/>
+            <a:r>
+              <a:rPr lang="en-US"/>
+              <a:t>Fourth level</a:t>
+            </a:r>
+          </a:p>
+          <a:p>
+            <a:pPr lvl="4"/>
+            <a:r>
+              <a:rPr lang="en-US"/>
+              <a:t>Fifth level</a:t>
+            </a:r>
+          </a:p>
+        </p:txBody>
+      </p:sp>
+      <p:sp>
+        <p:nvSpPr>
+          <p:cNvPr id="6" name="Footer Placeholder 5"/>
+          <p:cNvSpPr>
+            <a:spLocks noGrp="1"/>
+          </p:cNvSpPr>
+          <p:nvPr>
+            <p:ph type="ftr" sz="quarter" idx="4"/>
+          </p:nvPr>
+        </p:nvSpPr>
+        <p:spPr>
+          <a:xfrm>
+            <a:off x="0" y="8685213"/>
+            <a:ext cx="2971800" cy="458787"/>
+          </a:xfrm>
+          <a:prstGeom prst="rect">
+            <a:avLst/>
+          </a:prstGeom>
+        </p:spPr>
+        <p:txBody>
+          <a:bodyPr vert="horz" lIns="91440" tIns="45720" rIns="91440" bIns="45720" rtlCol="0" anchor="b"/>
+          <a:lstStyle>
+            <a:lvl1pPr algn="l">
+              <a:defRPr sz="1200"/>
+            </a:lvl1pPr>
+          </a:lstStyle>
+          <a:p>
+            <a:endParaRPr lang="en-US"/>
+          </a:p>
+        </p:txBody>
+      </p:sp>
+      <p:sp>
+        <p:nvSpPr>
+          <p:cNvPr id="7" name="Slide Number Placeholder 6"/>
+          <p:cNvSpPr>
+            <a:spLocks noGrp="1"/>
+          </p:cNvSpPr>
+          <p:nvPr>
+            <p:ph type="sldNum" sz="quarter" idx="5"/>
+          </p:nvPr>
+        </p:nvSpPr>
+        <p:spPr>
+          <a:xfrm>
+            <a:off x="3884613" y="8685213"/>
+            <a:ext cx="2971800" cy="458787"/>
+          </a:xfrm>
+          <a:prstGeom prst="rect">
+            <a:avLst/>
+          </a:prstGeom>
+        </p:spPr>
+        <p:txBody>
+          <a:bodyPr vert="horz" lIns="91440" tIns="45720" rIns="91440" bIns="45720" rtlCol="0" anchor="b"/>
+          <a:lstStyle>
+            <a:lvl1pPr algn="r">
+              <a:defRPr sz="1200"/>
+            </a:lvl1pPr>
+          </a:lstStyle>
+          <a:p>
+            <a:fld id="{263967C6-CDBC-A94F-8663-AC2957859D46}" type="slidenum">
+              <a:rPr lang="en-US" smtClean="0"/>
+              <a:t>‹#›</a:t>
+            </a:fld>
+            <a:endParaRPr lang="en-US"/>
+          </a:p>
+        </p:txBody>
+      </p:sp>
+    </p:spTree>
+    <p:extLst>
+      <p:ext uri="{BB962C8B-B14F-4D97-AF65-F5344CB8AC3E}">
+        <p14:creationId xmlns:p14="http://schemas.microsoft.com/office/powerpoint/2010/main" val="552117677"/>
+      </p:ext>
+    </p:extLst>
+  </p:cSld>
+  <p:clrMap bg1="lt1" tx1="dk1" bg2="lt2" tx2="dk2" accent1="accent1" accent2="accent2" accent3="accent3" accent4="accent4" accent5="accent5" accent6="accent6" hlink="hlink" folHlink="folHlink"/>
+  <p:notesStyle>
+    <a:lvl1pPr marL="0" algn="l" defTabSz="914400" rtl="0" eaLnBrk="1" latinLnBrk="0" hangingPunct="1">
+      <a:defRPr sz="1200" kern="1200">
+        <a:solidFill>
+          <a:schemeClr val="tx1"/>
+        </a:solidFill>
+        <a:latin typeface="+mn-lt"/>
+        <a:ea typeface="+mn-ea"/>
+        <a:cs typeface="+mn-cs"/>
+      </a:defRPr>
+    </a:lvl1pPr>
+    <a:lvl2pPr marL="457200" algn="l" defTabSz="914400" rtl="0" eaLnBrk="1" latinLnBrk="0" hangingPunct="1">
+      <a:defRPr sz="1200" kern="1200">
+        <a:solidFill>
+          <a:schemeClr val="tx1"/>
+        </a:solidFill>
+        <a:latin typeface="+mn-lt"/>
+        <a:ea typeface="+mn-ea"/>
+        <a:cs typeface="+mn-cs"/>
+      </a:defRPr>
+    </a:lvl2pPr>
+    <a:lvl3pPr marL="914400" algn="l" defTabSz="914400" rtl="0" eaLnBrk="1" latinLnBrk="0" hangingPunct="1">
+      <a:defRPr sz="1200" kern="1200">
+        <a:solidFill>
+          <a:schemeClr val="tx1"/>
+        </a:solidFill>
+        <a:latin typeface="+mn-lt"/>
+        <a:ea typeface="+mn-ea"/>
+        <a:cs typeface="+mn-cs"/>
+      </a:defRPr>
+    </a:lvl3pPr>
+    <a:lvl4pPr marL="1371600" algn="l" defTabSz="914400" rtl="0" eaLnBrk="1" latinLnBrk="0" hangingPunct="1">
+      <a:defRPr sz="1200" kern="1200">
+        <a:solidFill>
+          <a:schemeClr val="tx1"/>
+        </a:solidFill>
+        <a:latin typeface="+mn-lt"/>
+        <a:ea typeface="+mn-ea"/>
+        <a:cs typeface="+mn-cs"/>
+      </a:defRPr>
+    </a:lvl4pPr>
+    <a:lvl5pPr marL="1828800" algn="l" defTabSz="914400" rtl="0" eaLnBrk="1" latinLnBrk="0" hangingPunct="1">
+      <a:defRPr sz="1200" kern="1200">
+        <a:solidFill>
+          <a:schemeClr val="tx1"/>
+        </a:solidFill>
+        <a:latin typeface="+mn-lt"/>
+        <a:ea typeface="+mn-ea"/>
+        <a:cs typeface="+mn-cs"/>
+      </a:defRPr>
+    </a:lvl5pPr>
+    <a:lvl6pPr marL="2286000" algn="l" defTabSz="914400" rtl="0" eaLnBrk="1" latinLnBrk="0" hangingPunct="1">
+      <a:defRPr sz="1200" kern="1200">
+        <a:solidFill>
+          <a:schemeClr val="tx1"/>
+        </a:solidFill>
+        <a:latin typeface="+mn-lt"/>
+        <a:ea typeface="+mn-ea"/>
+        <a:cs typeface="+mn-cs"/>
+      </a:defRPr>
+    </a:lvl6pPr>
+    <a:lvl7pPr marL="2743200" algn="l" defTabSz="914400" rtl="0" eaLnBrk="1" latinLnBrk="0" hangingPunct="1">
+      <a:defRPr sz="1200" kern="1200">
+        <a:solidFill>
+          <a:schemeClr val="tx1"/>
+        </a:solidFill>
+        <a:latin typeface="+mn-lt"/>
+        <a:ea typeface="+mn-ea"/>
+        <a:cs typeface="+mn-cs"/>
+      </a:defRPr>
+    </a:lvl7pPr>
+    <a:lvl8pPr marL="3200400" algn="l" defTabSz="914400" rtl="0" eaLnBrk="1" latinLnBrk="0" hangingPunct="1">
+      <a:defRPr sz="1200" kern="1200">
+        <a:solidFill>
+          <a:schemeClr val="tx1"/>
+        </a:solidFill>
+        <a:latin typeface="+mn-lt"/>
+        <a:ea typeface="+mn-ea"/>
+        <a:cs typeface="+mn-cs"/>
+      </a:defRPr>
+    </a:lvl8pPr>
+    <a:lvl9pPr marL="3657600" algn="l" defTabSz="914400" rtl="0" eaLnBrk="1" latinLnBrk="0" hangingPunct="1">
+      <a:defRPr sz="1200" kern="1200">
+        <a:solidFill>
+          <a:schemeClr val="tx1"/>
+        </a:solidFill>
+        <a:latin typeface="+mn-lt"/>
+        <a:ea typeface="+mn-ea"/>
+        <a:cs typeface="+mn-cs"/>
+      </a:defRPr>
+    </a:lvl9pPr>
+  </p:notesStyle>
+</p:notesMaster>
+</file>
+
+<file path=ppt/notesSlides/notesSlide1.xml><?xml version="1.0" encoding="utf-8"?>
+<p:notes xmlns:a="http://schemas.openxmlformats.org/drawingml/2006/main" xmlns:r="http://schemas.openxmlformats.org/officeDocument/2006/relationships" xmlns:p="http://schemas.openxmlformats.org/presentationml/2006/main">
+  <p:cSld>
+    <p:spTree>
+      <p:nvGrpSpPr>
+        <p:cNvPr id="1" name=""/>
+        <p:cNvGrpSpPr/>
+        <p:nvPr/>
+      </p:nvGrpSpPr>
+      <p:grpSpPr>
+        <a:xfrm>
+          <a:off x="0" y="0"/>
+          <a:ext cx="0" cy="0"/>
+          <a:chOff x="0" y="0"/>
+          <a:chExt cx="0" cy="0"/>
+        </a:xfrm>
+      </p:grpSpPr>
+      <p:sp>
+        <p:nvSpPr>
+          <p:cNvPr id="2" name="Slide Image Placeholder 1"/>
+          <p:cNvSpPr>
+            <a:spLocks noGrp="1" noRot="1" noChangeAspect="1"/>
+          </p:cNvSpPr>
+          <p:nvPr>
+            <p:ph type="sldImg"/>
+          </p:nvPr>
+        </p:nvSpPr>
+        <p:spPr/>
+      </p:sp>
+      <p:sp>
+        <p:nvSpPr>
+          <p:cNvPr id="3" name="Notes Placeholder 2"/>
+          <p:cNvSpPr>
+            <a:spLocks noGrp="1"/>
+          </p:cNvSpPr>
+          <p:nvPr>
+            <p:ph type="body" idx="1"/>
+          </p:nvPr>
+        </p:nvSpPr>
+        <p:spPr/>
+        <p:txBody>
+          <a:bodyPr/>
+          <a:lstStyle/>
+          <a:p>
+            <a:pPr marL="171450" indent="-171450">
+              <a:buFont typeface="Arial" panose="020B0604020202020204" pitchFamily="34" charset="0"/>
+              <a:buChar char="•"/>
+            </a:pPr>
+            <a:r>
+              <a:rPr lang="en-US" dirty="0"/>
+              <a:t>Add plot with bathrooms</a:t>
+            </a:r>
+          </a:p>
+          <a:p>
+            <a:pPr marL="171450" indent="-171450">
+              <a:buFont typeface="Arial" panose="020B0604020202020204" pitchFamily="34" charset="0"/>
+              <a:buChar char="•"/>
+            </a:pPr>
+            <a:r>
+              <a:rPr lang="en-US" dirty="0"/>
+              <a:t>Add plot with price difference between different grades</a:t>
+            </a:r>
+          </a:p>
+          <a:p>
+            <a:pPr marL="171450" indent="-171450">
+              <a:buFont typeface="Arial" panose="020B0604020202020204" pitchFamily="34" charset="0"/>
+              <a:buChar char="•"/>
+            </a:pPr>
+            <a:endParaRPr lang="en-US" dirty="0"/>
+          </a:p>
+          <a:p>
+            <a:pPr marL="171450" indent="-171450">
+              <a:buFont typeface="Arial" panose="020B0604020202020204" pitchFamily="34" charset="0"/>
+              <a:buChar char="•"/>
+            </a:pPr>
+            <a:r>
+              <a:rPr lang="en-US" dirty="0"/>
+              <a:t>Both help drive home message</a:t>
+            </a:r>
+          </a:p>
+        </p:txBody>
+      </p:sp>
+      <p:sp>
+        <p:nvSpPr>
+          <p:cNvPr id="4" name="Slide Number Placeholder 3"/>
+          <p:cNvSpPr>
+            <a:spLocks noGrp="1"/>
+          </p:cNvSpPr>
+          <p:nvPr>
+            <p:ph type="sldNum" sz="quarter" idx="5"/>
+          </p:nvPr>
+        </p:nvSpPr>
+        <p:spPr/>
+        <p:txBody>
+          <a:bodyPr/>
+          <a:lstStyle/>
+          <a:p>
+            <a:fld id="{263967C6-CDBC-A94F-8663-AC2957859D46}" type="slidenum">
+              <a:rPr lang="en-US" smtClean="0"/>
+              <a:t>10</a:t>
+            </a:fld>
+            <a:endParaRPr lang="en-US"/>
+          </a:p>
+        </p:txBody>
+      </p:sp>
+    </p:spTree>
+    <p:extLst>
+      <p:ext uri="{BB962C8B-B14F-4D97-AF65-F5344CB8AC3E}">
+        <p14:creationId xmlns:p14="http://schemas.microsoft.com/office/powerpoint/2010/main" val="176848896"/>
+      </p:ext>
+    </p:extLst>
+  </p:cSld>
+  <p:clrMapOvr>
+    <a:masterClrMapping/>
+  </p:clrMapOvr>
+</p:notes>
+</file>
+
 <file path=ppt/slideLayouts/slideLayout1.xml><?xml version="1.0" encoding="utf-8"?>
 <p:sldLayout xmlns:a="http://schemas.openxmlformats.org/drawingml/2006/main" xmlns:r="http://schemas.openxmlformats.org/officeDocument/2006/relationships" xmlns:p="http://schemas.openxmlformats.org/presentationml/2006/main" type="title" preserve="1">
   <p:cSld name="Title Slide">
@@ -11855,4 +12325,299 @@
     </a:ext>
   </a:extLst>
 </a:theme>
+</file>
+
+<file path=ppt/theme/theme2.xml><?xml version="1.0" encoding="utf-8"?>
+<a:theme xmlns:a="http://schemas.openxmlformats.org/drawingml/2006/main" name="Office Theme">
+  <a:themeElements>
+    <a:clrScheme name="Office">
+      <a:dk1>
+        <a:sysClr val="windowText" lastClr="000000"/>
+      </a:dk1>
+      <a:lt1>
+        <a:sysClr val="window" lastClr="FFFFFF"/>
+      </a:lt1>
+      <a:dk2>
+        <a:srgbClr val="44546A"/>
+      </a:dk2>
+      <a:lt2>
+        <a:srgbClr val="E7E6E6"/>
+      </a:lt2>
+      <a:accent1>
+        <a:srgbClr val="4472C4"/>
+      </a:accent1>
+      <a:accent2>
+        <a:srgbClr val="ED7D31"/>
+      </a:accent2>
+      <a:accent3>
+        <a:srgbClr val="A5A5A5"/>
+      </a:accent3>
+      <a:accent4>
+        <a:srgbClr val="FFC000"/>
+      </a:accent4>
+      <a:accent5>
+        <a:srgbClr val="5B9BD5"/>
+      </a:accent5>
+      <a:accent6>
+        <a:srgbClr val="70AD47"/>
+      </a:accent6>
+      <a:hlink>
+        <a:srgbClr val="0563C1"/>
+      </a:hlink>
+      <a:folHlink>
+        <a:srgbClr val="954F72"/>
+      </a:folHlink>
+    </a:clrScheme>
+    <a:fontScheme name="Office">
+      <a:majorFont>
+        <a:latin typeface="Calibri Light" panose="020F0302020204030204"/>
+        <a:ea typeface=""/>
+        <a:cs typeface=""/>
+        <a:font script="Jpan" typeface="游ゴシック Light"/>
+        <a:font script="Hang" typeface="맑은 고딕"/>
+        <a:font script="Hans" typeface="等线 Light"/>
+        <a:font script="Hant" typeface="新細明體"/>
+        <a:font script="Arab" typeface="Times New Roman"/>
+        <a:font script="Hebr" typeface="Times New Roman"/>
+        <a:font script="Thai" typeface="Angsana New"/>
+        <a:font script="Ethi" typeface="Nyala"/>
+        <a:font script="Beng" typeface="Vrinda"/>
+        <a:font script="Gujr" typeface="Shruti"/>
+        <a:font script="Khmr" typeface="MoolBoran"/>
+        <a:font script="Knda" typeface="Tunga"/>
+        <a:font script="Guru" typeface="Raavi"/>
+        <a:font script="Cans" typeface="Euphemia"/>
+        <a:font script="Cher" typeface="Plantagenet Cherokee"/>
+        <a:font script="Yiii" typeface="Microsoft Yi Baiti"/>
+        <a:font script="Tibt" typeface="Microsoft Himalaya"/>
+        <a:font script="Thaa" typeface="MV Boli"/>
+        <a:font script="Deva" typeface="Mangal"/>
+        <a:font script="Telu" typeface="Gautami"/>
+        <a:font script="Taml" typeface="Latha"/>
+        <a:font script="Syrc" typeface="Estrangelo Edessa"/>
+        <a:font script="Orya" typeface="Kalinga"/>
+        <a:font script="Mlym" typeface="Kartika"/>
+        <a:font script="Laoo" typeface="DokChampa"/>
+        <a:font script="Sinh" typeface="Iskoola Pota"/>
+        <a:font script="Mong" typeface="Mongolian Baiti"/>
+        <a:font script="Viet" typeface="Times New Roman"/>
+        <a:font script="Uigh" typeface="Microsoft Uighur"/>
+        <a:font script="Geor" typeface="Sylfaen"/>
+        <a:font script="Armn" typeface="Arial"/>
+        <a:font script="Bugi" typeface="Leelawadee UI"/>
+        <a:font script="Bopo" typeface="Microsoft JhengHei"/>
+        <a:font script="Java" typeface="Javanese Text"/>
+        <a:font script="Lisu" typeface="Segoe UI"/>
+        <a:font script="Mymr" typeface="Myanmar Text"/>
+        <a:font script="Nkoo" typeface="Ebrima"/>
+        <a:font script="Olck" typeface="Nirmala UI"/>
+        <a:font script="Osma" typeface="Ebrima"/>
+        <a:font script="Phag" typeface="Phagspa"/>
+        <a:font script="Syrn" typeface="Estrangelo Edessa"/>
+        <a:font script="Syrj" typeface="Estrangelo Edessa"/>
+        <a:font script="Syre" typeface="Estrangelo Edessa"/>
+        <a:font script="Sora" typeface="Nirmala UI"/>
+        <a:font script="Tale" typeface="Microsoft Tai Le"/>
+        <a:font script="Talu" typeface="Microsoft New Tai Lue"/>
+        <a:font script="Tfng" typeface="Ebrima"/>
+      </a:majorFont>
+      <a:minorFont>
+        <a:latin typeface="Calibri" panose="020F0502020204030204"/>
+        <a:ea typeface=""/>
+        <a:cs typeface=""/>
+        <a:font script="Jpan" typeface="游ゴシック"/>
+        <a:font script="Hang" typeface="맑은 고딕"/>
+        <a:font script="Hans" typeface="等线"/>
+        <a:font script="Hant" typeface="新細明體"/>
+        <a:font script="Arab" typeface="Arial"/>
+        <a:font script="Hebr" typeface="Arial"/>
+        <a:font script="Thai" typeface="Cordia New"/>
+        <a:font script="Ethi" typeface="Nyala"/>
+        <a:font script="Beng" typeface="Vrinda"/>
+        <a:font script="Gujr" typeface="Shruti"/>
+        <a:font script="Khmr" typeface="DaunPenh"/>
+        <a:font script="Knda" typeface="Tunga"/>
+        <a:font script="Guru" typeface="Raavi"/>
+        <a:font script="Cans" typeface="Euphemia"/>
+        <a:font script="Cher" typeface="Plantagenet Cherokee"/>
+        <a:font script="Yiii" typeface="Microsoft Yi Baiti"/>
+        <a:font script="Tibt" typeface="Microsoft Himalaya"/>
+        <a:font script="Thaa" typeface="MV Boli"/>
+        <a:font script="Deva" typeface="Mangal"/>
+        <a:font script="Telu" typeface="Gautami"/>
+        <a:font script="Taml" typeface="Latha"/>
+        <a:font script="Syrc" typeface="Estrangelo Edessa"/>
+        <a:font script="Orya" typeface="Kalinga"/>
+        <a:font script="Mlym" typeface="Kartika"/>
+        <a:font script="Laoo" typeface="DokChampa"/>
+        <a:font script="Sinh" typeface="Iskoola Pota"/>
+        <a:font script="Mong" typeface="Mongolian Baiti"/>
+        <a:font script="Viet" typeface="Arial"/>
+        <a:font script="Uigh" typeface="Microsoft Uighur"/>
+        <a:font script="Geor" typeface="Sylfaen"/>
+        <a:font script="Armn" typeface="Arial"/>
+        <a:font script="Bugi" typeface="Leelawadee UI"/>
+        <a:font script="Bopo" typeface="Microsoft JhengHei"/>
+        <a:font script="Java" typeface="Javanese Text"/>
+        <a:font script="Lisu" typeface="Segoe UI"/>
+        <a:font script="Mymr" typeface="Myanmar Text"/>
+        <a:font script="Nkoo" typeface="Ebrima"/>
+        <a:font script="Olck" typeface="Nirmala UI"/>
+        <a:font script="Osma" typeface="Ebrima"/>
+        <a:font script="Phag" typeface="Phagspa"/>
+        <a:font script="Syrn" typeface="Estrangelo Edessa"/>
+        <a:font script="Syrj" typeface="Estrangelo Edessa"/>
+        <a:font script="Syre" typeface="Estrangelo Edessa"/>
+        <a:font script="Sora" typeface="Nirmala UI"/>
+        <a:font script="Tale" typeface="Microsoft Tai Le"/>
+        <a:font script="Talu" typeface="Microsoft New Tai Lue"/>
+        <a:font script="Tfng" typeface="Ebrima"/>
+      </a:minorFont>
+    </a:fontScheme>
+    <a:fmtScheme name="Office">
+      <a:fillStyleLst>
+        <a:solidFill>
+          <a:schemeClr val="phClr"/>
+        </a:solidFill>
+        <a:gradFill rotWithShape="1">
+          <a:gsLst>
+            <a:gs pos="0">
+              <a:schemeClr val="phClr">
+                <a:lumMod val="110000"/>
+                <a:satMod val="105000"/>
+                <a:tint val="67000"/>
+              </a:schemeClr>
+            </a:gs>
+            <a:gs pos="50000">
+              <a:schemeClr val="phClr">
+                <a:lumMod val="105000"/>
+                <a:satMod val="103000"/>
+                <a:tint val="73000"/>
+              </a:schemeClr>
+            </a:gs>
+            <a:gs pos="100000">
+              <a:schemeClr val="phClr">
+                <a:lumMod val="105000"/>
+                <a:satMod val="109000"/>
+                <a:tint val="81000"/>
+              </a:schemeClr>
+            </a:gs>
+          </a:gsLst>
+          <a:lin ang="5400000" scaled="0"/>
+        </a:gradFill>
+        <a:gradFill rotWithShape="1">
+          <a:gsLst>
+            <a:gs pos="0">
+              <a:schemeClr val="phClr">
+                <a:satMod val="103000"/>
+                <a:lumMod val="102000"/>
+                <a:tint val="94000"/>
+              </a:schemeClr>
+            </a:gs>
+            <a:gs pos="50000">
+              <a:schemeClr val="phClr">
+                <a:satMod val="110000"/>
+                <a:lumMod val="100000"/>
+                <a:shade val="100000"/>
+              </a:schemeClr>
+            </a:gs>
+            <a:gs pos="100000">
+              <a:schemeClr val="phClr">
+                <a:lumMod val="99000"/>
+                <a:satMod val="120000"/>
+                <a:shade val="78000"/>
+              </a:schemeClr>
+            </a:gs>
+          </a:gsLst>
+          <a:lin ang="5400000" scaled="0"/>
+        </a:gradFill>
+      </a:fillStyleLst>
+      <a:lnStyleLst>
+        <a:ln w="6350" cap="flat" cmpd="sng" algn="ctr">
+          <a:solidFill>
+            <a:schemeClr val="phClr"/>
+          </a:solidFill>
+          <a:prstDash val="solid"/>
+          <a:miter lim="800000"/>
+        </a:ln>
+        <a:ln w="12700" cap="flat" cmpd="sng" algn="ctr">
+          <a:solidFill>
+            <a:schemeClr val="phClr"/>
+          </a:solidFill>
+          <a:prstDash val="solid"/>
+          <a:miter lim="800000"/>
+        </a:ln>
+        <a:ln w="19050" cap="flat" cmpd="sng" algn="ctr">
+          <a:solidFill>
+            <a:schemeClr val="phClr"/>
+          </a:solidFill>
+          <a:prstDash val="solid"/>
+          <a:miter lim="800000"/>
+        </a:ln>
+      </a:lnStyleLst>
+      <a:effectStyleLst>
+        <a:effectStyle>
+          <a:effectLst/>
+        </a:effectStyle>
+        <a:effectStyle>
+          <a:effectLst/>
+        </a:effectStyle>
+        <a:effectStyle>
+          <a:effectLst>
+            <a:outerShdw blurRad="57150" dist="19050" dir="5400000" algn="ctr" rotWithShape="0">
+              <a:srgbClr val="000000">
+                <a:alpha val="63000"/>
+              </a:srgbClr>
+            </a:outerShdw>
+          </a:effectLst>
+        </a:effectStyle>
+      </a:effectStyleLst>
+      <a:bgFillStyleLst>
+        <a:solidFill>
+          <a:schemeClr val="phClr"/>
+        </a:solidFill>
+        <a:solidFill>
+          <a:schemeClr val="phClr">
+            <a:tint val="95000"/>
+            <a:satMod val="170000"/>
+          </a:schemeClr>
+        </a:solidFill>
+        <a:gradFill rotWithShape="1">
+          <a:gsLst>
+            <a:gs pos="0">
+              <a:schemeClr val="phClr">
+                <a:tint val="93000"/>
+                <a:satMod val="150000"/>
+                <a:shade val="98000"/>
+                <a:lumMod val="102000"/>
+              </a:schemeClr>
+            </a:gs>
+            <a:gs pos="50000">
+              <a:schemeClr val="phClr">
+                <a:tint val="98000"/>
+                <a:satMod val="130000"/>
+                <a:shade val="90000"/>
+                <a:lumMod val="103000"/>
+              </a:schemeClr>
+            </a:gs>
+            <a:gs pos="100000">
+              <a:schemeClr val="phClr">
+                <a:shade val="63000"/>
+                <a:satMod val="120000"/>
+              </a:schemeClr>
+            </a:gs>
+          </a:gsLst>
+          <a:lin ang="5400000" scaled="0"/>
+        </a:gradFill>
+      </a:bgFillStyleLst>
+    </a:fmtScheme>
+  </a:themeElements>
+  <a:objectDefaults/>
+  <a:extraClrSchemeLst/>
+  <a:extLst>
+    <a:ext uri="{05A4C25C-085E-4340-85A3-A5531E510DB2}">
+      <thm15:themeFamily xmlns:thm15="http://schemas.microsoft.com/office/thememl/2012/main" name="Office Theme" id="{62F939B6-93AF-4DB8-9C6B-D6C7DFDC589F}" vid="{4A3C46E8-61CC-4603-A589-7422A47A8E4A}"/>
+    </a:ext>
+  </a:extLst>
+</a:theme>
 </file>